--- a/Aula 07/2023.03.24 Aula 07 – Introdução a Redes Neurais - Redes Multicamadas.pptx
+++ b/Aula 07/2023.03.24 Aula 07 – Introdução a Redes Neurais - Redes Multicamadas.pptx
@@ -238,7 +238,7 @@
             <a:fld id="{4EA5E1ED-E65E-440E-8A4B-5F5DC973F797}" type="datetimeFigureOut">
               <a:rPr lang="pt-BR" smtClean="0"/>
               <a:pPr/>
-              <a:t>20/03/2023</a:t>
+              <a:t>23/03/2023</a:t>
             </a:fld>
             <a:endParaRPr lang="pt-BR"/>
           </a:p>
@@ -554,31 +554,32 @@
           <a:p>
             <a:r>
               <a:rPr lang="pt-BR" dirty="0"/>
-              <a:t>Vocês sabem quem foi que disse isso? Foi o físico Stephen Hawking, lá em 2014... O Hawking era físico </a:t>
+              <a:t>Bom gente, o que nós vimos na ultima aula? Alguém lembra?</a:t>
+            </a:r>
+          </a:p>
+          <a:p>
+            <a:endParaRPr lang="pt-BR" dirty="0"/>
+          </a:p>
+          <a:p>
+            <a:r>
+              <a:rPr lang="pt-BR" dirty="0"/>
+              <a:t>E vocês lembram lá do teste que fizemos com o </a:t>
             </a:r>
             <a:r>
               <a:rPr lang="pt-BR" dirty="0" err="1"/>
-              <a:t>teório</a:t>
+              <a:t>dataset</a:t>
             </a:r>
             <a:r>
               <a:rPr lang="pt-BR" dirty="0"/>
-              <a:t>, igual ao </a:t>
+              <a:t> Isis? </a:t>
             </a:r>
             <a:r>
               <a:rPr lang="pt-BR" dirty="0" err="1"/>
-              <a:t>Sheldo</a:t>
+              <a:t>Pq</a:t>
             </a:r>
             <a:r>
               <a:rPr lang="pt-BR" dirty="0"/>
-              <a:t> do Big Ban </a:t>
-            </a:r>
-            <a:r>
-              <a:rPr lang="pt-BR" dirty="0" err="1"/>
-              <a:t>Theory</a:t>
-            </a:r>
-            <a:r>
-              <a:rPr lang="pt-BR" dirty="0"/>
-              <a:t>. Ele tinha uma doença degenerativa que afetava o seu sistema motor. Ele se comunicava através de uma AI, que identificava o que ele queria dizer via impulsos elétricos mapeados e sugeria novas palavrar para completar a frase que ele queria dizer.</a:t>
+              <a:t> ele só classificava bem uma espécie?</a:t>
             </a:r>
           </a:p>
         </p:txBody>
@@ -601,7 +602,7 @@
             <a:fld id="{FD0942CD-4DA8-49D4-9C3A-BA5FFA832728}" type="slidenum">
               <a:rPr lang="pt-BR" smtClean="0"/>
               <a:pPr/>
-              <a:t>3</a:t>
+              <a:t>2</a:t>
             </a:fld>
             <a:endParaRPr lang="pt-BR"/>
           </a:p>
@@ -610,7 +611,7 @@
     </p:spTree>
     <p:extLst>
       <p:ext uri="{BB962C8B-B14F-4D97-AF65-F5344CB8AC3E}">
-        <p14:creationId xmlns:p14="http://schemas.microsoft.com/office/powerpoint/2010/main" val="1978321259"/>
+        <p14:creationId xmlns:p14="http://schemas.microsoft.com/office/powerpoint/2010/main" val="1064467886"/>
       </p:ext>
     </p:extLst>
   </p:cSld>
@@ -664,14 +665,7 @@
           <a:bodyPr/>
           <a:lstStyle/>
           <a:p>
-            <a:r>
-              <a:rPr lang="pt-BR" dirty="0" err="1"/>
-              <a:t>Robotica</a:t>
-            </a:r>
-            <a:r>
-              <a:rPr lang="pt-BR" dirty="0"/>
-              <a:t>, </a:t>
-            </a:r>
+            <a:endParaRPr lang="pt-BR" dirty="0"/>
           </a:p>
         </p:txBody>
       </p:sp>
@@ -693,7 +687,7 @@
             <a:fld id="{FD0942CD-4DA8-49D4-9C3A-BA5FFA832728}" type="slidenum">
               <a:rPr lang="pt-BR" smtClean="0"/>
               <a:pPr/>
-              <a:t>12</a:t>
+              <a:t>11</a:t>
             </a:fld>
             <a:endParaRPr lang="pt-BR"/>
           </a:p>
@@ -702,7 +696,7 @@
     </p:spTree>
     <p:extLst>
       <p:ext uri="{BB962C8B-B14F-4D97-AF65-F5344CB8AC3E}">
-        <p14:creationId xmlns:p14="http://schemas.microsoft.com/office/powerpoint/2010/main" val="2619793606"/>
+        <p14:creationId xmlns:p14="http://schemas.microsoft.com/office/powerpoint/2010/main" val="3753573801"/>
       </p:ext>
     </p:extLst>
   </p:cSld>
@@ -756,7 +750,14 @@
           <a:bodyPr/>
           <a:lstStyle/>
           <a:p>
-            <a:endParaRPr lang="pt-BR" dirty="0"/>
+            <a:r>
+              <a:rPr lang="pt-BR" dirty="0" err="1"/>
+              <a:t>Robotica</a:t>
+            </a:r>
+            <a:r>
+              <a:rPr lang="pt-BR" dirty="0"/>
+              <a:t>, </a:t>
+            </a:r>
           </a:p>
         </p:txBody>
       </p:sp>
@@ -778,7 +779,7 @@
             <a:fld id="{FD0942CD-4DA8-49D4-9C3A-BA5FFA832728}" type="slidenum">
               <a:rPr lang="pt-BR" smtClean="0"/>
               <a:pPr/>
-              <a:t>13</a:t>
+              <a:t>12</a:t>
             </a:fld>
             <a:endParaRPr lang="pt-BR"/>
           </a:p>
@@ -787,7 +788,7 @@
     </p:spTree>
     <p:extLst>
       <p:ext uri="{BB962C8B-B14F-4D97-AF65-F5344CB8AC3E}">
-        <p14:creationId xmlns:p14="http://schemas.microsoft.com/office/powerpoint/2010/main" val="2073049438"/>
+        <p14:creationId xmlns:p14="http://schemas.microsoft.com/office/powerpoint/2010/main" val="2619793606"/>
       </p:ext>
     </p:extLst>
   </p:cSld>
@@ -841,14 +842,7 @@
           <a:bodyPr/>
           <a:lstStyle/>
           <a:p>
-            <a:r>
-              <a:rPr lang="pt-BR" dirty="0" err="1"/>
-              <a:t>Robotica</a:t>
-            </a:r>
-            <a:r>
-              <a:rPr lang="pt-BR" dirty="0"/>
-              <a:t>, </a:t>
-            </a:r>
+            <a:endParaRPr lang="pt-BR" dirty="0"/>
           </a:p>
         </p:txBody>
       </p:sp>
@@ -870,7 +864,7 @@
             <a:fld id="{FD0942CD-4DA8-49D4-9C3A-BA5FFA832728}" type="slidenum">
               <a:rPr lang="pt-BR" smtClean="0"/>
               <a:pPr/>
-              <a:t>14</a:t>
+              <a:t>13</a:t>
             </a:fld>
             <a:endParaRPr lang="pt-BR"/>
           </a:p>
@@ -879,7 +873,7 @@
     </p:spTree>
     <p:extLst>
       <p:ext uri="{BB962C8B-B14F-4D97-AF65-F5344CB8AC3E}">
-        <p14:creationId xmlns:p14="http://schemas.microsoft.com/office/powerpoint/2010/main" val="900187212"/>
+        <p14:creationId xmlns:p14="http://schemas.microsoft.com/office/powerpoint/2010/main" val="2073049438"/>
       </p:ext>
     </p:extLst>
   </p:cSld>
@@ -933,7 +927,14 @@
           <a:bodyPr/>
           <a:lstStyle/>
           <a:p>
-            <a:endParaRPr lang="pt-BR" dirty="0"/>
+            <a:r>
+              <a:rPr lang="pt-BR" dirty="0" err="1"/>
+              <a:t>Robotica</a:t>
+            </a:r>
+            <a:r>
+              <a:rPr lang="pt-BR" dirty="0"/>
+              <a:t>, </a:t>
+            </a:r>
           </a:p>
         </p:txBody>
       </p:sp>
@@ -955,7 +956,7 @@
             <a:fld id="{FD0942CD-4DA8-49D4-9C3A-BA5FFA832728}" type="slidenum">
               <a:rPr lang="pt-BR" smtClean="0"/>
               <a:pPr/>
-              <a:t>15</a:t>
+              <a:t>14</a:t>
             </a:fld>
             <a:endParaRPr lang="pt-BR"/>
           </a:p>
@@ -964,7 +965,7 @@
     </p:spTree>
     <p:extLst>
       <p:ext uri="{BB962C8B-B14F-4D97-AF65-F5344CB8AC3E}">
-        <p14:creationId xmlns:p14="http://schemas.microsoft.com/office/powerpoint/2010/main" val="1028098969"/>
+        <p14:creationId xmlns:p14="http://schemas.microsoft.com/office/powerpoint/2010/main" val="900187212"/>
       </p:ext>
     </p:extLst>
   </p:cSld>
@@ -1040,7 +1041,7 @@
             <a:fld id="{FD0942CD-4DA8-49D4-9C3A-BA5FFA832728}" type="slidenum">
               <a:rPr lang="pt-BR" smtClean="0"/>
               <a:pPr/>
-              <a:t>16</a:t>
+              <a:t>15</a:t>
             </a:fld>
             <a:endParaRPr lang="pt-BR"/>
           </a:p>
@@ -1049,7 +1050,7 @@
     </p:spTree>
     <p:extLst>
       <p:ext uri="{BB962C8B-B14F-4D97-AF65-F5344CB8AC3E}">
-        <p14:creationId xmlns:p14="http://schemas.microsoft.com/office/powerpoint/2010/main" val="2004100628"/>
+        <p14:creationId xmlns:p14="http://schemas.microsoft.com/office/powerpoint/2010/main" val="1028098969"/>
       </p:ext>
     </p:extLst>
   </p:cSld>
@@ -1125,7 +1126,7 @@
             <a:fld id="{FD0942CD-4DA8-49D4-9C3A-BA5FFA832728}" type="slidenum">
               <a:rPr lang="pt-BR" smtClean="0"/>
               <a:pPr/>
-              <a:t>17</a:t>
+              <a:t>16</a:t>
             </a:fld>
             <a:endParaRPr lang="pt-BR"/>
           </a:p>
@@ -1134,7 +1135,7 @@
     </p:spTree>
     <p:extLst>
       <p:ext uri="{BB962C8B-B14F-4D97-AF65-F5344CB8AC3E}">
-        <p14:creationId xmlns:p14="http://schemas.microsoft.com/office/powerpoint/2010/main" val="75770220"/>
+        <p14:creationId xmlns:p14="http://schemas.microsoft.com/office/powerpoint/2010/main" val="2004100628"/>
       </p:ext>
     </p:extLst>
   </p:cSld>
@@ -1210,7 +1211,7 @@
             <a:fld id="{FD0942CD-4DA8-49D4-9C3A-BA5FFA832728}" type="slidenum">
               <a:rPr lang="pt-BR" smtClean="0"/>
               <a:pPr/>
-              <a:t>18</a:t>
+              <a:t>17</a:t>
             </a:fld>
             <a:endParaRPr lang="pt-BR"/>
           </a:p>
@@ -1219,7 +1220,7 @@
     </p:spTree>
     <p:extLst>
       <p:ext uri="{BB962C8B-B14F-4D97-AF65-F5344CB8AC3E}">
-        <p14:creationId xmlns:p14="http://schemas.microsoft.com/office/powerpoint/2010/main" val="3003809981"/>
+        <p14:creationId xmlns:p14="http://schemas.microsoft.com/office/powerpoint/2010/main" val="75770220"/>
       </p:ext>
     </p:extLst>
   </p:cSld>
@@ -1295,7 +1296,7 @@
             <a:fld id="{FD0942CD-4DA8-49D4-9C3A-BA5FFA832728}" type="slidenum">
               <a:rPr lang="pt-BR" smtClean="0"/>
               <a:pPr/>
-              <a:t>19</a:t>
+              <a:t>18</a:t>
             </a:fld>
             <a:endParaRPr lang="pt-BR"/>
           </a:p>
@@ -1304,7 +1305,7 @@
     </p:spTree>
     <p:extLst>
       <p:ext uri="{BB962C8B-B14F-4D97-AF65-F5344CB8AC3E}">
-        <p14:creationId xmlns:p14="http://schemas.microsoft.com/office/powerpoint/2010/main" val="104874195"/>
+        <p14:creationId xmlns:p14="http://schemas.microsoft.com/office/powerpoint/2010/main" val="3003809981"/>
       </p:ext>
     </p:extLst>
   </p:cSld>
@@ -1380,7 +1381,7 @@
             <a:fld id="{FD0942CD-4DA8-49D4-9C3A-BA5FFA832728}" type="slidenum">
               <a:rPr lang="pt-BR" smtClean="0"/>
               <a:pPr/>
-              <a:t>20</a:t>
+              <a:t>19</a:t>
             </a:fld>
             <a:endParaRPr lang="pt-BR"/>
           </a:p>
@@ -1389,7 +1390,7 @@
     </p:spTree>
     <p:extLst>
       <p:ext uri="{BB962C8B-B14F-4D97-AF65-F5344CB8AC3E}">
-        <p14:creationId xmlns:p14="http://schemas.microsoft.com/office/powerpoint/2010/main" val="2997623308"/>
+        <p14:creationId xmlns:p14="http://schemas.microsoft.com/office/powerpoint/2010/main" val="104874195"/>
       </p:ext>
     </p:extLst>
   </p:cSld>
@@ -1465,7 +1466,7 @@
             <a:fld id="{FD0942CD-4DA8-49D4-9C3A-BA5FFA832728}" type="slidenum">
               <a:rPr lang="pt-BR" smtClean="0"/>
               <a:pPr/>
-              <a:t>21</a:t>
+              <a:t>20</a:t>
             </a:fld>
             <a:endParaRPr lang="pt-BR"/>
           </a:p>
@@ -1474,7 +1475,7 @@
     </p:spTree>
     <p:extLst>
       <p:ext uri="{BB962C8B-B14F-4D97-AF65-F5344CB8AC3E}">
-        <p14:creationId xmlns:p14="http://schemas.microsoft.com/office/powerpoint/2010/main" val="3969717329"/>
+        <p14:creationId xmlns:p14="http://schemas.microsoft.com/office/powerpoint/2010/main" val="2997623308"/>
       </p:ext>
     </p:extLst>
   </p:cSld>
@@ -1530,23 +1531,31 @@
           <a:p>
             <a:r>
               <a:rPr lang="pt-BR" dirty="0"/>
-              <a:t>Já o Rollo Carpenter tem uma visão em cima do muro. O Carpenter é um Cientista focado em pesquisa de IA foi o criador do </a:t>
+              <a:t>Vocês sabem quem foi que disse isso? Foi o físico Stephen Hawking, lá em 2014... O Hawking era físico </a:t>
             </a:r>
             <a:r>
               <a:rPr lang="pt-BR" dirty="0" err="1"/>
-              <a:t>Cleverbot</a:t>
+              <a:t>teório</a:t>
             </a:r>
             <a:r>
               <a:rPr lang="pt-BR" dirty="0"/>
-              <a:t>, um serviço web de </a:t>
+              <a:t>, igual ao </a:t>
             </a:r>
             <a:r>
               <a:rPr lang="pt-BR" dirty="0" err="1"/>
-              <a:t>chatbot</a:t>
+              <a:t>Sheldo</a:t>
             </a:r>
             <a:r>
               <a:rPr lang="pt-BR" dirty="0"/>
-              <a:t> usando ML lançado lá em 2008</a:t>
+              <a:t> do Big Ban </a:t>
+            </a:r>
+            <a:r>
+              <a:rPr lang="pt-BR" dirty="0" err="1"/>
+              <a:t>Theory</a:t>
+            </a:r>
+            <a:r>
+              <a:rPr lang="pt-BR" dirty="0"/>
+              <a:t>. Ele tinha uma doença degenerativa que afetava o seu sistema motor. Ele se comunicava através de uma AI, que identificava o que ele queria dizer via impulsos elétricos mapeados e sugeria novas palavrar para completar a frase que ele queria dizer.</a:t>
             </a:r>
           </a:p>
         </p:txBody>
@@ -1569,7 +1578,7 @@
             <a:fld id="{FD0942CD-4DA8-49D4-9C3A-BA5FFA832728}" type="slidenum">
               <a:rPr lang="pt-BR" smtClean="0"/>
               <a:pPr/>
-              <a:t>4</a:t>
+              <a:t>3</a:t>
             </a:fld>
             <a:endParaRPr lang="pt-BR"/>
           </a:p>
@@ -1578,7 +1587,7 @@
     </p:spTree>
     <p:extLst>
       <p:ext uri="{BB962C8B-B14F-4D97-AF65-F5344CB8AC3E}">
-        <p14:creationId xmlns:p14="http://schemas.microsoft.com/office/powerpoint/2010/main" val="738248081"/>
+        <p14:creationId xmlns:p14="http://schemas.microsoft.com/office/powerpoint/2010/main" val="1978321259"/>
       </p:ext>
     </p:extLst>
   </p:cSld>
@@ -1654,7 +1663,7 @@
             <a:fld id="{FD0942CD-4DA8-49D4-9C3A-BA5FFA832728}" type="slidenum">
               <a:rPr lang="pt-BR" smtClean="0"/>
               <a:pPr/>
-              <a:t>22</a:t>
+              <a:t>21</a:t>
             </a:fld>
             <a:endParaRPr lang="pt-BR"/>
           </a:p>
@@ -1663,7 +1672,7 @@
     </p:spTree>
     <p:extLst>
       <p:ext uri="{BB962C8B-B14F-4D97-AF65-F5344CB8AC3E}">
-        <p14:creationId xmlns:p14="http://schemas.microsoft.com/office/powerpoint/2010/main" val="1543592682"/>
+        <p14:creationId xmlns:p14="http://schemas.microsoft.com/office/powerpoint/2010/main" val="3969717329"/>
       </p:ext>
     </p:extLst>
   </p:cSld>
@@ -1739,7 +1748,7 @@
             <a:fld id="{FD0942CD-4DA8-49D4-9C3A-BA5FFA832728}" type="slidenum">
               <a:rPr lang="pt-BR" smtClean="0"/>
               <a:pPr/>
-              <a:t>23</a:t>
+              <a:t>22</a:t>
             </a:fld>
             <a:endParaRPr lang="pt-BR"/>
           </a:p>
@@ -1748,7 +1757,7 @@
     </p:spTree>
     <p:extLst>
       <p:ext uri="{BB962C8B-B14F-4D97-AF65-F5344CB8AC3E}">
-        <p14:creationId xmlns:p14="http://schemas.microsoft.com/office/powerpoint/2010/main" val="3260744151"/>
+        <p14:creationId xmlns:p14="http://schemas.microsoft.com/office/powerpoint/2010/main" val="1543592682"/>
       </p:ext>
     </p:extLst>
   </p:cSld>
@@ -1824,7 +1833,7 @@
             <a:fld id="{FD0942CD-4DA8-49D4-9C3A-BA5FFA832728}" type="slidenum">
               <a:rPr lang="pt-BR" smtClean="0"/>
               <a:pPr/>
-              <a:t>24</a:t>
+              <a:t>23</a:t>
             </a:fld>
             <a:endParaRPr lang="pt-BR"/>
           </a:p>
@@ -1833,7 +1842,7 @@
     </p:spTree>
     <p:extLst>
       <p:ext uri="{BB962C8B-B14F-4D97-AF65-F5344CB8AC3E}">
-        <p14:creationId xmlns:p14="http://schemas.microsoft.com/office/powerpoint/2010/main" val="1632275789"/>
+        <p14:creationId xmlns:p14="http://schemas.microsoft.com/office/powerpoint/2010/main" val="3260744151"/>
       </p:ext>
     </p:extLst>
   </p:cSld>
@@ -1909,7 +1918,7 @@
             <a:fld id="{FD0942CD-4DA8-49D4-9C3A-BA5FFA832728}" type="slidenum">
               <a:rPr lang="pt-BR" smtClean="0"/>
               <a:pPr/>
-              <a:t>25</a:t>
+              <a:t>24</a:t>
             </a:fld>
             <a:endParaRPr lang="pt-BR"/>
           </a:p>
@@ -1918,7 +1927,7 @@
     </p:spTree>
     <p:extLst>
       <p:ext uri="{BB962C8B-B14F-4D97-AF65-F5344CB8AC3E}">
-        <p14:creationId xmlns:p14="http://schemas.microsoft.com/office/powerpoint/2010/main" val="4242165950"/>
+        <p14:creationId xmlns:p14="http://schemas.microsoft.com/office/powerpoint/2010/main" val="1632275789"/>
       </p:ext>
     </p:extLst>
   </p:cSld>
@@ -1994,7 +2003,7 @@
             <a:fld id="{FD0942CD-4DA8-49D4-9C3A-BA5FFA832728}" type="slidenum">
               <a:rPr lang="pt-BR" smtClean="0"/>
               <a:pPr/>
-              <a:t>26</a:t>
+              <a:t>25</a:t>
             </a:fld>
             <a:endParaRPr lang="pt-BR"/>
           </a:p>
@@ -2003,7 +2012,7 @@
     </p:spTree>
     <p:extLst>
       <p:ext uri="{BB962C8B-B14F-4D97-AF65-F5344CB8AC3E}">
-        <p14:creationId xmlns:p14="http://schemas.microsoft.com/office/powerpoint/2010/main" val="1826856249"/>
+        <p14:creationId xmlns:p14="http://schemas.microsoft.com/office/powerpoint/2010/main" val="4242165950"/>
       </p:ext>
     </p:extLst>
   </p:cSld>
@@ -2079,6 +2088,91 @@
             <a:fld id="{FD0942CD-4DA8-49D4-9C3A-BA5FFA832728}" type="slidenum">
               <a:rPr lang="pt-BR" smtClean="0"/>
               <a:pPr/>
+              <a:t>26</a:t>
+            </a:fld>
+            <a:endParaRPr lang="pt-BR"/>
+          </a:p>
+        </p:txBody>
+      </p:sp>
+    </p:spTree>
+    <p:extLst>
+      <p:ext uri="{BB962C8B-B14F-4D97-AF65-F5344CB8AC3E}">
+        <p14:creationId xmlns:p14="http://schemas.microsoft.com/office/powerpoint/2010/main" val="1826856249"/>
+      </p:ext>
+    </p:extLst>
+  </p:cSld>
+  <p:clrMapOvr>
+    <a:masterClrMapping/>
+  </p:clrMapOvr>
+</p:notes>
+</file>
+
+<file path=ppt/notesSlides/notesSlide26.xml><?xml version="1.0" encoding="utf-8"?>
+<p:notes xmlns:a="http://schemas.openxmlformats.org/drawingml/2006/main" xmlns:r="http://schemas.openxmlformats.org/officeDocument/2006/relationships" xmlns:p="http://schemas.openxmlformats.org/presentationml/2006/main">
+  <p:cSld>
+    <p:spTree>
+      <p:nvGrpSpPr>
+        <p:cNvPr id="1" name=""/>
+        <p:cNvGrpSpPr/>
+        <p:nvPr/>
+      </p:nvGrpSpPr>
+      <p:grpSpPr>
+        <a:xfrm>
+          <a:off x="0" y="0"/>
+          <a:ext cx="0" cy="0"/>
+          <a:chOff x="0" y="0"/>
+          <a:chExt cx="0" cy="0"/>
+        </a:xfrm>
+      </p:grpSpPr>
+      <p:sp>
+        <p:nvSpPr>
+          <p:cNvPr id="2" name="Espaço Reservado para Imagem de Slide 1"/>
+          <p:cNvSpPr>
+            <a:spLocks noGrp="1" noRot="1" noChangeAspect="1"/>
+          </p:cNvSpPr>
+          <p:nvPr>
+            <p:ph type="sldImg"/>
+          </p:nvPr>
+        </p:nvSpPr>
+        <p:spPr/>
+      </p:sp>
+      <p:sp>
+        <p:nvSpPr>
+          <p:cNvPr id="3" name="Espaço Reservado para Anotações 2"/>
+          <p:cNvSpPr>
+            <a:spLocks noGrp="1"/>
+          </p:cNvSpPr>
+          <p:nvPr>
+            <p:ph type="body" idx="1"/>
+          </p:nvPr>
+        </p:nvSpPr>
+        <p:spPr/>
+        <p:txBody>
+          <a:bodyPr/>
+          <a:lstStyle/>
+          <a:p>
+            <a:endParaRPr lang="pt-BR" dirty="0"/>
+          </a:p>
+        </p:txBody>
+      </p:sp>
+      <p:sp>
+        <p:nvSpPr>
+          <p:cNvPr id="4" name="Espaço Reservado para Número de Slide 3"/>
+          <p:cNvSpPr>
+            <a:spLocks noGrp="1"/>
+          </p:cNvSpPr>
+          <p:nvPr>
+            <p:ph type="sldNum" sz="quarter" idx="5"/>
+          </p:nvPr>
+        </p:nvSpPr>
+        <p:spPr/>
+        <p:txBody>
+          <a:bodyPr/>
+          <a:lstStyle/>
+          <a:p>
+            <a:fld id="{FD0942CD-4DA8-49D4-9C3A-BA5FFA832728}" type="slidenum">
+              <a:rPr lang="pt-BR" smtClean="0"/>
+              <a:pPr/>
               <a:t>27</a:t>
             </a:fld>
             <a:endParaRPr lang="pt-BR"/>
@@ -2098,7 +2192,7 @@
 </p:notes>
 </file>
 
-<file path=ppt/notesSlides/notesSlide26.xml><?xml version="1.0" encoding="utf-8"?>
+<file path=ppt/notesSlides/notesSlide27.xml><?xml version="1.0" encoding="utf-8"?>
 <p:notes xmlns:a="http://schemas.openxmlformats.org/drawingml/2006/main" xmlns:r="http://schemas.openxmlformats.org/officeDocument/2006/relationships" xmlns:p="http://schemas.openxmlformats.org/presentationml/2006/main">
   <p:cSld>
     <p:spTree>
@@ -2227,7 +2321,26 @@
           <a:bodyPr/>
           <a:lstStyle/>
           <a:p>
-            <a:endParaRPr lang="pt-BR" dirty="0"/>
+            <a:r>
+              <a:rPr lang="pt-BR" dirty="0"/>
+              <a:t>Já o Rollo Carpenter tem uma visão em cima do muro. O Carpenter é um Cientista focado em pesquisa de IA foi o criador do </a:t>
+            </a:r>
+            <a:r>
+              <a:rPr lang="pt-BR" dirty="0" err="1"/>
+              <a:t>Cleverbot</a:t>
+            </a:r>
+            <a:r>
+              <a:rPr lang="pt-BR" dirty="0"/>
+              <a:t>, um serviço web de </a:t>
+            </a:r>
+            <a:r>
+              <a:rPr lang="pt-BR" dirty="0" err="1"/>
+              <a:t>chatbot</a:t>
+            </a:r>
+            <a:r>
+              <a:rPr lang="pt-BR" dirty="0"/>
+              <a:t> usando ML lançado lá em 2008</a:t>
+            </a:r>
           </a:p>
         </p:txBody>
       </p:sp>
@@ -2249,7 +2362,7 @@
             <a:fld id="{FD0942CD-4DA8-49D4-9C3A-BA5FFA832728}" type="slidenum">
               <a:rPr lang="pt-BR" smtClean="0"/>
               <a:pPr/>
-              <a:t>5</a:t>
+              <a:t>4</a:t>
             </a:fld>
             <a:endParaRPr lang="pt-BR"/>
           </a:p>
@@ -2258,7 +2371,7 @@
     </p:spTree>
     <p:extLst>
       <p:ext uri="{BB962C8B-B14F-4D97-AF65-F5344CB8AC3E}">
-        <p14:creationId xmlns:p14="http://schemas.microsoft.com/office/powerpoint/2010/main" val="1380178414"/>
+        <p14:creationId xmlns:p14="http://schemas.microsoft.com/office/powerpoint/2010/main" val="738248081"/>
       </p:ext>
     </p:extLst>
   </p:cSld>
@@ -2312,7 +2425,19 @@
           <a:bodyPr/>
           <a:lstStyle/>
           <a:p>
+            <a:r>
+              <a:rPr lang="pt-BR" dirty="0"/>
+              <a:t>Já o Elon Musk tem essa visão sobre IA... O que é meio irônico né gente? </a:t>
+            </a:r>
+          </a:p>
+          <a:p>
             <a:endParaRPr lang="pt-BR" dirty="0"/>
+          </a:p>
+          <a:p>
+            <a:r>
+              <a:rPr lang="pt-BR" dirty="0"/>
+              <a:t>Mas porque eu trouxe esses pensamentos para cá?</a:t>
+            </a:r>
           </a:p>
         </p:txBody>
       </p:sp>
@@ -2334,7 +2459,7 @@
             <a:fld id="{FD0942CD-4DA8-49D4-9C3A-BA5FFA832728}" type="slidenum">
               <a:rPr lang="pt-BR" smtClean="0"/>
               <a:pPr/>
-              <a:t>6</a:t>
+              <a:t>5</a:t>
             </a:fld>
             <a:endParaRPr lang="pt-BR"/>
           </a:p>
@@ -2343,7 +2468,7 @@
     </p:spTree>
     <p:extLst>
       <p:ext uri="{BB962C8B-B14F-4D97-AF65-F5344CB8AC3E}">
-        <p14:creationId xmlns:p14="http://schemas.microsoft.com/office/powerpoint/2010/main" val="4194345343"/>
+        <p14:creationId xmlns:p14="http://schemas.microsoft.com/office/powerpoint/2010/main" val="1380178414"/>
       </p:ext>
     </p:extLst>
   </p:cSld>
@@ -2419,7 +2544,7 @@
             <a:fld id="{FD0942CD-4DA8-49D4-9C3A-BA5FFA832728}" type="slidenum">
               <a:rPr lang="pt-BR" smtClean="0"/>
               <a:pPr/>
-              <a:t>7</a:t>
+              <a:t>6</a:t>
             </a:fld>
             <a:endParaRPr lang="pt-BR"/>
           </a:p>
@@ -2428,7 +2553,7 @@
     </p:spTree>
     <p:extLst>
       <p:ext uri="{BB962C8B-B14F-4D97-AF65-F5344CB8AC3E}">
-        <p14:creationId xmlns:p14="http://schemas.microsoft.com/office/powerpoint/2010/main" val="156374214"/>
+        <p14:creationId xmlns:p14="http://schemas.microsoft.com/office/powerpoint/2010/main" val="4194345343"/>
       </p:ext>
     </p:extLst>
   </p:cSld>
@@ -2504,7 +2629,7 @@
             <a:fld id="{FD0942CD-4DA8-49D4-9C3A-BA5FFA832728}" type="slidenum">
               <a:rPr lang="pt-BR" smtClean="0"/>
               <a:pPr/>
-              <a:t>8</a:t>
+              <a:t>7</a:t>
             </a:fld>
             <a:endParaRPr lang="pt-BR"/>
           </a:p>
@@ -2513,7 +2638,7 @@
     </p:spTree>
     <p:extLst>
       <p:ext uri="{BB962C8B-B14F-4D97-AF65-F5344CB8AC3E}">
-        <p14:creationId xmlns:p14="http://schemas.microsoft.com/office/powerpoint/2010/main" val="941453831"/>
+        <p14:creationId xmlns:p14="http://schemas.microsoft.com/office/powerpoint/2010/main" val="156374214"/>
       </p:ext>
     </p:extLst>
   </p:cSld>
@@ -2589,7 +2714,7 @@
             <a:fld id="{FD0942CD-4DA8-49D4-9C3A-BA5FFA832728}" type="slidenum">
               <a:rPr lang="pt-BR" smtClean="0"/>
               <a:pPr/>
-              <a:t>9</a:t>
+              <a:t>8</a:t>
             </a:fld>
             <a:endParaRPr lang="pt-BR"/>
           </a:p>
@@ -2598,7 +2723,7 @@
     </p:spTree>
     <p:extLst>
       <p:ext uri="{BB962C8B-B14F-4D97-AF65-F5344CB8AC3E}">
-        <p14:creationId xmlns:p14="http://schemas.microsoft.com/office/powerpoint/2010/main" val="2703938772"/>
+        <p14:creationId xmlns:p14="http://schemas.microsoft.com/office/powerpoint/2010/main" val="941453831"/>
       </p:ext>
     </p:extLst>
   </p:cSld>
@@ -2674,7 +2799,7 @@
             <a:fld id="{FD0942CD-4DA8-49D4-9C3A-BA5FFA832728}" type="slidenum">
               <a:rPr lang="pt-BR" smtClean="0"/>
               <a:pPr/>
-              <a:t>10</a:t>
+              <a:t>9</a:t>
             </a:fld>
             <a:endParaRPr lang="pt-BR"/>
           </a:p>
@@ -2683,7 +2808,7 @@
     </p:spTree>
     <p:extLst>
       <p:ext uri="{BB962C8B-B14F-4D97-AF65-F5344CB8AC3E}">
-        <p14:creationId xmlns:p14="http://schemas.microsoft.com/office/powerpoint/2010/main" val="1063127099"/>
+        <p14:creationId xmlns:p14="http://schemas.microsoft.com/office/powerpoint/2010/main" val="2703938772"/>
       </p:ext>
     </p:extLst>
   </p:cSld>
@@ -2759,7 +2884,7 @@
             <a:fld id="{FD0942CD-4DA8-49D4-9C3A-BA5FFA832728}" type="slidenum">
               <a:rPr lang="pt-BR" smtClean="0"/>
               <a:pPr/>
-              <a:t>11</a:t>
+              <a:t>10</a:t>
             </a:fld>
             <a:endParaRPr lang="pt-BR"/>
           </a:p>
@@ -2768,7 +2893,7 @@
     </p:spTree>
     <p:extLst>
       <p:ext uri="{BB962C8B-B14F-4D97-AF65-F5344CB8AC3E}">
-        <p14:creationId xmlns:p14="http://schemas.microsoft.com/office/powerpoint/2010/main" val="3753573801"/>
+        <p14:creationId xmlns:p14="http://schemas.microsoft.com/office/powerpoint/2010/main" val="1063127099"/>
       </p:ext>
     </p:extLst>
   </p:cSld>
@@ -2925,7 +3050,7 @@
           <a:p>
             <a:fld id="{1787AD07-0C2A-424C-83EF-FCCF4A0D3BA0}" type="datetime1">
               <a:rPr lang="pt-BR" smtClean="0"/>
-              <a:t>20/03/2023</a:t>
+              <a:t>23/03/2023</a:t>
             </a:fld>
             <a:endParaRPr lang="pt-BR"/>
           </a:p>
@@ -3094,7 +3219,7 @@
           <a:p>
             <a:fld id="{2F92FB66-59C8-46A5-AD82-5DAAFD2DC390}" type="datetime1">
               <a:rPr lang="pt-BR" smtClean="0"/>
-              <a:t>20/03/2023</a:t>
+              <a:t>23/03/2023</a:t>
             </a:fld>
             <a:endParaRPr lang="pt-BR"/>
           </a:p>
@@ -3273,7 +3398,7 @@
           <a:p>
             <a:fld id="{3D5CC8D2-C61E-4471-AD68-1C0D45A8EAFC}" type="datetime1">
               <a:rPr lang="pt-BR" smtClean="0"/>
-              <a:t>20/03/2023</a:t>
+              <a:t>23/03/2023</a:t>
             </a:fld>
             <a:endParaRPr lang="pt-BR"/>
           </a:p>
@@ -3416,7 +3541,7 @@
           <a:p>
             <a:fld id="{C3E38981-C08A-4A29-B885-392FB4EE0709}" type="datetime1">
               <a:rPr lang="pt-BR" smtClean="0"/>
-              <a:t>20/03/2023</a:t>
+              <a:t>23/03/2023</a:t>
             </a:fld>
             <a:endParaRPr lang="en-US" dirty="0"/>
           </a:p>
@@ -3801,7 +3926,7 @@
           <a:p>
             <a:fld id="{2CFE63D7-5B4A-40A4-8FD4-EA63D1010EB7}" type="datetime1">
               <a:rPr lang="pt-BR" smtClean="0"/>
-              <a:t>20/03/2023</a:t>
+              <a:t>23/03/2023</a:t>
             </a:fld>
             <a:endParaRPr lang="en-US" dirty="0"/>
           </a:p>
@@ -4023,7 +4148,7 @@
           <a:p>
             <a:fld id="{A9719147-5557-4D76-A2C3-BF25882771D2}" type="datetime1">
               <a:rPr lang="pt-BR" smtClean="0"/>
-              <a:t>20/03/2023</a:t>
+              <a:t>23/03/2023</a:t>
             </a:fld>
             <a:endParaRPr lang="en-US" dirty="0"/>
           </a:p>
@@ -4336,7 +4461,7 @@
           <a:p>
             <a:fld id="{66250340-7104-44A8-88A9-88532CCE9C1C}" type="datetime1">
               <a:rPr lang="pt-BR" smtClean="0"/>
-              <a:t>20/03/2023</a:t>
+              <a:t>23/03/2023</a:t>
             </a:fld>
             <a:endParaRPr lang="en-US" dirty="0"/>
           </a:p>
@@ -4521,7 +4646,7 @@
           <a:p>
             <a:fld id="{D047EA32-7810-48BE-A9BB-EA3D8AA5AD34}" type="datetime1">
               <a:rPr lang="pt-BR" smtClean="0"/>
-              <a:t>20/03/2023</a:t>
+              <a:t>23/03/2023</a:t>
             </a:fld>
             <a:endParaRPr lang="en-US" dirty="0"/>
           </a:p>
@@ -4669,7 +4794,7 @@
           <a:p>
             <a:fld id="{7C28E9E9-B91F-400E-BE43-87BB4B5C6F4E}" type="datetime1">
               <a:rPr lang="pt-BR" smtClean="0"/>
-              <a:t>20/03/2023</a:t>
+              <a:t>23/03/2023</a:t>
             </a:fld>
             <a:endParaRPr lang="en-US" dirty="0"/>
           </a:p>
@@ -4921,7 +5046,7 @@
           <a:p>
             <a:fld id="{A9E773EA-BFD5-41D4-8CCD-2C9F67DAB481}" type="datetime1">
               <a:rPr lang="pt-BR" smtClean="0"/>
-              <a:t>20/03/2023</a:t>
+              <a:t>23/03/2023</a:t>
             </a:fld>
             <a:endParaRPr lang="pt-BR" dirty="0"/>
           </a:p>
@@ -5123,7 +5248,7 @@
           <a:p>
             <a:fld id="{DAA7C8B6-CF57-4A95-AF6C-A77E6C230ED3}" type="datetime1">
               <a:rPr lang="pt-BR" smtClean="0"/>
-              <a:t>20/03/2023</a:t>
+              <a:t>23/03/2023</a:t>
             </a:fld>
             <a:endParaRPr lang="pt-BR"/>
           </a:p>
@@ -5407,7 +5532,7 @@
           <a:p>
             <a:fld id="{34D50989-24C8-4023-9B0D-A6D249548FD9}" type="datetime1">
               <a:rPr lang="pt-BR" smtClean="0"/>
-              <a:t>20/03/2023</a:t>
+              <a:t>23/03/2023</a:t>
             </a:fld>
             <a:endParaRPr lang="pt-BR"/>
           </a:p>
@@ -5643,7 +5768,7 @@
           <a:p>
             <a:fld id="{8D9BC96A-9776-4585-A439-BC9E2DA226C1}" type="datetime1">
               <a:rPr lang="pt-BR" smtClean="0"/>
-              <a:t>20/03/2023</a:t>
+              <a:t>23/03/2023</a:t>
             </a:fld>
             <a:endParaRPr lang="pt-BR"/>
           </a:p>
@@ -6026,7 +6151,7 @@
           <a:p>
             <a:fld id="{7D12BE36-2922-4567-BD67-201EFA21BF6D}" type="datetime1">
               <a:rPr lang="pt-BR" smtClean="0"/>
-              <a:t>20/03/2023</a:t>
+              <a:t>23/03/2023</a:t>
             </a:fld>
             <a:endParaRPr lang="pt-BR"/>
           </a:p>
@@ -6138,7 +6263,7 @@
           <a:p>
             <a:fld id="{E5B462A9-4B1E-4013-BFB1-FC92225AC2F2}" type="datetime1">
               <a:rPr lang="pt-BR" smtClean="0"/>
-              <a:t>20/03/2023</a:t>
+              <a:t>23/03/2023</a:t>
             </a:fld>
             <a:endParaRPr lang="pt-BR"/>
           </a:p>
@@ -6222,7 +6347,7 @@
           <a:p>
             <a:fld id="{D0E6EC7A-67E7-4978-9BAE-C8F82A40B13B}" type="datetime1">
               <a:rPr lang="pt-BR" smtClean="0"/>
-              <a:t>20/03/2023</a:t>
+              <a:t>23/03/2023</a:t>
             </a:fld>
             <a:endParaRPr lang="pt-BR"/>
           </a:p>
@@ -6504,7 +6629,7 @@
           <a:p>
             <a:fld id="{6E085A4E-80B8-47DD-9D9B-8E1B205CBB30}" type="datetime1">
               <a:rPr lang="pt-BR" smtClean="0"/>
-              <a:t>20/03/2023</a:t>
+              <a:t>23/03/2023</a:t>
             </a:fld>
             <a:endParaRPr lang="pt-BR"/>
           </a:p>
@@ -6763,7 +6888,7 @@
           <a:p>
             <a:fld id="{F4E9A02C-D9AD-4B8C-9B93-B0980E8E86EB}" type="datetime1">
               <a:rPr lang="pt-BR" smtClean="0"/>
-              <a:t>20/03/2023</a:t>
+              <a:t>23/03/2023</a:t>
             </a:fld>
             <a:endParaRPr lang="pt-BR"/>
           </a:p>
@@ -6975,7 +7100,7 @@
           <a:p>
             <a:fld id="{202762D0-3A59-4B14-83BA-8E0FC8A60AB1}" type="datetime1">
               <a:rPr lang="pt-BR" smtClean="0"/>
-              <a:t>20/03/2023</a:t>
+              <a:t>23/03/2023</a:t>
             </a:fld>
             <a:endParaRPr lang="pt-BR"/>
           </a:p>
@@ -8421,13 +8546,13 @@
   <p:clrMapOvr>
     <a:masterClrMapping/>
   </p:clrMapOvr>
-  <mc:AlternateContent xmlns:mc="http://schemas.openxmlformats.org/markup-compatibility/2006">
-    <mc:Choice xmlns:p14="http://schemas.microsoft.com/office/powerpoint/2010/main" Requires="p14">
+  <mc:AlternateContent xmlns:mc="http://schemas.openxmlformats.org/markup-compatibility/2006" xmlns:p14="http://schemas.microsoft.com/office/powerpoint/2010/main">
+    <mc:Choice Requires="p14">
       <p:transition spd="med" p14:dur="700">
         <p:fade/>
       </p:transition>
     </mc:Choice>
-    <mc:Fallback>
+    <mc:Fallback xmlns="">
       <p:transition spd="med">
         <p:fade/>
       </p:transition>
@@ -9124,13 +9249,13 @@
   <p:clrMapOvr>
     <a:masterClrMapping/>
   </p:clrMapOvr>
-  <mc:AlternateContent xmlns:mc="http://schemas.openxmlformats.org/markup-compatibility/2006">
-    <mc:Choice xmlns:p14="http://schemas.microsoft.com/office/powerpoint/2010/main" Requires="p14">
+  <mc:AlternateContent xmlns:mc="http://schemas.openxmlformats.org/markup-compatibility/2006" xmlns:p14="http://schemas.microsoft.com/office/powerpoint/2010/main">
+    <mc:Choice Requires="p14">
       <p:transition spd="med" p14:dur="700">
         <p:fade/>
       </p:transition>
     </mc:Choice>
-    <mc:Fallback>
+    <mc:Fallback xmlns="">
       <p:transition spd="med">
         <p:fade/>
       </p:transition>
@@ -10016,13 +10141,13 @@
   <p:clrMapOvr>
     <a:masterClrMapping/>
   </p:clrMapOvr>
-  <mc:AlternateContent xmlns:mc="http://schemas.openxmlformats.org/markup-compatibility/2006">
-    <mc:Choice xmlns:p14="http://schemas.microsoft.com/office/powerpoint/2010/main" Requires="p14">
+  <mc:AlternateContent xmlns:mc="http://schemas.openxmlformats.org/markup-compatibility/2006" xmlns:p14="http://schemas.microsoft.com/office/powerpoint/2010/main">
+    <mc:Choice Requires="p14">
       <p:transition spd="med" p14:dur="700">
         <p:fade/>
       </p:transition>
     </mc:Choice>
-    <mc:Fallback>
+    <mc:Fallback xmlns="">
       <p:transition spd="med">
         <p:fade/>
       </p:transition>
@@ -10218,13 +10343,13 @@
   <p:clrMapOvr>
     <a:masterClrMapping/>
   </p:clrMapOvr>
-  <mc:AlternateContent xmlns:mc="http://schemas.openxmlformats.org/markup-compatibility/2006">
-    <mc:Choice xmlns:p14="http://schemas.microsoft.com/office/powerpoint/2010/main" Requires="p14">
+  <mc:AlternateContent xmlns:mc="http://schemas.openxmlformats.org/markup-compatibility/2006" xmlns:p14="http://schemas.microsoft.com/office/powerpoint/2010/main">
+    <mc:Choice Requires="p14">
       <p:transition spd="med" p14:dur="700">
         <p:fade/>
       </p:transition>
     </mc:Choice>
-    <mc:Fallback>
+    <mc:Fallback xmlns="">
       <p:transition spd="med">
         <p:fade/>
       </p:transition>
@@ -10514,13 +10639,13 @@
   <p:clrMapOvr>
     <a:masterClrMapping/>
   </p:clrMapOvr>
-  <mc:AlternateContent xmlns:mc="http://schemas.openxmlformats.org/markup-compatibility/2006">
-    <mc:Choice xmlns:p14="http://schemas.microsoft.com/office/powerpoint/2010/main" Requires="p14">
+  <mc:AlternateContent xmlns:mc="http://schemas.openxmlformats.org/markup-compatibility/2006" xmlns:p14="http://schemas.microsoft.com/office/powerpoint/2010/main">
+    <mc:Choice Requires="p14">
       <p:transition spd="med" p14:dur="700">
         <p:fade/>
       </p:transition>
     </mc:Choice>
-    <mc:Fallback>
+    <mc:Fallback xmlns="">
       <p:transition spd="med">
         <p:fade/>
       </p:transition>
@@ -10750,13 +10875,13 @@
   <p:clrMapOvr>
     <a:masterClrMapping/>
   </p:clrMapOvr>
-  <mc:AlternateContent xmlns:mc="http://schemas.openxmlformats.org/markup-compatibility/2006">
-    <mc:Choice xmlns:p14="http://schemas.microsoft.com/office/powerpoint/2010/main" Requires="p14">
+  <mc:AlternateContent xmlns:mc="http://schemas.openxmlformats.org/markup-compatibility/2006" xmlns:p14="http://schemas.microsoft.com/office/powerpoint/2010/main">
+    <mc:Choice Requires="p14">
       <p:transition spd="med" p14:dur="700">
         <p:fade/>
       </p:transition>
     </mc:Choice>
-    <mc:Fallback>
+    <mc:Fallback xmlns="">
       <p:transition spd="med">
         <p:fade/>
       </p:transition>
@@ -10922,13 +11047,13 @@
   <p:clrMapOvr>
     <a:masterClrMapping/>
   </p:clrMapOvr>
-  <mc:AlternateContent xmlns:mc="http://schemas.openxmlformats.org/markup-compatibility/2006">
-    <mc:Choice xmlns:p14="http://schemas.microsoft.com/office/powerpoint/2010/main" Requires="p14">
+  <mc:AlternateContent xmlns:mc="http://schemas.openxmlformats.org/markup-compatibility/2006" xmlns:p14="http://schemas.microsoft.com/office/powerpoint/2010/main">
+    <mc:Choice Requires="p14">
       <p:transition spd="med" p14:dur="700">
         <p:fade/>
       </p:transition>
     </mc:Choice>
-    <mc:Fallback>
+    <mc:Fallback xmlns="">
       <p:transition spd="med">
         <p:fade/>
       </p:transition>
@@ -11136,13 +11261,13 @@
   <p:clrMapOvr>
     <a:masterClrMapping/>
   </p:clrMapOvr>
-  <mc:AlternateContent xmlns:mc="http://schemas.openxmlformats.org/markup-compatibility/2006">
-    <mc:Choice xmlns:p14="http://schemas.microsoft.com/office/powerpoint/2010/main" Requires="p14">
+  <mc:AlternateContent xmlns:mc="http://schemas.openxmlformats.org/markup-compatibility/2006" xmlns:p14="http://schemas.microsoft.com/office/powerpoint/2010/main">
+    <mc:Choice Requires="p14">
       <p:transition spd="med" p14:dur="700">
         <p:fade/>
       </p:transition>
     </mc:Choice>
-    <mc:Fallback>
+    <mc:Fallback xmlns="">
       <p:transition spd="med">
         <p:fade/>
       </p:transition>
@@ -11446,13 +11571,13 @@
   <p:clrMapOvr>
     <a:masterClrMapping/>
   </p:clrMapOvr>
-  <mc:AlternateContent xmlns:mc="http://schemas.openxmlformats.org/markup-compatibility/2006">
-    <mc:Choice xmlns:p14="http://schemas.microsoft.com/office/powerpoint/2010/main" Requires="p14">
+  <mc:AlternateContent xmlns:mc="http://schemas.openxmlformats.org/markup-compatibility/2006" xmlns:p14="http://schemas.microsoft.com/office/powerpoint/2010/main">
+    <mc:Choice Requires="p14">
       <p:transition spd="med" p14:dur="700">
         <p:fade/>
       </p:transition>
     </mc:Choice>
-    <mc:Fallback>
+    <mc:Fallback xmlns="">
       <p:transition spd="med">
         <p:fade/>
       </p:transition>
@@ -11552,7 +11677,7 @@
           <p:nvPr/>
         </p:nvPicPr>
         <p:blipFill>
-          <a:blip r:embed="rId2"/>
+          <a:blip r:embed="rId3"/>
           <a:stretch>
             <a:fillRect/>
           </a:stretch>
@@ -11576,7 +11701,7 @@
           <p:nvPr/>
         </p:nvPicPr>
         <p:blipFill>
-          <a:blip r:embed="rId3"/>
+          <a:blip r:embed="rId4"/>
           <a:stretch>
             <a:fillRect/>
           </a:stretch>
@@ -13005,13 +13130,13 @@
   <p:clrMapOvr>
     <a:masterClrMapping/>
   </p:clrMapOvr>
-  <mc:AlternateContent xmlns:mc="http://schemas.openxmlformats.org/markup-compatibility/2006">
-    <mc:Choice xmlns:p14="http://schemas.microsoft.com/office/powerpoint/2010/main" Requires="p14">
+  <mc:AlternateContent xmlns:mc="http://schemas.openxmlformats.org/markup-compatibility/2006" xmlns:p14="http://schemas.microsoft.com/office/powerpoint/2010/main">
+    <mc:Choice Requires="p14">
       <p:transition spd="med" p14:dur="700">
         <p:fade/>
       </p:transition>
     </mc:Choice>
-    <mc:Fallback>
+    <mc:Fallback xmlns="">
       <p:transition spd="med">
         <p:fade/>
       </p:transition>
@@ -13078,8 +13203,8 @@
           </a:p>
         </p:txBody>
       </p:sp>
-      <mc:AlternateContent xmlns:mc="http://schemas.openxmlformats.org/markup-compatibility/2006">
-        <mc:Choice xmlns:a14="http://schemas.microsoft.com/office/drawing/2010/main" Requires="a14">
+      <mc:AlternateContent xmlns:mc="http://schemas.openxmlformats.org/markup-compatibility/2006" xmlns:a14="http://schemas.microsoft.com/office/drawing/2010/main">
+        <mc:Choice Requires="a14">
           <p:sp>
             <p:nvSpPr>
               <p:cNvPr id="2" name="TextBox 6">
@@ -13239,7 +13364,7 @@
             </p:txBody>
           </p:sp>
         </mc:Choice>
-        <mc:Fallback>
+        <mc:Fallback xmlns="">
           <p:sp>
             <p:nvSpPr>
               <p:cNvPr id="2" name="TextBox 6">
@@ -13324,13 +13449,13 @@
   <p:clrMapOvr>
     <a:masterClrMapping/>
   </p:clrMapOvr>
-  <mc:AlternateContent xmlns:mc="http://schemas.openxmlformats.org/markup-compatibility/2006">
-    <mc:Choice xmlns:p14="http://schemas.microsoft.com/office/powerpoint/2010/main" Requires="p14">
+  <mc:AlternateContent xmlns:mc="http://schemas.openxmlformats.org/markup-compatibility/2006" xmlns:p14="http://schemas.microsoft.com/office/powerpoint/2010/main">
+    <mc:Choice Requires="p14">
       <p:transition spd="med" p14:dur="700">
         <p:fade/>
       </p:transition>
     </mc:Choice>
-    <mc:Fallback>
+    <mc:Fallback xmlns="">
       <p:transition spd="med">
         <p:fade/>
       </p:transition>
@@ -13427,8 +13552,8 @@
           </a:prstGeom>
         </p:spPr>
       </p:pic>
-      <mc:AlternateContent xmlns:mc="http://schemas.openxmlformats.org/markup-compatibility/2006">
-        <mc:Choice xmlns:a14="http://schemas.microsoft.com/office/drawing/2010/main" Requires="a14">
+      <mc:AlternateContent xmlns:mc="http://schemas.openxmlformats.org/markup-compatibility/2006" xmlns:a14="http://schemas.microsoft.com/office/drawing/2010/main">
+        <mc:Choice Requires="a14">
           <p:sp>
             <p:nvSpPr>
               <p:cNvPr id="6" name="TextBox 6">
@@ -13588,7 +13713,7 @@
             </p:txBody>
           </p:sp>
         </mc:Choice>
-        <mc:Fallback>
+        <mc:Fallback xmlns="">
           <p:sp>
             <p:nvSpPr>
               <p:cNvPr id="6" name="TextBox 6">
@@ -13643,13 +13768,13 @@
   <p:clrMapOvr>
     <a:masterClrMapping/>
   </p:clrMapOvr>
-  <mc:AlternateContent xmlns:mc="http://schemas.openxmlformats.org/markup-compatibility/2006">
-    <mc:Choice xmlns:p14="http://schemas.microsoft.com/office/powerpoint/2010/main" Requires="p14">
+  <mc:AlternateContent xmlns:mc="http://schemas.openxmlformats.org/markup-compatibility/2006" xmlns:p14="http://schemas.microsoft.com/office/powerpoint/2010/main">
+    <mc:Choice Requires="p14">
       <p:transition spd="med" p14:dur="700">
         <p:fade/>
       </p:transition>
     </mc:Choice>
-    <mc:Fallback>
+    <mc:Fallback xmlns="">
       <p:transition spd="med">
         <p:fade/>
       </p:transition>
@@ -13746,8 +13871,8 @@
           </a:prstGeom>
         </p:spPr>
       </p:pic>
-      <mc:AlternateContent xmlns:mc="http://schemas.openxmlformats.org/markup-compatibility/2006">
-        <mc:Choice xmlns:a14="http://schemas.microsoft.com/office/drawing/2010/main" Requires="a14">
+      <mc:AlternateContent xmlns:mc="http://schemas.openxmlformats.org/markup-compatibility/2006" xmlns:a14="http://schemas.microsoft.com/office/drawing/2010/main">
+        <mc:Choice Requires="a14">
           <p:sp>
             <p:nvSpPr>
               <p:cNvPr id="6" name="TextBox 6">
@@ -13907,7 +14032,7 @@
             </p:txBody>
           </p:sp>
         </mc:Choice>
-        <mc:Fallback>
+        <mc:Fallback xmlns="">
           <p:sp>
             <p:nvSpPr>
               <p:cNvPr id="6" name="TextBox 6">
@@ -13962,13 +14087,13 @@
   <p:clrMapOvr>
     <a:masterClrMapping/>
   </p:clrMapOvr>
-  <mc:AlternateContent xmlns:mc="http://schemas.openxmlformats.org/markup-compatibility/2006">
-    <mc:Choice xmlns:p14="http://schemas.microsoft.com/office/powerpoint/2010/main" Requires="p14">
+  <mc:AlternateContent xmlns:mc="http://schemas.openxmlformats.org/markup-compatibility/2006" xmlns:p14="http://schemas.microsoft.com/office/powerpoint/2010/main">
+    <mc:Choice Requires="p14">
       <p:transition spd="med" p14:dur="700">
         <p:fade/>
       </p:transition>
     </mc:Choice>
-    <mc:Fallback>
+    <mc:Fallback xmlns="">
       <p:transition spd="med">
         <p:fade/>
       </p:transition>
@@ -14035,8 +14160,8 @@
           </a:p>
         </p:txBody>
       </p:sp>
-      <mc:AlternateContent xmlns:mc="http://schemas.openxmlformats.org/markup-compatibility/2006">
-        <mc:Choice xmlns:a14="http://schemas.microsoft.com/office/drawing/2010/main" Requires="a14">
+      <mc:AlternateContent xmlns:mc="http://schemas.openxmlformats.org/markup-compatibility/2006" xmlns:a14="http://schemas.microsoft.com/office/drawing/2010/main">
+        <mc:Choice Requires="a14">
           <p:sp>
             <p:nvSpPr>
               <p:cNvPr id="2" name="TextBox 6">
@@ -14224,7 +14349,7 @@
             </p:txBody>
           </p:sp>
         </mc:Choice>
-        <mc:Fallback>
+        <mc:Fallback xmlns="">
           <p:sp>
             <p:nvSpPr>
               <p:cNvPr id="2" name="TextBox 6">
@@ -14309,13 +14434,13 @@
   <p:clrMapOvr>
     <a:masterClrMapping/>
   </p:clrMapOvr>
-  <mc:AlternateContent xmlns:mc="http://schemas.openxmlformats.org/markup-compatibility/2006">
-    <mc:Choice xmlns:p14="http://schemas.microsoft.com/office/powerpoint/2010/main" Requires="p14">
+  <mc:AlternateContent xmlns:mc="http://schemas.openxmlformats.org/markup-compatibility/2006" xmlns:p14="http://schemas.microsoft.com/office/powerpoint/2010/main">
+    <mc:Choice Requires="p14">
       <p:transition spd="med" p14:dur="700">
         <p:fade/>
       </p:transition>
     </mc:Choice>
-    <mc:Fallback>
+    <mc:Fallback xmlns="">
       <p:transition spd="med">
         <p:fade/>
       </p:transition>
@@ -14466,8 +14591,8 @@
           </a:p>
         </p:txBody>
       </p:sp>
-      <mc:AlternateContent xmlns:mc="http://schemas.openxmlformats.org/markup-compatibility/2006">
-        <mc:Choice xmlns:a14="http://schemas.microsoft.com/office/drawing/2010/main" Requires="a14">
+      <mc:AlternateContent xmlns:mc="http://schemas.openxmlformats.org/markup-compatibility/2006" xmlns:a14="http://schemas.microsoft.com/office/drawing/2010/main">
+        <mc:Choice Requires="a14">
           <p:sp>
             <p:nvSpPr>
               <p:cNvPr id="7" name="TextBox 6">
@@ -14655,7 +14780,7 @@
             </p:txBody>
           </p:sp>
         </mc:Choice>
-        <mc:Fallback>
+        <mc:Fallback xmlns="">
           <p:sp>
             <p:nvSpPr>
               <p:cNvPr id="7" name="TextBox 6">
@@ -14710,13 +14835,13 @@
   <p:clrMapOvr>
     <a:masterClrMapping/>
   </p:clrMapOvr>
-  <mc:AlternateContent xmlns:mc="http://schemas.openxmlformats.org/markup-compatibility/2006">
-    <mc:Choice xmlns:p14="http://schemas.microsoft.com/office/powerpoint/2010/main" Requires="p14">
+  <mc:AlternateContent xmlns:mc="http://schemas.openxmlformats.org/markup-compatibility/2006" xmlns:p14="http://schemas.microsoft.com/office/powerpoint/2010/main">
+    <mc:Choice Requires="p14">
       <p:transition spd="med" p14:dur="700">
         <p:fade/>
       </p:transition>
     </mc:Choice>
-    <mc:Fallback>
+    <mc:Fallback xmlns="">
       <p:transition spd="med">
         <p:fade/>
       </p:transition>
@@ -14813,8 +14938,8 @@
           </a:prstGeom>
         </p:spPr>
       </p:pic>
-      <mc:AlternateContent xmlns:mc="http://schemas.openxmlformats.org/markup-compatibility/2006">
-        <mc:Choice xmlns:a14="http://schemas.microsoft.com/office/drawing/2010/main" Requires="a14">
+      <mc:AlternateContent xmlns:mc="http://schemas.openxmlformats.org/markup-compatibility/2006" xmlns:a14="http://schemas.microsoft.com/office/drawing/2010/main">
+        <mc:Choice Requires="a14">
           <p:sp>
             <p:nvSpPr>
               <p:cNvPr id="3" name="TextBox 6">
@@ -14924,7 +15049,7 @@
             </p:txBody>
           </p:sp>
         </mc:Choice>
-        <mc:Fallback>
+        <mc:Fallback xmlns="">
           <p:sp>
             <p:nvSpPr>
               <p:cNvPr id="3" name="TextBox 6">
@@ -14979,13 +15104,13 @@
   <p:clrMapOvr>
     <a:masterClrMapping/>
   </p:clrMapOvr>
-  <mc:AlternateContent xmlns:mc="http://schemas.openxmlformats.org/markup-compatibility/2006">
-    <mc:Choice xmlns:p14="http://schemas.microsoft.com/office/powerpoint/2010/main" Requires="p14">
+  <mc:AlternateContent xmlns:mc="http://schemas.openxmlformats.org/markup-compatibility/2006" xmlns:p14="http://schemas.microsoft.com/office/powerpoint/2010/main">
+    <mc:Choice Requires="p14">
       <p:transition spd="med" p14:dur="700">
         <p:fade/>
       </p:transition>
     </mc:Choice>
-    <mc:Fallback>
+    <mc:Fallback xmlns="">
       <p:transition spd="med">
         <p:fade/>
       </p:transition>
@@ -15052,8 +15177,8 @@
           </a:p>
         </p:txBody>
       </p:sp>
-      <mc:AlternateContent xmlns:mc="http://schemas.openxmlformats.org/markup-compatibility/2006">
-        <mc:Choice xmlns:a14="http://schemas.microsoft.com/office/drawing/2010/main" Requires="a14">
+      <mc:AlternateContent xmlns:mc="http://schemas.openxmlformats.org/markup-compatibility/2006" xmlns:a14="http://schemas.microsoft.com/office/drawing/2010/main">
+        <mc:Choice Requires="a14">
           <p:sp>
             <p:nvSpPr>
               <p:cNvPr id="3" name="TextBox 6">
@@ -15163,7 +15288,7 @@
             </p:txBody>
           </p:sp>
         </mc:Choice>
-        <mc:Fallback>
+        <mc:Fallback xmlns="">
           <p:sp>
             <p:nvSpPr>
               <p:cNvPr id="3" name="TextBox 6">
@@ -15302,13 +15427,13 @@
   <p:clrMapOvr>
     <a:masterClrMapping/>
   </p:clrMapOvr>
-  <mc:AlternateContent xmlns:mc="http://schemas.openxmlformats.org/markup-compatibility/2006">
-    <mc:Choice xmlns:p14="http://schemas.microsoft.com/office/powerpoint/2010/main" Requires="p14">
+  <mc:AlternateContent xmlns:mc="http://schemas.openxmlformats.org/markup-compatibility/2006" xmlns:p14="http://schemas.microsoft.com/office/powerpoint/2010/main">
+    <mc:Choice Requires="p14">
       <p:transition spd="med" p14:dur="700">
         <p:fade/>
       </p:transition>
     </mc:Choice>
-    <mc:Fallback>
+    <mc:Fallback xmlns="">
       <p:transition spd="med">
         <p:fade/>
       </p:transition>
@@ -15411,8 +15536,8 @@
           </a:prstGeom>
         </p:spPr>
       </p:pic>
-      <mc:AlternateContent xmlns:mc="http://schemas.openxmlformats.org/markup-compatibility/2006">
-        <mc:Choice xmlns:a14="http://schemas.microsoft.com/office/drawing/2010/main" Requires="a14">
+      <mc:AlternateContent xmlns:mc="http://schemas.openxmlformats.org/markup-compatibility/2006" xmlns:a14="http://schemas.microsoft.com/office/drawing/2010/main">
+        <mc:Choice Requires="a14">
           <p:sp>
             <p:nvSpPr>
               <p:cNvPr id="8" name="TextBox 6">
@@ -15787,7 +15912,7 @@
             </p:txBody>
           </p:sp>
         </mc:Choice>
-        <mc:Fallback>
+        <mc:Fallback xmlns="">
           <p:sp>
             <p:nvSpPr>
               <p:cNvPr id="8" name="TextBox 6">
@@ -15842,13 +15967,13 @@
   <p:clrMapOvr>
     <a:masterClrMapping/>
   </p:clrMapOvr>
-  <mc:AlternateContent xmlns:mc="http://schemas.openxmlformats.org/markup-compatibility/2006">
-    <mc:Choice xmlns:p14="http://schemas.microsoft.com/office/powerpoint/2010/main" Requires="p14">
+  <mc:AlternateContent xmlns:mc="http://schemas.openxmlformats.org/markup-compatibility/2006" xmlns:p14="http://schemas.microsoft.com/office/powerpoint/2010/main">
+    <mc:Choice Requires="p14">
       <p:transition spd="med" p14:dur="700">
         <p:fade/>
       </p:transition>
     </mc:Choice>
-    <mc:Fallback>
+    <mc:Fallback xmlns="">
       <p:transition spd="med">
         <p:fade/>
       </p:transition>
@@ -17634,13 +17759,13 @@
   <p:clrMapOvr>
     <a:masterClrMapping/>
   </p:clrMapOvr>
-  <mc:AlternateContent xmlns:mc="http://schemas.openxmlformats.org/markup-compatibility/2006">
-    <mc:Choice xmlns:p14="http://schemas.microsoft.com/office/powerpoint/2010/main" Requires="p14">
+  <mc:AlternateContent xmlns:mc="http://schemas.openxmlformats.org/markup-compatibility/2006" xmlns:p14="http://schemas.microsoft.com/office/powerpoint/2010/main">
+    <mc:Choice Requires="p14">
       <p:transition spd="med" p14:dur="700">
         <p:fade/>
       </p:transition>
     </mc:Choice>
-    <mc:Fallback>
+    <mc:Fallback xmlns="">
       <p:transition spd="med">
         <p:fade/>
       </p:transition>
@@ -18120,13 +18245,13 @@
   <p:clrMapOvr>
     <a:masterClrMapping/>
   </p:clrMapOvr>
-  <mc:AlternateContent xmlns:mc="http://schemas.openxmlformats.org/markup-compatibility/2006">
-    <mc:Choice xmlns:p14="http://schemas.microsoft.com/office/powerpoint/2010/main" Requires="p14">
+  <mc:AlternateContent xmlns:mc="http://schemas.openxmlformats.org/markup-compatibility/2006" xmlns:p14="http://schemas.microsoft.com/office/powerpoint/2010/main">
+    <mc:Choice Requires="p14">
       <p:transition spd="med" p14:dur="700">
         <p:fade/>
       </p:transition>
     </mc:Choice>
-    <mc:Fallback>
+    <mc:Fallback xmlns="">
       <p:transition spd="med">
         <p:fade/>
       </p:transition>
@@ -18465,8 +18590,8 @@
           </a:p>
         </p:txBody>
       </p:sp>
-      <mc:AlternateContent xmlns:mc="http://schemas.openxmlformats.org/markup-compatibility/2006">
-        <mc:Choice xmlns:a14="http://schemas.microsoft.com/office/drawing/2010/main" Requires="a14">
+      <mc:AlternateContent xmlns:mc="http://schemas.openxmlformats.org/markup-compatibility/2006" xmlns:a14="http://schemas.microsoft.com/office/drawing/2010/main">
+        <mc:Choice Requires="a14">
           <p:sp>
             <p:nvSpPr>
               <p:cNvPr id="13" name="CaixaDeTexto 12">
@@ -18495,6 +18620,7 @@
               </a:bodyPr>
               <a:lstStyle/>
               <a:p>
+                <a:pPr/>
                 <a14:m>
                   <m:oMathPara xmlns:m="http://schemas.openxmlformats.org/officeDocument/2006/math">
                     <m:oMathParaPr>
@@ -18590,7 +18716,7 @@
             </p:txBody>
           </p:sp>
         </mc:Choice>
-        <mc:Fallback>
+        <mc:Fallback xmlns="">
           <p:sp>
             <p:nvSpPr>
               <p:cNvPr id="13" name="CaixaDeTexto 12">
@@ -18971,13 +19097,13 @@
   <p:clrMapOvr>
     <a:masterClrMapping/>
   </p:clrMapOvr>
-  <mc:AlternateContent xmlns:mc="http://schemas.openxmlformats.org/markup-compatibility/2006">
-    <mc:Choice xmlns:p14="http://schemas.microsoft.com/office/powerpoint/2010/main" Requires="p14">
+  <mc:AlternateContent xmlns:mc="http://schemas.openxmlformats.org/markup-compatibility/2006" xmlns:p14="http://schemas.microsoft.com/office/powerpoint/2010/main">
+    <mc:Choice Requires="p14">
       <p:transition spd="med" p14:dur="700">
         <p:fade/>
       </p:transition>
     </mc:Choice>
-    <mc:Fallback>
+    <mc:Fallback xmlns="">
       <p:transition spd="med">
         <p:fade/>
       </p:transition>
@@ -19904,13 +20030,13 @@
   <p:clrMapOvr>
     <a:masterClrMapping/>
   </p:clrMapOvr>
-  <mc:AlternateContent xmlns:mc="http://schemas.openxmlformats.org/markup-compatibility/2006">
-    <mc:Choice xmlns:p14="http://schemas.microsoft.com/office/powerpoint/2010/main" Requires="p14">
+  <mc:AlternateContent xmlns:mc="http://schemas.openxmlformats.org/markup-compatibility/2006" xmlns:p14="http://schemas.microsoft.com/office/powerpoint/2010/main">
+    <mc:Choice Requires="p14">
       <p:transition spd="med" p14:dur="700">
         <p:fade/>
       </p:transition>
     </mc:Choice>
-    <mc:Fallback>
+    <mc:Fallback xmlns="">
       <p:transition spd="med">
         <p:fade/>
       </p:transition>
@@ -20524,13 +20650,13 @@
   <p:clrMapOvr>
     <a:masterClrMapping/>
   </p:clrMapOvr>
-  <mc:AlternateContent xmlns:mc="http://schemas.openxmlformats.org/markup-compatibility/2006">
-    <mc:Choice xmlns:p14="http://schemas.microsoft.com/office/powerpoint/2010/main" Requires="p14">
+  <mc:AlternateContent xmlns:mc="http://schemas.openxmlformats.org/markup-compatibility/2006" xmlns:p14="http://schemas.microsoft.com/office/powerpoint/2010/main">
+    <mc:Choice Requires="p14">
       <p:transition spd="med" p14:dur="700">
         <p:fade/>
       </p:transition>
     </mc:Choice>
-    <mc:Fallback>
+    <mc:Fallback xmlns="">
       <p:transition spd="med">
         <p:fade/>
       </p:transition>

--- a/Aula 07/2023.03.24 Aula 07 – Introdução a Redes Neurais - Redes Multicamadas.pptx
+++ b/Aula 07/2023.03.24 Aula 07 – Introdução a Redes Neurais - Redes Multicamadas.pptx
@@ -6,7 +6,7 @@
     <p:sldMasterId id="2147483699" r:id="rId2"/>
   </p:sldMasterIdLst>
   <p:notesMasterIdLst>
-    <p:notesMasterId r:id="rId32"/>
+    <p:notesMasterId r:id="rId36"/>
   </p:notesMasterIdLst>
   <p:sldIdLst>
     <p:sldId id="398" r:id="rId3"/>
@@ -25,19 +25,23 @@
     <p:sldId id="866" r:id="rId16"/>
     <p:sldId id="868" r:id="rId17"/>
     <p:sldId id="869" r:id="rId18"/>
-    <p:sldId id="870" r:id="rId19"/>
-    <p:sldId id="871" r:id="rId20"/>
-    <p:sldId id="872" r:id="rId21"/>
-    <p:sldId id="873" r:id="rId22"/>
-    <p:sldId id="874" r:id="rId23"/>
-    <p:sldId id="875" r:id="rId24"/>
-    <p:sldId id="876" r:id="rId25"/>
-    <p:sldId id="877" r:id="rId26"/>
-    <p:sldId id="878" r:id="rId27"/>
-    <p:sldId id="879" r:id="rId28"/>
-    <p:sldId id="880" r:id="rId29"/>
-    <p:sldId id="881" r:id="rId30"/>
-    <p:sldId id="822" r:id="rId31"/>
+    <p:sldId id="883" r:id="rId19"/>
+    <p:sldId id="870" r:id="rId20"/>
+    <p:sldId id="885" r:id="rId21"/>
+    <p:sldId id="871" r:id="rId22"/>
+    <p:sldId id="872" r:id="rId23"/>
+    <p:sldId id="873" r:id="rId24"/>
+    <p:sldId id="874" r:id="rId25"/>
+    <p:sldId id="875" r:id="rId26"/>
+    <p:sldId id="876" r:id="rId27"/>
+    <p:sldId id="877" r:id="rId28"/>
+    <p:sldId id="878" r:id="rId29"/>
+    <p:sldId id="879" r:id="rId30"/>
+    <p:sldId id="880" r:id="rId31"/>
+    <p:sldId id="881" r:id="rId32"/>
+    <p:sldId id="884" r:id="rId33"/>
+    <p:sldId id="882" r:id="rId34"/>
+    <p:sldId id="822" r:id="rId35"/>
   </p:sldIdLst>
   <p:sldSz cx="9144000" cy="6858000" type="screen4x3"/>
   <p:notesSz cx="6858000" cy="9144000"/>
@@ -238,7 +242,7 @@
             <a:fld id="{4EA5E1ED-E65E-440E-8A4B-5F5DC973F797}" type="datetimeFigureOut">
               <a:rPr lang="pt-BR" smtClean="0"/>
               <a:pPr/>
-              <a:t>23/03/2023</a:t>
+              <a:t>24/03/2023</a:t>
             </a:fld>
             <a:endParaRPr lang="pt-BR"/>
           </a:p>
@@ -554,7 +558,24 @@
           <a:p>
             <a:r>
               <a:rPr lang="pt-BR" dirty="0"/>
-              <a:t>Bom gente, o que nós vimos na ultima aula? Alguém lembra?</a:t>
+              <a:t>Bom gente, o que nós vimos na ultima aula? Alguém lembra? A gente falou que RN são para casos muito complexos ou que não possuem uma solução obvia. Algoritmo já existe....</a:t>
+            </a:r>
+          </a:p>
+          <a:p>
+            <a:endParaRPr lang="pt-BR" dirty="0"/>
+          </a:p>
+          <a:p>
+            <a:r>
+              <a:rPr lang="pt-BR" dirty="0"/>
+              <a:t>A gente viu </a:t>
+            </a:r>
+            <a:r>
+              <a:rPr lang="pt-BR" dirty="0" err="1"/>
+              <a:t>neuronio</a:t>
+            </a:r>
+            <a:r>
+              <a:rPr lang="pt-BR" dirty="0"/>
+              <a:t>, e como ele funciona. Entradas, pesos, função de ativação, saída.</a:t>
             </a:r>
           </a:p>
           <a:p>
@@ -1220,7 +1241,7 @@
     </p:spTree>
     <p:extLst>
       <p:ext uri="{BB962C8B-B14F-4D97-AF65-F5344CB8AC3E}">
-        <p14:creationId xmlns:p14="http://schemas.microsoft.com/office/powerpoint/2010/main" val="75770220"/>
+        <p14:creationId xmlns:p14="http://schemas.microsoft.com/office/powerpoint/2010/main" val="929472190"/>
       </p:ext>
     </p:extLst>
   </p:cSld>
@@ -1305,7 +1326,7 @@
     </p:spTree>
     <p:extLst>
       <p:ext uri="{BB962C8B-B14F-4D97-AF65-F5344CB8AC3E}">
-        <p14:creationId xmlns:p14="http://schemas.microsoft.com/office/powerpoint/2010/main" val="3003809981"/>
+        <p14:creationId xmlns:p14="http://schemas.microsoft.com/office/powerpoint/2010/main" val="75770220"/>
       </p:ext>
     </p:extLst>
   </p:cSld>
@@ -1390,7 +1411,7 @@
     </p:spTree>
     <p:extLst>
       <p:ext uri="{BB962C8B-B14F-4D97-AF65-F5344CB8AC3E}">
-        <p14:creationId xmlns:p14="http://schemas.microsoft.com/office/powerpoint/2010/main" val="104874195"/>
+        <p14:creationId xmlns:p14="http://schemas.microsoft.com/office/powerpoint/2010/main" val="2614650826"/>
       </p:ext>
     </p:extLst>
   </p:cSld>
@@ -1475,7 +1496,7 @@
     </p:spTree>
     <p:extLst>
       <p:ext uri="{BB962C8B-B14F-4D97-AF65-F5344CB8AC3E}">
-        <p14:creationId xmlns:p14="http://schemas.microsoft.com/office/powerpoint/2010/main" val="2997623308"/>
+        <p14:creationId xmlns:p14="http://schemas.microsoft.com/office/powerpoint/2010/main" val="3003809981"/>
       </p:ext>
     </p:extLst>
   </p:cSld>
@@ -1531,23 +1552,7 @@
           <a:p>
             <a:r>
               <a:rPr lang="pt-BR" dirty="0"/>
-              <a:t>Vocês sabem quem foi que disse isso? Foi o físico Stephen Hawking, lá em 2014... O Hawking era físico </a:t>
-            </a:r>
-            <a:r>
-              <a:rPr lang="pt-BR" dirty="0" err="1"/>
-              <a:t>teório</a:t>
-            </a:r>
-            <a:r>
-              <a:rPr lang="pt-BR" dirty="0"/>
-              <a:t>, igual ao </a:t>
-            </a:r>
-            <a:r>
-              <a:rPr lang="pt-BR" dirty="0" err="1"/>
-              <a:t>Sheldo</a:t>
-            </a:r>
-            <a:r>
-              <a:rPr lang="pt-BR" dirty="0"/>
-              <a:t> do Big Ban </a:t>
+              <a:t>Vocês sabem quem foi que disse isso? Foi o físico Stephen Hawking, lá em 2014... O Hawking era físico teórico, igual ao Sheldon do Big Ban </a:t>
             </a:r>
             <a:r>
               <a:rPr lang="pt-BR" dirty="0" err="1"/>
@@ -1672,7 +1677,7 @@
     </p:spTree>
     <p:extLst>
       <p:ext uri="{BB962C8B-B14F-4D97-AF65-F5344CB8AC3E}">
-        <p14:creationId xmlns:p14="http://schemas.microsoft.com/office/powerpoint/2010/main" val="3969717329"/>
+        <p14:creationId xmlns:p14="http://schemas.microsoft.com/office/powerpoint/2010/main" val="104874195"/>
       </p:ext>
     </p:extLst>
   </p:cSld>
@@ -1757,7 +1762,7 @@
     </p:spTree>
     <p:extLst>
       <p:ext uri="{BB962C8B-B14F-4D97-AF65-F5344CB8AC3E}">
-        <p14:creationId xmlns:p14="http://schemas.microsoft.com/office/powerpoint/2010/main" val="1543592682"/>
+        <p14:creationId xmlns:p14="http://schemas.microsoft.com/office/powerpoint/2010/main" val="2997623308"/>
       </p:ext>
     </p:extLst>
   </p:cSld>
@@ -1842,7 +1847,7 @@
     </p:spTree>
     <p:extLst>
       <p:ext uri="{BB962C8B-B14F-4D97-AF65-F5344CB8AC3E}">
-        <p14:creationId xmlns:p14="http://schemas.microsoft.com/office/powerpoint/2010/main" val="3260744151"/>
+        <p14:creationId xmlns:p14="http://schemas.microsoft.com/office/powerpoint/2010/main" val="3969717329"/>
       </p:ext>
     </p:extLst>
   </p:cSld>
@@ -1927,7 +1932,7 @@
     </p:spTree>
     <p:extLst>
       <p:ext uri="{BB962C8B-B14F-4D97-AF65-F5344CB8AC3E}">
-        <p14:creationId xmlns:p14="http://schemas.microsoft.com/office/powerpoint/2010/main" val="1632275789"/>
+        <p14:creationId xmlns:p14="http://schemas.microsoft.com/office/powerpoint/2010/main" val="1543592682"/>
       </p:ext>
     </p:extLst>
   </p:cSld>
@@ -2012,7 +2017,7 @@
     </p:spTree>
     <p:extLst>
       <p:ext uri="{BB962C8B-B14F-4D97-AF65-F5344CB8AC3E}">
-        <p14:creationId xmlns:p14="http://schemas.microsoft.com/office/powerpoint/2010/main" val="4242165950"/>
+        <p14:creationId xmlns:p14="http://schemas.microsoft.com/office/powerpoint/2010/main" val="3260744151"/>
       </p:ext>
     </p:extLst>
   </p:cSld>
@@ -2097,7 +2102,7 @@
     </p:spTree>
     <p:extLst>
       <p:ext uri="{BB962C8B-B14F-4D97-AF65-F5344CB8AC3E}">
-        <p14:creationId xmlns:p14="http://schemas.microsoft.com/office/powerpoint/2010/main" val="1826856249"/>
+        <p14:creationId xmlns:p14="http://schemas.microsoft.com/office/powerpoint/2010/main" val="1632275789"/>
       </p:ext>
     </p:extLst>
   </p:cSld>
@@ -2182,7 +2187,7 @@
     </p:spTree>
     <p:extLst>
       <p:ext uri="{BB962C8B-B14F-4D97-AF65-F5344CB8AC3E}">
-        <p14:creationId xmlns:p14="http://schemas.microsoft.com/office/powerpoint/2010/main" val="4266135929"/>
+        <p14:creationId xmlns:p14="http://schemas.microsoft.com/office/powerpoint/2010/main" val="4242165950"/>
       </p:ext>
     </p:extLst>
   </p:cSld>
@@ -2259,6 +2264,176 @@
               <a:rPr lang="pt-BR" smtClean="0"/>
               <a:pPr/>
               <a:t>28</a:t>
+            </a:fld>
+            <a:endParaRPr lang="pt-BR"/>
+          </a:p>
+        </p:txBody>
+      </p:sp>
+    </p:spTree>
+    <p:extLst>
+      <p:ext uri="{BB962C8B-B14F-4D97-AF65-F5344CB8AC3E}">
+        <p14:creationId xmlns:p14="http://schemas.microsoft.com/office/powerpoint/2010/main" val="1826856249"/>
+      </p:ext>
+    </p:extLst>
+  </p:cSld>
+  <p:clrMapOvr>
+    <a:masterClrMapping/>
+  </p:clrMapOvr>
+</p:notes>
+</file>
+
+<file path=ppt/notesSlides/notesSlide28.xml><?xml version="1.0" encoding="utf-8"?>
+<p:notes xmlns:a="http://schemas.openxmlformats.org/drawingml/2006/main" xmlns:r="http://schemas.openxmlformats.org/officeDocument/2006/relationships" xmlns:p="http://schemas.openxmlformats.org/presentationml/2006/main">
+  <p:cSld>
+    <p:spTree>
+      <p:nvGrpSpPr>
+        <p:cNvPr id="1" name=""/>
+        <p:cNvGrpSpPr/>
+        <p:nvPr/>
+      </p:nvGrpSpPr>
+      <p:grpSpPr>
+        <a:xfrm>
+          <a:off x="0" y="0"/>
+          <a:ext cx="0" cy="0"/>
+          <a:chOff x="0" y="0"/>
+          <a:chExt cx="0" cy="0"/>
+        </a:xfrm>
+      </p:grpSpPr>
+      <p:sp>
+        <p:nvSpPr>
+          <p:cNvPr id="2" name="Espaço Reservado para Imagem de Slide 1"/>
+          <p:cNvSpPr>
+            <a:spLocks noGrp="1" noRot="1" noChangeAspect="1"/>
+          </p:cNvSpPr>
+          <p:nvPr>
+            <p:ph type="sldImg"/>
+          </p:nvPr>
+        </p:nvSpPr>
+        <p:spPr/>
+      </p:sp>
+      <p:sp>
+        <p:nvSpPr>
+          <p:cNvPr id="3" name="Espaço Reservado para Anotações 2"/>
+          <p:cNvSpPr>
+            <a:spLocks noGrp="1"/>
+          </p:cNvSpPr>
+          <p:nvPr>
+            <p:ph type="body" idx="1"/>
+          </p:nvPr>
+        </p:nvSpPr>
+        <p:spPr/>
+        <p:txBody>
+          <a:bodyPr/>
+          <a:lstStyle/>
+          <a:p>
+            <a:endParaRPr lang="pt-BR" dirty="0"/>
+          </a:p>
+        </p:txBody>
+      </p:sp>
+      <p:sp>
+        <p:nvSpPr>
+          <p:cNvPr id="4" name="Espaço Reservado para Número de Slide 3"/>
+          <p:cNvSpPr>
+            <a:spLocks noGrp="1"/>
+          </p:cNvSpPr>
+          <p:nvPr>
+            <p:ph type="sldNum" sz="quarter" idx="5"/>
+          </p:nvPr>
+        </p:nvSpPr>
+        <p:spPr/>
+        <p:txBody>
+          <a:bodyPr/>
+          <a:lstStyle/>
+          <a:p>
+            <a:fld id="{FD0942CD-4DA8-49D4-9C3A-BA5FFA832728}" type="slidenum">
+              <a:rPr lang="pt-BR" smtClean="0"/>
+              <a:pPr/>
+              <a:t>29</a:t>
+            </a:fld>
+            <a:endParaRPr lang="pt-BR"/>
+          </a:p>
+        </p:txBody>
+      </p:sp>
+    </p:spTree>
+    <p:extLst>
+      <p:ext uri="{BB962C8B-B14F-4D97-AF65-F5344CB8AC3E}">
+        <p14:creationId xmlns:p14="http://schemas.microsoft.com/office/powerpoint/2010/main" val="4266135929"/>
+      </p:ext>
+    </p:extLst>
+  </p:cSld>
+  <p:clrMapOvr>
+    <a:masterClrMapping/>
+  </p:clrMapOvr>
+</p:notes>
+</file>
+
+<file path=ppt/notesSlides/notesSlide29.xml><?xml version="1.0" encoding="utf-8"?>
+<p:notes xmlns:a="http://schemas.openxmlformats.org/drawingml/2006/main" xmlns:r="http://schemas.openxmlformats.org/officeDocument/2006/relationships" xmlns:p="http://schemas.openxmlformats.org/presentationml/2006/main">
+  <p:cSld>
+    <p:spTree>
+      <p:nvGrpSpPr>
+        <p:cNvPr id="1" name=""/>
+        <p:cNvGrpSpPr/>
+        <p:nvPr/>
+      </p:nvGrpSpPr>
+      <p:grpSpPr>
+        <a:xfrm>
+          <a:off x="0" y="0"/>
+          <a:ext cx="0" cy="0"/>
+          <a:chOff x="0" y="0"/>
+          <a:chExt cx="0" cy="0"/>
+        </a:xfrm>
+      </p:grpSpPr>
+      <p:sp>
+        <p:nvSpPr>
+          <p:cNvPr id="2" name="Espaço Reservado para Imagem de Slide 1"/>
+          <p:cNvSpPr>
+            <a:spLocks noGrp="1" noRot="1" noChangeAspect="1"/>
+          </p:cNvSpPr>
+          <p:nvPr>
+            <p:ph type="sldImg"/>
+          </p:nvPr>
+        </p:nvSpPr>
+        <p:spPr/>
+      </p:sp>
+      <p:sp>
+        <p:nvSpPr>
+          <p:cNvPr id="3" name="Espaço Reservado para Anotações 2"/>
+          <p:cNvSpPr>
+            <a:spLocks noGrp="1"/>
+          </p:cNvSpPr>
+          <p:nvPr>
+            <p:ph type="body" idx="1"/>
+          </p:nvPr>
+        </p:nvSpPr>
+        <p:spPr/>
+        <p:txBody>
+          <a:bodyPr/>
+          <a:lstStyle/>
+          <a:p>
+            <a:endParaRPr lang="pt-BR" dirty="0"/>
+          </a:p>
+        </p:txBody>
+      </p:sp>
+      <p:sp>
+        <p:nvSpPr>
+          <p:cNvPr id="4" name="Espaço Reservado para Número de Slide 3"/>
+          <p:cNvSpPr>
+            <a:spLocks noGrp="1"/>
+          </p:cNvSpPr>
+          <p:nvPr>
+            <p:ph type="sldNum" sz="quarter" idx="5"/>
+          </p:nvPr>
+        </p:nvSpPr>
+        <p:spPr/>
+        <p:txBody>
+          <a:bodyPr/>
+          <a:lstStyle/>
+          <a:p>
+            <a:fld id="{FD0942CD-4DA8-49D4-9C3A-BA5FFA832728}" type="slidenum">
+              <a:rPr lang="pt-BR" smtClean="0"/>
+              <a:pPr/>
+              <a:t>30</a:t>
             </a:fld>
             <a:endParaRPr lang="pt-BR"/>
           </a:p>
@@ -2381,6 +2556,176 @@
 </p:notes>
 </file>
 
+<file path=ppt/notesSlides/notesSlide30.xml><?xml version="1.0" encoding="utf-8"?>
+<p:notes xmlns:a="http://schemas.openxmlformats.org/drawingml/2006/main" xmlns:r="http://schemas.openxmlformats.org/officeDocument/2006/relationships" xmlns:p="http://schemas.openxmlformats.org/presentationml/2006/main">
+  <p:cSld>
+    <p:spTree>
+      <p:nvGrpSpPr>
+        <p:cNvPr id="1" name=""/>
+        <p:cNvGrpSpPr/>
+        <p:nvPr/>
+      </p:nvGrpSpPr>
+      <p:grpSpPr>
+        <a:xfrm>
+          <a:off x="0" y="0"/>
+          <a:ext cx="0" cy="0"/>
+          <a:chOff x="0" y="0"/>
+          <a:chExt cx="0" cy="0"/>
+        </a:xfrm>
+      </p:grpSpPr>
+      <p:sp>
+        <p:nvSpPr>
+          <p:cNvPr id="2" name="Espaço Reservado para Imagem de Slide 1"/>
+          <p:cNvSpPr>
+            <a:spLocks noGrp="1" noRot="1" noChangeAspect="1"/>
+          </p:cNvSpPr>
+          <p:nvPr>
+            <p:ph type="sldImg"/>
+          </p:nvPr>
+        </p:nvSpPr>
+        <p:spPr/>
+      </p:sp>
+      <p:sp>
+        <p:nvSpPr>
+          <p:cNvPr id="3" name="Espaço Reservado para Anotações 2"/>
+          <p:cNvSpPr>
+            <a:spLocks noGrp="1"/>
+          </p:cNvSpPr>
+          <p:nvPr>
+            <p:ph type="body" idx="1"/>
+          </p:nvPr>
+        </p:nvSpPr>
+        <p:spPr/>
+        <p:txBody>
+          <a:bodyPr/>
+          <a:lstStyle/>
+          <a:p>
+            <a:endParaRPr lang="pt-BR" dirty="0"/>
+          </a:p>
+        </p:txBody>
+      </p:sp>
+      <p:sp>
+        <p:nvSpPr>
+          <p:cNvPr id="4" name="Espaço Reservado para Número de Slide 3"/>
+          <p:cNvSpPr>
+            <a:spLocks noGrp="1"/>
+          </p:cNvSpPr>
+          <p:nvPr>
+            <p:ph type="sldNum" sz="quarter" idx="5"/>
+          </p:nvPr>
+        </p:nvSpPr>
+        <p:spPr/>
+        <p:txBody>
+          <a:bodyPr/>
+          <a:lstStyle/>
+          <a:p>
+            <a:fld id="{FD0942CD-4DA8-49D4-9C3A-BA5FFA832728}" type="slidenum">
+              <a:rPr lang="pt-BR" smtClean="0"/>
+              <a:pPr/>
+              <a:t>31</a:t>
+            </a:fld>
+            <a:endParaRPr lang="pt-BR"/>
+          </a:p>
+        </p:txBody>
+      </p:sp>
+    </p:spTree>
+    <p:extLst>
+      <p:ext uri="{BB962C8B-B14F-4D97-AF65-F5344CB8AC3E}">
+        <p14:creationId xmlns:p14="http://schemas.microsoft.com/office/powerpoint/2010/main" val="1951550892"/>
+      </p:ext>
+    </p:extLst>
+  </p:cSld>
+  <p:clrMapOvr>
+    <a:masterClrMapping/>
+  </p:clrMapOvr>
+</p:notes>
+</file>
+
+<file path=ppt/notesSlides/notesSlide31.xml><?xml version="1.0" encoding="utf-8"?>
+<p:notes xmlns:a="http://schemas.openxmlformats.org/drawingml/2006/main" xmlns:r="http://schemas.openxmlformats.org/officeDocument/2006/relationships" xmlns:p="http://schemas.openxmlformats.org/presentationml/2006/main">
+  <p:cSld>
+    <p:spTree>
+      <p:nvGrpSpPr>
+        <p:cNvPr id="1" name=""/>
+        <p:cNvGrpSpPr/>
+        <p:nvPr/>
+      </p:nvGrpSpPr>
+      <p:grpSpPr>
+        <a:xfrm>
+          <a:off x="0" y="0"/>
+          <a:ext cx="0" cy="0"/>
+          <a:chOff x="0" y="0"/>
+          <a:chExt cx="0" cy="0"/>
+        </a:xfrm>
+      </p:grpSpPr>
+      <p:sp>
+        <p:nvSpPr>
+          <p:cNvPr id="2" name="Espaço Reservado para Imagem de Slide 1"/>
+          <p:cNvSpPr>
+            <a:spLocks noGrp="1" noRot="1" noChangeAspect="1"/>
+          </p:cNvSpPr>
+          <p:nvPr>
+            <p:ph type="sldImg"/>
+          </p:nvPr>
+        </p:nvSpPr>
+        <p:spPr/>
+      </p:sp>
+      <p:sp>
+        <p:nvSpPr>
+          <p:cNvPr id="3" name="Espaço Reservado para Anotações 2"/>
+          <p:cNvSpPr>
+            <a:spLocks noGrp="1"/>
+          </p:cNvSpPr>
+          <p:nvPr>
+            <p:ph type="body" idx="1"/>
+          </p:nvPr>
+        </p:nvSpPr>
+        <p:spPr/>
+        <p:txBody>
+          <a:bodyPr/>
+          <a:lstStyle/>
+          <a:p>
+            <a:endParaRPr lang="pt-BR" dirty="0"/>
+          </a:p>
+        </p:txBody>
+      </p:sp>
+      <p:sp>
+        <p:nvSpPr>
+          <p:cNvPr id="4" name="Espaço Reservado para Número de Slide 3"/>
+          <p:cNvSpPr>
+            <a:spLocks noGrp="1"/>
+          </p:cNvSpPr>
+          <p:nvPr>
+            <p:ph type="sldNum" sz="quarter" idx="5"/>
+          </p:nvPr>
+        </p:nvSpPr>
+        <p:spPr/>
+        <p:txBody>
+          <a:bodyPr/>
+          <a:lstStyle/>
+          <a:p>
+            <a:fld id="{FD0942CD-4DA8-49D4-9C3A-BA5FFA832728}" type="slidenum">
+              <a:rPr lang="pt-BR" smtClean="0"/>
+              <a:pPr/>
+              <a:t>32</a:t>
+            </a:fld>
+            <a:endParaRPr lang="pt-BR"/>
+          </a:p>
+        </p:txBody>
+      </p:sp>
+    </p:spTree>
+    <p:extLst>
+      <p:ext uri="{BB962C8B-B14F-4D97-AF65-F5344CB8AC3E}">
+        <p14:creationId xmlns:p14="http://schemas.microsoft.com/office/powerpoint/2010/main" val="769460611"/>
+      </p:ext>
+    </p:extLst>
+  </p:cSld>
+  <p:clrMapOvr>
+    <a:masterClrMapping/>
+  </p:clrMapOvr>
+</p:notes>
+</file>
+
 <file path=ppt/notesSlides/notesSlide4.xml><?xml version="1.0" encoding="utf-8"?>
 <p:notes xmlns:a="http://schemas.openxmlformats.org/drawingml/2006/main" xmlns:r="http://schemas.openxmlformats.org/officeDocument/2006/relationships" xmlns:p="http://schemas.openxmlformats.org/presentationml/2006/main">
   <p:cSld>
@@ -2522,7 +2867,10 @@
           <a:bodyPr/>
           <a:lstStyle/>
           <a:p>
-            <a:endParaRPr lang="pt-BR" dirty="0"/>
+            <a:r>
+              <a:rPr lang="pt-BR" dirty="0"/>
+              <a:t>Vamos voltar um pouco no tempo</a:t>
+            </a:r>
           </a:p>
         </p:txBody>
       </p:sp>
@@ -3050,7 +3398,7 @@
           <a:p>
             <a:fld id="{1787AD07-0C2A-424C-83EF-FCCF4A0D3BA0}" type="datetime1">
               <a:rPr lang="pt-BR" smtClean="0"/>
-              <a:t>23/03/2023</a:t>
+              <a:t>24/03/2023</a:t>
             </a:fld>
             <a:endParaRPr lang="pt-BR"/>
           </a:p>
@@ -3219,7 +3567,7 @@
           <a:p>
             <a:fld id="{2F92FB66-59C8-46A5-AD82-5DAAFD2DC390}" type="datetime1">
               <a:rPr lang="pt-BR" smtClean="0"/>
-              <a:t>23/03/2023</a:t>
+              <a:t>24/03/2023</a:t>
             </a:fld>
             <a:endParaRPr lang="pt-BR"/>
           </a:p>
@@ -3398,7 +3746,7 @@
           <a:p>
             <a:fld id="{3D5CC8D2-C61E-4471-AD68-1C0D45A8EAFC}" type="datetime1">
               <a:rPr lang="pt-BR" smtClean="0"/>
-              <a:t>23/03/2023</a:t>
+              <a:t>24/03/2023</a:t>
             </a:fld>
             <a:endParaRPr lang="pt-BR"/>
           </a:p>
@@ -3541,7 +3889,7 @@
           <a:p>
             <a:fld id="{C3E38981-C08A-4A29-B885-392FB4EE0709}" type="datetime1">
               <a:rPr lang="pt-BR" smtClean="0"/>
-              <a:t>23/03/2023</a:t>
+              <a:t>24/03/2023</a:t>
             </a:fld>
             <a:endParaRPr lang="en-US" dirty="0"/>
           </a:p>
@@ -3926,7 +4274,7 @@
           <a:p>
             <a:fld id="{2CFE63D7-5B4A-40A4-8FD4-EA63D1010EB7}" type="datetime1">
               <a:rPr lang="pt-BR" smtClean="0"/>
-              <a:t>23/03/2023</a:t>
+              <a:t>24/03/2023</a:t>
             </a:fld>
             <a:endParaRPr lang="en-US" dirty="0"/>
           </a:p>
@@ -4148,7 +4496,7 @@
           <a:p>
             <a:fld id="{A9719147-5557-4D76-A2C3-BF25882771D2}" type="datetime1">
               <a:rPr lang="pt-BR" smtClean="0"/>
-              <a:t>23/03/2023</a:t>
+              <a:t>24/03/2023</a:t>
             </a:fld>
             <a:endParaRPr lang="en-US" dirty="0"/>
           </a:p>
@@ -4461,7 +4809,7 @@
           <a:p>
             <a:fld id="{66250340-7104-44A8-88A9-88532CCE9C1C}" type="datetime1">
               <a:rPr lang="pt-BR" smtClean="0"/>
-              <a:t>23/03/2023</a:t>
+              <a:t>24/03/2023</a:t>
             </a:fld>
             <a:endParaRPr lang="en-US" dirty="0"/>
           </a:p>
@@ -4646,7 +4994,7 @@
           <a:p>
             <a:fld id="{D047EA32-7810-48BE-A9BB-EA3D8AA5AD34}" type="datetime1">
               <a:rPr lang="pt-BR" smtClean="0"/>
-              <a:t>23/03/2023</a:t>
+              <a:t>24/03/2023</a:t>
             </a:fld>
             <a:endParaRPr lang="en-US" dirty="0"/>
           </a:p>
@@ -4794,7 +5142,7 @@
           <a:p>
             <a:fld id="{7C28E9E9-B91F-400E-BE43-87BB4B5C6F4E}" type="datetime1">
               <a:rPr lang="pt-BR" smtClean="0"/>
-              <a:t>23/03/2023</a:t>
+              <a:t>24/03/2023</a:t>
             </a:fld>
             <a:endParaRPr lang="en-US" dirty="0"/>
           </a:p>
@@ -5046,7 +5394,7 @@
           <a:p>
             <a:fld id="{A9E773EA-BFD5-41D4-8CCD-2C9F67DAB481}" type="datetime1">
               <a:rPr lang="pt-BR" smtClean="0"/>
-              <a:t>23/03/2023</a:t>
+              <a:t>24/03/2023</a:t>
             </a:fld>
             <a:endParaRPr lang="pt-BR" dirty="0"/>
           </a:p>
@@ -5248,7 +5596,7 @@
           <a:p>
             <a:fld id="{DAA7C8B6-CF57-4A95-AF6C-A77E6C230ED3}" type="datetime1">
               <a:rPr lang="pt-BR" smtClean="0"/>
-              <a:t>23/03/2023</a:t>
+              <a:t>24/03/2023</a:t>
             </a:fld>
             <a:endParaRPr lang="pt-BR"/>
           </a:p>
@@ -5532,7 +5880,7 @@
           <a:p>
             <a:fld id="{34D50989-24C8-4023-9B0D-A6D249548FD9}" type="datetime1">
               <a:rPr lang="pt-BR" smtClean="0"/>
-              <a:t>23/03/2023</a:t>
+              <a:t>24/03/2023</a:t>
             </a:fld>
             <a:endParaRPr lang="pt-BR"/>
           </a:p>
@@ -5768,7 +6116,7 @@
           <a:p>
             <a:fld id="{8D9BC96A-9776-4585-A439-BC9E2DA226C1}" type="datetime1">
               <a:rPr lang="pt-BR" smtClean="0"/>
-              <a:t>23/03/2023</a:t>
+              <a:t>24/03/2023</a:t>
             </a:fld>
             <a:endParaRPr lang="pt-BR"/>
           </a:p>
@@ -6151,7 +6499,7 @@
           <a:p>
             <a:fld id="{7D12BE36-2922-4567-BD67-201EFA21BF6D}" type="datetime1">
               <a:rPr lang="pt-BR" smtClean="0"/>
-              <a:t>23/03/2023</a:t>
+              <a:t>24/03/2023</a:t>
             </a:fld>
             <a:endParaRPr lang="pt-BR"/>
           </a:p>
@@ -6263,7 +6611,7 @@
           <a:p>
             <a:fld id="{E5B462A9-4B1E-4013-BFB1-FC92225AC2F2}" type="datetime1">
               <a:rPr lang="pt-BR" smtClean="0"/>
-              <a:t>23/03/2023</a:t>
+              <a:t>24/03/2023</a:t>
             </a:fld>
             <a:endParaRPr lang="pt-BR"/>
           </a:p>
@@ -6347,7 +6695,7 @@
           <a:p>
             <a:fld id="{D0E6EC7A-67E7-4978-9BAE-C8F82A40B13B}" type="datetime1">
               <a:rPr lang="pt-BR" smtClean="0"/>
-              <a:t>23/03/2023</a:t>
+              <a:t>24/03/2023</a:t>
             </a:fld>
             <a:endParaRPr lang="pt-BR"/>
           </a:p>
@@ -6629,7 +6977,7 @@
           <a:p>
             <a:fld id="{6E085A4E-80B8-47DD-9D9B-8E1B205CBB30}" type="datetime1">
               <a:rPr lang="pt-BR" smtClean="0"/>
-              <a:t>23/03/2023</a:t>
+              <a:t>24/03/2023</a:t>
             </a:fld>
             <a:endParaRPr lang="pt-BR"/>
           </a:p>
@@ -6888,7 +7236,7 @@
           <a:p>
             <a:fld id="{F4E9A02C-D9AD-4B8C-9B93-B0980E8E86EB}" type="datetime1">
               <a:rPr lang="pt-BR" smtClean="0"/>
-              <a:t>23/03/2023</a:t>
+              <a:t>24/03/2023</a:t>
             </a:fld>
             <a:endParaRPr lang="pt-BR"/>
           </a:p>
@@ -7100,7 +7448,7 @@
           <a:p>
             <a:fld id="{202762D0-3A59-4B14-83BA-8E0FC8A60AB1}" type="datetime1">
               <a:rPr lang="pt-BR" smtClean="0"/>
-              <a:t>23/03/2023</a:t>
+              <a:t>24/03/2023</a:t>
             </a:fld>
             <a:endParaRPr lang="pt-BR"/>
           </a:p>
@@ -8064,12 +8412,42 @@
           </a:p>
         </p:txBody>
       </p:sp>
+      <p:pic>
+        <p:nvPicPr>
+          <p:cNvPr id="4" name="Imagem 3">
+            <a:extLst>
+              <a:ext uri="{FF2B5EF4-FFF2-40B4-BE49-F238E27FC236}">
+                <a16:creationId xmlns:a16="http://schemas.microsoft.com/office/drawing/2014/main" id="{F3761347-7EB5-3EE3-E9D5-D92AF5CD1919}"/>
+              </a:ext>
+            </a:extLst>
+          </p:cNvPr>
+          <p:cNvPicPr>
+            <a:picLocks noChangeAspect="1"/>
+          </p:cNvPicPr>
+          <p:nvPr/>
+        </p:nvPicPr>
+        <p:blipFill>
+          <a:blip r:embed="rId3"/>
+          <a:stretch>
+            <a:fillRect/>
+          </a:stretch>
+        </p:blipFill>
+        <p:spPr>
+          <a:xfrm>
+            <a:off x="4295775" y="2368277"/>
+            <a:ext cx="4848225" cy="2428875"/>
+          </a:xfrm>
+          <a:prstGeom prst="rect">
+            <a:avLst/>
+          </a:prstGeom>
+        </p:spPr>
+      </p:pic>
       <p:graphicFrame>
         <p:nvGraphicFramePr>
-          <p:cNvPr id="3" name="Tabela 2">
+          <p:cNvPr id="2" name="Tabela 1">
             <a:extLst>
               <a:ext uri="{FF2B5EF4-FFF2-40B4-BE49-F238E27FC236}">
-                <a16:creationId xmlns:a16="http://schemas.microsoft.com/office/drawing/2014/main" id="{9F2ACD2F-DED7-4AE5-841F-7C8232D61A12}"/>
+                <a16:creationId xmlns:a16="http://schemas.microsoft.com/office/drawing/2014/main" id="{3A64C10F-9DD6-592E-1756-92762BD8941F}"/>
               </a:ext>
             </a:extLst>
           </p:cNvPr>
@@ -8079,13 +8457,13 @@
           <p:nvPr>
             <p:extLst>
               <p:ext uri="{D42A27DB-BD31-4B8C-83A1-F6EECF244321}">
-                <p14:modId xmlns:p14="http://schemas.microsoft.com/office/powerpoint/2010/main" val="1474945149"/>
+                <p14:modId xmlns:p14="http://schemas.microsoft.com/office/powerpoint/2010/main" val="3101103086"/>
               </p:ext>
             </p:extLst>
           </p:nvPr>
         </p:nvGraphicFramePr>
         <p:xfrm>
-          <a:off x="228600" y="2403827"/>
+          <a:off x="228600" y="2132856"/>
           <a:ext cx="3672408" cy="2286000"/>
         </p:xfrm>
         <a:graphic>
@@ -8506,36 +8884,6 @@
           </a:graphicData>
         </a:graphic>
       </p:graphicFrame>
-      <p:pic>
-        <p:nvPicPr>
-          <p:cNvPr id="4" name="Imagem 3">
-            <a:extLst>
-              <a:ext uri="{FF2B5EF4-FFF2-40B4-BE49-F238E27FC236}">
-                <a16:creationId xmlns:a16="http://schemas.microsoft.com/office/drawing/2014/main" id="{F3761347-7EB5-3EE3-E9D5-D92AF5CD1919}"/>
-              </a:ext>
-            </a:extLst>
-          </p:cNvPr>
-          <p:cNvPicPr>
-            <a:picLocks noChangeAspect="1"/>
-          </p:cNvPicPr>
-          <p:nvPr/>
-        </p:nvPicPr>
-        <p:blipFill>
-          <a:blip r:embed="rId3"/>
-          <a:stretch>
-            <a:fillRect/>
-          </a:stretch>
-        </p:blipFill>
-        <p:spPr>
-          <a:xfrm>
-            <a:off x="4295775" y="2368277"/>
-            <a:ext cx="4848225" cy="2428875"/>
-          </a:xfrm>
-          <a:prstGeom prst="rect">
-            <a:avLst/>
-          </a:prstGeom>
-        </p:spPr>
-      </p:pic>
     </p:spTree>
     <p:extLst>
       <p:ext uri="{BB962C8B-B14F-4D97-AF65-F5344CB8AC3E}">
@@ -8558,89 +8906,6 @@
       </p:transition>
     </mc:Fallback>
   </mc:AlternateContent>
-  <p:timing>
-    <p:tnLst>
-      <p:par>
-        <p:cTn id="1" dur="indefinite" restart="never" nodeType="tmRoot">
-          <p:childTnLst>
-            <p:seq concurrent="1" nextAc="seek">
-              <p:cTn id="2" dur="indefinite" nodeType="mainSeq">
-                <p:childTnLst>
-                  <p:par>
-                    <p:cTn id="3" fill="hold">
-                      <p:stCondLst>
-                        <p:cond delay="indefinite"/>
-                      </p:stCondLst>
-                      <p:childTnLst>
-                        <p:par>
-                          <p:cTn id="4" fill="hold">
-                            <p:stCondLst>
-                              <p:cond delay="0"/>
-                            </p:stCondLst>
-                            <p:childTnLst>
-                              <p:par>
-                                <p:cTn id="5" presetID="10" presetClass="entr" presetSubtype="0" fill="hold" nodeType="clickEffect">
-                                  <p:stCondLst>
-                                    <p:cond delay="0"/>
-                                  </p:stCondLst>
-                                  <p:childTnLst>
-                                    <p:set>
-                                      <p:cBhvr>
-                                        <p:cTn id="6" dur="1" fill="hold">
-                                          <p:stCondLst>
-                                            <p:cond delay="0"/>
-                                          </p:stCondLst>
-                                        </p:cTn>
-                                        <p:tgtEl>
-                                          <p:spTgt spid="3"/>
-                                        </p:tgtEl>
-                                        <p:attrNameLst>
-                                          <p:attrName>style.visibility</p:attrName>
-                                        </p:attrNameLst>
-                                      </p:cBhvr>
-                                      <p:to>
-                                        <p:strVal val="visible"/>
-                                      </p:to>
-                                    </p:set>
-                                    <p:animEffect transition="in" filter="fade">
-                                      <p:cBhvr>
-                                        <p:cTn id="7" dur="500"/>
-                                        <p:tgtEl>
-                                          <p:spTgt spid="3"/>
-                                        </p:tgtEl>
-                                      </p:cBhvr>
-                                    </p:animEffect>
-                                  </p:childTnLst>
-                                </p:cTn>
-                              </p:par>
-                            </p:childTnLst>
-                          </p:cTn>
-                        </p:par>
-                      </p:childTnLst>
-                    </p:cTn>
-                  </p:par>
-                </p:childTnLst>
-              </p:cTn>
-              <p:prevCondLst>
-                <p:cond evt="onPrev" delay="0">
-                  <p:tgtEl>
-                    <p:sldTgt/>
-                  </p:tgtEl>
-                </p:cond>
-              </p:prevCondLst>
-              <p:nextCondLst>
-                <p:cond evt="onNext" delay="0">
-                  <p:tgtEl>
-                    <p:sldTgt/>
-                  </p:tgtEl>
-                </p:cond>
-              </p:nextCondLst>
-            </p:seq>
-          </p:childTnLst>
-        </p:cTn>
-      </p:par>
-    </p:tnLst>
-  </p:timing>
 </p:sld>
 </file>
 
@@ -8767,12 +9032,42 @@
           </a:p>
         </p:txBody>
       </p:sp>
+      <p:pic>
+        <p:nvPicPr>
+          <p:cNvPr id="5" name="Imagem 4">
+            <a:extLst>
+              <a:ext uri="{FF2B5EF4-FFF2-40B4-BE49-F238E27FC236}">
+                <a16:creationId xmlns:a16="http://schemas.microsoft.com/office/drawing/2014/main" id="{B04F53F6-3E9F-F7AC-E663-AB8BB5EBDF78}"/>
+              </a:ext>
+            </a:extLst>
+          </p:cNvPr>
+          <p:cNvPicPr>
+            <a:picLocks noChangeAspect="1"/>
+          </p:cNvPicPr>
+          <p:nvPr/>
+        </p:nvPicPr>
+        <p:blipFill>
+          <a:blip r:embed="rId3"/>
+          <a:stretch>
+            <a:fillRect/>
+          </a:stretch>
+        </p:blipFill>
+        <p:spPr>
+          <a:xfrm>
+            <a:off x="4019936" y="2294289"/>
+            <a:ext cx="5057775" cy="2505075"/>
+          </a:xfrm>
+          <a:prstGeom prst="rect">
+            <a:avLst/>
+          </a:prstGeom>
+        </p:spPr>
+      </p:pic>
       <p:graphicFrame>
         <p:nvGraphicFramePr>
-          <p:cNvPr id="3" name="Tabela 2">
+          <p:cNvPr id="2" name="Tabela 1">
             <a:extLst>
               <a:ext uri="{FF2B5EF4-FFF2-40B4-BE49-F238E27FC236}">
-                <a16:creationId xmlns:a16="http://schemas.microsoft.com/office/drawing/2014/main" id="{9F2ACD2F-DED7-4AE5-841F-7C8232D61A12}"/>
+                <a16:creationId xmlns:a16="http://schemas.microsoft.com/office/drawing/2014/main" id="{9CE9688D-1BC0-4960-13E6-B95E320562AF}"/>
               </a:ext>
             </a:extLst>
           </p:cNvPr>
@@ -8782,13 +9077,13 @@
           <p:nvPr>
             <p:extLst>
               <p:ext uri="{D42A27DB-BD31-4B8C-83A1-F6EECF244321}">
-                <p14:modId xmlns:p14="http://schemas.microsoft.com/office/powerpoint/2010/main" val="2310141714"/>
+                <p14:modId xmlns:p14="http://schemas.microsoft.com/office/powerpoint/2010/main" val="1361345862"/>
               </p:ext>
             </p:extLst>
           </p:nvPr>
         </p:nvGraphicFramePr>
         <p:xfrm>
-          <a:off x="228600" y="2403827"/>
+          <a:off x="228600" y="2132856"/>
           <a:ext cx="3672408" cy="2286000"/>
         </p:xfrm>
         <a:graphic>
@@ -9209,36 +9504,6 @@
           </a:graphicData>
         </a:graphic>
       </p:graphicFrame>
-      <p:pic>
-        <p:nvPicPr>
-          <p:cNvPr id="5" name="Imagem 4">
-            <a:extLst>
-              <a:ext uri="{FF2B5EF4-FFF2-40B4-BE49-F238E27FC236}">
-                <a16:creationId xmlns:a16="http://schemas.microsoft.com/office/drawing/2014/main" id="{B04F53F6-3E9F-F7AC-E663-AB8BB5EBDF78}"/>
-              </a:ext>
-            </a:extLst>
-          </p:cNvPr>
-          <p:cNvPicPr>
-            <a:picLocks noChangeAspect="1"/>
-          </p:cNvPicPr>
-          <p:nvPr/>
-        </p:nvPicPr>
-        <p:blipFill>
-          <a:blip r:embed="rId3"/>
-          <a:stretch>
-            <a:fillRect/>
-          </a:stretch>
-        </p:blipFill>
-        <p:spPr>
-          <a:xfrm>
-            <a:off x="4019936" y="2294289"/>
-            <a:ext cx="5057775" cy="2505075"/>
-          </a:xfrm>
-          <a:prstGeom prst="rect">
-            <a:avLst/>
-          </a:prstGeom>
-        </p:spPr>
-      </p:pic>
     </p:spTree>
     <p:extLst>
       <p:ext uri="{BB962C8B-B14F-4D97-AF65-F5344CB8AC3E}">
@@ -9261,89 +9526,6 @@
       </p:transition>
     </mc:Fallback>
   </mc:AlternateContent>
-  <p:timing>
-    <p:tnLst>
-      <p:par>
-        <p:cTn id="1" dur="indefinite" restart="never" nodeType="tmRoot">
-          <p:childTnLst>
-            <p:seq concurrent="1" nextAc="seek">
-              <p:cTn id="2" dur="indefinite" nodeType="mainSeq">
-                <p:childTnLst>
-                  <p:par>
-                    <p:cTn id="3" fill="hold">
-                      <p:stCondLst>
-                        <p:cond delay="indefinite"/>
-                      </p:stCondLst>
-                      <p:childTnLst>
-                        <p:par>
-                          <p:cTn id="4" fill="hold">
-                            <p:stCondLst>
-                              <p:cond delay="0"/>
-                            </p:stCondLst>
-                            <p:childTnLst>
-                              <p:par>
-                                <p:cTn id="5" presetID="10" presetClass="entr" presetSubtype="0" fill="hold" nodeType="clickEffect">
-                                  <p:stCondLst>
-                                    <p:cond delay="0"/>
-                                  </p:stCondLst>
-                                  <p:childTnLst>
-                                    <p:set>
-                                      <p:cBhvr>
-                                        <p:cTn id="6" dur="1" fill="hold">
-                                          <p:stCondLst>
-                                            <p:cond delay="0"/>
-                                          </p:stCondLst>
-                                        </p:cTn>
-                                        <p:tgtEl>
-                                          <p:spTgt spid="3"/>
-                                        </p:tgtEl>
-                                        <p:attrNameLst>
-                                          <p:attrName>style.visibility</p:attrName>
-                                        </p:attrNameLst>
-                                      </p:cBhvr>
-                                      <p:to>
-                                        <p:strVal val="visible"/>
-                                      </p:to>
-                                    </p:set>
-                                    <p:animEffect transition="in" filter="fade">
-                                      <p:cBhvr>
-                                        <p:cTn id="7" dur="500"/>
-                                        <p:tgtEl>
-                                          <p:spTgt spid="3"/>
-                                        </p:tgtEl>
-                                      </p:cBhvr>
-                                    </p:animEffect>
-                                  </p:childTnLst>
-                                </p:cTn>
-                              </p:par>
-                            </p:childTnLst>
-                          </p:cTn>
-                        </p:par>
-                      </p:childTnLst>
-                    </p:cTn>
-                  </p:par>
-                </p:childTnLst>
-              </p:cTn>
-              <p:prevCondLst>
-                <p:cond evt="onPrev" delay="0">
-                  <p:tgtEl>
-                    <p:sldTgt/>
-                  </p:tgtEl>
-                </p:cond>
-              </p:prevCondLst>
-              <p:nextCondLst>
-                <p:cond evt="onNext" delay="0">
-                  <p:tgtEl>
-                    <p:sldTgt/>
-                  </p:tgtEl>
-                </p:cond>
-              </p:nextCondLst>
-            </p:seq>
-          </p:childTnLst>
-        </p:cTn>
-      </p:par>
-    </p:tnLst>
-  </p:timing>
 </p:sld>
 </file>
 
@@ -10153,89 +10335,6 @@
       </p:transition>
     </mc:Fallback>
   </mc:AlternateContent>
-  <p:timing>
-    <p:tnLst>
-      <p:par>
-        <p:cTn id="1" dur="indefinite" restart="never" nodeType="tmRoot">
-          <p:childTnLst>
-            <p:seq concurrent="1" nextAc="seek">
-              <p:cTn id="2" dur="indefinite" nodeType="mainSeq">
-                <p:childTnLst>
-                  <p:par>
-                    <p:cTn id="3" fill="hold">
-                      <p:stCondLst>
-                        <p:cond delay="indefinite"/>
-                      </p:stCondLst>
-                      <p:childTnLst>
-                        <p:par>
-                          <p:cTn id="4" fill="hold">
-                            <p:stCondLst>
-                              <p:cond delay="0"/>
-                            </p:stCondLst>
-                            <p:childTnLst>
-                              <p:par>
-                                <p:cTn id="5" presetID="10" presetClass="entr" presetSubtype="0" fill="hold" nodeType="clickEffect">
-                                  <p:stCondLst>
-                                    <p:cond delay="0"/>
-                                  </p:stCondLst>
-                                  <p:childTnLst>
-                                    <p:set>
-                                      <p:cBhvr>
-                                        <p:cTn id="6" dur="1" fill="hold">
-                                          <p:stCondLst>
-                                            <p:cond delay="0"/>
-                                          </p:stCondLst>
-                                        </p:cTn>
-                                        <p:tgtEl>
-                                          <p:spTgt spid="3"/>
-                                        </p:tgtEl>
-                                        <p:attrNameLst>
-                                          <p:attrName>style.visibility</p:attrName>
-                                        </p:attrNameLst>
-                                      </p:cBhvr>
-                                      <p:to>
-                                        <p:strVal val="visible"/>
-                                      </p:to>
-                                    </p:set>
-                                    <p:animEffect transition="in" filter="fade">
-                                      <p:cBhvr>
-                                        <p:cTn id="7" dur="500"/>
-                                        <p:tgtEl>
-                                          <p:spTgt spid="3"/>
-                                        </p:tgtEl>
-                                      </p:cBhvr>
-                                    </p:animEffect>
-                                  </p:childTnLst>
-                                </p:cTn>
-                              </p:par>
-                            </p:childTnLst>
-                          </p:cTn>
-                        </p:par>
-                      </p:childTnLst>
-                    </p:cTn>
-                  </p:par>
-                </p:childTnLst>
-              </p:cTn>
-              <p:prevCondLst>
-                <p:cond evt="onPrev" delay="0">
-                  <p:tgtEl>
-                    <p:sldTgt/>
-                  </p:tgtEl>
-                </p:cond>
-              </p:prevCondLst>
-              <p:nextCondLst>
-                <p:cond evt="onNext" delay="0">
-                  <p:tgtEl>
-                    <p:sldTgt/>
-                  </p:tgtEl>
-                </p:cond>
-              </p:nextCondLst>
-            </p:seq>
-          </p:childTnLst>
-        </p:cTn>
-      </p:par>
-    </p:tnLst>
-  </p:timing>
 </p:sld>
 </file>
 
@@ -10922,6 +11021,548 @@
         <p:spPr>
           <a:xfrm>
             <a:off x="228600" y="133350"/>
+            <a:ext cx="6935688" cy="707886"/>
+          </a:xfrm>
+          <a:prstGeom prst="rect">
+            <a:avLst/>
+          </a:prstGeom>
+          <a:noFill/>
+        </p:spPr>
+        <p:txBody>
+          <a:bodyPr wrap="square" rtlCol="0">
+            <a:spAutoFit/>
+          </a:bodyPr>
+          <a:lstStyle/>
+          <a:p>
+            <a:r>
+              <a:rPr lang="pt-BR" sz="4000" dirty="0">
+                <a:solidFill>
+                  <a:srgbClr val="ED145B"/>
+                </a:solidFill>
+                <a:latin typeface="Gotham HTF" pitchFamily="50" charset="0"/>
+                <a:cs typeface="Gotham HTF Light"/>
+              </a:rPr>
+              <a:t>Rede Neural Multicamada</a:t>
+            </a:r>
+          </a:p>
+        </p:txBody>
+      </p:sp>
+      <p:grpSp>
+        <p:nvGrpSpPr>
+          <p:cNvPr id="2" name="Agrupar 1">
+            <a:extLst>
+              <a:ext uri="{FF2B5EF4-FFF2-40B4-BE49-F238E27FC236}">
+                <a16:creationId xmlns:a16="http://schemas.microsoft.com/office/drawing/2014/main" id="{86133212-1065-1CC3-CD10-A73C86FD4255}"/>
+              </a:ext>
+            </a:extLst>
+          </p:cNvPr>
+          <p:cNvGrpSpPr>
+            <a:grpSpLocks noChangeAspect="1"/>
+          </p:cNvGrpSpPr>
+          <p:nvPr/>
+        </p:nvGrpSpPr>
+        <p:grpSpPr>
+          <a:xfrm>
+            <a:off x="4788024" y="2552710"/>
+            <a:ext cx="4248472" cy="2273728"/>
+            <a:chOff x="1475656" y="1794302"/>
+            <a:chExt cx="6675911" cy="3572862"/>
+          </a:xfrm>
+        </p:grpSpPr>
+        <p:pic>
+          <p:nvPicPr>
+            <p:cNvPr id="3" name="Imagem 2">
+              <a:extLst>
+                <a:ext uri="{FF2B5EF4-FFF2-40B4-BE49-F238E27FC236}">
+                  <a16:creationId xmlns:a16="http://schemas.microsoft.com/office/drawing/2014/main" id="{ED29C1F9-3B1A-0662-3DE8-A16A4965142F}"/>
+                </a:ext>
+              </a:extLst>
+            </p:cNvPr>
+            <p:cNvPicPr>
+              <a:picLocks noChangeAspect="1"/>
+            </p:cNvPicPr>
+            <p:nvPr/>
+          </p:nvPicPr>
+          <p:blipFill>
+            <a:blip r:embed="rId3"/>
+            <a:stretch>
+              <a:fillRect/>
+            </a:stretch>
+          </p:blipFill>
+          <p:spPr>
+            <a:xfrm>
+              <a:off x="1676400" y="2204864"/>
+              <a:ext cx="5791200" cy="3162300"/>
+            </a:xfrm>
+            <a:prstGeom prst="rect">
+              <a:avLst/>
+            </a:prstGeom>
+          </p:spPr>
+        </p:pic>
+        <p:sp>
+          <p:nvSpPr>
+            <p:cNvPr id="5" name="TextBox 6">
+              <a:extLst>
+                <a:ext uri="{FF2B5EF4-FFF2-40B4-BE49-F238E27FC236}">
+                  <a16:creationId xmlns:a16="http://schemas.microsoft.com/office/drawing/2014/main" id="{375EB8B5-8033-24BB-6B84-2961C8EADC04}"/>
+                </a:ext>
+              </a:extLst>
+            </p:cNvPr>
+            <p:cNvSpPr txBox="1"/>
+            <p:nvPr/>
+          </p:nvSpPr>
+          <p:spPr>
+            <a:xfrm>
+              <a:off x="1475656" y="1794302"/>
+              <a:ext cx="1974560" cy="398995"/>
+            </a:xfrm>
+            <a:prstGeom prst="rect">
+              <a:avLst/>
+            </a:prstGeom>
+            <a:noFill/>
+          </p:spPr>
+          <p:txBody>
+            <a:bodyPr wrap="square" rtlCol="0">
+              <a:spAutoFit/>
+            </a:bodyPr>
+            <a:lstStyle/>
+            <a:p>
+              <a:r>
+                <a:rPr lang="pt-BR" sz="1050" dirty="0">
+                  <a:solidFill>
+                    <a:srgbClr val="ED145B"/>
+                  </a:solidFill>
+                  <a:latin typeface="Gotham HTF" pitchFamily="50" charset="0"/>
+                  <a:cs typeface="Gotham HTF Light"/>
+                </a:rPr>
+                <a:t>Camada de Entrada</a:t>
+              </a:r>
+            </a:p>
+          </p:txBody>
+        </p:sp>
+        <p:sp>
+          <p:nvSpPr>
+            <p:cNvPr id="10" name="TextBox 6">
+              <a:extLst>
+                <a:ext uri="{FF2B5EF4-FFF2-40B4-BE49-F238E27FC236}">
+                  <a16:creationId xmlns:a16="http://schemas.microsoft.com/office/drawing/2014/main" id="{6B42A5F0-B302-53AD-7DA3-08F6688F39F9}"/>
+                </a:ext>
+              </a:extLst>
+            </p:cNvPr>
+            <p:cNvSpPr txBox="1"/>
+            <p:nvPr/>
+          </p:nvSpPr>
+          <p:spPr>
+            <a:xfrm>
+              <a:off x="4067944" y="1794302"/>
+              <a:ext cx="1974560" cy="411085"/>
+            </a:xfrm>
+            <a:prstGeom prst="rect">
+              <a:avLst/>
+            </a:prstGeom>
+            <a:noFill/>
+          </p:spPr>
+          <p:txBody>
+            <a:bodyPr wrap="square" rtlCol="0">
+              <a:spAutoFit/>
+            </a:bodyPr>
+            <a:lstStyle/>
+            <a:p>
+              <a:r>
+                <a:rPr lang="pt-BR" sz="1050" dirty="0">
+                  <a:solidFill>
+                    <a:srgbClr val="ED145B"/>
+                  </a:solidFill>
+                  <a:latin typeface="Gotham HTF" pitchFamily="50" charset="0"/>
+                  <a:cs typeface="Gotham HTF Light"/>
+                </a:rPr>
+                <a:t>Camada Oculta</a:t>
+              </a:r>
+            </a:p>
+          </p:txBody>
+        </p:sp>
+        <p:sp>
+          <p:nvSpPr>
+            <p:cNvPr id="12" name="TextBox 6">
+              <a:extLst>
+                <a:ext uri="{FF2B5EF4-FFF2-40B4-BE49-F238E27FC236}">
+                  <a16:creationId xmlns:a16="http://schemas.microsoft.com/office/drawing/2014/main" id="{7A288334-E9F4-1BE2-5FF4-C7E9006797D8}"/>
+                </a:ext>
+              </a:extLst>
+            </p:cNvPr>
+            <p:cNvSpPr txBox="1"/>
+            <p:nvPr/>
+          </p:nvSpPr>
+          <p:spPr>
+            <a:xfrm>
+              <a:off x="6177007" y="2636912"/>
+              <a:ext cx="1974560" cy="411085"/>
+            </a:xfrm>
+            <a:prstGeom prst="rect">
+              <a:avLst/>
+            </a:prstGeom>
+            <a:noFill/>
+          </p:spPr>
+          <p:txBody>
+            <a:bodyPr wrap="square" rtlCol="0">
+              <a:spAutoFit/>
+            </a:bodyPr>
+            <a:lstStyle/>
+            <a:p>
+              <a:r>
+                <a:rPr lang="pt-BR" sz="1050" dirty="0">
+                  <a:solidFill>
+                    <a:srgbClr val="ED145B"/>
+                  </a:solidFill>
+                  <a:latin typeface="Gotham HTF" pitchFamily="50" charset="0"/>
+                  <a:cs typeface="Gotham HTF Light"/>
+                </a:rPr>
+                <a:t>Camada de Saída</a:t>
+              </a:r>
+            </a:p>
+          </p:txBody>
+        </p:sp>
+      </p:grpSp>
+      <p:sp>
+        <p:nvSpPr>
+          <p:cNvPr id="4" name="TextBox 6">
+            <a:extLst>
+              <a:ext uri="{FF2B5EF4-FFF2-40B4-BE49-F238E27FC236}">
+                <a16:creationId xmlns:a16="http://schemas.microsoft.com/office/drawing/2014/main" id="{1B7E7869-4F4D-C81F-F063-46E0F0BAB357}"/>
+              </a:ext>
+            </a:extLst>
+          </p:cNvPr>
+          <p:cNvSpPr txBox="1"/>
+          <p:nvPr/>
+        </p:nvSpPr>
+        <p:spPr>
+          <a:xfrm>
+            <a:off x="228600" y="1039996"/>
+            <a:ext cx="4847456" cy="4486100"/>
+          </a:xfrm>
+          <a:prstGeom prst="rect">
+            <a:avLst/>
+          </a:prstGeom>
+          <a:noFill/>
+        </p:spPr>
+        <p:txBody>
+          <a:bodyPr wrap="square" rtlCol="0">
+            <a:spAutoFit/>
+          </a:bodyPr>
+          <a:lstStyle/>
+          <a:p>
+            <a:pPr marL="342900" indent="-342900">
+              <a:lnSpc>
+                <a:spcPct val="150000"/>
+              </a:lnSpc>
+              <a:buClr>
+                <a:srgbClr val="ED145B"/>
+              </a:buClr>
+              <a:buFont typeface="Wingdings" panose="05000000000000000000" pitchFamily="2" charset="2"/>
+              <a:buChar char="v"/>
+            </a:pPr>
+            <a:r>
+              <a:rPr lang="pt-BR" sz="1600" b="1" dirty="0">
+                <a:latin typeface="Gotham HTF" pitchFamily="50" charset="0"/>
+                <a:cs typeface="Gotham HTF Light"/>
+              </a:rPr>
+              <a:t>O Arranjo </a:t>
+            </a:r>
+            <a:r>
+              <a:rPr lang="pt-BR" sz="1600" dirty="0">
+                <a:latin typeface="Gotham HTF" pitchFamily="50" charset="0"/>
+                <a:cs typeface="Gotham HTF Light"/>
+              </a:rPr>
+              <a:t>de neurônios define a quantidade de camadas, ou </a:t>
+            </a:r>
+            <a:r>
+              <a:rPr lang="pt-BR" sz="1600" b="1" dirty="0" err="1">
+                <a:latin typeface="Gotham HTF" pitchFamily="50" charset="0"/>
+                <a:cs typeface="Gotham HTF Light"/>
+              </a:rPr>
+              <a:t>Layers</a:t>
+            </a:r>
+            <a:r>
+              <a:rPr lang="pt-BR" sz="1600" dirty="0">
+                <a:latin typeface="Gotham HTF" pitchFamily="50" charset="0"/>
+                <a:cs typeface="Gotham HTF Light"/>
+              </a:rPr>
+              <a:t> que a rede possui.</a:t>
+            </a:r>
+          </a:p>
+          <a:p>
+            <a:pPr marL="342900" indent="-342900">
+              <a:lnSpc>
+                <a:spcPct val="150000"/>
+              </a:lnSpc>
+              <a:buClr>
+                <a:srgbClr val="ED145B"/>
+              </a:buClr>
+              <a:buFont typeface="Wingdings" panose="05000000000000000000" pitchFamily="2" charset="2"/>
+              <a:buChar char="v"/>
+            </a:pPr>
+            <a:endParaRPr lang="pt-BR" sz="1600" b="1" dirty="0">
+              <a:latin typeface="Gotham HTF" pitchFamily="50" charset="0"/>
+              <a:cs typeface="Gotham HTF Light"/>
+            </a:endParaRPr>
+          </a:p>
+          <a:p>
+            <a:pPr marL="342900" indent="-342900">
+              <a:lnSpc>
+                <a:spcPct val="150000"/>
+              </a:lnSpc>
+              <a:buClr>
+                <a:srgbClr val="ED145B"/>
+              </a:buClr>
+              <a:buFont typeface="Wingdings" panose="05000000000000000000" pitchFamily="2" charset="2"/>
+              <a:buChar char="v"/>
+            </a:pPr>
+            <a:r>
+              <a:rPr lang="pt-BR" sz="1600" dirty="0">
+                <a:latin typeface="Gotham HTF" pitchFamily="50" charset="0"/>
+                <a:cs typeface="Gotham HTF Light"/>
+              </a:rPr>
+              <a:t>A rede </a:t>
+            </a:r>
+            <a:r>
+              <a:rPr lang="pt-BR" sz="1600" b="1" dirty="0" err="1">
+                <a:latin typeface="Gotham HTF" pitchFamily="50" charset="0"/>
+                <a:cs typeface="Gotham HTF Light"/>
+              </a:rPr>
+              <a:t>Perceptron</a:t>
+            </a:r>
+            <a:r>
+              <a:rPr lang="pt-BR" sz="1600" dirty="0">
+                <a:latin typeface="Gotham HTF" pitchFamily="50" charset="0"/>
+                <a:cs typeface="Gotham HTF Light"/>
+              </a:rPr>
+              <a:t>, possui apenas uma camada, por se tratar de apenas um neurônio.</a:t>
+            </a:r>
+          </a:p>
+          <a:p>
+            <a:pPr marL="342900" indent="-342900">
+              <a:lnSpc>
+                <a:spcPct val="150000"/>
+              </a:lnSpc>
+              <a:buClr>
+                <a:srgbClr val="ED145B"/>
+              </a:buClr>
+              <a:buFont typeface="Wingdings" panose="05000000000000000000" pitchFamily="2" charset="2"/>
+              <a:buChar char="v"/>
+            </a:pPr>
+            <a:endParaRPr lang="pt-BR" sz="1600" dirty="0">
+              <a:latin typeface="Gotham HTF" pitchFamily="50" charset="0"/>
+              <a:cs typeface="Gotham HTF Light"/>
+            </a:endParaRPr>
+          </a:p>
+          <a:p>
+            <a:pPr marL="342900" indent="-342900">
+              <a:lnSpc>
+                <a:spcPct val="150000"/>
+              </a:lnSpc>
+              <a:buClr>
+                <a:srgbClr val="ED145B"/>
+              </a:buClr>
+              <a:buFont typeface="Wingdings" panose="05000000000000000000" pitchFamily="2" charset="2"/>
+              <a:buChar char="v"/>
+            </a:pPr>
+            <a:r>
+              <a:rPr lang="pt-BR" sz="1600" dirty="0">
+                <a:latin typeface="Gotham HTF" pitchFamily="50" charset="0"/>
+                <a:cs typeface="Gotham HTF Light"/>
+              </a:rPr>
+              <a:t>A rede </a:t>
+            </a:r>
+            <a:r>
+              <a:rPr lang="pt-BR" sz="1600" b="1" dirty="0">
+                <a:latin typeface="Gotham HTF" pitchFamily="50" charset="0"/>
+                <a:cs typeface="Gotham HTF Light"/>
+              </a:rPr>
+              <a:t>MLP</a:t>
+            </a:r>
+            <a:r>
+              <a:rPr lang="pt-BR" sz="1600" dirty="0">
+                <a:latin typeface="Gotham HTF" pitchFamily="50" charset="0"/>
+                <a:cs typeface="Gotham HTF Light"/>
+              </a:rPr>
+              <a:t> ou </a:t>
+            </a:r>
+            <a:r>
+              <a:rPr lang="pt-BR" sz="1600" b="1" dirty="0" err="1">
+                <a:latin typeface="Gotham HTF" pitchFamily="50" charset="0"/>
+                <a:cs typeface="Gotham HTF Light"/>
+              </a:rPr>
+              <a:t>Multlayer</a:t>
+            </a:r>
+            <a:r>
+              <a:rPr lang="pt-BR" sz="1600" b="1" dirty="0">
+                <a:latin typeface="Gotham HTF" pitchFamily="50" charset="0"/>
+                <a:cs typeface="Gotham HTF Light"/>
+              </a:rPr>
+              <a:t> </a:t>
+            </a:r>
+            <a:r>
+              <a:rPr lang="pt-BR" sz="1600" b="1" dirty="0" err="1">
+                <a:latin typeface="Gotham HTF" pitchFamily="50" charset="0"/>
+                <a:cs typeface="Gotham HTF Light"/>
+              </a:rPr>
+              <a:t>Perceptron</a:t>
+            </a:r>
+            <a:r>
+              <a:rPr lang="pt-BR" sz="1600" dirty="0">
+                <a:latin typeface="Gotham HTF" pitchFamily="50" charset="0"/>
+                <a:cs typeface="Gotham HTF Light"/>
+              </a:rPr>
+              <a:t> possui além das camadas de entrada e saída, camadas ocultas ou </a:t>
+            </a:r>
+            <a:r>
+              <a:rPr lang="pt-BR" sz="1600" b="1" dirty="0" err="1">
+                <a:latin typeface="Gotham HTF" pitchFamily="50" charset="0"/>
+                <a:cs typeface="Gotham HTF Light"/>
+              </a:rPr>
+              <a:t>Hiden</a:t>
+            </a:r>
+            <a:r>
+              <a:rPr lang="pt-BR" sz="1600" b="1" dirty="0">
+                <a:latin typeface="Gotham HTF" pitchFamily="50" charset="0"/>
+                <a:cs typeface="Gotham HTF Light"/>
+              </a:rPr>
+              <a:t> </a:t>
+            </a:r>
+            <a:r>
+              <a:rPr lang="pt-BR" sz="1600" b="1" dirty="0" err="1">
+                <a:latin typeface="Gotham HTF" pitchFamily="50" charset="0"/>
+                <a:cs typeface="Gotham HTF Light"/>
+              </a:rPr>
+              <a:t>Layers</a:t>
+            </a:r>
+            <a:r>
+              <a:rPr lang="pt-BR" sz="1600" dirty="0">
+                <a:latin typeface="Gotham HTF" pitchFamily="50" charset="0"/>
+                <a:cs typeface="Gotham HTF Light"/>
+              </a:rPr>
+              <a:t>.</a:t>
+            </a:r>
+          </a:p>
+          <a:p>
+            <a:pPr marL="342900" indent="-342900">
+              <a:lnSpc>
+                <a:spcPct val="150000"/>
+              </a:lnSpc>
+              <a:buClr>
+                <a:srgbClr val="ED145B"/>
+              </a:buClr>
+              <a:buFont typeface="Wingdings" panose="05000000000000000000" pitchFamily="2" charset="2"/>
+              <a:buChar char="v"/>
+            </a:pPr>
+            <a:endParaRPr lang="pt-BR" sz="1600" dirty="0">
+              <a:latin typeface="Gotham HTF" pitchFamily="50" charset="0"/>
+              <a:cs typeface="Gotham HTF Light"/>
+            </a:endParaRPr>
+          </a:p>
+          <a:p>
+            <a:pPr marL="342900" indent="-342900">
+              <a:lnSpc>
+                <a:spcPct val="150000"/>
+              </a:lnSpc>
+              <a:buClr>
+                <a:srgbClr val="ED145B"/>
+              </a:buClr>
+              <a:buFont typeface="Wingdings" panose="05000000000000000000" pitchFamily="2" charset="2"/>
+              <a:buChar char="v"/>
+            </a:pPr>
+            <a:r>
+              <a:rPr lang="pt-BR" sz="1600" dirty="0">
+                <a:latin typeface="Gotham HTF" pitchFamily="50" charset="0"/>
+                <a:cs typeface="Gotham HTF Light"/>
+              </a:rPr>
+              <a:t>As redes MLP também são conhecidas como </a:t>
+            </a:r>
+            <a:r>
+              <a:rPr lang="pt-BR" sz="1600" b="1" dirty="0">
+                <a:latin typeface="Gotham HTF" pitchFamily="50" charset="0"/>
+                <a:cs typeface="Gotham HTF Light"/>
+              </a:rPr>
+              <a:t>Redes Densas ou </a:t>
+            </a:r>
+            <a:r>
+              <a:rPr lang="pt-BR" sz="1600" b="1" dirty="0" err="1">
+                <a:latin typeface="Gotham HTF" pitchFamily="50" charset="0"/>
+                <a:cs typeface="Gotham HTF Light"/>
+              </a:rPr>
+              <a:t>Fully-Connected</a:t>
+            </a:r>
+            <a:r>
+              <a:rPr lang="pt-BR" sz="1600" b="1" dirty="0">
+                <a:latin typeface="Gotham HTF" pitchFamily="50" charset="0"/>
+                <a:cs typeface="Gotham HTF Light"/>
+              </a:rPr>
+              <a:t>.</a:t>
+            </a:r>
+            <a:endParaRPr lang="pt-BR" sz="1600" dirty="0">
+              <a:latin typeface="Gotham HTF" pitchFamily="50" charset="0"/>
+              <a:cs typeface="Gotham HTF Light"/>
+            </a:endParaRPr>
+          </a:p>
+        </p:txBody>
+      </p:sp>
+    </p:spTree>
+    <p:extLst>
+      <p:ext uri="{BB962C8B-B14F-4D97-AF65-F5344CB8AC3E}">
+        <p14:creationId xmlns:p14="http://schemas.microsoft.com/office/powerpoint/2010/main" val="66838222"/>
+      </p:ext>
+    </p:extLst>
+  </p:cSld>
+  <p:clrMapOvr>
+    <a:masterClrMapping/>
+  </p:clrMapOvr>
+  <mc:AlternateContent xmlns:mc="http://schemas.openxmlformats.org/markup-compatibility/2006">
+    <mc:Choice xmlns:p14="http://schemas.microsoft.com/office/powerpoint/2010/main" Requires="p14">
+      <p:transition spd="med" p14:dur="700">
+        <p:fade/>
+      </p:transition>
+    </mc:Choice>
+    <mc:Fallback>
+      <p:transition spd="med">
+        <p:fade/>
+      </p:transition>
+    </mc:Fallback>
+  </mc:AlternateContent>
+</p:sld>
+</file>
+
+<file path=ppt/slides/slide18.xml><?xml version="1.0" encoding="utf-8"?>
+<p:sld xmlns:a="http://schemas.openxmlformats.org/drawingml/2006/main" xmlns:r="http://schemas.openxmlformats.org/officeDocument/2006/relationships" xmlns:p="http://schemas.openxmlformats.org/presentationml/2006/main">
+  <p:cSld>
+    <p:spTree>
+      <p:nvGrpSpPr>
+        <p:cNvPr id="1" name=""/>
+        <p:cNvGrpSpPr/>
+        <p:nvPr/>
+      </p:nvGrpSpPr>
+      <p:grpSpPr>
+        <a:xfrm>
+          <a:off x="0" y="0"/>
+          <a:ext cx="0" cy="0"/>
+          <a:chOff x="0" y="0"/>
+          <a:chExt cx="0" cy="0"/>
+        </a:xfrm>
+      </p:grpSpPr>
+      <p:sp>
+        <p:nvSpPr>
+          <p:cNvPr id="9" name="TextBox 6">
+            <a:extLst>
+              <a:ext uri="{FF2B5EF4-FFF2-40B4-BE49-F238E27FC236}">
+                <a16:creationId xmlns:a16="http://schemas.microsoft.com/office/drawing/2014/main" id="{225765AD-71F7-DC36-6CE8-E9873BEE1F3F}"/>
+              </a:ext>
+            </a:extLst>
+          </p:cNvPr>
+          <p:cNvSpPr txBox="1"/>
+          <p:nvPr/>
+        </p:nvSpPr>
+        <p:spPr>
+          <a:xfrm>
+            <a:off x="228600" y="133350"/>
             <a:ext cx="6935688" cy="1323439"/>
           </a:xfrm>
           <a:prstGeom prst="rect">
@@ -10945,65 +11586,6 @@
               </a:rPr>
               <a:t>Qual a quantidade ideal de camadas ocultas?</a:t>
             </a:r>
-          </a:p>
-        </p:txBody>
-      </p:sp>
-      <p:sp>
-        <p:nvSpPr>
-          <p:cNvPr id="2" name="TextBox 6">
-            <a:extLst>
-              <a:ext uri="{FF2B5EF4-FFF2-40B4-BE49-F238E27FC236}">
-                <a16:creationId xmlns:a16="http://schemas.microsoft.com/office/drawing/2014/main" id="{30269BC3-B6AB-5581-1C65-4049F2EC75DF}"/>
-              </a:ext>
-            </a:extLst>
-          </p:cNvPr>
-          <p:cNvSpPr txBox="1"/>
-          <p:nvPr/>
-        </p:nvSpPr>
-        <p:spPr>
-          <a:xfrm>
-            <a:off x="228600" y="1443900"/>
-            <a:ext cx="4847456" cy="1162113"/>
-          </a:xfrm>
-          <a:prstGeom prst="rect">
-            <a:avLst/>
-          </a:prstGeom>
-          <a:noFill/>
-        </p:spPr>
-        <p:txBody>
-          <a:bodyPr wrap="square" rtlCol="0">
-            <a:spAutoFit/>
-          </a:bodyPr>
-          <a:lstStyle/>
-          <a:p>
-            <a:pPr marL="342900" indent="-342900">
-              <a:lnSpc>
-                <a:spcPct val="150000"/>
-              </a:lnSpc>
-              <a:buClr>
-                <a:srgbClr val="ED145B"/>
-              </a:buClr>
-              <a:buFont typeface="Wingdings" panose="05000000000000000000" pitchFamily="2" charset="2"/>
-              <a:buChar char="v"/>
-            </a:pPr>
-            <a:r>
-              <a:rPr lang="pt-BR" sz="1600" b="1" dirty="0">
-                <a:latin typeface="Gotham HTF" pitchFamily="50" charset="0"/>
-                <a:cs typeface="Gotham HTF Light"/>
-              </a:rPr>
-              <a:t>1 Camada Oculta: </a:t>
-            </a:r>
-            <a:r>
-              <a:rPr lang="pt-BR" sz="1600" dirty="0">
-                <a:latin typeface="Gotham HTF" pitchFamily="50" charset="0"/>
-                <a:cs typeface="Gotham HTF Light"/>
-              </a:rPr>
-              <a:t>Resolve a maior parte de problemas não-lineares (Equações exponenciais, equações do segundo grau, etc.)</a:t>
-            </a:r>
-            <a:endParaRPr lang="pt-BR" sz="1600" b="1" dirty="0">
-              <a:latin typeface="Gotham HTF" pitchFamily="50" charset="0"/>
-              <a:cs typeface="Gotham HTF Light"/>
-            </a:endParaRPr>
           </a:p>
         </p:txBody>
       </p:sp>
@@ -11062,220 +11644,6 @@
 </p:sld>
 </file>
 
-<file path=ppt/slides/slide18.xml><?xml version="1.0" encoding="utf-8"?>
-<p:sld xmlns:a="http://schemas.openxmlformats.org/drawingml/2006/main" xmlns:r="http://schemas.openxmlformats.org/officeDocument/2006/relationships" xmlns:p="http://schemas.openxmlformats.org/presentationml/2006/main">
-  <p:cSld>
-    <p:spTree>
-      <p:nvGrpSpPr>
-        <p:cNvPr id="1" name=""/>
-        <p:cNvGrpSpPr/>
-        <p:nvPr/>
-      </p:nvGrpSpPr>
-      <p:grpSpPr>
-        <a:xfrm>
-          <a:off x="0" y="0"/>
-          <a:ext cx="0" cy="0"/>
-          <a:chOff x="0" y="0"/>
-          <a:chExt cx="0" cy="0"/>
-        </a:xfrm>
-      </p:grpSpPr>
-      <p:sp>
-        <p:nvSpPr>
-          <p:cNvPr id="9" name="TextBox 6">
-            <a:extLst>
-              <a:ext uri="{FF2B5EF4-FFF2-40B4-BE49-F238E27FC236}">
-                <a16:creationId xmlns:a16="http://schemas.microsoft.com/office/drawing/2014/main" id="{225765AD-71F7-DC36-6CE8-E9873BEE1F3F}"/>
-              </a:ext>
-            </a:extLst>
-          </p:cNvPr>
-          <p:cNvSpPr txBox="1"/>
-          <p:nvPr/>
-        </p:nvSpPr>
-        <p:spPr>
-          <a:xfrm>
-            <a:off x="228600" y="133350"/>
-            <a:ext cx="6935688" cy="1323439"/>
-          </a:xfrm>
-          <a:prstGeom prst="rect">
-            <a:avLst/>
-          </a:prstGeom>
-          <a:noFill/>
-        </p:spPr>
-        <p:txBody>
-          <a:bodyPr wrap="square" rtlCol="0">
-            <a:spAutoFit/>
-          </a:bodyPr>
-          <a:lstStyle/>
-          <a:p>
-            <a:r>
-              <a:rPr lang="pt-BR" sz="4000" dirty="0">
-                <a:solidFill>
-                  <a:srgbClr val="ED145B"/>
-                </a:solidFill>
-                <a:latin typeface="Gotham HTF" pitchFamily="50" charset="0"/>
-                <a:cs typeface="Gotham HTF Light"/>
-              </a:rPr>
-              <a:t>Qual a quantidade ideal de camadas ocultas?</a:t>
-            </a:r>
-          </a:p>
-        </p:txBody>
-      </p:sp>
-      <p:sp>
-        <p:nvSpPr>
-          <p:cNvPr id="2" name="TextBox 6">
-            <a:extLst>
-              <a:ext uri="{FF2B5EF4-FFF2-40B4-BE49-F238E27FC236}">
-                <a16:creationId xmlns:a16="http://schemas.microsoft.com/office/drawing/2014/main" id="{30269BC3-B6AB-5581-1C65-4049F2EC75DF}"/>
-              </a:ext>
-            </a:extLst>
-          </p:cNvPr>
-          <p:cNvSpPr txBox="1"/>
-          <p:nvPr/>
-        </p:nvSpPr>
-        <p:spPr>
-          <a:xfrm>
-            <a:off x="228600" y="1443900"/>
-            <a:ext cx="4847456" cy="2639441"/>
-          </a:xfrm>
-          <a:prstGeom prst="rect">
-            <a:avLst/>
-          </a:prstGeom>
-          <a:noFill/>
-        </p:spPr>
-        <p:txBody>
-          <a:bodyPr wrap="square" rtlCol="0">
-            <a:spAutoFit/>
-          </a:bodyPr>
-          <a:lstStyle/>
-          <a:p>
-            <a:pPr marL="342900" indent="-342900">
-              <a:lnSpc>
-                <a:spcPct val="150000"/>
-              </a:lnSpc>
-              <a:buClr>
-                <a:srgbClr val="ED145B"/>
-              </a:buClr>
-              <a:buFont typeface="Wingdings" panose="05000000000000000000" pitchFamily="2" charset="2"/>
-              <a:buChar char="v"/>
-            </a:pPr>
-            <a:r>
-              <a:rPr lang="pt-BR" sz="1600" b="1" dirty="0">
-                <a:latin typeface="Gotham HTF" pitchFamily="50" charset="0"/>
-                <a:cs typeface="Gotham HTF Light"/>
-              </a:rPr>
-              <a:t>1 Camada Oculta: </a:t>
-            </a:r>
-            <a:r>
-              <a:rPr lang="pt-BR" sz="1600" dirty="0">
-                <a:latin typeface="Gotham HTF" pitchFamily="50" charset="0"/>
-                <a:cs typeface="Gotham HTF Light"/>
-              </a:rPr>
-              <a:t>Resolve a maior parte de problemas não-lineares (Equações exponenciais, equações do segundo grau, etc.)</a:t>
-            </a:r>
-          </a:p>
-          <a:p>
-            <a:pPr marL="342900" indent="-342900">
-              <a:lnSpc>
-                <a:spcPct val="150000"/>
-              </a:lnSpc>
-              <a:buClr>
-                <a:srgbClr val="ED145B"/>
-              </a:buClr>
-              <a:buFont typeface="Wingdings" panose="05000000000000000000" pitchFamily="2" charset="2"/>
-              <a:buChar char="v"/>
-            </a:pPr>
-            <a:endParaRPr lang="pt-BR" sz="1600" b="1" dirty="0">
-              <a:latin typeface="Gotham HTF" pitchFamily="50" charset="0"/>
-              <a:cs typeface="Gotham HTF Light"/>
-            </a:endParaRPr>
-          </a:p>
-          <a:p>
-            <a:pPr marL="342900" indent="-342900">
-              <a:lnSpc>
-                <a:spcPct val="150000"/>
-              </a:lnSpc>
-              <a:buClr>
-                <a:srgbClr val="ED145B"/>
-              </a:buClr>
-              <a:buFont typeface="Wingdings" panose="05000000000000000000" pitchFamily="2" charset="2"/>
-              <a:buChar char="v"/>
-            </a:pPr>
-            <a:r>
-              <a:rPr lang="pt-BR" sz="1600" b="1" dirty="0">
-                <a:latin typeface="Gotham HTF" pitchFamily="50" charset="0"/>
-                <a:cs typeface="Gotham HTF Light"/>
-              </a:rPr>
-              <a:t>2 Camadas Ocultas: </a:t>
-            </a:r>
-            <a:r>
-              <a:rPr lang="pt-BR" sz="1600" dirty="0">
-                <a:latin typeface="Gotham HTF" pitchFamily="50" charset="0"/>
-                <a:cs typeface="Gotham HTF Light"/>
-              </a:rPr>
-              <a:t>Conseguem expressar qualquer relação entre os dados, mesmo que não haja uma equação que modele o sistema</a:t>
-            </a:r>
-            <a:endParaRPr lang="pt-BR" sz="1600" b="1" dirty="0">
-              <a:latin typeface="Gotham HTF" pitchFamily="50" charset="0"/>
-              <a:cs typeface="Gotham HTF Light"/>
-            </a:endParaRPr>
-          </a:p>
-        </p:txBody>
-      </p:sp>
-      <p:pic>
-        <p:nvPicPr>
-          <p:cNvPr id="4" name="Imagem 3">
-            <a:extLst>
-              <a:ext uri="{FF2B5EF4-FFF2-40B4-BE49-F238E27FC236}">
-                <a16:creationId xmlns:a16="http://schemas.microsoft.com/office/drawing/2014/main" id="{28F6D7F5-BB32-0B16-68F1-FD8EA5EDAB6D}"/>
-              </a:ext>
-            </a:extLst>
-          </p:cNvPr>
-          <p:cNvPicPr>
-            <a:picLocks noChangeAspect="1"/>
-          </p:cNvPicPr>
-          <p:nvPr/>
-        </p:nvPicPr>
-        <p:blipFill>
-          <a:blip r:embed="rId3"/>
-          <a:stretch>
-            <a:fillRect/>
-          </a:stretch>
-        </p:blipFill>
-        <p:spPr>
-          <a:xfrm>
-            <a:off x="5581650" y="2780928"/>
-            <a:ext cx="3333750" cy="1600200"/>
-          </a:xfrm>
-          <a:prstGeom prst="rect">
-            <a:avLst/>
-          </a:prstGeom>
-        </p:spPr>
-      </p:pic>
-    </p:spTree>
-    <p:extLst>
-      <p:ext uri="{BB962C8B-B14F-4D97-AF65-F5344CB8AC3E}">
-        <p14:creationId xmlns:p14="http://schemas.microsoft.com/office/powerpoint/2010/main" val="3526112333"/>
-      </p:ext>
-    </p:extLst>
-  </p:cSld>
-  <p:clrMapOvr>
-    <a:masterClrMapping/>
-  </p:clrMapOvr>
-  <mc:AlternateContent xmlns:mc="http://schemas.openxmlformats.org/markup-compatibility/2006" xmlns:p14="http://schemas.microsoft.com/office/powerpoint/2010/main">
-    <mc:Choice Requires="p14">
-      <p:transition spd="med" p14:dur="700">
-        <p:fade/>
-      </p:transition>
-    </mc:Choice>
-    <mc:Fallback xmlns="">
-      <p:transition spd="med">
-        <p:fade/>
-      </p:transition>
-    </mc:Fallback>
-  </mc:AlternateContent>
-</p:sld>
-</file>
-
 <file path=ppt/slides/slide19.xml><?xml version="1.0" encoding="utf-8"?>
 <p:sld xmlns:a="http://schemas.openxmlformats.org/drawingml/2006/main" xmlns:r="http://schemas.openxmlformats.org/officeDocument/2006/relationships" xmlns:p="http://schemas.openxmlformats.org/presentationml/2006/main">
   <p:cSld>
@@ -11349,7 +11717,7 @@
         <p:spPr>
           <a:xfrm>
             <a:off x="228600" y="1443900"/>
-            <a:ext cx="4847456" cy="4116768"/>
+            <a:ext cx="4847456" cy="1162113"/>
           </a:xfrm>
           <a:prstGeom prst="rect">
             <a:avLst/>
@@ -11386,103 +11754,19 @@
               </a:rPr>
               <a:t>Resolve a maior parte de problemas não-lineares (Equações exponenciais, equações do segundo grau, etc.)</a:t>
             </a:r>
-          </a:p>
-          <a:p>
-            <a:pPr marL="342900" indent="-342900">
-              <a:lnSpc>
-                <a:spcPct val="150000"/>
-              </a:lnSpc>
-              <a:buClr>
-                <a:srgbClr val="ED145B"/>
-              </a:buClr>
-              <a:buFont typeface="Wingdings" panose="05000000000000000000" pitchFamily="2" charset="2"/>
-              <a:buChar char="v"/>
-            </a:pPr>
             <a:endParaRPr lang="pt-BR" sz="1600" b="1" dirty="0">
               <a:latin typeface="Gotham HTF" pitchFamily="50" charset="0"/>
               <a:cs typeface="Gotham HTF Light"/>
             </a:endParaRPr>
           </a:p>
-          <a:p>
-            <a:pPr marL="342900" indent="-342900">
-              <a:lnSpc>
-                <a:spcPct val="150000"/>
-              </a:lnSpc>
-              <a:buClr>
-                <a:srgbClr val="ED145B"/>
-              </a:buClr>
-              <a:buFont typeface="Wingdings" panose="05000000000000000000" pitchFamily="2" charset="2"/>
-              <a:buChar char="v"/>
-            </a:pPr>
-            <a:r>
-              <a:rPr lang="pt-BR" sz="1600" b="1" dirty="0">
-                <a:latin typeface="Gotham HTF" pitchFamily="50" charset="0"/>
-                <a:cs typeface="Gotham HTF Light"/>
-              </a:rPr>
-              <a:t>2 Camadas Ocultas: </a:t>
-            </a:r>
-            <a:r>
-              <a:rPr lang="pt-BR" sz="1600" dirty="0">
-                <a:latin typeface="Gotham HTF" pitchFamily="50" charset="0"/>
-                <a:cs typeface="Gotham HTF Light"/>
-              </a:rPr>
-              <a:t>Conseguem expressar qualquer relação entre os dados, mesmo que não haja uma equação que modele o sistema</a:t>
-            </a:r>
-          </a:p>
-          <a:p>
-            <a:pPr marL="342900" indent="-342900">
-              <a:lnSpc>
-                <a:spcPct val="150000"/>
-              </a:lnSpc>
-              <a:buClr>
-                <a:srgbClr val="ED145B"/>
-              </a:buClr>
-              <a:buFont typeface="Wingdings" panose="05000000000000000000" pitchFamily="2" charset="2"/>
-              <a:buChar char="v"/>
-            </a:pPr>
-            <a:endParaRPr lang="pt-BR" sz="1600" b="1" dirty="0">
-              <a:latin typeface="Gotham HTF" pitchFamily="50" charset="0"/>
-              <a:cs typeface="Gotham HTF Light"/>
-            </a:endParaRPr>
-          </a:p>
-          <a:p>
-            <a:pPr marL="342900" indent="-342900">
-              <a:lnSpc>
-                <a:spcPct val="150000"/>
-              </a:lnSpc>
-              <a:buClr>
-                <a:srgbClr val="ED145B"/>
-              </a:buClr>
-              <a:buFont typeface="Wingdings" panose="05000000000000000000" pitchFamily="2" charset="2"/>
-              <a:buChar char="v"/>
-            </a:pPr>
-            <a:r>
-              <a:rPr lang="pt-BR" sz="1600" b="1" dirty="0">
-                <a:latin typeface="Gotham HTF" pitchFamily="50" charset="0"/>
-                <a:cs typeface="Gotham HTF Light"/>
-              </a:rPr>
-              <a:t>Mais de duas Camadas Ocultas: </a:t>
-            </a:r>
-            <a:r>
-              <a:rPr lang="pt-BR" sz="1600" dirty="0">
-                <a:latin typeface="Gotham HTF" pitchFamily="50" charset="0"/>
-                <a:cs typeface="Gotham HTF Light"/>
-              </a:rPr>
-              <a:t>Para problemas mais complexos, como visão computacional, carros autônomos, robótica e automatização, etc.</a:t>
-            </a:r>
-            <a:endParaRPr lang="pt-BR" sz="1600" b="1" dirty="0">
-              <a:latin typeface="Gotham HTF" pitchFamily="50" charset="0"/>
-              <a:cs typeface="Gotham HTF Light"/>
-            </a:endParaRPr>
-          </a:p>
         </p:txBody>
       </p:sp>
       <p:pic>
         <p:nvPicPr>
-          <p:cNvPr id="5" name="Imagem 4">
+          <p:cNvPr id="6" name="Imagem 5">
             <a:extLst>
               <a:ext uri="{FF2B5EF4-FFF2-40B4-BE49-F238E27FC236}">
-                <a16:creationId xmlns:a16="http://schemas.microsoft.com/office/drawing/2014/main" id="{191BF23B-25A3-E5E0-39F1-3871B1E99164}"/>
+                <a16:creationId xmlns:a16="http://schemas.microsoft.com/office/drawing/2014/main" id="{E08CAE24-9E10-5AA6-1D86-CC798F2B495D}"/>
               </a:ext>
             </a:extLst>
           </p:cNvPr>
@@ -11499,72 +11783,18 @@
         </p:blipFill>
         <p:spPr>
           <a:xfrm>
-            <a:off x="5950117" y="1857375"/>
-            <a:ext cx="2905125" cy="3143250"/>
+            <a:off x="5754588" y="2514600"/>
+            <a:ext cx="2819400" cy="1828800"/>
           </a:xfrm>
           <a:prstGeom prst="rect">
             <a:avLst/>
           </a:prstGeom>
         </p:spPr>
       </p:pic>
-      <p:sp>
-        <p:nvSpPr>
-          <p:cNvPr id="6" name="Retângulo 5">
-            <a:extLst>
-              <a:ext uri="{FF2B5EF4-FFF2-40B4-BE49-F238E27FC236}">
-                <a16:creationId xmlns:a16="http://schemas.microsoft.com/office/drawing/2014/main" id="{F687DDC7-757A-CA99-7813-F4CC40DBB4D8}"/>
-              </a:ext>
-            </a:extLst>
-          </p:cNvPr>
-          <p:cNvSpPr/>
-          <p:nvPr/>
-        </p:nvSpPr>
-        <p:spPr>
-          <a:xfrm>
-            <a:off x="6660232" y="4725144"/>
-            <a:ext cx="1800200" cy="676067"/>
-          </a:xfrm>
-          <a:prstGeom prst="rect">
-            <a:avLst/>
-          </a:prstGeom>
-          <a:solidFill>
-            <a:schemeClr val="bg1"/>
-          </a:solidFill>
-          <a:ln>
-            <a:solidFill>
-              <a:schemeClr val="bg1"/>
-            </a:solidFill>
-          </a:ln>
-        </p:spPr>
-        <p:style>
-          <a:lnRef idx="2">
-            <a:schemeClr val="accent1">
-              <a:shade val="50000"/>
-            </a:schemeClr>
-          </a:lnRef>
-          <a:fillRef idx="1">
-            <a:schemeClr val="accent1"/>
-          </a:fillRef>
-          <a:effectRef idx="0">
-            <a:schemeClr val="accent1"/>
-          </a:effectRef>
-          <a:fontRef idx="minor">
-            <a:schemeClr val="lt1"/>
-          </a:fontRef>
-        </p:style>
-        <p:txBody>
-          <a:bodyPr rtlCol="0" anchor="ctr"/>
-          <a:lstStyle/>
-          <a:p>
-            <a:pPr algn="ctr"/>
-            <a:endParaRPr lang="pt-BR"/>
-          </a:p>
-        </p:txBody>
-      </p:sp>
     </p:spTree>
     <p:extLst>
       <p:ext uri="{BB962C8B-B14F-4D97-AF65-F5344CB8AC3E}">
-        <p14:creationId xmlns:p14="http://schemas.microsoft.com/office/powerpoint/2010/main" val="389359625"/>
+        <p14:creationId xmlns:p14="http://schemas.microsoft.com/office/powerpoint/2010/main" val="2786090937"/>
       </p:ext>
     </p:extLst>
   </p:cSld>
@@ -12867,6 +13097,530 @@
           <a:chExt cx="0" cy="0"/>
         </a:xfrm>
       </p:grpSpPr>
+      <p:sp>
+        <p:nvSpPr>
+          <p:cNvPr id="9" name="TextBox 6">
+            <a:extLst>
+              <a:ext uri="{FF2B5EF4-FFF2-40B4-BE49-F238E27FC236}">
+                <a16:creationId xmlns:a16="http://schemas.microsoft.com/office/drawing/2014/main" id="{225765AD-71F7-DC36-6CE8-E9873BEE1F3F}"/>
+              </a:ext>
+            </a:extLst>
+          </p:cNvPr>
+          <p:cNvSpPr txBox="1"/>
+          <p:nvPr/>
+        </p:nvSpPr>
+        <p:spPr>
+          <a:xfrm>
+            <a:off x="228600" y="133350"/>
+            <a:ext cx="6935688" cy="1323439"/>
+          </a:xfrm>
+          <a:prstGeom prst="rect">
+            <a:avLst/>
+          </a:prstGeom>
+          <a:noFill/>
+        </p:spPr>
+        <p:txBody>
+          <a:bodyPr wrap="square" rtlCol="0">
+            <a:spAutoFit/>
+          </a:bodyPr>
+          <a:lstStyle/>
+          <a:p>
+            <a:r>
+              <a:rPr lang="pt-BR" sz="4000" dirty="0">
+                <a:solidFill>
+                  <a:srgbClr val="ED145B"/>
+                </a:solidFill>
+                <a:latin typeface="Gotham HTF" pitchFamily="50" charset="0"/>
+                <a:cs typeface="Gotham HTF Light"/>
+              </a:rPr>
+              <a:t>Qual a quantidade ideal de camadas ocultas?</a:t>
+            </a:r>
+          </a:p>
+        </p:txBody>
+      </p:sp>
+      <p:sp>
+        <p:nvSpPr>
+          <p:cNvPr id="2" name="TextBox 6">
+            <a:extLst>
+              <a:ext uri="{FF2B5EF4-FFF2-40B4-BE49-F238E27FC236}">
+                <a16:creationId xmlns:a16="http://schemas.microsoft.com/office/drawing/2014/main" id="{30269BC3-B6AB-5581-1C65-4049F2EC75DF}"/>
+              </a:ext>
+            </a:extLst>
+          </p:cNvPr>
+          <p:cNvSpPr txBox="1"/>
+          <p:nvPr/>
+        </p:nvSpPr>
+        <p:spPr>
+          <a:xfrm>
+            <a:off x="228600" y="1443900"/>
+            <a:ext cx="4847456" cy="2639441"/>
+          </a:xfrm>
+          <a:prstGeom prst="rect">
+            <a:avLst/>
+          </a:prstGeom>
+          <a:noFill/>
+        </p:spPr>
+        <p:txBody>
+          <a:bodyPr wrap="square" rtlCol="0">
+            <a:spAutoFit/>
+          </a:bodyPr>
+          <a:lstStyle/>
+          <a:p>
+            <a:pPr marL="342900" indent="-342900">
+              <a:lnSpc>
+                <a:spcPct val="150000"/>
+              </a:lnSpc>
+              <a:buClr>
+                <a:srgbClr val="ED145B"/>
+              </a:buClr>
+              <a:buFont typeface="Wingdings" panose="05000000000000000000" pitchFamily="2" charset="2"/>
+              <a:buChar char="v"/>
+            </a:pPr>
+            <a:r>
+              <a:rPr lang="pt-BR" sz="1600" b="1" dirty="0">
+                <a:latin typeface="Gotham HTF" pitchFamily="50" charset="0"/>
+                <a:cs typeface="Gotham HTF Light"/>
+              </a:rPr>
+              <a:t>1 Camada Oculta: </a:t>
+            </a:r>
+            <a:r>
+              <a:rPr lang="pt-BR" sz="1600" dirty="0">
+                <a:latin typeface="Gotham HTF" pitchFamily="50" charset="0"/>
+                <a:cs typeface="Gotham HTF Light"/>
+              </a:rPr>
+              <a:t>Resolve a maior parte de problemas não-lineares (Equações exponenciais, equações do segundo grau, etc.)</a:t>
+            </a:r>
+          </a:p>
+          <a:p>
+            <a:pPr marL="342900" indent="-342900">
+              <a:lnSpc>
+                <a:spcPct val="150000"/>
+              </a:lnSpc>
+              <a:buClr>
+                <a:srgbClr val="ED145B"/>
+              </a:buClr>
+              <a:buFont typeface="Wingdings" panose="05000000000000000000" pitchFamily="2" charset="2"/>
+              <a:buChar char="v"/>
+            </a:pPr>
+            <a:endParaRPr lang="pt-BR" sz="1600" b="1" dirty="0">
+              <a:latin typeface="Gotham HTF" pitchFamily="50" charset="0"/>
+              <a:cs typeface="Gotham HTF Light"/>
+            </a:endParaRPr>
+          </a:p>
+          <a:p>
+            <a:pPr marL="342900" indent="-342900">
+              <a:lnSpc>
+                <a:spcPct val="150000"/>
+              </a:lnSpc>
+              <a:buClr>
+                <a:srgbClr val="ED145B"/>
+              </a:buClr>
+              <a:buFont typeface="Wingdings" panose="05000000000000000000" pitchFamily="2" charset="2"/>
+              <a:buChar char="v"/>
+            </a:pPr>
+            <a:r>
+              <a:rPr lang="pt-BR" sz="1600" b="1" dirty="0">
+                <a:latin typeface="Gotham HTF" pitchFamily="50" charset="0"/>
+                <a:cs typeface="Gotham HTF Light"/>
+              </a:rPr>
+              <a:t>2 Camadas Ocultas: </a:t>
+            </a:r>
+            <a:r>
+              <a:rPr lang="pt-BR" sz="1600" dirty="0">
+                <a:latin typeface="Gotham HTF" pitchFamily="50" charset="0"/>
+                <a:cs typeface="Gotham HTF Light"/>
+              </a:rPr>
+              <a:t>Conseguem expressar qualquer relação entre os dados, mesmo que não haja uma equação que modele o sistema</a:t>
+            </a:r>
+            <a:endParaRPr lang="pt-BR" sz="1600" b="1" dirty="0">
+              <a:latin typeface="Gotham HTF" pitchFamily="50" charset="0"/>
+              <a:cs typeface="Gotham HTF Light"/>
+            </a:endParaRPr>
+          </a:p>
+        </p:txBody>
+      </p:sp>
+      <p:pic>
+        <p:nvPicPr>
+          <p:cNvPr id="4" name="Imagem 3">
+            <a:extLst>
+              <a:ext uri="{FF2B5EF4-FFF2-40B4-BE49-F238E27FC236}">
+                <a16:creationId xmlns:a16="http://schemas.microsoft.com/office/drawing/2014/main" id="{28F6D7F5-BB32-0B16-68F1-FD8EA5EDAB6D}"/>
+              </a:ext>
+            </a:extLst>
+          </p:cNvPr>
+          <p:cNvPicPr>
+            <a:picLocks noChangeAspect="1"/>
+          </p:cNvPicPr>
+          <p:nvPr/>
+        </p:nvPicPr>
+        <p:blipFill>
+          <a:blip r:embed="rId3"/>
+          <a:stretch>
+            <a:fillRect/>
+          </a:stretch>
+        </p:blipFill>
+        <p:spPr>
+          <a:xfrm>
+            <a:off x="5581650" y="2780928"/>
+            <a:ext cx="3333750" cy="1600200"/>
+          </a:xfrm>
+          <a:prstGeom prst="rect">
+            <a:avLst/>
+          </a:prstGeom>
+        </p:spPr>
+      </p:pic>
+    </p:spTree>
+    <p:extLst>
+      <p:ext uri="{BB962C8B-B14F-4D97-AF65-F5344CB8AC3E}">
+        <p14:creationId xmlns:p14="http://schemas.microsoft.com/office/powerpoint/2010/main" val="3526112333"/>
+      </p:ext>
+    </p:extLst>
+  </p:cSld>
+  <p:clrMapOvr>
+    <a:masterClrMapping/>
+  </p:clrMapOvr>
+  <mc:AlternateContent xmlns:mc="http://schemas.openxmlformats.org/markup-compatibility/2006" xmlns:p14="http://schemas.microsoft.com/office/powerpoint/2010/main">
+    <mc:Choice Requires="p14">
+      <p:transition spd="med" p14:dur="700">
+        <p:fade/>
+      </p:transition>
+    </mc:Choice>
+    <mc:Fallback xmlns="">
+      <p:transition spd="med">
+        <p:fade/>
+      </p:transition>
+    </mc:Fallback>
+  </mc:AlternateContent>
+</p:sld>
+</file>
+
+<file path=ppt/slides/slide21.xml><?xml version="1.0" encoding="utf-8"?>
+<p:sld xmlns:a="http://schemas.openxmlformats.org/drawingml/2006/main" xmlns:r="http://schemas.openxmlformats.org/officeDocument/2006/relationships" xmlns:p="http://schemas.openxmlformats.org/presentationml/2006/main">
+  <p:cSld>
+    <p:spTree>
+      <p:nvGrpSpPr>
+        <p:cNvPr id="1" name=""/>
+        <p:cNvGrpSpPr/>
+        <p:nvPr/>
+      </p:nvGrpSpPr>
+      <p:grpSpPr>
+        <a:xfrm>
+          <a:off x="0" y="0"/>
+          <a:ext cx="0" cy="0"/>
+          <a:chOff x="0" y="0"/>
+          <a:chExt cx="0" cy="0"/>
+        </a:xfrm>
+      </p:grpSpPr>
+      <p:sp>
+        <p:nvSpPr>
+          <p:cNvPr id="9" name="TextBox 6">
+            <a:extLst>
+              <a:ext uri="{FF2B5EF4-FFF2-40B4-BE49-F238E27FC236}">
+                <a16:creationId xmlns:a16="http://schemas.microsoft.com/office/drawing/2014/main" id="{225765AD-71F7-DC36-6CE8-E9873BEE1F3F}"/>
+              </a:ext>
+            </a:extLst>
+          </p:cNvPr>
+          <p:cNvSpPr txBox="1"/>
+          <p:nvPr/>
+        </p:nvSpPr>
+        <p:spPr>
+          <a:xfrm>
+            <a:off x="228600" y="133350"/>
+            <a:ext cx="6935688" cy="1323439"/>
+          </a:xfrm>
+          <a:prstGeom prst="rect">
+            <a:avLst/>
+          </a:prstGeom>
+          <a:noFill/>
+        </p:spPr>
+        <p:txBody>
+          <a:bodyPr wrap="square" rtlCol="0">
+            <a:spAutoFit/>
+          </a:bodyPr>
+          <a:lstStyle/>
+          <a:p>
+            <a:r>
+              <a:rPr lang="pt-BR" sz="4000" dirty="0">
+                <a:solidFill>
+                  <a:srgbClr val="ED145B"/>
+                </a:solidFill>
+                <a:latin typeface="Gotham HTF" pitchFamily="50" charset="0"/>
+                <a:cs typeface="Gotham HTF Light"/>
+              </a:rPr>
+              <a:t>Qual a quantidade ideal de camadas ocultas?</a:t>
+            </a:r>
+          </a:p>
+        </p:txBody>
+      </p:sp>
+      <p:sp>
+        <p:nvSpPr>
+          <p:cNvPr id="2" name="TextBox 6">
+            <a:extLst>
+              <a:ext uri="{FF2B5EF4-FFF2-40B4-BE49-F238E27FC236}">
+                <a16:creationId xmlns:a16="http://schemas.microsoft.com/office/drawing/2014/main" id="{30269BC3-B6AB-5581-1C65-4049F2EC75DF}"/>
+              </a:ext>
+            </a:extLst>
+          </p:cNvPr>
+          <p:cNvSpPr txBox="1"/>
+          <p:nvPr/>
+        </p:nvSpPr>
+        <p:spPr>
+          <a:xfrm>
+            <a:off x="228600" y="1443900"/>
+            <a:ext cx="4847456" cy="4116768"/>
+          </a:xfrm>
+          <a:prstGeom prst="rect">
+            <a:avLst/>
+          </a:prstGeom>
+          <a:noFill/>
+        </p:spPr>
+        <p:txBody>
+          <a:bodyPr wrap="square" rtlCol="0">
+            <a:spAutoFit/>
+          </a:bodyPr>
+          <a:lstStyle/>
+          <a:p>
+            <a:pPr marL="342900" indent="-342900">
+              <a:lnSpc>
+                <a:spcPct val="150000"/>
+              </a:lnSpc>
+              <a:buClr>
+                <a:srgbClr val="ED145B"/>
+              </a:buClr>
+              <a:buFont typeface="Wingdings" panose="05000000000000000000" pitchFamily="2" charset="2"/>
+              <a:buChar char="v"/>
+            </a:pPr>
+            <a:r>
+              <a:rPr lang="pt-BR" sz="1600" b="1" dirty="0">
+                <a:latin typeface="Gotham HTF" pitchFamily="50" charset="0"/>
+                <a:cs typeface="Gotham HTF Light"/>
+              </a:rPr>
+              <a:t>1 Camada Oculta: </a:t>
+            </a:r>
+            <a:r>
+              <a:rPr lang="pt-BR" sz="1600" dirty="0">
+                <a:latin typeface="Gotham HTF" pitchFamily="50" charset="0"/>
+                <a:cs typeface="Gotham HTF Light"/>
+              </a:rPr>
+              <a:t>Resolve a maior parte de problemas não-lineares (Equações exponenciais, equações do segundo grau, etc.)</a:t>
+            </a:r>
+          </a:p>
+          <a:p>
+            <a:pPr marL="342900" indent="-342900">
+              <a:lnSpc>
+                <a:spcPct val="150000"/>
+              </a:lnSpc>
+              <a:buClr>
+                <a:srgbClr val="ED145B"/>
+              </a:buClr>
+              <a:buFont typeface="Wingdings" panose="05000000000000000000" pitchFamily="2" charset="2"/>
+              <a:buChar char="v"/>
+            </a:pPr>
+            <a:endParaRPr lang="pt-BR" sz="1600" b="1" dirty="0">
+              <a:latin typeface="Gotham HTF" pitchFamily="50" charset="0"/>
+              <a:cs typeface="Gotham HTF Light"/>
+            </a:endParaRPr>
+          </a:p>
+          <a:p>
+            <a:pPr marL="342900" indent="-342900">
+              <a:lnSpc>
+                <a:spcPct val="150000"/>
+              </a:lnSpc>
+              <a:buClr>
+                <a:srgbClr val="ED145B"/>
+              </a:buClr>
+              <a:buFont typeface="Wingdings" panose="05000000000000000000" pitchFamily="2" charset="2"/>
+              <a:buChar char="v"/>
+            </a:pPr>
+            <a:r>
+              <a:rPr lang="pt-BR" sz="1600" b="1" dirty="0">
+                <a:latin typeface="Gotham HTF" pitchFamily="50" charset="0"/>
+                <a:cs typeface="Gotham HTF Light"/>
+              </a:rPr>
+              <a:t>2 Camadas Ocultas: </a:t>
+            </a:r>
+            <a:r>
+              <a:rPr lang="pt-BR" sz="1600" dirty="0">
+                <a:latin typeface="Gotham HTF" pitchFamily="50" charset="0"/>
+                <a:cs typeface="Gotham HTF Light"/>
+              </a:rPr>
+              <a:t>Conseguem expressar qualquer relação entre os dados, mesmo que não haja uma equação que modele o sistema</a:t>
+            </a:r>
+          </a:p>
+          <a:p>
+            <a:pPr marL="342900" indent="-342900">
+              <a:lnSpc>
+                <a:spcPct val="150000"/>
+              </a:lnSpc>
+              <a:buClr>
+                <a:srgbClr val="ED145B"/>
+              </a:buClr>
+              <a:buFont typeface="Wingdings" panose="05000000000000000000" pitchFamily="2" charset="2"/>
+              <a:buChar char="v"/>
+            </a:pPr>
+            <a:endParaRPr lang="pt-BR" sz="1600" b="1" dirty="0">
+              <a:latin typeface="Gotham HTF" pitchFamily="50" charset="0"/>
+              <a:cs typeface="Gotham HTF Light"/>
+            </a:endParaRPr>
+          </a:p>
+          <a:p>
+            <a:pPr marL="342900" indent="-342900">
+              <a:lnSpc>
+                <a:spcPct val="150000"/>
+              </a:lnSpc>
+              <a:buClr>
+                <a:srgbClr val="ED145B"/>
+              </a:buClr>
+              <a:buFont typeface="Wingdings" panose="05000000000000000000" pitchFamily="2" charset="2"/>
+              <a:buChar char="v"/>
+            </a:pPr>
+            <a:r>
+              <a:rPr lang="pt-BR" sz="1600" b="1" dirty="0">
+                <a:latin typeface="Gotham HTF" pitchFamily="50" charset="0"/>
+                <a:cs typeface="Gotham HTF Light"/>
+              </a:rPr>
+              <a:t>Mais de duas Camadas Ocultas: </a:t>
+            </a:r>
+            <a:r>
+              <a:rPr lang="pt-BR" sz="1600" dirty="0">
+                <a:latin typeface="Gotham HTF" pitchFamily="50" charset="0"/>
+                <a:cs typeface="Gotham HTF Light"/>
+              </a:rPr>
+              <a:t>Para problemas mais complexos, como visão computacional, carros autônomos, robótica, etc.</a:t>
+            </a:r>
+            <a:endParaRPr lang="pt-BR" sz="1600" b="1" dirty="0">
+              <a:latin typeface="Gotham HTF" pitchFamily="50" charset="0"/>
+              <a:cs typeface="Gotham HTF Light"/>
+            </a:endParaRPr>
+          </a:p>
+        </p:txBody>
+      </p:sp>
+      <p:pic>
+        <p:nvPicPr>
+          <p:cNvPr id="5" name="Imagem 4">
+            <a:extLst>
+              <a:ext uri="{FF2B5EF4-FFF2-40B4-BE49-F238E27FC236}">
+                <a16:creationId xmlns:a16="http://schemas.microsoft.com/office/drawing/2014/main" id="{191BF23B-25A3-E5E0-39F1-3871B1E99164}"/>
+              </a:ext>
+            </a:extLst>
+          </p:cNvPr>
+          <p:cNvPicPr>
+            <a:picLocks noChangeAspect="1"/>
+          </p:cNvPicPr>
+          <p:nvPr/>
+        </p:nvPicPr>
+        <p:blipFill>
+          <a:blip r:embed="rId3"/>
+          <a:stretch>
+            <a:fillRect/>
+          </a:stretch>
+        </p:blipFill>
+        <p:spPr>
+          <a:xfrm>
+            <a:off x="5950117" y="1857375"/>
+            <a:ext cx="2905125" cy="3143250"/>
+          </a:xfrm>
+          <a:prstGeom prst="rect">
+            <a:avLst/>
+          </a:prstGeom>
+        </p:spPr>
+      </p:pic>
+      <p:sp>
+        <p:nvSpPr>
+          <p:cNvPr id="6" name="Retângulo 5">
+            <a:extLst>
+              <a:ext uri="{FF2B5EF4-FFF2-40B4-BE49-F238E27FC236}">
+                <a16:creationId xmlns:a16="http://schemas.microsoft.com/office/drawing/2014/main" id="{F687DDC7-757A-CA99-7813-F4CC40DBB4D8}"/>
+              </a:ext>
+            </a:extLst>
+          </p:cNvPr>
+          <p:cNvSpPr/>
+          <p:nvPr/>
+        </p:nvSpPr>
+        <p:spPr>
+          <a:xfrm>
+            <a:off x="6660232" y="4725144"/>
+            <a:ext cx="1800200" cy="676067"/>
+          </a:xfrm>
+          <a:prstGeom prst="rect">
+            <a:avLst/>
+          </a:prstGeom>
+          <a:solidFill>
+            <a:schemeClr val="bg1"/>
+          </a:solidFill>
+          <a:ln>
+            <a:solidFill>
+              <a:schemeClr val="bg1"/>
+            </a:solidFill>
+          </a:ln>
+        </p:spPr>
+        <p:style>
+          <a:lnRef idx="2">
+            <a:schemeClr val="accent1">
+              <a:shade val="50000"/>
+            </a:schemeClr>
+          </a:lnRef>
+          <a:fillRef idx="1">
+            <a:schemeClr val="accent1"/>
+          </a:fillRef>
+          <a:effectRef idx="0">
+            <a:schemeClr val="accent1"/>
+          </a:effectRef>
+          <a:fontRef idx="minor">
+            <a:schemeClr val="lt1"/>
+          </a:fontRef>
+        </p:style>
+        <p:txBody>
+          <a:bodyPr rtlCol="0" anchor="ctr"/>
+          <a:lstStyle/>
+          <a:p>
+            <a:pPr algn="ctr"/>
+            <a:endParaRPr lang="pt-BR"/>
+          </a:p>
+        </p:txBody>
+      </p:sp>
+    </p:spTree>
+    <p:extLst>
+      <p:ext uri="{BB962C8B-B14F-4D97-AF65-F5344CB8AC3E}">
+        <p14:creationId xmlns:p14="http://schemas.microsoft.com/office/powerpoint/2010/main" val="389359625"/>
+      </p:ext>
+    </p:extLst>
+  </p:cSld>
+  <p:clrMapOvr>
+    <a:masterClrMapping/>
+  </p:clrMapOvr>
+  <mc:AlternateContent xmlns:mc="http://schemas.openxmlformats.org/markup-compatibility/2006" xmlns:p14="http://schemas.microsoft.com/office/powerpoint/2010/main">
+    <mc:Choice Requires="p14">
+      <p:transition spd="med" p14:dur="700">
+        <p:fade/>
+      </p:transition>
+    </mc:Choice>
+    <mc:Fallback xmlns="">
+      <p:transition spd="med">
+        <p:fade/>
+      </p:transition>
+    </mc:Fallback>
+  </mc:AlternateContent>
+</p:sld>
+</file>
+
+<file path=ppt/slides/slide22.xml><?xml version="1.0" encoding="utf-8"?>
+<p:sld xmlns:a="http://schemas.openxmlformats.org/drawingml/2006/main" xmlns:r="http://schemas.openxmlformats.org/officeDocument/2006/relationships" xmlns:p="http://schemas.openxmlformats.org/presentationml/2006/main">
+  <p:cSld>
+    <p:spTree>
+      <p:nvGrpSpPr>
+        <p:cNvPr id="1" name=""/>
+        <p:cNvGrpSpPr/>
+        <p:nvPr/>
+      </p:nvGrpSpPr>
+      <p:grpSpPr>
+        <a:xfrm>
+          <a:off x="0" y="0"/>
+          <a:ext cx="0" cy="0"/>
+          <a:chOff x="0" y="0"/>
+          <a:chExt cx="0" cy="0"/>
+        </a:xfrm>
+      </p:grpSpPr>
       <p:pic>
         <p:nvPicPr>
           <p:cNvPr id="10" name="Imagem 9">
@@ -12953,7 +13707,7 @@
         <p:spPr>
           <a:xfrm>
             <a:off x="228600" y="1443900"/>
-            <a:ext cx="5423520" cy="3378104"/>
+            <a:ext cx="5423520" cy="1162113"/>
           </a:xfrm>
           <a:prstGeom prst="rect">
             <a:avLst/>
@@ -12977,110 +13731,19 @@
               <a:buChar char="v"/>
             </a:pPr>
             <a:r>
-              <a:rPr lang="pt-BR" sz="1600" b="1">
+              <a:rPr lang="pt-BR" sz="1600" b="1" dirty="0">
                 <a:latin typeface="Gotham HTF" pitchFamily="50" charset="0"/>
                 <a:cs typeface="Gotham HTF Light"/>
               </a:rPr>
               <a:t>Camada de entrada: </a:t>
             </a:r>
             <a:r>
-              <a:rPr lang="pt-BR" sz="1600">
+              <a:rPr lang="pt-BR" sz="1600" dirty="0">
                 <a:latin typeface="Gotham HTF" pitchFamily="50" charset="0"/>
                 <a:cs typeface="Gotham HTF Light"/>
               </a:rPr>
               <a:t>A quantidade de neurônios de entrada é equivalente a quantidade de variáveis ou atributos que vão alimentar a rede</a:t>
             </a:r>
-            <a:endParaRPr lang="pt-BR" sz="1600" b="1">
-              <a:latin typeface="Gotham HTF" pitchFamily="50" charset="0"/>
-              <a:cs typeface="Gotham HTF Light"/>
-            </a:endParaRPr>
-          </a:p>
-          <a:p>
-            <a:pPr marL="342900" indent="-342900">
-              <a:lnSpc>
-                <a:spcPct val="150000"/>
-              </a:lnSpc>
-              <a:buClr>
-                <a:srgbClr val="ED145B"/>
-              </a:buClr>
-              <a:buFont typeface="Wingdings" panose="05000000000000000000" pitchFamily="2" charset="2"/>
-              <a:buChar char="v"/>
-            </a:pPr>
-            <a:r>
-              <a:rPr lang="pt-BR" sz="1600" b="1">
-                <a:latin typeface="Gotham HTF" pitchFamily="50" charset="0"/>
-                <a:cs typeface="Gotham HTF Light"/>
-              </a:rPr>
-              <a:t>Cama de saída: </a:t>
-            </a:r>
-            <a:r>
-              <a:rPr lang="pt-BR" sz="1600">
-                <a:latin typeface="Gotham HTF" pitchFamily="50" charset="0"/>
-                <a:cs typeface="Gotham HTF Light"/>
-              </a:rPr>
-              <a:t>A quantidade de neurônios de saída equivalem a quantidade de classes ou valores que queremos identificar. Por exemplo:</a:t>
-            </a:r>
-          </a:p>
-          <a:p>
-            <a:pPr marL="800100" lvl="1" indent="-342900">
-              <a:lnSpc>
-                <a:spcPct val="150000"/>
-              </a:lnSpc>
-              <a:buClr>
-                <a:srgbClr val="ED145B"/>
-              </a:buClr>
-              <a:buFont typeface="Wingdings" panose="05000000000000000000" pitchFamily="2" charset="2"/>
-              <a:buChar char="v"/>
-            </a:pPr>
-            <a:r>
-              <a:rPr lang="pt-BR" sz="1600">
-                <a:latin typeface="Gotham HTF" pitchFamily="50" charset="0"/>
-                <a:cs typeface="Gotham HTF Light"/>
-              </a:rPr>
-              <a:t>Para classificação entre Sim e Não: Um neurônio;</a:t>
-            </a:r>
-          </a:p>
-          <a:p>
-            <a:pPr marL="800100" lvl="1" indent="-342900">
-              <a:lnSpc>
-                <a:spcPct val="150000"/>
-              </a:lnSpc>
-              <a:buClr>
-                <a:srgbClr val="ED145B"/>
-              </a:buClr>
-              <a:buFont typeface="Wingdings" panose="05000000000000000000" pitchFamily="2" charset="2"/>
-              <a:buChar char="v"/>
-            </a:pPr>
-            <a:r>
-              <a:rPr lang="pt-BR" sz="1600">
-                <a:latin typeface="Gotham HTF" pitchFamily="50" charset="0"/>
-                <a:cs typeface="Gotham HTF Light"/>
-              </a:rPr>
-              <a:t>Para classificação entre as flores Isis: Três neurônios;</a:t>
-            </a:r>
-          </a:p>
-          <a:p>
-            <a:pPr marL="800100" lvl="1" indent="-342900">
-              <a:lnSpc>
-                <a:spcPct val="150000"/>
-              </a:lnSpc>
-              <a:buClr>
-                <a:srgbClr val="ED145B"/>
-              </a:buClr>
-              <a:buFont typeface="Wingdings" panose="05000000000000000000" pitchFamily="2" charset="2"/>
-              <a:buChar char="v"/>
-            </a:pPr>
-            <a:r>
-              <a:rPr lang="pt-BR" sz="1600">
-                <a:latin typeface="Gotham HTF" pitchFamily="50" charset="0"/>
-                <a:cs typeface="Gotham HTF Light"/>
-              </a:rPr>
-              <a:t>Para jogar Sonic 2 do Mega Drive: Doze neurônios;</a:t>
-            </a:r>
-            <a:endParaRPr lang="pt-BR" sz="1600" dirty="0">
-              <a:latin typeface="Gotham HTF" pitchFamily="50" charset="0"/>
-              <a:cs typeface="Gotham HTF Light"/>
-            </a:endParaRPr>
           </a:p>
         </p:txBody>
       </p:sp>
@@ -13120,6 +13783,134 @@
           </a:prstGeom>
         </p:spPr>
       </p:pic>
+      <p:sp>
+        <p:nvSpPr>
+          <p:cNvPr id="5" name="CaixaDeTexto 4">
+            <a:extLst>
+              <a:ext uri="{FF2B5EF4-FFF2-40B4-BE49-F238E27FC236}">
+                <a16:creationId xmlns:a16="http://schemas.microsoft.com/office/drawing/2014/main" id="{5F26A129-FC06-9B23-68CB-6D8F2593645E}"/>
+              </a:ext>
+            </a:extLst>
+          </p:cNvPr>
+          <p:cNvSpPr txBox="1"/>
+          <p:nvPr/>
+        </p:nvSpPr>
+        <p:spPr>
+          <a:xfrm>
+            <a:off x="232678" y="2214762"/>
+            <a:ext cx="5419441" cy="2639441"/>
+          </a:xfrm>
+          <a:prstGeom prst="rect">
+            <a:avLst/>
+          </a:prstGeom>
+          <a:noFill/>
+        </p:spPr>
+        <p:txBody>
+          <a:bodyPr wrap="square">
+            <a:spAutoFit/>
+          </a:bodyPr>
+          <a:lstStyle/>
+          <a:p>
+            <a:pPr marL="342900" indent="-342900">
+              <a:lnSpc>
+                <a:spcPct val="150000"/>
+              </a:lnSpc>
+              <a:buClr>
+                <a:srgbClr val="ED145B"/>
+              </a:buClr>
+              <a:buFont typeface="Wingdings" panose="05000000000000000000" pitchFamily="2" charset="2"/>
+              <a:buChar char="v"/>
+            </a:pPr>
+            <a:endParaRPr lang="pt-BR" sz="1600" b="1" dirty="0">
+              <a:latin typeface="Gotham HTF" pitchFamily="50" charset="0"/>
+              <a:cs typeface="Gotham HTF Light"/>
+            </a:endParaRPr>
+          </a:p>
+          <a:p>
+            <a:pPr marL="342900" indent="-342900">
+              <a:lnSpc>
+                <a:spcPct val="150000"/>
+              </a:lnSpc>
+              <a:buClr>
+                <a:srgbClr val="ED145B"/>
+              </a:buClr>
+              <a:buFont typeface="Wingdings" panose="05000000000000000000" pitchFamily="2" charset="2"/>
+              <a:buChar char="v"/>
+            </a:pPr>
+            <a:r>
+              <a:rPr lang="pt-BR" sz="1600" b="1" dirty="0">
+                <a:latin typeface="Gotham HTF" pitchFamily="50" charset="0"/>
+                <a:cs typeface="Gotham HTF Light"/>
+              </a:rPr>
+              <a:t>Camada de saída: </a:t>
+            </a:r>
+            <a:r>
+              <a:rPr lang="pt-BR" sz="1600" dirty="0">
+                <a:latin typeface="Gotham HTF" pitchFamily="50" charset="0"/>
+                <a:cs typeface="Gotham HTF Light"/>
+              </a:rPr>
+              <a:t>A quantidade de neurônios de saída equivalem a quantidade de classes ou valores que queremos identificar. Por exemplo:</a:t>
+            </a:r>
+          </a:p>
+          <a:p>
+            <a:pPr marL="800100" lvl="1" indent="-342900">
+              <a:lnSpc>
+                <a:spcPct val="150000"/>
+              </a:lnSpc>
+              <a:buClr>
+                <a:srgbClr val="ED145B"/>
+              </a:buClr>
+              <a:buFont typeface="Wingdings" panose="05000000000000000000" pitchFamily="2" charset="2"/>
+              <a:buChar char="v"/>
+            </a:pPr>
+            <a:r>
+              <a:rPr lang="pt-BR" sz="1600" dirty="0">
+                <a:latin typeface="Gotham HTF" pitchFamily="50" charset="0"/>
+                <a:cs typeface="Gotham HTF Light"/>
+              </a:rPr>
+              <a:t>Para classificação entre Sim e Não: Um neurônio;</a:t>
+            </a:r>
+          </a:p>
+          <a:p>
+            <a:pPr marL="800100" lvl="1" indent="-342900">
+              <a:lnSpc>
+                <a:spcPct val="150000"/>
+              </a:lnSpc>
+              <a:buClr>
+                <a:srgbClr val="ED145B"/>
+              </a:buClr>
+              <a:buFont typeface="Wingdings" panose="05000000000000000000" pitchFamily="2" charset="2"/>
+              <a:buChar char="v"/>
+            </a:pPr>
+            <a:r>
+              <a:rPr lang="pt-BR" sz="1600" dirty="0">
+                <a:latin typeface="Gotham HTF" pitchFamily="50" charset="0"/>
+                <a:cs typeface="Gotham HTF Light"/>
+              </a:rPr>
+              <a:t>Para classificação entre as flores Isis: Três neurônios;</a:t>
+            </a:r>
+          </a:p>
+          <a:p>
+            <a:pPr marL="800100" lvl="1" indent="-342900">
+              <a:lnSpc>
+                <a:spcPct val="150000"/>
+              </a:lnSpc>
+              <a:buClr>
+                <a:srgbClr val="ED145B"/>
+              </a:buClr>
+              <a:buFont typeface="Wingdings" panose="05000000000000000000" pitchFamily="2" charset="2"/>
+              <a:buChar char="v"/>
+            </a:pPr>
+            <a:r>
+              <a:rPr lang="pt-BR" sz="1600" dirty="0">
+                <a:latin typeface="Gotham HTF" pitchFamily="50" charset="0"/>
+                <a:cs typeface="Gotham HTF Light"/>
+              </a:rPr>
+              <a:t>Para jogar Sonic 2 do Mega Drive: Doze neurônios;</a:t>
+            </a:r>
+          </a:p>
+        </p:txBody>
+      </p:sp>
     </p:spTree>
     <p:extLst>
       <p:ext uri="{BB962C8B-B14F-4D97-AF65-F5344CB8AC3E}">
@@ -13142,10 +13933,185 @@
       </p:transition>
     </mc:Fallback>
   </mc:AlternateContent>
+  <p:timing>
+    <p:tnLst>
+      <p:par>
+        <p:cTn id="1" dur="indefinite" restart="never" nodeType="tmRoot">
+          <p:childTnLst>
+            <p:seq concurrent="1" nextAc="seek">
+              <p:cTn id="2" dur="indefinite" nodeType="mainSeq">
+                <p:childTnLst>
+                  <p:par>
+                    <p:cTn id="3" fill="hold">
+                      <p:stCondLst>
+                        <p:cond delay="indefinite"/>
+                      </p:stCondLst>
+                      <p:childTnLst>
+                        <p:par>
+                          <p:cTn id="4" fill="hold">
+                            <p:stCondLst>
+                              <p:cond delay="0"/>
+                            </p:stCondLst>
+                            <p:childTnLst>
+                              <p:par>
+                                <p:cTn id="5" presetID="10" presetClass="entr" presetSubtype="0" fill="hold" grpId="0" nodeType="clickEffect">
+                                  <p:stCondLst>
+                                    <p:cond delay="0"/>
+                                  </p:stCondLst>
+                                  <p:childTnLst>
+                                    <p:set>
+                                      <p:cBhvr>
+                                        <p:cTn id="6" dur="1" fill="hold">
+                                          <p:stCondLst>
+                                            <p:cond delay="0"/>
+                                          </p:stCondLst>
+                                        </p:cTn>
+                                        <p:tgtEl>
+                                          <p:spTgt spid="2"/>
+                                        </p:tgtEl>
+                                        <p:attrNameLst>
+                                          <p:attrName>style.visibility</p:attrName>
+                                        </p:attrNameLst>
+                                      </p:cBhvr>
+                                      <p:to>
+                                        <p:strVal val="visible"/>
+                                      </p:to>
+                                    </p:set>
+                                    <p:animEffect transition="in" filter="fade">
+                                      <p:cBhvr>
+                                        <p:cTn id="7" dur="500"/>
+                                        <p:tgtEl>
+                                          <p:spTgt spid="2"/>
+                                        </p:tgtEl>
+                                      </p:cBhvr>
+                                    </p:animEffect>
+                                  </p:childTnLst>
+                                </p:cTn>
+                              </p:par>
+                            </p:childTnLst>
+                          </p:cTn>
+                        </p:par>
+                      </p:childTnLst>
+                    </p:cTn>
+                  </p:par>
+                  <p:par>
+                    <p:cTn id="8" fill="hold">
+                      <p:stCondLst>
+                        <p:cond delay="indefinite"/>
+                      </p:stCondLst>
+                      <p:childTnLst>
+                        <p:par>
+                          <p:cTn id="9" fill="hold">
+                            <p:stCondLst>
+                              <p:cond delay="0"/>
+                            </p:stCondLst>
+                            <p:childTnLst>
+                              <p:par>
+                                <p:cTn id="10" presetID="10" presetClass="entr" presetSubtype="0" fill="hold" grpId="0" nodeType="clickEffect">
+                                  <p:stCondLst>
+                                    <p:cond delay="0"/>
+                                  </p:stCondLst>
+                                  <p:childTnLst>
+                                    <p:set>
+                                      <p:cBhvr>
+                                        <p:cTn id="11" dur="1" fill="hold">
+                                          <p:stCondLst>
+                                            <p:cond delay="0"/>
+                                          </p:stCondLst>
+                                        </p:cTn>
+                                        <p:tgtEl>
+                                          <p:spTgt spid="5"/>
+                                        </p:tgtEl>
+                                        <p:attrNameLst>
+                                          <p:attrName>style.visibility</p:attrName>
+                                        </p:attrNameLst>
+                                      </p:cBhvr>
+                                      <p:to>
+                                        <p:strVal val="visible"/>
+                                      </p:to>
+                                    </p:set>
+                                    <p:animEffect transition="in" filter="fade">
+                                      <p:cBhvr>
+                                        <p:cTn id="12" dur="500"/>
+                                        <p:tgtEl>
+                                          <p:spTgt spid="5"/>
+                                        </p:tgtEl>
+                                      </p:cBhvr>
+                                    </p:animEffect>
+                                  </p:childTnLst>
+                                </p:cTn>
+                              </p:par>
+                              <p:par>
+                                <p:cTn id="13" presetID="10" presetClass="entr" presetSubtype="0" fill="hold" nodeType="withEffect">
+                                  <p:stCondLst>
+                                    <p:cond delay="0"/>
+                                  </p:stCondLst>
+                                  <p:childTnLst>
+                                    <p:set>
+                                      <p:cBhvr>
+                                        <p:cTn id="14" dur="1" fill="hold">
+                                          <p:stCondLst>
+                                            <p:cond delay="0"/>
+                                          </p:stCondLst>
+                                        </p:cTn>
+                                        <p:tgtEl>
+                                          <p:spTgt spid="10"/>
+                                        </p:tgtEl>
+                                        <p:attrNameLst>
+                                          <p:attrName>style.visibility</p:attrName>
+                                        </p:attrNameLst>
+                                      </p:cBhvr>
+                                      <p:to>
+                                        <p:strVal val="visible"/>
+                                      </p:to>
+                                    </p:set>
+                                    <p:animEffect transition="in" filter="fade">
+                                      <p:cBhvr>
+                                        <p:cTn id="15" dur="500"/>
+                                        <p:tgtEl>
+                                          <p:spTgt spid="10"/>
+                                        </p:tgtEl>
+                                      </p:cBhvr>
+                                    </p:animEffect>
+                                  </p:childTnLst>
+                                </p:cTn>
+                              </p:par>
+                            </p:childTnLst>
+                          </p:cTn>
+                        </p:par>
+                      </p:childTnLst>
+                    </p:cTn>
+                  </p:par>
+                </p:childTnLst>
+              </p:cTn>
+              <p:prevCondLst>
+                <p:cond evt="onPrev" delay="0">
+                  <p:tgtEl>
+                    <p:sldTgt/>
+                  </p:tgtEl>
+                </p:cond>
+              </p:prevCondLst>
+              <p:nextCondLst>
+                <p:cond evt="onNext" delay="0">
+                  <p:tgtEl>
+                    <p:sldTgt/>
+                  </p:tgtEl>
+                </p:cond>
+              </p:nextCondLst>
+            </p:seq>
+          </p:childTnLst>
+        </p:cTn>
+      </p:par>
+    </p:tnLst>
+    <p:bldLst>
+      <p:bldP spid="2" grpId="0"/>
+      <p:bldP spid="5" grpId="0"/>
+    </p:bldLst>
+  </p:timing>
 </p:sld>
 </file>
 
-<file path=ppt/slides/slide21.xml><?xml version="1.0" encoding="utf-8"?>
+<file path=ppt/slides/slide23.xml><?xml version="1.0" encoding="utf-8"?>
 <p:sld xmlns:a="http://schemas.openxmlformats.org/drawingml/2006/main" xmlns:r="http://schemas.openxmlformats.org/officeDocument/2006/relationships" xmlns:p="http://schemas.openxmlformats.org/presentationml/2006/main">
   <p:cSld>
     <p:spTree>
@@ -13464,7 +14430,7 @@
 </p:sld>
 </file>
 
-<file path=ppt/slides/slide22.xml><?xml version="1.0" encoding="utf-8"?>
+<file path=ppt/slides/slide24.xml><?xml version="1.0" encoding="utf-8"?>
 <p:sld xmlns:a="http://schemas.openxmlformats.org/drawingml/2006/main" xmlns:r="http://schemas.openxmlformats.org/officeDocument/2006/relationships" xmlns:p="http://schemas.openxmlformats.org/presentationml/2006/main">
   <p:cSld>
     <p:spTree>
@@ -13783,7 +14749,7 @@
 </p:sld>
 </file>
 
-<file path=ppt/slides/slide23.xml><?xml version="1.0" encoding="utf-8"?>
+<file path=ppt/slides/slide25.xml><?xml version="1.0" encoding="utf-8"?>
 <p:sld xmlns:a="http://schemas.openxmlformats.org/drawingml/2006/main" xmlns:r="http://schemas.openxmlformats.org/officeDocument/2006/relationships" xmlns:p="http://schemas.openxmlformats.org/presentationml/2006/main">
   <p:cSld>
     <p:spTree>
@@ -14102,7 +15068,7 @@
 </p:sld>
 </file>
 
-<file path=ppt/slides/slide24.xml><?xml version="1.0" encoding="utf-8"?>
+<file path=ppt/slides/slide26.xml><?xml version="1.0" encoding="utf-8"?>
 <p:sld xmlns:a="http://schemas.openxmlformats.org/drawingml/2006/main" xmlns:r="http://schemas.openxmlformats.org/officeDocument/2006/relationships" xmlns:p="http://schemas.openxmlformats.org/presentationml/2006/main">
   <p:cSld>
     <p:spTree>
@@ -14449,7 +15415,7 @@
 </p:sld>
 </file>
 
-<file path=ppt/slides/slide25.xml><?xml version="1.0" encoding="utf-8"?>
+<file path=ppt/slides/slide27.xml><?xml version="1.0" encoding="utf-8"?>
 <p:sld xmlns:a="http://schemas.openxmlformats.org/drawingml/2006/main" xmlns:r="http://schemas.openxmlformats.org/officeDocument/2006/relationships" xmlns:p="http://schemas.openxmlformats.org/presentationml/2006/main">
   <p:cSld>
     <p:spTree>
@@ -14850,7 +15816,7 @@
 </p:sld>
 </file>
 
-<file path=ppt/slides/slide26.xml><?xml version="1.0" encoding="utf-8"?>
+<file path=ppt/slides/slide28.xml><?xml version="1.0" encoding="utf-8"?>
 <p:sld xmlns:a="http://schemas.openxmlformats.org/drawingml/2006/main" xmlns:r="http://schemas.openxmlformats.org/officeDocument/2006/relationships" xmlns:p="http://schemas.openxmlformats.org/presentationml/2006/main">
   <p:cSld>
     <p:spTree>
@@ -15119,7 +16085,7 @@
 </p:sld>
 </file>
 
-<file path=ppt/slides/slide27.xml><?xml version="1.0" encoding="utf-8"?>
+<file path=ppt/slides/slide29.xml><?xml version="1.0" encoding="utf-8"?>
 <p:sld xmlns:a="http://schemas.openxmlformats.org/drawingml/2006/main" xmlns:r="http://schemas.openxmlformats.org/officeDocument/2006/relationships" xmlns:p="http://schemas.openxmlformats.org/presentationml/2006/main">
   <p:cSld>
     <p:spTree>
@@ -15442,7 +16408,720 @@
 </p:sld>
 </file>
 
-<file path=ppt/slides/slide28.xml><?xml version="1.0" encoding="utf-8"?>
+<file path=ppt/slides/slide3.xml><?xml version="1.0" encoding="utf-8"?>
+<p:sld xmlns:a="http://schemas.openxmlformats.org/drawingml/2006/main" xmlns:r="http://schemas.openxmlformats.org/officeDocument/2006/relationships" xmlns:p="http://schemas.openxmlformats.org/presentationml/2006/main">
+  <p:cSld>
+    <p:spTree>
+      <p:nvGrpSpPr>
+        <p:cNvPr id="1" name=""/>
+        <p:cNvGrpSpPr/>
+        <p:nvPr/>
+      </p:nvGrpSpPr>
+      <p:grpSpPr>
+        <a:xfrm>
+          <a:off x="0" y="0"/>
+          <a:ext cx="0" cy="0"/>
+          <a:chOff x="0" y="0"/>
+          <a:chExt cx="0" cy="0"/>
+        </a:xfrm>
+      </p:grpSpPr>
+      <p:sp>
+        <p:nvSpPr>
+          <p:cNvPr id="9" name="TextBox 6">
+            <a:extLst>
+              <a:ext uri="{FF2B5EF4-FFF2-40B4-BE49-F238E27FC236}">
+                <a16:creationId xmlns:a16="http://schemas.microsoft.com/office/drawing/2014/main" id="{225765AD-71F7-DC36-6CE8-E9873BEE1F3F}"/>
+              </a:ext>
+            </a:extLst>
+          </p:cNvPr>
+          <p:cNvSpPr txBox="1"/>
+          <p:nvPr/>
+        </p:nvSpPr>
+        <p:spPr>
+          <a:xfrm>
+            <a:off x="228600" y="133350"/>
+            <a:ext cx="8015808" cy="1323439"/>
+          </a:xfrm>
+          <a:prstGeom prst="rect">
+            <a:avLst/>
+          </a:prstGeom>
+          <a:noFill/>
+        </p:spPr>
+        <p:txBody>
+          <a:bodyPr wrap="square" rtlCol="0">
+            <a:spAutoFit/>
+          </a:bodyPr>
+          <a:lstStyle/>
+          <a:p>
+            <a:r>
+              <a:rPr lang="en-US" sz="4000" dirty="0">
+                <a:solidFill>
+                  <a:srgbClr val="ED145B"/>
+                </a:solidFill>
+                <a:latin typeface="Gotham HTF Light"/>
+                <a:cs typeface="Gotham HTF Light"/>
+              </a:rPr>
+              <a:t>O que </a:t>
+            </a:r>
+            <a:r>
+              <a:rPr lang="en-US" sz="4000" dirty="0" err="1">
+                <a:solidFill>
+                  <a:srgbClr val="ED145B"/>
+                </a:solidFill>
+                <a:latin typeface="Gotham HTF Light"/>
+                <a:cs typeface="Gotham HTF Light"/>
+              </a:rPr>
+              <a:t>pensam</a:t>
+            </a:r>
+            <a:r>
+              <a:rPr lang="en-US" sz="4000" dirty="0">
+                <a:solidFill>
+                  <a:srgbClr val="ED145B"/>
+                </a:solidFill>
+                <a:latin typeface="Gotham HTF Light"/>
+                <a:cs typeface="Gotham HTF Light"/>
+              </a:rPr>
+              <a:t> </a:t>
+            </a:r>
+            <a:r>
+              <a:rPr lang="en-US" sz="4000" dirty="0" err="1">
+                <a:solidFill>
+                  <a:srgbClr val="ED145B"/>
+                </a:solidFill>
+                <a:latin typeface="Gotham HTF Light"/>
+                <a:cs typeface="Gotham HTF Light"/>
+              </a:rPr>
+              <a:t>sobre</a:t>
+            </a:r>
+            <a:r>
+              <a:rPr lang="en-US" sz="4000" dirty="0">
+                <a:solidFill>
+                  <a:srgbClr val="ED145B"/>
+                </a:solidFill>
+                <a:latin typeface="Gotham HTF Light"/>
+                <a:cs typeface="Gotham HTF Light"/>
+              </a:rPr>
+              <a:t> IA?</a:t>
+            </a:r>
+          </a:p>
+          <a:p>
+            <a:endParaRPr lang="pt-BR" sz="4000" dirty="0">
+              <a:solidFill>
+                <a:srgbClr val="ED145B"/>
+              </a:solidFill>
+              <a:latin typeface="Gotham HTF" pitchFamily="50" charset="0"/>
+              <a:cs typeface="Gotham HTF Light"/>
+            </a:endParaRPr>
+          </a:p>
+        </p:txBody>
+      </p:sp>
+      <p:sp>
+        <p:nvSpPr>
+          <p:cNvPr id="13" name="CaixaDeTexto 12">
+            <a:extLst>
+              <a:ext uri="{FF2B5EF4-FFF2-40B4-BE49-F238E27FC236}">
+                <a16:creationId xmlns:a16="http://schemas.microsoft.com/office/drawing/2014/main" id="{E3A0F170-9DCA-26C5-D3F1-83A0C41B6658}"/>
+              </a:ext>
+            </a:extLst>
+          </p:cNvPr>
+          <p:cNvSpPr txBox="1"/>
+          <p:nvPr/>
+        </p:nvSpPr>
+        <p:spPr>
+          <a:xfrm>
+            <a:off x="323528" y="1412776"/>
+            <a:ext cx="5544616" cy="2957861"/>
+          </a:xfrm>
+          <a:prstGeom prst="rect">
+            <a:avLst/>
+          </a:prstGeom>
+          <a:noFill/>
+        </p:spPr>
+        <p:txBody>
+          <a:bodyPr wrap="square">
+            <a:spAutoFit/>
+          </a:bodyPr>
+          <a:lstStyle/>
+          <a:p>
+            <a:pPr lvl="1">
+              <a:lnSpc>
+                <a:spcPct val="150000"/>
+              </a:lnSpc>
+              <a:buClr>
+                <a:srgbClr val="ED265B"/>
+              </a:buClr>
+            </a:pPr>
+            <a:r>
+              <a:rPr lang="en-US" dirty="0">
+                <a:latin typeface="Gotham HTF Light"/>
+                <a:cs typeface="Gotham HTF Light"/>
+              </a:rPr>
+              <a:t>“O </a:t>
+            </a:r>
+            <a:r>
+              <a:rPr lang="en-US" dirty="0" err="1">
+                <a:latin typeface="Gotham HTF Light"/>
+                <a:cs typeface="Gotham HTF Light"/>
+              </a:rPr>
+              <a:t>desenvolvimento</a:t>
+            </a:r>
+            <a:r>
+              <a:rPr lang="en-US" dirty="0">
+                <a:latin typeface="Gotham HTF Light"/>
+                <a:cs typeface="Gotham HTF Light"/>
+              </a:rPr>
+              <a:t> da </a:t>
+            </a:r>
+            <a:r>
+              <a:rPr lang="en-US" dirty="0" err="1">
+                <a:latin typeface="Gotham HTF Light"/>
+                <a:cs typeface="Gotham HTF Light"/>
+              </a:rPr>
+              <a:t>inteligência</a:t>
+            </a:r>
+            <a:r>
+              <a:rPr lang="en-US" dirty="0">
+                <a:latin typeface="Gotham HTF Light"/>
+                <a:cs typeface="Gotham HTF Light"/>
+              </a:rPr>
+              <a:t> artificial total </a:t>
+            </a:r>
+            <a:r>
+              <a:rPr lang="en-US" dirty="0" err="1">
+                <a:latin typeface="Gotham HTF Light"/>
+                <a:cs typeface="Gotham HTF Light"/>
+              </a:rPr>
+              <a:t>poderia</a:t>
+            </a:r>
+            <a:r>
+              <a:rPr lang="en-US" dirty="0">
+                <a:latin typeface="Gotham HTF Light"/>
+                <a:cs typeface="Gotham HTF Light"/>
+              </a:rPr>
+              <a:t> </a:t>
+            </a:r>
+            <a:r>
+              <a:rPr lang="en-US" dirty="0" err="1">
+                <a:latin typeface="Gotham HTF Light"/>
+                <a:cs typeface="Gotham HTF Light"/>
+              </a:rPr>
+              <a:t>significar</a:t>
+            </a:r>
+            <a:r>
+              <a:rPr lang="en-US" dirty="0">
+                <a:latin typeface="Gotham HTF Light"/>
+                <a:cs typeface="Gotham HTF Light"/>
+              </a:rPr>
+              <a:t> o </a:t>
+            </a:r>
+            <a:r>
+              <a:rPr lang="en-US" dirty="0" err="1">
+                <a:latin typeface="Gotham HTF Light"/>
+                <a:cs typeface="Gotham HTF Light"/>
+              </a:rPr>
+              <a:t>fim</a:t>
+            </a:r>
+            <a:r>
+              <a:rPr lang="en-US" dirty="0">
+                <a:latin typeface="Gotham HTF Light"/>
+                <a:cs typeface="Gotham HTF Light"/>
+              </a:rPr>
+              <a:t> da </a:t>
+            </a:r>
+            <a:r>
+              <a:rPr lang="en-US" dirty="0" err="1">
+                <a:latin typeface="Gotham HTF Light"/>
+                <a:cs typeface="Gotham HTF Light"/>
+              </a:rPr>
+              <a:t>raça</a:t>
+            </a:r>
+            <a:r>
+              <a:rPr lang="en-US" dirty="0">
+                <a:latin typeface="Gotham HTF Light"/>
+                <a:cs typeface="Gotham HTF Light"/>
+              </a:rPr>
+              <a:t> </a:t>
+            </a:r>
+            <a:r>
+              <a:rPr lang="en-US" dirty="0" err="1">
+                <a:latin typeface="Gotham HTF Light"/>
+                <a:cs typeface="Gotham HTF Light"/>
+              </a:rPr>
+              <a:t>humana</a:t>
+            </a:r>
+            <a:r>
+              <a:rPr lang="en-US" dirty="0">
+                <a:latin typeface="Gotham HTF Light"/>
+                <a:cs typeface="Gotham HTF Light"/>
+              </a:rPr>
+              <a:t>”</a:t>
+            </a:r>
+          </a:p>
+          <a:p>
+            <a:pPr lvl="1">
+              <a:lnSpc>
+                <a:spcPct val="150000"/>
+              </a:lnSpc>
+              <a:buClr>
+                <a:srgbClr val="ED265B"/>
+              </a:buClr>
+            </a:pPr>
+            <a:endParaRPr lang="en-US" dirty="0">
+              <a:latin typeface="Gotham HTF Light"/>
+              <a:cs typeface="Gotham HTF Light"/>
+            </a:endParaRPr>
+          </a:p>
+          <a:p>
+            <a:pPr lvl="1">
+              <a:lnSpc>
+                <a:spcPct val="150000"/>
+              </a:lnSpc>
+              <a:buClr>
+                <a:srgbClr val="ED265B"/>
+              </a:buClr>
+            </a:pPr>
+            <a:r>
+              <a:rPr lang="en-US" dirty="0">
+                <a:latin typeface="Gotham HTF Light"/>
+                <a:cs typeface="Gotham HTF Light"/>
+              </a:rPr>
+              <a:t>“…A </a:t>
+            </a:r>
+            <a:r>
+              <a:rPr lang="en-US" dirty="0" err="1">
+                <a:latin typeface="Gotham HTF Light"/>
+                <a:cs typeface="Gotham HTF Light"/>
+              </a:rPr>
+              <a:t>criação</a:t>
+            </a:r>
+            <a:r>
+              <a:rPr lang="en-US" dirty="0">
+                <a:latin typeface="Gotham HTF Light"/>
+                <a:cs typeface="Gotham HTF Light"/>
+              </a:rPr>
+              <a:t> </a:t>
+            </a:r>
+            <a:r>
+              <a:rPr lang="en-US" dirty="0" err="1">
+                <a:latin typeface="Gotham HTF Light"/>
+                <a:cs typeface="Gotham HTF Light"/>
+              </a:rPr>
+              <a:t>bem-sucedida</a:t>
+            </a:r>
+            <a:r>
+              <a:rPr lang="en-US" dirty="0">
+                <a:latin typeface="Gotham HTF Light"/>
+                <a:cs typeface="Gotham HTF Light"/>
+              </a:rPr>
+              <a:t> de </a:t>
+            </a:r>
+            <a:r>
+              <a:rPr lang="en-US" dirty="0" err="1">
+                <a:latin typeface="Gotham HTF Light"/>
+                <a:cs typeface="Gotham HTF Light"/>
+              </a:rPr>
+              <a:t>inteligência</a:t>
+            </a:r>
+            <a:r>
+              <a:rPr lang="en-US" dirty="0">
+                <a:latin typeface="Gotham HTF Light"/>
+                <a:cs typeface="Gotham HTF Light"/>
+              </a:rPr>
+              <a:t> artificial </a:t>
+            </a:r>
+            <a:r>
+              <a:rPr lang="en-US" dirty="0" err="1">
+                <a:latin typeface="Gotham HTF Light"/>
+                <a:cs typeface="Gotham HTF Light"/>
+              </a:rPr>
+              <a:t>seria</a:t>
+            </a:r>
+            <a:r>
+              <a:rPr lang="en-US" dirty="0">
+                <a:latin typeface="Gotham HTF Light"/>
+                <a:cs typeface="Gotham HTF Light"/>
+              </a:rPr>
+              <a:t> o </a:t>
+            </a:r>
+            <a:r>
+              <a:rPr lang="en-US" dirty="0" err="1">
+                <a:latin typeface="Gotham HTF Light"/>
+                <a:cs typeface="Gotham HTF Light"/>
+              </a:rPr>
+              <a:t>maior</a:t>
+            </a:r>
+            <a:r>
+              <a:rPr lang="en-US" dirty="0">
+                <a:latin typeface="Gotham HTF Light"/>
+                <a:cs typeface="Gotham HTF Light"/>
+              </a:rPr>
+              <a:t> </a:t>
+            </a:r>
+            <a:r>
+              <a:rPr lang="en-US" dirty="0" err="1">
+                <a:latin typeface="Gotham HTF Light"/>
+                <a:cs typeface="Gotham HTF Light"/>
+              </a:rPr>
+              <a:t>evento</a:t>
+            </a:r>
+            <a:r>
+              <a:rPr lang="en-US" dirty="0">
+                <a:latin typeface="Gotham HTF Light"/>
+                <a:cs typeface="Gotham HTF Light"/>
+              </a:rPr>
+              <a:t> </a:t>
+            </a:r>
+            <a:r>
+              <a:rPr lang="en-US" dirty="0" err="1">
+                <a:latin typeface="Gotham HTF Light"/>
+                <a:cs typeface="Gotham HTF Light"/>
+              </a:rPr>
+              <a:t>na</a:t>
+            </a:r>
+            <a:r>
+              <a:rPr lang="en-US" dirty="0">
+                <a:latin typeface="Gotham HTF Light"/>
+                <a:cs typeface="Gotham HTF Light"/>
+              </a:rPr>
+              <a:t> </a:t>
+            </a:r>
+            <a:r>
+              <a:rPr lang="en-US" dirty="0" err="1">
+                <a:latin typeface="Gotham HTF Light"/>
+                <a:cs typeface="Gotham HTF Light"/>
+              </a:rPr>
+              <a:t>história</a:t>
+            </a:r>
+            <a:r>
+              <a:rPr lang="en-US" dirty="0">
+                <a:latin typeface="Gotham HTF Light"/>
+                <a:cs typeface="Gotham HTF Light"/>
+              </a:rPr>
+              <a:t> da </a:t>
+            </a:r>
+            <a:r>
+              <a:rPr lang="en-US" dirty="0" err="1">
+                <a:latin typeface="Gotham HTF Light"/>
+                <a:cs typeface="Gotham HTF Light"/>
+              </a:rPr>
+              <a:t>humanidade</a:t>
+            </a:r>
+            <a:r>
+              <a:rPr lang="en-US" dirty="0">
+                <a:latin typeface="Gotham HTF Light"/>
+                <a:cs typeface="Gotham HTF Light"/>
+              </a:rPr>
+              <a:t>. </a:t>
+            </a:r>
+            <a:r>
+              <a:rPr lang="en-US" dirty="0" err="1">
+                <a:latin typeface="Gotham HTF Light"/>
+                <a:cs typeface="Gotham HTF Light"/>
+              </a:rPr>
+              <a:t>Infelizmente</a:t>
+            </a:r>
+            <a:r>
+              <a:rPr lang="en-US" dirty="0">
+                <a:latin typeface="Gotham HTF Light"/>
+                <a:cs typeface="Gotham HTF Light"/>
+              </a:rPr>
+              <a:t>, </a:t>
+            </a:r>
+            <a:r>
+              <a:rPr lang="en-US" dirty="0" err="1">
+                <a:latin typeface="Gotham HTF Light"/>
+                <a:cs typeface="Gotham HTF Light"/>
+              </a:rPr>
+              <a:t>pode</a:t>
+            </a:r>
+            <a:r>
+              <a:rPr lang="en-US" dirty="0">
+                <a:latin typeface="Gotham HTF Light"/>
+                <a:cs typeface="Gotham HTF Light"/>
+              </a:rPr>
+              <a:t> </a:t>
+            </a:r>
+            <a:r>
+              <a:rPr lang="en-US" dirty="0" err="1">
+                <a:latin typeface="Gotham HTF Light"/>
+                <a:cs typeface="Gotham HTF Light"/>
+              </a:rPr>
+              <a:t>também</a:t>
+            </a:r>
+            <a:r>
+              <a:rPr lang="en-US" dirty="0">
+                <a:latin typeface="Gotham HTF Light"/>
+                <a:cs typeface="Gotham HTF Light"/>
+              </a:rPr>
+              <a:t> ser o ultimo, a </a:t>
+            </a:r>
+            <a:r>
+              <a:rPr lang="en-US" dirty="0" err="1">
+                <a:latin typeface="Gotham HTF Light"/>
+                <a:cs typeface="Gotham HTF Light"/>
+              </a:rPr>
+              <a:t>menos</a:t>
+            </a:r>
+            <a:r>
+              <a:rPr lang="en-US" dirty="0">
+                <a:latin typeface="Gotham HTF Light"/>
+                <a:cs typeface="Gotham HTF Light"/>
+              </a:rPr>
+              <a:t> que </a:t>
+            </a:r>
+            <a:r>
+              <a:rPr lang="en-US" dirty="0" err="1">
+                <a:latin typeface="Gotham HTF Light"/>
+                <a:cs typeface="Gotham HTF Light"/>
+              </a:rPr>
+              <a:t>aprendemos</a:t>
+            </a:r>
+            <a:r>
+              <a:rPr lang="en-US" dirty="0">
+                <a:latin typeface="Gotham HTF Light"/>
+                <a:cs typeface="Gotham HTF Light"/>
+              </a:rPr>
+              <a:t> a </a:t>
+            </a:r>
+            <a:r>
+              <a:rPr lang="en-US" dirty="0" err="1">
+                <a:latin typeface="Gotham HTF Light"/>
+                <a:cs typeface="Gotham HTF Light"/>
+              </a:rPr>
+              <a:t>evitar</a:t>
+            </a:r>
+            <a:r>
+              <a:rPr lang="en-US" dirty="0">
+                <a:latin typeface="Gotham HTF Light"/>
+                <a:cs typeface="Gotham HTF Light"/>
+              </a:rPr>
+              <a:t> o </a:t>
+            </a:r>
+            <a:r>
+              <a:rPr lang="en-US" dirty="0" err="1">
+                <a:latin typeface="Gotham HTF Light"/>
+                <a:cs typeface="Gotham HTF Light"/>
+              </a:rPr>
+              <a:t>risco</a:t>
+            </a:r>
+            <a:r>
+              <a:rPr lang="en-US" dirty="0">
+                <a:latin typeface="Gotham HTF Light"/>
+                <a:cs typeface="Gotham HTF Light"/>
+              </a:rPr>
+              <a:t>…”</a:t>
+            </a:r>
+          </a:p>
+        </p:txBody>
+      </p:sp>
+      <p:sp>
+        <p:nvSpPr>
+          <p:cNvPr id="4" name="CaixaDeTexto 3">
+            <a:extLst>
+              <a:ext uri="{FF2B5EF4-FFF2-40B4-BE49-F238E27FC236}">
+                <a16:creationId xmlns:a16="http://schemas.microsoft.com/office/drawing/2014/main" id="{CA6A062C-AD41-AF89-3E5F-654FAE9438C0}"/>
+              </a:ext>
+            </a:extLst>
+          </p:cNvPr>
+          <p:cNvSpPr txBox="1"/>
+          <p:nvPr/>
+        </p:nvSpPr>
+        <p:spPr>
+          <a:xfrm>
+            <a:off x="809836" y="4931876"/>
+            <a:ext cx="4572000" cy="369332"/>
+          </a:xfrm>
+          <a:prstGeom prst="rect">
+            <a:avLst/>
+          </a:prstGeom>
+          <a:noFill/>
+        </p:spPr>
+        <p:txBody>
+          <a:bodyPr wrap="square">
+            <a:spAutoFit/>
+          </a:bodyPr>
+          <a:lstStyle/>
+          <a:p>
+            <a:r>
+              <a:rPr lang="en-US" dirty="0">
+                <a:latin typeface="Gotham HTF Light"/>
+                <a:cs typeface="Gotham HTF Light"/>
+              </a:rPr>
+              <a:t>Stephen Hawking, </a:t>
+            </a:r>
+            <a:r>
+              <a:rPr lang="en-US" dirty="0" err="1">
+                <a:latin typeface="Gotham HTF Light"/>
+                <a:cs typeface="Gotham HTF Light"/>
+              </a:rPr>
+              <a:t>físico</a:t>
+            </a:r>
+            <a:r>
+              <a:rPr lang="en-US" dirty="0">
+                <a:latin typeface="Gotham HTF Light"/>
+                <a:cs typeface="Gotham HTF Light"/>
+              </a:rPr>
+              <a:t> </a:t>
+            </a:r>
+            <a:r>
+              <a:rPr lang="en-US" dirty="0" err="1">
+                <a:latin typeface="Gotham HTF Light"/>
+                <a:cs typeface="Gotham HTF Light"/>
+              </a:rPr>
+              <a:t>teórico</a:t>
+            </a:r>
+            <a:endParaRPr lang="pt-BR" dirty="0"/>
+          </a:p>
+        </p:txBody>
+      </p:sp>
+      <p:pic>
+        <p:nvPicPr>
+          <p:cNvPr id="6" name="Imagem 5">
+            <a:extLst>
+              <a:ext uri="{FF2B5EF4-FFF2-40B4-BE49-F238E27FC236}">
+                <a16:creationId xmlns:a16="http://schemas.microsoft.com/office/drawing/2014/main" id="{56A3BFC7-C192-1923-524D-8741B27B2108}"/>
+              </a:ext>
+            </a:extLst>
+          </p:cNvPr>
+          <p:cNvPicPr>
+            <a:picLocks noChangeAspect="1"/>
+          </p:cNvPicPr>
+          <p:nvPr/>
+        </p:nvPicPr>
+        <p:blipFill>
+          <a:blip r:embed="rId3">
+            <a:extLst>
+              <a:ext uri="{28A0092B-C50C-407E-A947-70E740481C1C}">
+                <a14:useLocalDpi xmlns:a14="http://schemas.microsoft.com/office/drawing/2010/main" val="0"/>
+              </a:ext>
+            </a:extLst>
+          </a:blip>
+          <a:stretch>
+            <a:fillRect/>
+          </a:stretch>
+        </p:blipFill>
+        <p:spPr>
+          <a:xfrm>
+            <a:off x="5796136" y="1778930"/>
+            <a:ext cx="3202888" cy="3202888"/>
+          </a:xfrm>
+          <a:prstGeom prst="rect">
+            <a:avLst/>
+          </a:prstGeom>
+        </p:spPr>
+      </p:pic>
+    </p:spTree>
+    <p:extLst>
+      <p:ext uri="{BB962C8B-B14F-4D97-AF65-F5344CB8AC3E}">
+        <p14:creationId xmlns:p14="http://schemas.microsoft.com/office/powerpoint/2010/main" val="1105555693"/>
+      </p:ext>
+    </p:extLst>
+  </p:cSld>
+  <p:clrMapOvr>
+    <a:masterClrMapping/>
+  </p:clrMapOvr>
+  <mc:AlternateContent xmlns:mc="http://schemas.openxmlformats.org/markup-compatibility/2006" xmlns:p14="http://schemas.microsoft.com/office/powerpoint/2010/main">
+    <mc:Choice Requires="p14">
+      <p:transition spd="med" p14:dur="700">
+        <p:fade/>
+      </p:transition>
+    </mc:Choice>
+    <mc:Fallback xmlns="">
+      <p:transition spd="med">
+        <p:fade/>
+      </p:transition>
+    </mc:Fallback>
+  </mc:AlternateContent>
+  <p:timing>
+    <p:tnLst>
+      <p:par>
+        <p:cTn id="1" dur="indefinite" restart="never" nodeType="tmRoot">
+          <p:childTnLst>
+            <p:seq concurrent="1" nextAc="seek">
+              <p:cTn id="2" dur="indefinite" nodeType="mainSeq">
+                <p:childTnLst>
+                  <p:par>
+                    <p:cTn id="3" fill="hold">
+                      <p:stCondLst>
+                        <p:cond delay="indefinite"/>
+                      </p:stCondLst>
+                      <p:childTnLst>
+                        <p:par>
+                          <p:cTn id="4" fill="hold">
+                            <p:stCondLst>
+                              <p:cond delay="0"/>
+                            </p:stCondLst>
+                            <p:childTnLst>
+                              <p:par>
+                                <p:cTn id="5" presetID="10" presetClass="entr" presetSubtype="0" fill="hold" grpId="0" nodeType="clickEffect">
+                                  <p:stCondLst>
+                                    <p:cond delay="0"/>
+                                  </p:stCondLst>
+                                  <p:childTnLst>
+                                    <p:set>
+                                      <p:cBhvr>
+                                        <p:cTn id="6" dur="1" fill="hold">
+                                          <p:stCondLst>
+                                            <p:cond delay="0"/>
+                                          </p:stCondLst>
+                                        </p:cTn>
+                                        <p:tgtEl>
+                                          <p:spTgt spid="4"/>
+                                        </p:tgtEl>
+                                        <p:attrNameLst>
+                                          <p:attrName>style.visibility</p:attrName>
+                                        </p:attrNameLst>
+                                      </p:cBhvr>
+                                      <p:to>
+                                        <p:strVal val="visible"/>
+                                      </p:to>
+                                    </p:set>
+                                    <p:animEffect transition="in" filter="fade">
+                                      <p:cBhvr>
+                                        <p:cTn id="7" dur="500"/>
+                                        <p:tgtEl>
+                                          <p:spTgt spid="4"/>
+                                        </p:tgtEl>
+                                      </p:cBhvr>
+                                    </p:animEffect>
+                                  </p:childTnLst>
+                                </p:cTn>
+                              </p:par>
+                            </p:childTnLst>
+                          </p:cTn>
+                        </p:par>
+                      </p:childTnLst>
+                    </p:cTn>
+                  </p:par>
+                </p:childTnLst>
+              </p:cTn>
+              <p:prevCondLst>
+                <p:cond evt="onPrev" delay="0">
+                  <p:tgtEl>
+                    <p:sldTgt/>
+                  </p:tgtEl>
+                </p:cond>
+              </p:prevCondLst>
+              <p:nextCondLst>
+                <p:cond evt="onNext" delay="0">
+                  <p:tgtEl>
+                    <p:sldTgt/>
+                  </p:tgtEl>
+                </p:cond>
+              </p:nextCondLst>
+            </p:seq>
+          </p:childTnLst>
+        </p:cTn>
+      </p:par>
+    </p:tnLst>
+    <p:bldLst>
+      <p:bldP spid="4" grpId="0"/>
+    </p:bldLst>
+  </p:timing>
+</p:sld>
+</file>
+
+<file path=ppt/slides/slide30.xml><?xml version="1.0" encoding="utf-8"?>
 <p:sld xmlns:a="http://schemas.openxmlformats.org/drawingml/2006/main" xmlns:r="http://schemas.openxmlformats.org/officeDocument/2006/relationships" xmlns:p="http://schemas.openxmlformats.org/presentationml/2006/main">
   <p:cSld>
     <p:spTree>
@@ -15982,7 +17661,701 @@
 </p:sld>
 </file>
 
-<file path=ppt/slides/slide29.xml><?xml version="1.0" encoding="utf-8"?>
+<file path=ppt/slides/slide31.xml><?xml version="1.0" encoding="utf-8"?>
+<p:sld xmlns:a="http://schemas.openxmlformats.org/drawingml/2006/main" xmlns:r="http://schemas.openxmlformats.org/officeDocument/2006/relationships" xmlns:p="http://schemas.openxmlformats.org/presentationml/2006/main">
+  <p:cSld>
+    <p:spTree>
+      <p:nvGrpSpPr>
+        <p:cNvPr id="1" name=""/>
+        <p:cNvGrpSpPr/>
+        <p:nvPr/>
+      </p:nvGrpSpPr>
+      <p:grpSpPr>
+        <a:xfrm>
+          <a:off x="0" y="0"/>
+          <a:ext cx="0" cy="0"/>
+          <a:chOff x="0" y="0"/>
+          <a:chExt cx="0" cy="0"/>
+        </a:xfrm>
+      </p:grpSpPr>
+      <p:sp>
+        <p:nvSpPr>
+          <p:cNvPr id="9" name="TextBox 6">
+            <a:extLst>
+              <a:ext uri="{FF2B5EF4-FFF2-40B4-BE49-F238E27FC236}">
+                <a16:creationId xmlns:a16="http://schemas.microsoft.com/office/drawing/2014/main" id="{225765AD-71F7-DC36-6CE8-E9873BEE1F3F}"/>
+              </a:ext>
+            </a:extLst>
+          </p:cNvPr>
+          <p:cNvSpPr txBox="1"/>
+          <p:nvPr/>
+        </p:nvSpPr>
+        <p:spPr>
+          <a:xfrm>
+            <a:off x="228600" y="133350"/>
+            <a:ext cx="6935688" cy="707886"/>
+          </a:xfrm>
+          <a:prstGeom prst="rect">
+            <a:avLst/>
+          </a:prstGeom>
+          <a:noFill/>
+        </p:spPr>
+        <p:txBody>
+          <a:bodyPr wrap="square" rtlCol="0">
+            <a:spAutoFit/>
+          </a:bodyPr>
+          <a:lstStyle/>
+          <a:p>
+            <a:r>
+              <a:rPr lang="pt-BR" sz="4000" dirty="0" err="1">
+                <a:solidFill>
+                  <a:srgbClr val="ED145B"/>
+                </a:solidFill>
+                <a:latin typeface="Gotham HTF" pitchFamily="50" charset="0"/>
+                <a:cs typeface="Gotham HTF Light"/>
+              </a:rPr>
+              <a:t>Backpropagation</a:t>
+            </a:r>
+            <a:endParaRPr lang="pt-BR" sz="4000" dirty="0">
+              <a:solidFill>
+                <a:srgbClr val="ED145B"/>
+              </a:solidFill>
+              <a:latin typeface="Gotham HTF" pitchFamily="50" charset="0"/>
+              <a:cs typeface="Gotham HTF Light"/>
+            </a:endParaRPr>
+          </a:p>
+        </p:txBody>
+      </p:sp>
+      <p:sp>
+        <p:nvSpPr>
+          <p:cNvPr id="8" name="TextBox 6">
+            <a:extLst>
+              <a:ext uri="{FF2B5EF4-FFF2-40B4-BE49-F238E27FC236}">
+                <a16:creationId xmlns:a16="http://schemas.microsoft.com/office/drawing/2014/main" id="{1D913F08-29A9-6A25-5B77-6DD641889A84}"/>
+              </a:ext>
+            </a:extLst>
+          </p:cNvPr>
+          <p:cNvSpPr txBox="1"/>
+          <p:nvPr/>
+        </p:nvSpPr>
+        <p:spPr>
+          <a:xfrm>
+            <a:off x="228600" y="1052736"/>
+            <a:ext cx="7943800" cy="4204356"/>
+          </a:xfrm>
+          <a:prstGeom prst="rect">
+            <a:avLst/>
+          </a:prstGeom>
+          <a:noFill/>
+        </p:spPr>
+        <p:txBody>
+          <a:bodyPr wrap="square" rtlCol="0">
+            <a:spAutoFit/>
+          </a:bodyPr>
+          <a:lstStyle/>
+          <a:p>
+            <a:pPr marL="342900" indent="-342900">
+              <a:lnSpc>
+                <a:spcPct val="150000"/>
+              </a:lnSpc>
+              <a:buClr>
+                <a:srgbClr val="ED145B"/>
+              </a:buClr>
+              <a:buFont typeface="Wingdings" panose="05000000000000000000" pitchFamily="2" charset="2"/>
+              <a:buChar char="v"/>
+            </a:pPr>
+            <a:r>
+              <a:rPr lang="pt-BR" dirty="0">
+                <a:latin typeface="Gotham HTF" pitchFamily="50" charset="0"/>
+                <a:cs typeface="Gotham HTF Light"/>
+              </a:rPr>
+              <a:t>Técnica para realizar o ajuste de pesos de uma rede neural;</a:t>
+            </a:r>
+          </a:p>
+          <a:p>
+            <a:pPr marL="342900" indent="-342900">
+              <a:lnSpc>
+                <a:spcPct val="150000"/>
+              </a:lnSpc>
+              <a:buClr>
+                <a:srgbClr val="ED145B"/>
+              </a:buClr>
+              <a:buFont typeface="Wingdings" panose="05000000000000000000" pitchFamily="2" charset="2"/>
+              <a:buChar char="v"/>
+            </a:pPr>
+            <a:r>
+              <a:rPr lang="pt-BR" dirty="0">
+                <a:latin typeface="Gotham HTF" pitchFamily="50" charset="0"/>
+                <a:cs typeface="Gotham HTF Light"/>
+              </a:rPr>
+              <a:t>O objetivo é sempre minimizar o erro, tendo como parâmetro o menor </a:t>
+            </a:r>
+            <a:r>
+              <a:rPr lang="pt-BR" i="1" dirty="0">
+                <a:latin typeface="Gotham HTF" pitchFamily="50" charset="0"/>
+                <a:cs typeface="Gotham HTF Light"/>
+              </a:rPr>
+              <a:t>LOSS</a:t>
+            </a:r>
+            <a:r>
+              <a:rPr lang="pt-BR" dirty="0">
+                <a:latin typeface="Gotham HTF" pitchFamily="50" charset="0"/>
+                <a:cs typeface="Gotham HTF Light"/>
+              </a:rPr>
+              <a:t> para guiar o modelo na direção certa;</a:t>
+            </a:r>
+          </a:p>
+          <a:p>
+            <a:pPr marL="342900" indent="-342900">
+              <a:lnSpc>
+                <a:spcPct val="150000"/>
+              </a:lnSpc>
+              <a:buClr>
+                <a:srgbClr val="ED145B"/>
+              </a:buClr>
+              <a:buFont typeface="Wingdings" panose="05000000000000000000" pitchFamily="2" charset="2"/>
+              <a:buChar char="v"/>
+            </a:pPr>
+            <a:r>
+              <a:rPr lang="pt-BR" dirty="0">
+                <a:latin typeface="Gotham HTF" pitchFamily="50" charset="0"/>
+                <a:cs typeface="Gotham HTF Light"/>
+              </a:rPr>
+              <a:t>A função </a:t>
+            </a:r>
+            <a:r>
+              <a:rPr lang="pt-BR" i="1" dirty="0" err="1">
+                <a:latin typeface="Gotham HTF" pitchFamily="50" charset="0"/>
+                <a:cs typeface="Gotham HTF Light"/>
+              </a:rPr>
+              <a:t>Loss</a:t>
+            </a:r>
+            <a:r>
+              <a:rPr lang="pt-BR" i="1" dirty="0">
+                <a:latin typeface="Gotham HTF" pitchFamily="50" charset="0"/>
+                <a:cs typeface="Gotham HTF Light"/>
+              </a:rPr>
+              <a:t> mede o quão boa estão as predições da rede.</a:t>
+            </a:r>
+          </a:p>
+          <a:p>
+            <a:pPr marL="800100" lvl="1" indent="-342900">
+              <a:lnSpc>
+                <a:spcPct val="150000"/>
+              </a:lnSpc>
+              <a:buClr>
+                <a:srgbClr val="ED145B"/>
+              </a:buClr>
+              <a:buFont typeface="Wingdings" panose="05000000000000000000" pitchFamily="2" charset="2"/>
+              <a:buChar char="v"/>
+            </a:pPr>
+            <a:r>
+              <a:rPr lang="pt-BR" i="1" dirty="0">
+                <a:latin typeface="Gotham HTF" pitchFamily="50" charset="0"/>
+                <a:cs typeface="Gotham HTF Light"/>
+              </a:rPr>
+              <a:t>Para problemas de regressão: MSE ou MAE;</a:t>
+            </a:r>
+          </a:p>
+          <a:p>
+            <a:pPr marL="800100" lvl="1" indent="-342900">
+              <a:lnSpc>
+                <a:spcPct val="150000"/>
+              </a:lnSpc>
+              <a:buClr>
+                <a:srgbClr val="ED145B"/>
+              </a:buClr>
+              <a:buFont typeface="Wingdings" panose="05000000000000000000" pitchFamily="2" charset="2"/>
+              <a:buChar char="v"/>
+            </a:pPr>
+            <a:r>
+              <a:rPr lang="pt-BR" i="1" dirty="0">
+                <a:latin typeface="Gotham HTF" pitchFamily="50" charset="0"/>
+                <a:cs typeface="Gotham HTF Light"/>
+              </a:rPr>
+              <a:t>Para problemas de Classificação: BCE</a:t>
+            </a:r>
+            <a:r>
+              <a:rPr lang="pt-BR" dirty="0">
+                <a:latin typeface="Gotham HTF" pitchFamily="50" charset="0"/>
+                <a:cs typeface="Gotham HTF Light"/>
+              </a:rPr>
+              <a:t> </a:t>
+            </a:r>
+          </a:p>
+          <a:p>
+            <a:pPr marL="342900" indent="-342900">
+              <a:lnSpc>
+                <a:spcPct val="150000"/>
+              </a:lnSpc>
+              <a:buClr>
+                <a:srgbClr val="ED145B"/>
+              </a:buClr>
+              <a:buFont typeface="Wingdings" panose="05000000000000000000" pitchFamily="2" charset="2"/>
+              <a:buChar char="v"/>
+            </a:pPr>
+            <a:endParaRPr lang="pt-BR" dirty="0">
+              <a:latin typeface="Gotham HTF" pitchFamily="50" charset="0"/>
+              <a:cs typeface="Gotham HTF Light"/>
+            </a:endParaRPr>
+          </a:p>
+          <a:p>
+            <a:pPr marL="342900" indent="-342900">
+              <a:lnSpc>
+                <a:spcPct val="150000"/>
+              </a:lnSpc>
+              <a:buClr>
+                <a:srgbClr val="ED145B"/>
+              </a:buClr>
+              <a:buFont typeface="Wingdings" panose="05000000000000000000" pitchFamily="2" charset="2"/>
+              <a:buChar char="v"/>
+            </a:pPr>
+            <a:r>
+              <a:rPr lang="pt-BR" b="0" dirty="0">
+                <a:solidFill>
+                  <a:srgbClr val="000000"/>
+                </a:solidFill>
+                <a:effectLst/>
+                <a:latin typeface="Gotham HTF"/>
+              </a:rPr>
+              <a:t>Cada iteração das amostras de treinamento é chamada de </a:t>
+            </a:r>
+            <a:r>
+              <a:rPr lang="pt-BR" b="0" dirty="0" err="1">
+                <a:solidFill>
+                  <a:srgbClr val="000000"/>
+                </a:solidFill>
+                <a:effectLst/>
+                <a:latin typeface="Gotham HTF"/>
+              </a:rPr>
+              <a:t>bach</a:t>
+            </a:r>
+            <a:r>
+              <a:rPr lang="pt-BR" b="0" dirty="0">
+                <a:solidFill>
+                  <a:srgbClr val="000000"/>
+                </a:solidFill>
+                <a:effectLst/>
+                <a:latin typeface="Gotham HTF"/>
+              </a:rPr>
+              <a:t> e uma rodada  completa de treinamento é chamada de </a:t>
+            </a:r>
+            <a:r>
+              <a:rPr lang="pt-BR" b="0" dirty="0" err="1">
+                <a:solidFill>
+                  <a:srgbClr val="000000"/>
+                </a:solidFill>
+                <a:effectLst/>
+                <a:latin typeface="Gotham HTF"/>
+              </a:rPr>
+              <a:t>epoch</a:t>
+            </a:r>
+            <a:endParaRPr lang="pt-BR" b="0" dirty="0">
+              <a:solidFill>
+                <a:srgbClr val="000000"/>
+              </a:solidFill>
+              <a:effectLst/>
+              <a:latin typeface="Gotham HTF"/>
+            </a:endParaRPr>
+          </a:p>
+          <a:p>
+            <a:pPr marL="342900" indent="-342900">
+              <a:lnSpc>
+                <a:spcPct val="150000"/>
+              </a:lnSpc>
+              <a:buClr>
+                <a:srgbClr val="ED145B"/>
+              </a:buClr>
+              <a:buFont typeface="Wingdings" panose="05000000000000000000" pitchFamily="2" charset="2"/>
+              <a:buChar char="v"/>
+            </a:pPr>
+            <a:endParaRPr lang="pt-BR" dirty="0">
+              <a:latin typeface="Gotham HTF" pitchFamily="50" charset="0"/>
+              <a:cs typeface="Gotham HTF Light"/>
+            </a:endParaRPr>
+          </a:p>
+        </p:txBody>
+      </p:sp>
+    </p:spTree>
+    <p:extLst>
+      <p:ext uri="{BB962C8B-B14F-4D97-AF65-F5344CB8AC3E}">
+        <p14:creationId xmlns:p14="http://schemas.microsoft.com/office/powerpoint/2010/main" val="1397440517"/>
+      </p:ext>
+    </p:extLst>
+  </p:cSld>
+  <p:clrMapOvr>
+    <a:masterClrMapping/>
+  </p:clrMapOvr>
+  <mc:AlternateContent xmlns:mc="http://schemas.openxmlformats.org/markup-compatibility/2006">
+    <mc:Choice xmlns:p14="http://schemas.microsoft.com/office/powerpoint/2010/main" Requires="p14">
+      <p:transition spd="med" p14:dur="700">
+        <p:fade/>
+      </p:transition>
+    </mc:Choice>
+    <mc:Fallback>
+      <p:transition spd="med">
+        <p:fade/>
+      </p:transition>
+    </mc:Fallback>
+  </mc:AlternateContent>
+</p:sld>
+</file>
+
+<file path=ppt/slides/slide32.xml><?xml version="1.0" encoding="utf-8"?>
+<p:sld xmlns:a="http://schemas.openxmlformats.org/drawingml/2006/main" xmlns:r="http://schemas.openxmlformats.org/officeDocument/2006/relationships" xmlns:p="http://schemas.openxmlformats.org/presentationml/2006/main">
+  <p:cSld>
+    <p:spTree>
+      <p:nvGrpSpPr>
+        <p:cNvPr id="1" name=""/>
+        <p:cNvGrpSpPr/>
+        <p:nvPr/>
+      </p:nvGrpSpPr>
+      <p:grpSpPr>
+        <a:xfrm>
+          <a:off x="0" y="0"/>
+          <a:ext cx="0" cy="0"/>
+          <a:chOff x="0" y="0"/>
+          <a:chExt cx="0" cy="0"/>
+        </a:xfrm>
+      </p:grpSpPr>
+      <p:sp>
+        <p:nvSpPr>
+          <p:cNvPr id="9" name="TextBox 6">
+            <a:extLst>
+              <a:ext uri="{FF2B5EF4-FFF2-40B4-BE49-F238E27FC236}">
+                <a16:creationId xmlns:a16="http://schemas.microsoft.com/office/drawing/2014/main" id="{225765AD-71F7-DC36-6CE8-E9873BEE1F3F}"/>
+              </a:ext>
+            </a:extLst>
+          </p:cNvPr>
+          <p:cNvSpPr txBox="1"/>
+          <p:nvPr/>
+        </p:nvSpPr>
+        <p:spPr>
+          <a:xfrm>
+            <a:off x="228600" y="133350"/>
+            <a:ext cx="6935688" cy="707886"/>
+          </a:xfrm>
+          <a:prstGeom prst="rect">
+            <a:avLst/>
+          </a:prstGeom>
+          <a:noFill/>
+        </p:spPr>
+        <p:txBody>
+          <a:bodyPr wrap="square" rtlCol="0">
+            <a:spAutoFit/>
+          </a:bodyPr>
+          <a:lstStyle/>
+          <a:p>
+            <a:r>
+              <a:rPr lang="pt-BR" sz="4000" dirty="0" err="1">
+                <a:solidFill>
+                  <a:srgbClr val="ED145B"/>
+                </a:solidFill>
+                <a:latin typeface="Gotham HTF" pitchFamily="50" charset="0"/>
+                <a:cs typeface="Gotham HTF Light"/>
+              </a:rPr>
+              <a:t>Backpropagation</a:t>
+            </a:r>
+            <a:endParaRPr lang="pt-BR" sz="4000" dirty="0">
+              <a:solidFill>
+                <a:srgbClr val="ED145B"/>
+              </a:solidFill>
+              <a:latin typeface="Gotham HTF" pitchFamily="50" charset="0"/>
+              <a:cs typeface="Gotham HTF Light"/>
+            </a:endParaRPr>
+          </a:p>
+        </p:txBody>
+      </p:sp>
+      <p:pic>
+        <p:nvPicPr>
+          <p:cNvPr id="3" name="Imagem 2">
+            <a:extLst>
+              <a:ext uri="{FF2B5EF4-FFF2-40B4-BE49-F238E27FC236}">
+                <a16:creationId xmlns:a16="http://schemas.microsoft.com/office/drawing/2014/main" id="{18A7A066-6A42-E9B1-A50D-3E75E35325EB}"/>
+              </a:ext>
+            </a:extLst>
+          </p:cNvPr>
+          <p:cNvPicPr>
+            <a:picLocks noChangeAspect="1"/>
+          </p:cNvPicPr>
+          <p:nvPr/>
+        </p:nvPicPr>
+        <p:blipFill>
+          <a:blip r:embed="rId3">
+            <a:extLst>
+              <a:ext uri="{28A0092B-C50C-407E-A947-70E740481C1C}">
+                <a14:useLocalDpi xmlns:a14="http://schemas.microsoft.com/office/drawing/2010/main" val="0"/>
+              </a:ext>
+            </a:extLst>
+          </a:blip>
+          <a:stretch>
+            <a:fillRect/>
+          </a:stretch>
+        </p:blipFill>
+        <p:spPr>
+          <a:xfrm>
+            <a:off x="2987824" y="2708920"/>
+            <a:ext cx="5976664" cy="2328357"/>
+          </a:xfrm>
+          <a:prstGeom prst="rect">
+            <a:avLst/>
+          </a:prstGeom>
+        </p:spPr>
+      </p:pic>
+      <p:sp>
+        <p:nvSpPr>
+          <p:cNvPr id="4" name="CaixaDeTexto 3">
+            <a:extLst>
+              <a:ext uri="{FF2B5EF4-FFF2-40B4-BE49-F238E27FC236}">
+                <a16:creationId xmlns:a16="http://schemas.microsoft.com/office/drawing/2014/main" id="{6A865F92-85EB-DBD1-4EF1-487735A42B85}"/>
+              </a:ext>
+            </a:extLst>
+          </p:cNvPr>
+          <p:cNvSpPr txBox="1"/>
+          <p:nvPr/>
+        </p:nvSpPr>
+        <p:spPr>
+          <a:xfrm>
+            <a:off x="395536" y="1119073"/>
+            <a:ext cx="5184576" cy="4619854"/>
+          </a:xfrm>
+          <a:prstGeom prst="rect">
+            <a:avLst/>
+          </a:prstGeom>
+          <a:noFill/>
+        </p:spPr>
+        <p:txBody>
+          <a:bodyPr wrap="square">
+            <a:spAutoFit/>
+          </a:bodyPr>
+          <a:lstStyle/>
+          <a:p>
+            <a:pPr marL="342900" indent="-342900">
+              <a:lnSpc>
+                <a:spcPct val="150000"/>
+              </a:lnSpc>
+              <a:buClr>
+                <a:srgbClr val="ED145B"/>
+              </a:buClr>
+              <a:buFont typeface="Wingdings" panose="05000000000000000000" pitchFamily="2" charset="2"/>
+              <a:buChar char="v"/>
+            </a:pPr>
+            <a:r>
+              <a:rPr lang="pt-BR" sz="2000" dirty="0">
+                <a:latin typeface="Gotham HTF" pitchFamily="50" charset="0"/>
+                <a:cs typeface="Gotham HTF Light"/>
+              </a:rPr>
+              <a:t>Os algoritmos utilizados para ajustar os pesos da rede mais usados são:</a:t>
+            </a:r>
+          </a:p>
+          <a:p>
+            <a:pPr marL="800100" lvl="1" indent="-342900">
+              <a:lnSpc>
+                <a:spcPct val="150000"/>
+              </a:lnSpc>
+              <a:buClr>
+                <a:srgbClr val="ED145B"/>
+              </a:buClr>
+              <a:buFont typeface="Wingdings" panose="05000000000000000000" pitchFamily="2" charset="2"/>
+              <a:buChar char="v"/>
+            </a:pPr>
+            <a:r>
+              <a:rPr lang="pt-BR" sz="2000" dirty="0">
+                <a:latin typeface="Gotham HTF" pitchFamily="50" charset="0"/>
+                <a:cs typeface="Gotham HTF Light"/>
+              </a:rPr>
+              <a:t>SGD;</a:t>
+            </a:r>
+          </a:p>
+          <a:p>
+            <a:pPr marL="800100" lvl="1" indent="-342900">
+              <a:lnSpc>
+                <a:spcPct val="150000"/>
+              </a:lnSpc>
+              <a:buClr>
+                <a:srgbClr val="ED145B"/>
+              </a:buClr>
+              <a:buFont typeface="Wingdings" panose="05000000000000000000" pitchFamily="2" charset="2"/>
+              <a:buChar char="v"/>
+            </a:pPr>
+            <a:r>
+              <a:rPr lang="pt-BR" sz="2000" dirty="0" err="1">
+                <a:latin typeface="Gotham HTF" pitchFamily="50" charset="0"/>
+                <a:cs typeface="Gotham HTF Light"/>
+              </a:rPr>
+              <a:t>RMSprop</a:t>
+            </a:r>
+            <a:r>
+              <a:rPr lang="pt-BR" sz="2000" dirty="0">
+                <a:latin typeface="Gotham HTF" pitchFamily="50" charset="0"/>
+                <a:cs typeface="Gotham HTF Light"/>
+              </a:rPr>
+              <a:t>;</a:t>
+            </a:r>
+          </a:p>
+          <a:p>
+            <a:pPr marL="800100" lvl="1" indent="-342900">
+              <a:lnSpc>
+                <a:spcPct val="150000"/>
+              </a:lnSpc>
+              <a:buClr>
+                <a:srgbClr val="ED145B"/>
+              </a:buClr>
+              <a:buFont typeface="Wingdings" panose="05000000000000000000" pitchFamily="2" charset="2"/>
+              <a:buChar char="v"/>
+            </a:pPr>
+            <a:r>
+              <a:rPr lang="pt-BR" sz="2000" dirty="0">
+                <a:latin typeface="Gotham HTF" pitchFamily="50" charset="0"/>
+                <a:cs typeface="Gotham HTF Light"/>
+              </a:rPr>
+              <a:t>ADAM;</a:t>
+            </a:r>
+          </a:p>
+          <a:p>
+            <a:pPr marL="800100" lvl="1" indent="-342900">
+              <a:lnSpc>
+                <a:spcPct val="150000"/>
+              </a:lnSpc>
+              <a:buClr>
+                <a:srgbClr val="ED145B"/>
+              </a:buClr>
+              <a:buFont typeface="Wingdings" panose="05000000000000000000" pitchFamily="2" charset="2"/>
+              <a:buChar char="v"/>
+            </a:pPr>
+            <a:r>
+              <a:rPr lang="pt-BR" sz="2000" dirty="0" err="1">
+                <a:latin typeface="Gotham HTF" pitchFamily="50" charset="0"/>
+                <a:cs typeface="Gotham HTF Light"/>
+              </a:rPr>
+              <a:t>Adadelta</a:t>
+            </a:r>
+            <a:r>
+              <a:rPr lang="pt-BR" sz="2000" dirty="0">
+                <a:latin typeface="Gotham HTF" pitchFamily="50" charset="0"/>
+                <a:cs typeface="Gotham HTF Light"/>
+              </a:rPr>
+              <a:t>;</a:t>
+            </a:r>
+          </a:p>
+          <a:p>
+            <a:pPr marL="800100" lvl="1" indent="-342900">
+              <a:lnSpc>
+                <a:spcPct val="150000"/>
+              </a:lnSpc>
+              <a:buClr>
+                <a:srgbClr val="ED145B"/>
+              </a:buClr>
+              <a:buFont typeface="Wingdings" panose="05000000000000000000" pitchFamily="2" charset="2"/>
+              <a:buChar char="v"/>
+            </a:pPr>
+            <a:r>
+              <a:rPr lang="pt-BR" sz="2000" dirty="0" err="1">
+                <a:latin typeface="Gotham HTF" pitchFamily="50" charset="0"/>
+                <a:cs typeface="Gotham HTF Light"/>
+              </a:rPr>
+              <a:t>Adagrad</a:t>
+            </a:r>
+            <a:r>
+              <a:rPr lang="pt-BR" sz="2000" dirty="0">
+                <a:latin typeface="Gotham HTF" pitchFamily="50" charset="0"/>
+                <a:cs typeface="Gotham HTF Light"/>
+              </a:rPr>
+              <a:t>;</a:t>
+            </a:r>
+          </a:p>
+          <a:p>
+            <a:pPr marL="800100" lvl="1" indent="-342900">
+              <a:lnSpc>
+                <a:spcPct val="150000"/>
+              </a:lnSpc>
+              <a:buClr>
+                <a:srgbClr val="ED145B"/>
+              </a:buClr>
+              <a:buFont typeface="Wingdings" panose="05000000000000000000" pitchFamily="2" charset="2"/>
+              <a:buChar char="v"/>
+            </a:pPr>
+            <a:r>
+              <a:rPr lang="pt-BR" sz="2000" dirty="0" err="1">
+                <a:latin typeface="Gotham HTF" pitchFamily="50" charset="0"/>
+                <a:cs typeface="Gotham HTF Light"/>
+              </a:rPr>
+              <a:t>Adamax</a:t>
+            </a:r>
+            <a:r>
+              <a:rPr lang="pt-BR" sz="2000" dirty="0">
+                <a:latin typeface="Gotham HTF" pitchFamily="50" charset="0"/>
+                <a:cs typeface="Gotham HTF Light"/>
+              </a:rPr>
+              <a:t>;</a:t>
+            </a:r>
+          </a:p>
+          <a:p>
+            <a:pPr marL="800100" lvl="1" indent="-342900">
+              <a:lnSpc>
+                <a:spcPct val="150000"/>
+              </a:lnSpc>
+              <a:buClr>
+                <a:srgbClr val="ED145B"/>
+              </a:buClr>
+              <a:buFont typeface="Wingdings" panose="05000000000000000000" pitchFamily="2" charset="2"/>
+              <a:buChar char="v"/>
+            </a:pPr>
+            <a:r>
+              <a:rPr lang="pt-BR" sz="2000" dirty="0">
+                <a:latin typeface="Gotham HTF" pitchFamily="50" charset="0"/>
+                <a:cs typeface="Gotham HTF Light"/>
+              </a:rPr>
+              <a:t>Nadam;</a:t>
+            </a:r>
+          </a:p>
+          <a:p>
+            <a:pPr marL="800100" lvl="1" indent="-342900">
+              <a:lnSpc>
+                <a:spcPct val="150000"/>
+              </a:lnSpc>
+              <a:buClr>
+                <a:srgbClr val="ED145B"/>
+              </a:buClr>
+              <a:buFont typeface="Wingdings" panose="05000000000000000000" pitchFamily="2" charset="2"/>
+              <a:buChar char="v"/>
+            </a:pPr>
+            <a:r>
+              <a:rPr lang="pt-BR" sz="2000" dirty="0">
+                <a:latin typeface="Gotham HTF" pitchFamily="50" charset="0"/>
+                <a:cs typeface="Gotham HTF Light"/>
+              </a:rPr>
+              <a:t>FTRL</a:t>
+            </a:r>
+          </a:p>
+        </p:txBody>
+      </p:sp>
+    </p:spTree>
+    <p:extLst>
+      <p:ext uri="{BB962C8B-B14F-4D97-AF65-F5344CB8AC3E}">
+        <p14:creationId xmlns:p14="http://schemas.microsoft.com/office/powerpoint/2010/main" val="3227443782"/>
+      </p:ext>
+    </p:extLst>
+  </p:cSld>
+  <p:clrMapOvr>
+    <a:masterClrMapping/>
+  </p:clrMapOvr>
+  <mc:AlternateContent xmlns:mc="http://schemas.openxmlformats.org/markup-compatibility/2006">
+    <mc:Choice xmlns:p14="http://schemas.microsoft.com/office/powerpoint/2010/main" Requires="p14">
+      <p:transition spd="med" p14:dur="700">
+        <p:fade/>
+      </p:transition>
+    </mc:Choice>
+    <mc:Fallback>
+      <p:transition spd="med">
+        <p:fade/>
+      </p:transition>
+    </mc:Fallback>
+  </mc:AlternateContent>
+</p:sld>
+</file>
+
+<file path=ppt/slides/slide33.xml><?xml version="1.0" encoding="utf-8"?>
 <p:sld xmlns:a="http://schemas.openxmlformats.org/drawingml/2006/main" xmlns:r="http://schemas.openxmlformats.org/officeDocument/2006/relationships" xmlns:p="http://schemas.openxmlformats.org/presentationml/2006/main">
   <p:cSld>
     <p:spTree>
@@ -16167,7 +18540,7 @@
             <a:fld id="{3F951EF7-2A75-44A0-8045-6A6595E5FF16}" type="slidenum">
               <a:rPr lang="pt-BR" smtClean="0"/>
               <a:pPr/>
-              <a:t>29</a:t>
+              <a:t>33</a:t>
             </a:fld>
             <a:endParaRPr lang="pt-BR" dirty="0"/>
           </a:p>
@@ -16305,719 +18678,6 @@
   <p:clrMapOvr>
     <a:masterClrMapping/>
   </p:clrMapOvr>
-</p:sld>
-</file>
-
-<file path=ppt/slides/slide3.xml><?xml version="1.0" encoding="utf-8"?>
-<p:sld xmlns:a="http://schemas.openxmlformats.org/drawingml/2006/main" xmlns:r="http://schemas.openxmlformats.org/officeDocument/2006/relationships" xmlns:p="http://schemas.openxmlformats.org/presentationml/2006/main">
-  <p:cSld>
-    <p:spTree>
-      <p:nvGrpSpPr>
-        <p:cNvPr id="1" name=""/>
-        <p:cNvGrpSpPr/>
-        <p:nvPr/>
-      </p:nvGrpSpPr>
-      <p:grpSpPr>
-        <a:xfrm>
-          <a:off x="0" y="0"/>
-          <a:ext cx="0" cy="0"/>
-          <a:chOff x="0" y="0"/>
-          <a:chExt cx="0" cy="0"/>
-        </a:xfrm>
-      </p:grpSpPr>
-      <p:sp>
-        <p:nvSpPr>
-          <p:cNvPr id="9" name="TextBox 6">
-            <a:extLst>
-              <a:ext uri="{FF2B5EF4-FFF2-40B4-BE49-F238E27FC236}">
-                <a16:creationId xmlns:a16="http://schemas.microsoft.com/office/drawing/2014/main" id="{225765AD-71F7-DC36-6CE8-E9873BEE1F3F}"/>
-              </a:ext>
-            </a:extLst>
-          </p:cNvPr>
-          <p:cNvSpPr txBox="1"/>
-          <p:nvPr/>
-        </p:nvSpPr>
-        <p:spPr>
-          <a:xfrm>
-            <a:off x="228600" y="133350"/>
-            <a:ext cx="8015808" cy="1323439"/>
-          </a:xfrm>
-          <a:prstGeom prst="rect">
-            <a:avLst/>
-          </a:prstGeom>
-          <a:noFill/>
-        </p:spPr>
-        <p:txBody>
-          <a:bodyPr wrap="square" rtlCol="0">
-            <a:spAutoFit/>
-          </a:bodyPr>
-          <a:lstStyle/>
-          <a:p>
-            <a:r>
-              <a:rPr lang="en-US" sz="4000" dirty="0">
-                <a:solidFill>
-                  <a:srgbClr val="ED145B"/>
-                </a:solidFill>
-                <a:latin typeface="Gotham HTF Light"/>
-                <a:cs typeface="Gotham HTF Light"/>
-              </a:rPr>
-              <a:t>O que </a:t>
-            </a:r>
-            <a:r>
-              <a:rPr lang="en-US" sz="4000" dirty="0" err="1">
-                <a:solidFill>
-                  <a:srgbClr val="ED145B"/>
-                </a:solidFill>
-                <a:latin typeface="Gotham HTF Light"/>
-                <a:cs typeface="Gotham HTF Light"/>
-              </a:rPr>
-              <a:t>pensam</a:t>
-            </a:r>
-            <a:r>
-              <a:rPr lang="en-US" sz="4000" dirty="0">
-                <a:solidFill>
-                  <a:srgbClr val="ED145B"/>
-                </a:solidFill>
-                <a:latin typeface="Gotham HTF Light"/>
-                <a:cs typeface="Gotham HTF Light"/>
-              </a:rPr>
-              <a:t> </a:t>
-            </a:r>
-            <a:r>
-              <a:rPr lang="en-US" sz="4000" dirty="0" err="1">
-                <a:solidFill>
-                  <a:srgbClr val="ED145B"/>
-                </a:solidFill>
-                <a:latin typeface="Gotham HTF Light"/>
-                <a:cs typeface="Gotham HTF Light"/>
-              </a:rPr>
-              <a:t>sobre</a:t>
-            </a:r>
-            <a:r>
-              <a:rPr lang="en-US" sz="4000" dirty="0">
-                <a:solidFill>
-                  <a:srgbClr val="ED145B"/>
-                </a:solidFill>
-                <a:latin typeface="Gotham HTF Light"/>
-                <a:cs typeface="Gotham HTF Light"/>
-              </a:rPr>
-              <a:t> IA?</a:t>
-            </a:r>
-          </a:p>
-          <a:p>
-            <a:endParaRPr lang="pt-BR" sz="4000" dirty="0">
-              <a:solidFill>
-                <a:srgbClr val="ED145B"/>
-              </a:solidFill>
-              <a:latin typeface="Gotham HTF" pitchFamily="50" charset="0"/>
-              <a:cs typeface="Gotham HTF Light"/>
-            </a:endParaRPr>
-          </a:p>
-        </p:txBody>
-      </p:sp>
-      <p:sp>
-        <p:nvSpPr>
-          <p:cNvPr id="13" name="CaixaDeTexto 12">
-            <a:extLst>
-              <a:ext uri="{FF2B5EF4-FFF2-40B4-BE49-F238E27FC236}">
-                <a16:creationId xmlns:a16="http://schemas.microsoft.com/office/drawing/2014/main" id="{E3A0F170-9DCA-26C5-D3F1-83A0C41B6658}"/>
-              </a:ext>
-            </a:extLst>
-          </p:cNvPr>
-          <p:cNvSpPr txBox="1"/>
-          <p:nvPr/>
-        </p:nvSpPr>
-        <p:spPr>
-          <a:xfrm>
-            <a:off x="323528" y="1767283"/>
-            <a:ext cx="5544616" cy="2957861"/>
-          </a:xfrm>
-          <a:prstGeom prst="rect">
-            <a:avLst/>
-          </a:prstGeom>
-          <a:noFill/>
-        </p:spPr>
-        <p:txBody>
-          <a:bodyPr wrap="square">
-            <a:spAutoFit/>
-          </a:bodyPr>
-          <a:lstStyle/>
-          <a:p>
-            <a:pPr lvl="1">
-              <a:lnSpc>
-                <a:spcPct val="150000"/>
-              </a:lnSpc>
-              <a:buClr>
-                <a:srgbClr val="ED265B"/>
-              </a:buClr>
-            </a:pPr>
-            <a:r>
-              <a:rPr lang="en-US" dirty="0">
-                <a:latin typeface="Gotham HTF Light"/>
-                <a:cs typeface="Gotham HTF Light"/>
-              </a:rPr>
-              <a:t>“O </a:t>
-            </a:r>
-            <a:r>
-              <a:rPr lang="en-US" dirty="0" err="1">
-                <a:latin typeface="Gotham HTF Light"/>
-                <a:cs typeface="Gotham HTF Light"/>
-              </a:rPr>
-              <a:t>desenvolvimento</a:t>
-            </a:r>
-            <a:r>
-              <a:rPr lang="en-US" dirty="0">
-                <a:latin typeface="Gotham HTF Light"/>
-                <a:cs typeface="Gotham HTF Light"/>
-              </a:rPr>
-              <a:t> da </a:t>
-            </a:r>
-            <a:r>
-              <a:rPr lang="en-US" dirty="0" err="1">
-                <a:latin typeface="Gotham HTF Light"/>
-                <a:cs typeface="Gotham HTF Light"/>
-              </a:rPr>
-              <a:t>inteligência</a:t>
-            </a:r>
-            <a:r>
-              <a:rPr lang="en-US" dirty="0">
-                <a:latin typeface="Gotham HTF Light"/>
-                <a:cs typeface="Gotham HTF Light"/>
-              </a:rPr>
-              <a:t> artificial total </a:t>
-            </a:r>
-            <a:r>
-              <a:rPr lang="en-US" dirty="0" err="1">
-                <a:latin typeface="Gotham HTF Light"/>
-                <a:cs typeface="Gotham HTF Light"/>
-              </a:rPr>
-              <a:t>poderia</a:t>
-            </a:r>
-            <a:r>
-              <a:rPr lang="en-US" dirty="0">
-                <a:latin typeface="Gotham HTF Light"/>
-                <a:cs typeface="Gotham HTF Light"/>
-              </a:rPr>
-              <a:t> </a:t>
-            </a:r>
-            <a:r>
-              <a:rPr lang="en-US" dirty="0" err="1">
-                <a:latin typeface="Gotham HTF Light"/>
-                <a:cs typeface="Gotham HTF Light"/>
-              </a:rPr>
-              <a:t>significar</a:t>
-            </a:r>
-            <a:r>
-              <a:rPr lang="en-US" dirty="0">
-                <a:latin typeface="Gotham HTF Light"/>
-                <a:cs typeface="Gotham HTF Light"/>
-              </a:rPr>
-              <a:t> o </a:t>
-            </a:r>
-            <a:r>
-              <a:rPr lang="en-US" dirty="0" err="1">
-                <a:latin typeface="Gotham HTF Light"/>
-                <a:cs typeface="Gotham HTF Light"/>
-              </a:rPr>
-              <a:t>fim</a:t>
-            </a:r>
-            <a:r>
-              <a:rPr lang="en-US" dirty="0">
-                <a:latin typeface="Gotham HTF Light"/>
-                <a:cs typeface="Gotham HTF Light"/>
-              </a:rPr>
-              <a:t> da </a:t>
-            </a:r>
-            <a:r>
-              <a:rPr lang="en-US" dirty="0" err="1">
-                <a:latin typeface="Gotham HTF Light"/>
-                <a:cs typeface="Gotham HTF Light"/>
-              </a:rPr>
-              <a:t>raça</a:t>
-            </a:r>
-            <a:r>
-              <a:rPr lang="en-US" dirty="0">
-                <a:latin typeface="Gotham HTF Light"/>
-                <a:cs typeface="Gotham HTF Light"/>
-              </a:rPr>
-              <a:t> </a:t>
-            </a:r>
-            <a:r>
-              <a:rPr lang="en-US" dirty="0" err="1">
-                <a:latin typeface="Gotham HTF Light"/>
-                <a:cs typeface="Gotham HTF Light"/>
-              </a:rPr>
-              <a:t>humana</a:t>
-            </a:r>
-            <a:r>
-              <a:rPr lang="en-US" dirty="0">
-                <a:latin typeface="Gotham HTF Light"/>
-                <a:cs typeface="Gotham HTF Light"/>
-              </a:rPr>
-              <a:t>”</a:t>
-            </a:r>
-          </a:p>
-          <a:p>
-            <a:pPr lvl="1">
-              <a:lnSpc>
-                <a:spcPct val="150000"/>
-              </a:lnSpc>
-              <a:buClr>
-                <a:srgbClr val="ED265B"/>
-              </a:buClr>
-            </a:pPr>
-            <a:endParaRPr lang="en-US" dirty="0">
-              <a:latin typeface="Gotham HTF Light"/>
-              <a:cs typeface="Gotham HTF Light"/>
-            </a:endParaRPr>
-          </a:p>
-          <a:p>
-            <a:pPr lvl="1">
-              <a:lnSpc>
-                <a:spcPct val="150000"/>
-              </a:lnSpc>
-              <a:buClr>
-                <a:srgbClr val="ED265B"/>
-              </a:buClr>
-            </a:pPr>
-            <a:r>
-              <a:rPr lang="en-US" dirty="0">
-                <a:latin typeface="Gotham HTF Light"/>
-                <a:cs typeface="Gotham HTF Light"/>
-              </a:rPr>
-              <a:t>“…A </a:t>
-            </a:r>
-            <a:r>
-              <a:rPr lang="en-US" dirty="0" err="1">
-                <a:latin typeface="Gotham HTF Light"/>
-                <a:cs typeface="Gotham HTF Light"/>
-              </a:rPr>
-              <a:t>criação</a:t>
-            </a:r>
-            <a:r>
-              <a:rPr lang="en-US" dirty="0">
-                <a:latin typeface="Gotham HTF Light"/>
-                <a:cs typeface="Gotham HTF Light"/>
-              </a:rPr>
-              <a:t> </a:t>
-            </a:r>
-            <a:r>
-              <a:rPr lang="en-US" dirty="0" err="1">
-                <a:latin typeface="Gotham HTF Light"/>
-                <a:cs typeface="Gotham HTF Light"/>
-              </a:rPr>
-              <a:t>bem-sucedida</a:t>
-            </a:r>
-            <a:r>
-              <a:rPr lang="en-US" dirty="0">
-                <a:latin typeface="Gotham HTF Light"/>
-                <a:cs typeface="Gotham HTF Light"/>
-              </a:rPr>
-              <a:t> de </a:t>
-            </a:r>
-            <a:r>
-              <a:rPr lang="en-US" dirty="0" err="1">
-                <a:latin typeface="Gotham HTF Light"/>
-                <a:cs typeface="Gotham HTF Light"/>
-              </a:rPr>
-              <a:t>inteligência</a:t>
-            </a:r>
-            <a:r>
-              <a:rPr lang="en-US" dirty="0">
-                <a:latin typeface="Gotham HTF Light"/>
-                <a:cs typeface="Gotham HTF Light"/>
-              </a:rPr>
-              <a:t> artificial </a:t>
-            </a:r>
-            <a:r>
-              <a:rPr lang="en-US" dirty="0" err="1">
-                <a:latin typeface="Gotham HTF Light"/>
-                <a:cs typeface="Gotham HTF Light"/>
-              </a:rPr>
-              <a:t>seria</a:t>
-            </a:r>
-            <a:r>
-              <a:rPr lang="en-US" dirty="0">
-                <a:latin typeface="Gotham HTF Light"/>
-                <a:cs typeface="Gotham HTF Light"/>
-              </a:rPr>
-              <a:t> o </a:t>
-            </a:r>
-            <a:r>
-              <a:rPr lang="en-US" dirty="0" err="1">
-                <a:latin typeface="Gotham HTF Light"/>
-                <a:cs typeface="Gotham HTF Light"/>
-              </a:rPr>
-              <a:t>maior</a:t>
-            </a:r>
-            <a:r>
-              <a:rPr lang="en-US" dirty="0">
-                <a:latin typeface="Gotham HTF Light"/>
-                <a:cs typeface="Gotham HTF Light"/>
-              </a:rPr>
-              <a:t> </a:t>
-            </a:r>
-            <a:r>
-              <a:rPr lang="en-US" dirty="0" err="1">
-                <a:latin typeface="Gotham HTF Light"/>
-                <a:cs typeface="Gotham HTF Light"/>
-              </a:rPr>
-              <a:t>evento</a:t>
-            </a:r>
-            <a:r>
-              <a:rPr lang="en-US" dirty="0">
-                <a:latin typeface="Gotham HTF Light"/>
-                <a:cs typeface="Gotham HTF Light"/>
-              </a:rPr>
-              <a:t> </a:t>
-            </a:r>
-            <a:r>
-              <a:rPr lang="en-US" dirty="0" err="1">
-                <a:latin typeface="Gotham HTF Light"/>
-                <a:cs typeface="Gotham HTF Light"/>
-              </a:rPr>
-              <a:t>na</a:t>
-            </a:r>
-            <a:r>
-              <a:rPr lang="en-US" dirty="0">
-                <a:latin typeface="Gotham HTF Light"/>
-                <a:cs typeface="Gotham HTF Light"/>
-              </a:rPr>
-              <a:t> </a:t>
-            </a:r>
-            <a:r>
-              <a:rPr lang="en-US" dirty="0" err="1">
-                <a:latin typeface="Gotham HTF Light"/>
-                <a:cs typeface="Gotham HTF Light"/>
-              </a:rPr>
-              <a:t>história</a:t>
-            </a:r>
-            <a:r>
-              <a:rPr lang="en-US" dirty="0">
-                <a:latin typeface="Gotham HTF Light"/>
-                <a:cs typeface="Gotham HTF Light"/>
-              </a:rPr>
-              <a:t> da </a:t>
-            </a:r>
-            <a:r>
-              <a:rPr lang="en-US" dirty="0" err="1">
-                <a:latin typeface="Gotham HTF Light"/>
-                <a:cs typeface="Gotham HTF Light"/>
-              </a:rPr>
-              <a:t>humanidade</a:t>
-            </a:r>
-            <a:r>
-              <a:rPr lang="en-US" dirty="0">
-                <a:latin typeface="Gotham HTF Light"/>
-                <a:cs typeface="Gotham HTF Light"/>
-              </a:rPr>
-              <a:t>. </a:t>
-            </a:r>
-            <a:r>
-              <a:rPr lang="en-US" dirty="0" err="1">
-                <a:latin typeface="Gotham HTF Light"/>
-                <a:cs typeface="Gotham HTF Light"/>
-              </a:rPr>
-              <a:t>Infelizmente</a:t>
-            </a:r>
-            <a:r>
-              <a:rPr lang="en-US" dirty="0">
-                <a:latin typeface="Gotham HTF Light"/>
-                <a:cs typeface="Gotham HTF Light"/>
-              </a:rPr>
-              <a:t>, </a:t>
-            </a:r>
-            <a:r>
-              <a:rPr lang="en-US" dirty="0" err="1">
-                <a:latin typeface="Gotham HTF Light"/>
-                <a:cs typeface="Gotham HTF Light"/>
-              </a:rPr>
-              <a:t>pode</a:t>
-            </a:r>
-            <a:r>
-              <a:rPr lang="en-US" dirty="0">
-                <a:latin typeface="Gotham HTF Light"/>
-                <a:cs typeface="Gotham HTF Light"/>
-              </a:rPr>
-              <a:t> </a:t>
-            </a:r>
-            <a:r>
-              <a:rPr lang="en-US" dirty="0" err="1">
-                <a:latin typeface="Gotham HTF Light"/>
-                <a:cs typeface="Gotham HTF Light"/>
-              </a:rPr>
-              <a:t>também</a:t>
-            </a:r>
-            <a:r>
-              <a:rPr lang="en-US" dirty="0">
-                <a:latin typeface="Gotham HTF Light"/>
-                <a:cs typeface="Gotham HTF Light"/>
-              </a:rPr>
-              <a:t> ser o ultimo, a </a:t>
-            </a:r>
-            <a:r>
-              <a:rPr lang="en-US" dirty="0" err="1">
-                <a:latin typeface="Gotham HTF Light"/>
-                <a:cs typeface="Gotham HTF Light"/>
-              </a:rPr>
-              <a:t>menos</a:t>
-            </a:r>
-            <a:r>
-              <a:rPr lang="en-US" dirty="0">
-                <a:latin typeface="Gotham HTF Light"/>
-                <a:cs typeface="Gotham HTF Light"/>
-              </a:rPr>
-              <a:t> que </a:t>
-            </a:r>
-            <a:r>
-              <a:rPr lang="en-US" dirty="0" err="1">
-                <a:latin typeface="Gotham HTF Light"/>
-                <a:cs typeface="Gotham HTF Light"/>
-              </a:rPr>
-              <a:t>aprendemos</a:t>
-            </a:r>
-            <a:r>
-              <a:rPr lang="en-US" dirty="0">
-                <a:latin typeface="Gotham HTF Light"/>
-                <a:cs typeface="Gotham HTF Light"/>
-              </a:rPr>
-              <a:t> a </a:t>
-            </a:r>
-            <a:r>
-              <a:rPr lang="en-US" dirty="0" err="1">
-                <a:latin typeface="Gotham HTF Light"/>
-                <a:cs typeface="Gotham HTF Light"/>
-              </a:rPr>
-              <a:t>evitar</a:t>
-            </a:r>
-            <a:r>
-              <a:rPr lang="en-US" dirty="0">
-                <a:latin typeface="Gotham HTF Light"/>
-                <a:cs typeface="Gotham HTF Light"/>
-              </a:rPr>
-              <a:t> o </a:t>
-            </a:r>
-            <a:r>
-              <a:rPr lang="en-US" dirty="0" err="1">
-                <a:latin typeface="Gotham HTF Light"/>
-                <a:cs typeface="Gotham HTF Light"/>
-              </a:rPr>
-              <a:t>risco</a:t>
-            </a:r>
-            <a:r>
-              <a:rPr lang="en-US" dirty="0">
-                <a:latin typeface="Gotham HTF Light"/>
-                <a:cs typeface="Gotham HTF Light"/>
-              </a:rPr>
-              <a:t>…”</a:t>
-            </a:r>
-          </a:p>
-        </p:txBody>
-      </p:sp>
-      <p:sp>
-        <p:nvSpPr>
-          <p:cNvPr id="4" name="CaixaDeTexto 3">
-            <a:extLst>
-              <a:ext uri="{FF2B5EF4-FFF2-40B4-BE49-F238E27FC236}">
-                <a16:creationId xmlns:a16="http://schemas.microsoft.com/office/drawing/2014/main" id="{CA6A062C-AD41-AF89-3E5F-654FAE9438C0}"/>
-              </a:ext>
-            </a:extLst>
-          </p:cNvPr>
-          <p:cNvSpPr txBox="1"/>
-          <p:nvPr/>
-        </p:nvSpPr>
-        <p:spPr>
-          <a:xfrm>
-            <a:off x="809836" y="4931876"/>
-            <a:ext cx="4572000" cy="369332"/>
-          </a:xfrm>
-          <a:prstGeom prst="rect">
-            <a:avLst/>
-          </a:prstGeom>
-          <a:noFill/>
-        </p:spPr>
-        <p:txBody>
-          <a:bodyPr wrap="square">
-            <a:spAutoFit/>
-          </a:bodyPr>
-          <a:lstStyle/>
-          <a:p>
-            <a:r>
-              <a:rPr lang="en-US" dirty="0">
-                <a:latin typeface="Gotham HTF Light"/>
-                <a:cs typeface="Gotham HTF Light"/>
-              </a:rPr>
-              <a:t>Stephen Hawking, </a:t>
-            </a:r>
-            <a:r>
-              <a:rPr lang="en-US" dirty="0" err="1">
-                <a:latin typeface="Gotham HTF Light"/>
-                <a:cs typeface="Gotham HTF Light"/>
-              </a:rPr>
-              <a:t>físico</a:t>
-            </a:r>
-            <a:r>
-              <a:rPr lang="en-US" dirty="0">
-                <a:latin typeface="Gotham HTF Light"/>
-                <a:cs typeface="Gotham HTF Light"/>
-              </a:rPr>
-              <a:t> </a:t>
-            </a:r>
-            <a:r>
-              <a:rPr lang="en-US" dirty="0" err="1">
-                <a:latin typeface="Gotham HTF Light"/>
-                <a:cs typeface="Gotham HTF Light"/>
-              </a:rPr>
-              <a:t>teórico</a:t>
-            </a:r>
-            <a:endParaRPr lang="pt-BR" dirty="0"/>
-          </a:p>
-        </p:txBody>
-      </p:sp>
-      <p:pic>
-        <p:nvPicPr>
-          <p:cNvPr id="6" name="Imagem 5">
-            <a:extLst>
-              <a:ext uri="{FF2B5EF4-FFF2-40B4-BE49-F238E27FC236}">
-                <a16:creationId xmlns:a16="http://schemas.microsoft.com/office/drawing/2014/main" id="{56A3BFC7-C192-1923-524D-8741B27B2108}"/>
-              </a:ext>
-            </a:extLst>
-          </p:cNvPr>
-          <p:cNvPicPr>
-            <a:picLocks noChangeAspect="1"/>
-          </p:cNvPicPr>
-          <p:nvPr/>
-        </p:nvPicPr>
-        <p:blipFill>
-          <a:blip r:embed="rId3">
-            <a:extLst>
-              <a:ext uri="{28A0092B-C50C-407E-A947-70E740481C1C}">
-                <a14:useLocalDpi xmlns:a14="http://schemas.microsoft.com/office/drawing/2010/main" val="0"/>
-              </a:ext>
-            </a:extLst>
-          </a:blip>
-          <a:stretch>
-            <a:fillRect/>
-          </a:stretch>
-        </p:blipFill>
-        <p:spPr>
-          <a:xfrm>
-            <a:off x="5796136" y="1778930"/>
-            <a:ext cx="3202888" cy="3202888"/>
-          </a:xfrm>
-          <a:prstGeom prst="rect">
-            <a:avLst/>
-          </a:prstGeom>
-        </p:spPr>
-      </p:pic>
-    </p:spTree>
-    <p:extLst>
-      <p:ext uri="{BB962C8B-B14F-4D97-AF65-F5344CB8AC3E}">
-        <p14:creationId xmlns:p14="http://schemas.microsoft.com/office/powerpoint/2010/main" val="1105555693"/>
-      </p:ext>
-    </p:extLst>
-  </p:cSld>
-  <p:clrMapOvr>
-    <a:masterClrMapping/>
-  </p:clrMapOvr>
-  <mc:AlternateContent xmlns:mc="http://schemas.openxmlformats.org/markup-compatibility/2006" xmlns:p14="http://schemas.microsoft.com/office/powerpoint/2010/main">
-    <mc:Choice Requires="p14">
-      <p:transition spd="med" p14:dur="700">
-        <p:fade/>
-      </p:transition>
-    </mc:Choice>
-    <mc:Fallback xmlns="">
-      <p:transition spd="med">
-        <p:fade/>
-      </p:transition>
-    </mc:Fallback>
-  </mc:AlternateContent>
-  <p:timing>
-    <p:tnLst>
-      <p:par>
-        <p:cTn id="1" dur="indefinite" restart="never" nodeType="tmRoot">
-          <p:childTnLst>
-            <p:seq concurrent="1" nextAc="seek">
-              <p:cTn id="2" dur="indefinite" nodeType="mainSeq">
-                <p:childTnLst>
-                  <p:par>
-                    <p:cTn id="3" fill="hold">
-                      <p:stCondLst>
-                        <p:cond delay="indefinite"/>
-                      </p:stCondLst>
-                      <p:childTnLst>
-                        <p:par>
-                          <p:cTn id="4" fill="hold">
-                            <p:stCondLst>
-                              <p:cond delay="0"/>
-                            </p:stCondLst>
-                            <p:childTnLst>
-                              <p:par>
-                                <p:cTn id="5" presetID="10" presetClass="entr" presetSubtype="0" fill="hold" grpId="0" nodeType="clickEffect">
-                                  <p:stCondLst>
-                                    <p:cond delay="0"/>
-                                  </p:stCondLst>
-                                  <p:childTnLst>
-                                    <p:set>
-                                      <p:cBhvr>
-                                        <p:cTn id="6" dur="1" fill="hold">
-                                          <p:stCondLst>
-                                            <p:cond delay="0"/>
-                                          </p:stCondLst>
-                                        </p:cTn>
-                                        <p:tgtEl>
-                                          <p:spTgt spid="4"/>
-                                        </p:tgtEl>
-                                        <p:attrNameLst>
-                                          <p:attrName>style.visibility</p:attrName>
-                                        </p:attrNameLst>
-                                      </p:cBhvr>
-                                      <p:to>
-                                        <p:strVal val="visible"/>
-                                      </p:to>
-                                    </p:set>
-                                    <p:animEffect transition="in" filter="fade">
-                                      <p:cBhvr>
-                                        <p:cTn id="7" dur="500"/>
-                                        <p:tgtEl>
-                                          <p:spTgt spid="4"/>
-                                        </p:tgtEl>
-                                      </p:cBhvr>
-                                    </p:animEffect>
-                                  </p:childTnLst>
-                                </p:cTn>
-                              </p:par>
-                            </p:childTnLst>
-                          </p:cTn>
-                        </p:par>
-                      </p:childTnLst>
-                    </p:cTn>
-                  </p:par>
-                </p:childTnLst>
-              </p:cTn>
-              <p:prevCondLst>
-                <p:cond evt="onPrev" delay="0">
-                  <p:tgtEl>
-                    <p:sldTgt/>
-                  </p:tgtEl>
-                </p:cond>
-              </p:prevCondLst>
-              <p:nextCondLst>
-                <p:cond evt="onNext" delay="0">
-                  <p:tgtEl>
-                    <p:sldTgt/>
-                  </p:tgtEl>
-                </p:cond>
-              </p:nextCondLst>
-            </p:seq>
-          </p:childTnLst>
-        </p:cTn>
-      </p:par>
-    </p:tnLst>
-    <p:bldLst>
-      <p:bldP spid="4" grpId="0"/>
-    </p:bldLst>
-  </p:timing>
 </p:sld>
 </file>
 
@@ -17142,7 +18802,7 @@
         </p:nvSpPr>
         <p:spPr>
           <a:xfrm>
-            <a:off x="323528" y="1767283"/>
+            <a:off x="323528" y="1268760"/>
             <a:ext cx="5544616" cy="3788858"/>
           </a:xfrm>
           <a:prstGeom prst="rect">
@@ -17197,7 +18857,21 @@
                 <a:latin typeface="Gotham HTF Light"/>
                 <a:cs typeface="Gotham HTF Light"/>
               </a:rPr>
-              <a:t> no commando da </a:t>
+              <a:t> no </a:t>
+            </a:r>
+            <a:r>
+              <a:rPr lang="en-US" dirty="0" err="1">
+                <a:latin typeface="Gotham HTF Light"/>
+                <a:cs typeface="Gotham HTF Light"/>
+              </a:rPr>
+              <a:t>comando</a:t>
+            </a:r>
+            <a:r>
+              <a:rPr lang="en-US" dirty="0">
+                <a:latin typeface="Gotham HTF Light"/>
+                <a:cs typeface="Gotham HTF Light"/>
+              </a:rPr>
+              <a:t> da </a:t>
             </a:r>
             <a:r>
               <a:rPr lang="en-US" dirty="0" err="1">
@@ -17438,14 +19112,14 @@
                 <a:latin typeface="Gotham HTF Light"/>
                 <a:cs typeface="Gotham HTF Light"/>
               </a:rPr>
-              <a:t> supercar </a:t>
+              <a:t> </a:t>
             </a:r>
             <a:r>
               <a:rPr lang="en-US" dirty="0" err="1">
                 <a:latin typeface="Gotham HTF Light"/>
                 <a:cs typeface="Gotham HTF Light"/>
               </a:rPr>
-              <a:t>nossa</a:t>
+              <a:t>superar</a:t>
             </a:r>
             <a:r>
               <a:rPr lang="en-US" dirty="0">
@@ -17459,35 +19133,35 @@
                 <a:latin typeface="Gotham HTF Light"/>
                 <a:cs typeface="Gotham HTF Light"/>
               </a:rPr>
-              <a:t>inteligência</a:t>
+              <a:t>nossa</a:t>
             </a:r>
             <a:r>
               <a:rPr lang="en-US" dirty="0">
                 <a:latin typeface="Gotham HTF Light"/>
                 <a:cs typeface="Gotham HTF Light"/>
               </a:rPr>
-              <a:t>, </a:t>
+              <a:t> </a:t>
             </a:r>
             <a:r>
               <a:rPr lang="en-US" dirty="0" err="1">
                 <a:latin typeface="Gotham HTF Light"/>
                 <a:cs typeface="Gotham HTF Light"/>
               </a:rPr>
-              <a:t>então</a:t>
+              <a:t>inteligência</a:t>
             </a:r>
             <a:r>
               <a:rPr lang="en-US" dirty="0">
                 <a:latin typeface="Gotham HTF Light"/>
                 <a:cs typeface="Gotham HTF Light"/>
               </a:rPr>
-              <a:t> </a:t>
+              <a:t>, </a:t>
             </a:r>
             <a:r>
               <a:rPr lang="en-US" dirty="0" err="1">
                 <a:latin typeface="Gotham HTF Light"/>
                 <a:cs typeface="Gotham HTF Light"/>
               </a:rPr>
-              <a:t>não</a:t>
+              <a:t>então</a:t>
             </a:r>
             <a:r>
               <a:rPr lang="en-US" dirty="0">
@@ -17501,35 +19175,35 @@
                 <a:latin typeface="Gotham HTF Light"/>
                 <a:cs typeface="Gotham HTF Light"/>
               </a:rPr>
-              <a:t>sabemos</a:t>
+              <a:t>não</a:t>
             </a:r>
             <a:r>
               <a:rPr lang="en-US" dirty="0">
                 <a:latin typeface="Gotham HTF Light"/>
                 <a:cs typeface="Gotham HTF Light"/>
               </a:rPr>
-              <a:t> se </a:t>
+              <a:t> </a:t>
             </a:r>
             <a:r>
               <a:rPr lang="en-US" dirty="0" err="1">
                 <a:latin typeface="Gotham HTF Light"/>
                 <a:cs typeface="Gotham HTF Light"/>
               </a:rPr>
-              <a:t>ela</a:t>
+              <a:t>sabemos</a:t>
             </a:r>
             <a:r>
               <a:rPr lang="en-US" dirty="0">
                 <a:latin typeface="Gotham HTF Light"/>
                 <a:cs typeface="Gotham HTF Light"/>
               </a:rPr>
-              <a:t> </a:t>
+              <a:t> se </a:t>
             </a:r>
             <a:r>
               <a:rPr lang="en-US" dirty="0" err="1">
                 <a:latin typeface="Gotham HTF Light"/>
                 <a:cs typeface="Gotham HTF Light"/>
               </a:rPr>
-              <a:t>nos</a:t>
+              <a:t>ela</a:t>
             </a:r>
             <a:r>
               <a:rPr lang="en-US" dirty="0">
@@ -17543,49 +19217,49 @@
                 <a:latin typeface="Gotham HTF Light"/>
                 <a:cs typeface="Gotham HTF Light"/>
               </a:rPr>
-              <a:t>ajudará</a:t>
+              <a:t>nos</a:t>
             </a:r>
             <a:r>
               <a:rPr lang="en-US" dirty="0">
                 <a:latin typeface="Gotham HTF Light"/>
                 <a:cs typeface="Gotham HTF Light"/>
               </a:rPr>
-              <a:t> para sempre </a:t>
+              <a:t> </a:t>
             </a:r>
             <a:r>
               <a:rPr lang="en-US" dirty="0" err="1">
                 <a:latin typeface="Gotham HTF Light"/>
                 <a:cs typeface="Gotham HTF Light"/>
               </a:rPr>
-              <a:t>ou</a:t>
+              <a:t>ajudará</a:t>
             </a:r>
             <a:r>
               <a:rPr lang="en-US" dirty="0">
                 <a:latin typeface="Gotham HTF Light"/>
                 <a:cs typeface="Gotham HTF Light"/>
               </a:rPr>
-              <a:t> se </a:t>
+              <a:t> para sempre </a:t>
             </a:r>
             <a:r>
               <a:rPr lang="en-US" dirty="0" err="1">
                 <a:latin typeface="Gotham HTF Light"/>
                 <a:cs typeface="Gotham HTF Light"/>
               </a:rPr>
-              <a:t>nos</a:t>
+              <a:t>ou</a:t>
             </a:r>
             <a:r>
               <a:rPr lang="en-US" dirty="0">
                 <a:latin typeface="Gotham HTF Light"/>
                 <a:cs typeface="Gotham HTF Light"/>
               </a:rPr>
-              <a:t> </a:t>
+              <a:t> se </a:t>
             </a:r>
             <a:r>
               <a:rPr lang="en-US" dirty="0" err="1">
                 <a:latin typeface="Gotham HTF Light"/>
                 <a:cs typeface="Gotham HTF Light"/>
               </a:rPr>
-              <a:t>jogará</a:t>
+              <a:t>nos</a:t>
             </a:r>
             <a:r>
               <a:rPr lang="en-US" dirty="0">
@@ -17599,14 +19273,14 @@
                 <a:latin typeface="Gotham HTF Light"/>
                 <a:cs typeface="Gotham HTF Light"/>
               </a:rPr>
-              <a:t>oara</a:t>
+              <a:t>jogará</a:t>
             </a:r>
             <a:r>
               <a:rPr lang="en-US" dirty="0">
                 <a:latin typeface="Gotham HTF Light"/>
                 <a:cs typeface="Gotham HTF Light"/>
               </a:rPr>
-              <a:t> </a:t>
+              <a:t> para </a:t>
             </a:r>
             <a:r>
               <a:rPr lang="en-US" dirty="0" err="1">
@@ -17981,7 +19655,7 @@
         </p:nvSpPr>
         <p:spPr>
           <a:xfrm>
-            <a:off x="323528" y="2565180"/>
+            <a:off x="323528" y="2132856"/>
             <a:ext cx="5544616" cy="1295868"/>
           </a:xfrm>
           <a:prstGeom prst="rect">
@@ -18057,7 +19731,35 @@
                 <a:latin typeface="Gotham HTF Light"/>
                 <a:cs typeface="Gotham HTF Light"/>
               </a:rPr>
-              <a:t>Potencialmente</a:t>
+              <a:t>Elas</a:t>
+            </a:r>
+            <a:r>
+              <a:rPr lang="en-US" dirty="0">
+                <a:latin typeface="Gotham HTF Light"/>
+                <a:cs typeface="Gotham HTF Light"/>
+              </a:rPr>
+              <a:t> </a:t>
+            </a:r>
+            <a:r>
+              <a:rPr lang="en-US" dirty="0" err="1">
+                <a:latin typeface="Gotham HTF Light"/>
+                <a:cs typeface="Gotham HTF Light"/>
+              </a:rPr>
+              <a:t>são</a:t>
+            </a:r>
+            <a:r>
+              <a:rPr lang="en-US" dirty="0">
+                <a:latin typeface="Gotham HTF Light"/>
+                <a:cs typeface="Gotham HTF Light"/>
+              </a:rPr>
+              <a:t> </a:t>
+            </a:r>
+            <a:r>
+              <a:rPr lang="en-US" dirty="0" err="1">
+                <a:latin typeface="Gotham HTF Light"/>
+                <a:cs typeface="Gotham HTF Light"/>
+              </a:rPr>
+              <a:t>otencialmente</a:t>
             </a:r>
             <a:r>
               <a:rPr lang="en-US" dirty="0">
@@ -18400,192 +20102,6 @@
                 <a:cs typeface="Gotham HTF Light"/>
               </a:rPr>
               <a:t>Regressão x Classificação</a:t>
-            </a:r>
-          </a:p>
-        </p:txBody>
-      </p:sp>
-      <p:sp>
-        <p:nvSpPr>
-          <p:cNvPr id="7" name="TextBox 6">
-            <a:extLst>
-              <a:ext uri="{FF2B5EF4-FFF2-40B4-BE49-F238E27FC236}">
-                <a16:creationId xmlns:a16="http://schemas.microsoft.com/office/drawing/2014/main" id="{9772A679-423B-60B2-6E41-F386AD9D2475}"/>
-              </a:ext>
-            </a:extLst>
-          </p:cNvPr>
-          <p:cNvSpPr txBox="1"/>
-          <p:nvPr/>
-        </p:nvSpPr>
-        <p:spPr>
-          <a:xfrm>
-            <a:off x="444624" y="1455160"/>
-            <a:ext cx="2399184" cy="461665"/>
-          </a:xfrm>
-          <a:prstGeom prst="rect">
-            <a:avLst/>
-          </a:prstGeom>
-          <a:noFill/>
-        </p:spPr>
-        <p:txBody>
-          <a:bodyPr wrap="square" rtlCol="0">
-            <a:spAutoFit/>
-          </a:bodyPr>
-          <a:lstStyle/>
-          <a:p>
-            <a:r>
-              <a:rPr lang="pt-BR" sz="2400" dirty="0">
-                <a:solidFill>
-                  <a:srgbClr val="ED145B"/>
-                </a:solidFill>
-                <a:latin typeface="Gotham HTF" pitchFamily="50" charset="0"/>
-                <a:cs typeface="Gotham HTF Light"/>
-              </a:rPr>
-              <a:t>Regressão linear</a:t>
-            </a:r>
-          </a:p>
-        </p:txBody>
-      </p:sp>
-      <p:sp>
-        <p:nvSpPr>
-          <p:cNvPr id="8" name="TextBox 6">
-            <a:extLst>
-              <a:ext uri="{FF2B5EF4-FFF2-40B4-BE49-F238E27FC236}">
-                <a16:creationId xmlns:a16="http://schemas.microsoft.com/office/drawing/2014/main" id="{D84C0A06-135C-3561-68BA-F4B4190EB0D0}"/>
-              </a:ext>
-            </a:extLst>
-          </p:cNvPr>
-          <p:cNvSpPr txBox="1"/>
-          <p:nvPr/>
-        </p:nvSpPr>
-        <p:spPr>
-          <a:xfrm>
-            <a:off x="4837112" y="1455160"/>
-            <a:ext cx="2687216" cy="461665"/>
-          </a:xfrm>
-          <a:prstGeom prst="rect">
-            <a:avLst/>
-          </a:prstGeom>
-          <a:noFill/>
-        </p:spPr>
-        <p:txBody>
-          <a:bodyPr wrap="square" rtlCol="0">
-            <a:spAutoFit/>
-          </a:bodyPr>
-          <a:lstStyle/>
-          <a:p>
-            <a:r>
-              <a:rPr lang="pt-BR" sz="2400" dirty="0">
-                <a:solidFill>
-                  <a:srgbClr val="ED145B"/>
-                </a:solidFill>
-                <a:latin typeface="Gotham HTF" pitchFamily="50" charset="0"/>
-                <a:cs typeface="Gotham HTF Light"/>
-              </a:rPr>
-              <a:t>Classificação linear</a:t>
-            </a:r>
-          </a:p>
-        </p:txBody>
-      </p:sp>
-      <p:sp>
-        <p:nvSpPr>
-          <p:cNvPr id="10" name="TextBox 6">
-            <a:extLst>
-              <a:ext uri="{FF2B5EF4-FFF2-40B4-BE49-F238E27FC236}">
-                <a16:creationId xmlns:a16="http://schemas.microsoft.com/office/drawing/2014/main" id="{B376592A-48BB-8EB5-403F-51A05E343299}"/>
-              </a:ext>
-            </a:extLst>
-          </p:cNvPr>
-          <p:cNvSpPr txBox="1"/>
-          <p:nvPr/>
-        </p:nvSpPr>
-        <p:spPr>
-          <a:xfrm>
-            <a:off x="444624" y="2031231"/>
-            <a:ext cx="3695328" cy="923330"/>
-          </a:xfrm>
-          <a:prstGeom prst="rect">
-            <a:avLst/>
-          </a:prstGeom>
-          <a:noFill/>
-        </p:spPr>
-        <p:txBody>
-          <a:bodyPr wrap="square" rtlCol="0">
-            <a:spAutoFit/>
-          </a:bodyPr>
-          <a:lstStyle/>
-          <a:p>
-            <a:r>
-              <a:rPr lang="pt-BR" dirty="0">
-                <a:latin typeface="Gotham HTF" pitchFamily="50" charset="0"/>
-                <a:cs typeface="Gotham HTF Light"/>
-              </a:rPr>
-              <a:t>Retorna um </a:t>
-            </a:r>
-            <a:r>
-              <a:rPr lang="pt-BR" b="1" dirty="0">
-                <a:latin typeface="Gotham HTF" pitchFamily="50" charset="0"/>
-                <a:cs typeface="Gotham HTF Light"/>
-              </a:rPr>
-              <a:t>valor</a:t>
-            </a:r>
-            <a:r>
-              <a:rPr lang="pt-BR" dirty="0">
-                <a:latin typeface="Gotham HTF" pitchFamily="50" charset="0"/>
-                <a:cs typeface="Gotham HTF Light"/>
-              </a:rPr>
-              <a:t>, ou em termos matemáticos: Encontra a melhor reta que se aproxima dos dados.</a:t>
-            </a:r>
-          </a:p>
-        </p:txBody>
-      </p:sp>
-      <p:sp>
-        <p:nvSpPr>
-          <p:cNvPr id="12" name="TextBox 6">
-            <a:extLst>
-              <a:ext uri="{FF2B5EF4-FFF2-40B4-BE49-F238E27FC236}">
-                <a16:creationId xmlns:a16="http://schemas.microsoft.com/office/drawing/2014/main" id="{D168A017-A1E1-31A3-B845-64EEF70B66B0}"/>
-              </a:ext>
-            </a:extLst>
-          </p:cNvPr>
-          <p:cNvSpPr txBox="1"/>
-          <p:nvPr/>
-        </p:nvSpPr>
-        <p:spPr>
-          <a:xfrm>
-            <a:off x="4837112" y="2031231"/>
-            <a:ext cx="3695328" cy="923330"/>
-          </a:xfrm>
-          <a:prstGeom prst="rect">
-            <a:avLst/>
-          </a:prstGeom>
-          <a:noFill/>
-        </p:spPr>
-        <p:txBody>
-          <a:bodyPr wrap="square" rtlCol="0">
-            <a:spAutoFit/>
-          </a:bodyPr>
-          <a:lstStyle/>
-          <a:p>
-            <a:r>
-              <a:rPr lang="pt-BR" dirty="0">
-                <a:latin typeface="Gotham HTF" pitchFamily="50" charset="0"/>
-                <a:cs typeface="Gotham HTF Light"/>
-              </a:rPr>
-              <a:t>Retorna uma </a:t>
-            </a:r>
-            <a:r>
-              <a:rPr lang="pt-BR" b="1" dirty="0">
-                <a:latin typeface="Gotham HTF" pitchFamily="50" charset="0"/>
-                <a:cs typeface="Gotham HTF Light"/>
-              </a:rPr>
-              <a:t>classe</a:t>
-            </a:r>
-            <a:r>
-              <a:rPr lang="pt-BR" dirty="0">
-                <a:latin typeface="Gotham HTF" pitchFamily="50" charset="0"/>
-                <a:cs typeface="Gotham HTF Light"/>
-              </a:rPr>
-              <a:t>, ou em termos matemáticos: Separa os dados em classes utilizando uma reta.</a:t>
             </a:r>
           </a:p>
         </p:txBody>
@@ -18761,66 +20277,294 @@
           </p:sp>
         </mc:Fallback>
       </mc:AlternateContent>
-      <p:pic>
-        <p:nvPicPr>
-          <p:cNvPr id="15" name="Imagem 14">
+      <p:grpSp>
+        <p:nvGrpSpPr>
+          <p:cNvPr id="2" name="Agrupar 1">
             <a:extLst>
               <a:ext uri="{FF2B5EF4-FFF2-40B4-BE49-F238E27FC236}">
-                <a16:creationId xmlns:a16="http://schemas.microsoft.com/office/drawing/2014/main" id="{7DCED02A-A2F2-B262-CAAE-9ABFC20D248A}"/>
+                <a16:creationId xmlns:a16="http://schemas.microsoft.com/office/drawing/2014/main" id="{4A64874E-632C-67F9-DE07-A5154C3EE312}"/>
               </a:ext>
             </a:extLst>
           </p:cNvPr>
-          <p:cNvPicPr>
-            <a:picLocks noChangeAspect="1"/>
-          </p:cNvPicPr>
+          <p:cNvGrpSpPr/>
           <p:nvPr/>
-        </p:nvPicPr>
-        <p:blipFill>
-          <a:blip r:embed="rId4"/>
-          <a:stretch>
-            <a:fillRect/>
-          </a:stretch>
-        </p:blipFill>
-        <p:spPr>
+        </p:nvGrpSpPr>
+        <p:grpSpPr>
           <a:xfrm>
-            <a:off x="536480" y="4144556"/>
-            <a:ext cx="2977458" cy="2160000"/>
+            <a:off x="444624" y="1455160"/>
+            <a:ext cx="3695328" cy="4849396"/>
+            <a:chOff x="444624" y="1455160"/>
+            <a:chExt cx="3695328" cy="4849396"/>
           </a:xfrm>
-          <a:prstGeom prst="rect">
-            <a:avLst/>
-          </a:prstGeom>
-        </p:spPr>
-      </p:pic>
-      <p:pic>
-        <p:nvPicPr>
-          <p:cNvPr id="17" name="Imagem 16">
+        </p:grpSpPr>
+        <p:sp>
+          <p:nvSpPr>
+            <p:cNvPr id="7" name="TextBox 6">
+              <a:extLst>
+                <a:ext uri="{FF2B5EF4-FFF2-40B4-BE49-F238E27FC236}">
+                  <a16:creationId xmlns:a16="http://schemas.microsoft.com/office/drawing/2014/main" id="{9772A679-423B-60B2-6E41-F386AD9D2475}"/>
+                </a:ext>
+              </a:extLst>
+            </p:cNvPr>
+            <p:cNvSpPr txBox="1"/>
+            <p:nvPr/>
+          </p:nvSpPr>
+          <p:spPr>
+            <a:xfrm>
+              <a:off x="444624" y="1455160"/>
+              <a:ext cx="2399184" cy="461665"/>
+            </a:xfrm>
+            <a:prstGeom prst="rect">
+              <a:avLst/>
+            </a:prstGeom>
+            <a:noFill/>
+          </p:spPr>
+          <p:txBody>
+            <a:bodyPr wrap="square" rtlCol="0">
+              <a:spAutoFit/>
+            </a:bodyPr>
+            <a:lstStyle/>
+            <a:p>
+              <a:r>
+                <a:rPr lang="pt-BR" sz="2400" dirty="0">
+                  <a:solidFill>
+                    <a:srgbClr val="ED145B"/>
+                  </a:solidFill>
+                  <a:latin typeface="Gotham HTF" pitchFamily="50" charset="0"/>
+                  <a:cs typeface="Gotham HTF Light"/>
+                </a:rPr>
+                <a:t>Regressão linear</a:t>
+              </a:r>
+            </a:p>
+          </p:txBody>
+        </p:sp>
+        <p:sp>
+          <p:nvSpPr>
+            <p:cNvPr id="10" name="TextBox 6">
+              <a:extLst>
+                <a:ext uri="{FF2B5EF4-FFF2-40B4-BE49-F238E27FC236}">
+                  <a16:creationId xmlns:a16="http://schemas.microsoft.com/office/drawing/2014/main" id="{B376592A-48BB-8EB5-403F-51A05E343299}"/>
+                </a:ext>
+              </a:extLst>
+            </p:cNvPr>
+            <p:cNvSpPr txBox="1"/>
+            <p:nvPr/>
+          </p:nvSpPr>
+          <p:spPr>
+            <a:xfrm>
+              <a:off x="444624" y="2031231"/>
+              <a:ext cx="3695328" cy="923330"/>
+            </a:xfrm>
+            <a:prstGeom prst="rect">
+              <a:avLst/>
+            </a:prstGeom>
+            <a:noFill/>
+          </p:spPr>
+          <p:txBody>
+            <a:bodyPr wrap="square" rtlCol="0">
+              <a:spAutoFit/>
+            </a:bodyPr>
+            <a:lstStyle/>
+            <a:p>
+              <a:r>
+                <a:rPr lang="pt-BR" dirty="0">
+                  <a:latin typeface="Gotham HTF" pitchFamily="50" charset="0"/>
+                  <a:cs typeface="Gotham HTF Light"/>
+                </a:rPr>
+                <a:t>Retorna um </a:t>
+              </a:r>
+              <a:r>
+                <a:rPr lang="pt-BR" b="1" dirty="0">
+                  <a:latin typeface="Gotham HTF" pitchFamily="50" charset="0"/>
+                  <a:cs typeface="Gotham HTF Light"/>
+                </a:rPr>
+                <a:t>valor</a:t>
+              </a:r>
+              <a:r>
+                <a:rPr lang="pt-BR" dirty="0">
+                  <a:latin typeface="Gotham HTF" pitchFamily="50" charset="0"/>
+                  <a:cs typeface="Gotham HTF Light"/>
+                </a:rPr>
+                <a:t>, ou em termos matemáticos: Encontra a melhor reta que se aproxima dos dados.</a:t>
+              </a:r>
+            </a:p>
+          </p:txBody>
+        </p:sp>
+        <p:pic>
+          <p:nvPicPr>
+            <p:cNvPr id="15" name="Imagem 14">
+              <a:extLst>
+                <a:ext uri="{FF2B5EF4-FFF2-40B4-BE49-F238E27FC236}">
+                  <a16:creationId xmlns:a16="http://schemas.microsoft.com/office/drawing/2014/main" id="{7DCED02A-A2F2-B262-CAAE-9ABFC20D248A}"/>
+                </a:ext>
+              </a:extLst>
+            </p:cNvPr>
+            <p:cNvPicPr>
+              <a:picLocks noChangeAspect="1"/>
+            </p:cNvPicPr>
+            <p:nvPr/>
+          </p:nvPicPr>
+          <p:blipFill>
+            <a:blip r:embed="rId4"/>
+            <a:stretch>
+              <a:fillRect/>
+            </a:stretch>
+          </p:blipFill>
+          <p:spPr>
+            <a:xfrm>
+              <a:off x="536480" y="4144556"/>
+              <a:ext cx="2977458" cy="2160000"/>
+            </a:xfrm>
+            <a:prstGeom prst="rect">
+              <a:avLst/>
+            </a:prstGeom>
+          </p:spPr>
+        </p:pic>
+      </p:grpSp>
+      <p:grpSp>
+        <p:nvGrpSpPr>
+          <p:cNvPr id="3" name="Agrupar 2">
             <a:extLst>
               <a:ext uri="{FF2B5EF4-FFF2-40B4-BE49-F238E27FC236}">
-                <a16:creationId xmlns:a16="http://schemas.microsoft.com/office/drawing/2014/main" id="{A233DC01-60DD-5D19-972F-6820042B97FB}"/>
+                <a16:creationId xmlns:a16="http://schemas.microsoft.com/office/drawing/2014/main" id="{3EFDD0D3-AC46-6E52-F032-3D08768DE26A}"/>
               </a:ext>
             </a:extLst>
           </p:cNvPr>
-          <p:cNvPicPr>
-            <a:picLocks noChangeAspect="1"/>
-          </p:cNvPicPr>
+          <p:cNvGrpSpPr/>
           <p:nvPr/>
-        </p:nvPicPr>
-        <p:blipFill>
-          <a:blip r:embed="rId5"/>
-          <a:stretch>
-            <a:fillRect/>
-          </a:stretch>
-        </p:blipFill>
-        <p:spPr>
+        </p:nvGrpSpPr>
+        <p:grpSpPr>
           <a:xfrm>
-            <a:off x="4776565" y="4144556"/>
-            <a:ext cx="3237165" cy="2160000"/>
+            <a:off x="4776565" y="1455160"/>
+            <a:ext cx="3755875" cy="4849396"/>
+            <a:chOff x="4776565" y="1455160"/>
+            <a:chExt cx="3755875" cy="4849396"/>
           </a:xfrm>
-          <a:prstGeom prst="rect">
-            <a:avLst/>
-          </a:prstGeom>
-        </p:spPr>
-      </p:pic>
+        </p:grpSpPr>
+        <p:sp>
+          <p:nvSpPr>
+            <p:cNvPr id="8" name="TextBox 6">
+              <a:extLst>
+                <a:ext uri="{FF2B5EF4-FFF2-40B4-BE49-F238E27FC236}">
+                  <a16:creationId xmlns:a16="http://schemas.microsoft.com/office/drawing/2014/main" id="{D84C0A06-135C-3561-68BA-F4B4190EB0D0}"/>
+                </a:ext>
+              </a:extLst>
+            </p:cNvPr>
+            <p:cNvSpPr txBox="1"/>
+            <p:nvPr/>
+          </p:nvSpPr>
+          <p:spPr>
+            <a:xfrm>
+              <a:off x="4837112" y="1455160"/>
+              <a:ext cx="2687216" cy="461665"/>
+            </a:xfrm>
+            <a:prstGeom prst="rect">
+              <a:avLst/>
+            </a:prstGeom>
+            <a:noFill/>
+          </p:spPr>
+          <p:txBody>
+            <a:bodyPr wrap="square" rtlCol="0">
+              <a:spAutoFit/>
+            </a:bodyPr>
+            <a:lstStyle/>
+            <a:p>
+              <a:r>
+                <a:rPr lang="pt-BR" sz="2400" dirty="0">
+                  <a:solidFill>
+                    <a:srgbClr val="ED145B"/>
+                  </a:solidFill>
+                  <a:latin typeface="Gotham HTF" pitchFamily="50" charset="0"/>
+                  <a:cs typeface="Gotham HTF Light"/>
+                </a:rPr>
+                <a:t>Classificação linear</a:t>
+              </a:r>
+            </a:p>
+          </p:txBody>
+        </p:sp>
+        <p:sp>
+          <p:nvSpPr>
+            <p:cNvPr id="12" name="TextBox 6">
+              <a:extLst>
+                <a:ext uri="{FF2B5EF4-FFF2-40B4-BE49-F238E27FC236}">
+                  <a16:creationId xmlns:a16="http://schemas.microsoft.com/office/drawing/2014/main" id="{D168A017-A1E1-31A3-B845-64EEF70B66B0}"/>
+                </a:ext>
+              </a:extLst>
+            </p:cNvPr>
+            <p:cNvSpPr txBox="1"/>
+            <p:nvPr/>
+          </p:nvSpPr>
+          <p:spPr>
+            <a:xfrm>
+              <a:off x="4837112" y="2031231"/>
+              <a:ext cx="3695328" cy="923330"/>
+            </a:xfrm>
+            <a:prstGeom prst="rect">
+              <a:avLst/>
+            </a:prstGeom>
+            <a:noFill/>
+          </p:spPr>
+          <p:txBody>
+            <a:bodyPr wrap="square" rtlCol="0">
+              <a:spAutoFit/>
+            </a:bodyPr>
+            <a:lstStyle/>
+            <a:p>
+              <a:r>
+                <a:rPr lang="pt-BR" dirty="0">
+                  <a:latin typeface="Gotham HTF" pitchFamily="50" charset="0"/>
+                  <a:cs typeface="Gotham HTF Light"/>
+                </a:rPr>
+                <a:t>Retorna uma </a:t>
+              </a:r>
+              <a:r>
+                <a:rPr lang="pt-BR" b="1" dirty="0">
+                  <a:latin typeface="Gotham HTF" pitchFamily="50" charset="0"/>
+                  <a:cs typeface="Gotham HTF Light"/>
+                </a:rPr>
+                <a:t>classe</a:t>
+              </a:r>
+              <a:r>
+                <a:rPr lang="pt-BR" dirty="0">
+                  <a:latin typeface="Gotham HTF" pitchFamily="50" charset="0"/>
+                  <a:cs typeface="Gotham HTF Light"/>
+                </a:rPr>
+                <a:t>, ou em termos matemáticos: Separa os dados em classes utilizando uma reta.</a:t>
+              </a:r>
+            </a:p>
+          </p:txBody>
+        </p:sp>
+        <p:pic>
+          <p:nvPicPr>
+            <p:cNvPr id="17" name="Imagem 16">
+              <a:extLst>
+                <a:ext uri="{FF2B5EF4-FFF2-40B4-BE49-F238E27FC236}">
+                  <a16:creationId xmlns:a16="http://schemas.microsoft.com/office/drawing/2014/main" id="{A233DC01-60DD-5D19-972F-6820042B97FB}"/>
+                </a:ext>
+              </a:extLst>
+            </p:cNvPr>
+            <p:cNvPicPr>
+              <a:picLocks noChangeAspect="1"/>
+            </p:cNvPicPr>
+            <p:nvPr/>
+          </p:nvPicPr>
+          <p:blipFill>
+            <a:blip r:embed="rId5"/>
+            <a:stretch>
+              <a:fillRect/>
+            </a:stretch>
+          </p:blipFill>
+          <p:spPr>
+            <a:xfrm>
+              <a:off x="4776565" y="4144556"/>
+              <a:ext cx="3237165" cy="2160000"/>
+            </a:xfrm>
+            <a:prstGeom prst="rect">
+              <a:avLst/>
+            </a:prstGeom>
+          </p:spPr>
+        </p:pic>
+      </p:grpSp>
     </p:spTree>
     <p:extLst>
       <p:ext uri="{BB962C8B-B14F-4D97-AF65-F5344CB8AC3E}">
@@ -18843,6 +20587,198 @@
       </p:transition>
     </mc:Fallback>
   </mc:AlternateContent>
+  <p:timing>
+    <p:tnLst>
+      <p:par>
+        <p:cTn id="1" dur="indefinite" restart="never" nodeType="tmRoot">
+          <p:childTnLst>
+            <p:seq concurrent="1" nextAc="seek">
+              <p:cTn id="2" dur="indefinite" nodeType="mainSeq">
+                <p:childTnLst>
+                  <p:par>
+                    <p:cTn id="3" fill="hold">
+                      <p:stCondLst>
+                        <p:cond delay="indefinite"/>
+                      </p:stCondLst>
+                      <p:childTnLst>
+                        <p:par>
+                          <p:cTn id="4" fill="hold">
+                            <p:stCondLst>
+                              <p:cond delay="0"/>
+                            </p:stCondLst>
+                            <p:childTnLst>
+                              <p:par>
+                                <p:cTn id="5" presetID="10" presetClass="entr" presetSubtype="0" fill="hold" nodeType="clickEffect">
+                                  <p:stCondLst>
+                                    <p:cond delay="0"/>
+                                  </p:stCondLst>
+                                  <p:childTnLst>
+                                    <p:set>
+                                      <p:cBhvr>
+                                        <p:cTn id="6" dur="1" fill="hold">
+                                          <p:stCondLst>
+                                            <p:cond delay="0"/>
+                                          </p:stCondLst>
+                                        </p:cTn>
+                                        <p:tgtEl>
+                                          <p:spTgt spid="2"/>
+                                        </p:tgtEl>
+                                        <p:attrNameLst>
+                                          <p:attrName>style.visibility</p:attrName>
+                                        </p:attrNameLst>
+                                      </p:cBhvr>
+                                      <p:to>
+                                        <p:strVal val="visible"/>
+                                      </p:to>
+                                    </p:set>
+                                    <p:animEffect transition="in" filter="fade">
+                                      <p:cBhvr>
+                                        <p:cTn id="7" dur="500"/>
+                                        <p:tgtEl>
+                                          <p:spTgt spid="2"/>
+                                        </p:tgtEl>
+                                      </p:cBhvr>
+                                    </p:animEffect>
+                                  </p:childTnLst>
+                                </p:cTn>
+                              </p:par>
+                            </p:childTnLst>
+                          </p:cTn>
+                        </p:par>
+                      </p:childTnLst>
+                    </p:cTn>
+                  </p:par>
+                  <p:par>
+                    <p:cTn id="8" fill="hold">
+                      <p:stCondLst>
+                        <p:cond delay="indefinite"/>
+                      </p:stCondLst>
+                      <p:childTnLst>
+                        <p:par>
+                          <p:cTn id="9" fill="hold">
+                            <p:stCondLst>
+                              <p:cond delay="0"/>
+                            </p:stCondLst>
+                            <p:childTnLst>
+                              <p:par>
+                                <p:cTn id="10" presetID="10" presetClass="entr" presetSubtype="0" fill="hold" nodeType="clickEffect">
+                                  <p:stCondLst>
+                                    <p:cond delay="0"/>
+                                  </p:stCondLst>
+                                  <p:childTnLst>
+                                    <p:set>
+                                      <p:cBhvr>
+                                        <p:cTn id="11" dur="1" fill="hold">
+                                          <p:stCondLst>
+                                            <p:cond delay="0"/>
+                                          </p:stCondLst>
+                                        </p:cTn>
+                                        <p:tgtEl>
+                                          <p:spTgt spid="3"/>
+                                        </p:tgtEl>
+                                        <p:attrNameLst>
+                                          <p:attrName>style.visibility</p:attrName>
+                                        </p:attrNameLst>
+                                      </p:cBhvr>
+                                      <p:to>
+                                        <p:strVal val="visible"/>
+                                      </p:to>
+                                    </p:set>
+                                    <p:animEffect transition="in" filter="fade">
+                                      <p:cBhvr>
+                                        <p:cTn id="12" dur="500"/>
+                                        <p:tgtEl>
+                                          <p:spTgt spid="3"/>
+                                        </p:tgtEl>
+                                      </p:cBhvr>
+                                    </p:animEffect>
+                                  </p:childTnLst>
+                                </p:cTn>
+                              </p:par>
+                            </p:childTnLst>
+                          </p:cTn>
+                        </p:par>
+                      </p:childTnLst>
+                    </p:cTn>
+                  </p:par>
+                  <p:par>
+                    <p:cTn id="13" fill="hold">
+                      <p:stCondLst>
+                        <p:cond delay="indefinite"/>
+                      </p:stCondLst>
+                      <p:childTnLst>
+                        <p:par>
+                          <p:cTn id="14" fill="hold">
+                            <p:stCondLst>
+                              <p:cond delay="0"/>
+                            </p:stCondLst>
+                            <p:childTnLst>
+                              <p:par>
+                                <p:cTn id="15" presetID="10" presetClass="entr" presetSubtype="0" fill="hold" grpId="0" nodeType="clickEffect">
+                                  <p:stCondLst>
+                                    <p:cond delay="0"/>
+                                  </p:stCondLst>
+                                  <p:childTnLst>
+                                    <p:set>
+                                      <p:cBhvr>
+                                        <p:cTn id="16" dur="1" fill="hold">
+                                          <p:stCondLst>
+                                            <p:cond delay="0"/>
+                                          </p:stCondLst>
+                                        </p:cTn>
+                                        <p:tgtEl>
+                                          <p:spTgt spid="13"/>
+                                        </p:tgtEl>
+                                        <p:attrNameLst>
+                                          <p:attrName>style.visibility</p:attrName>
+                                        </p:attrNameLst>
+                                      </p:cBhvr>
+                                      <p:to>
+                                        <p:strVal val="visible"/>
+                                      </p:to>
+                                    </p:set>
+                                    <p:animEffect transition="in" filter="fade">
+                                      <p:cBhvr>
+                                        <p:cTn id="17" dur="500"/>
+                                        <p:tgtEl>
+                                          <p:spTgt spid="13"/>
+                                        </p:tgtEl>
+                                      </p:cBhvr>
+                                    </p:animEffect>
+                                  </p:childTnLst>
+                                </p:cTn>
+                              </p:par>
+                            </p:childTnLst>
+                          </p:cTn>
+                        </p:par>
+                      </p:childTnLst>
+                    </p:cTn>
+                  </p:par>
+                </p:childTnLst>
+              </p:cTn>
+              <p:prevCondLst>
+                <p:cond evt="onPrev" delay="0">
+                  <p:tgtEl>
+                    <p:sldTgt/>
+                  </p:tgtEl>
+                </p:cond>
+              </p:prevCondLst>
+              <p:nextCondLst>
+                <p:cond evt="onNext" delay="0">
+                  <p:tgtEl>
+                    <p:sldTgt/>
+                  </p:tgtEl>
+                </p:cond>
+              </p:nextCondLst>
+            </p:seq>
+          </p:childTnLst>
+        </p:cTn>
+      </p:par>
+    </p:tnLst>
+    <p:bldLst>
+      <p:bldP spid="13" grpId="0"/>
+    </p:bldLst>
+  </p:timing>
 </p:sld>
 </file>
 
@@ -20662,89 +22598,6 @@
       </p:transition>
     </mc:Fallback>
   </mc:AlternateContent>
-  <p:timing>
-    <p:tnLst>
-      <p:par>
-        <p:cTn id="1" dur="indefinite" restart="never" nodeType="tmRoot">
-          <p:childTnLst>
-            <p:seq concurrent="1" nextAc="seek">
-              <p:cTn id="2" dur="indefinite" nodeType="mainSeq">
-                <p:childTnLst>
-                  <p:par>
-                    <p:cTn id="3" fill="hold">
-                      <p:stCondLst>
-                        <p:cond delay="indefinite"/>
-                      </p:stCondLst>
-                      <p:childTnLst>
-                        <p:par>
-                          <p:cTn id="4" fill="hold">
-                            <p:stCondLst>
-                              <p:cond delay="0"/>
-                            </p:stCondLst>
-                            <p:childTnLst>
-                              <p:par>
-                                <p:cTn id="5" presetID="10" presetClass="entr" presetSubtype="0" fill="hold" nodeType="clickEffect">
-                                  <p:stCondLst>
-                                    <p:cond delay="0"/>
-                                  </p:stCondLst>
-                                  <p:childTnLst>
-                                    <p:set>
-                                      <p:cBhvr>
-                                        <p:cTn id="6" dur="1" fill="hold">
-                                          <p:stCondLst>
-                                            <p:cond delay="0"/>
-                                          </p:stCondLst>
-                                        </p:cTn>
-                                        <p:tgtEl>
-                                          <p:spTgt spid="3"/>
-                                        </p:tgtEl>
-                                        <p:attrNameLst>
-                                          <p:attrName>style.visibility</p:attrName>
-                                        </p:attrNameLst>
-                                      </p:cBhvr>
-                                      <p:to>
-                                        <p:strVal val="visible"/>
-                                      </p:to>
-                                    </p:set>
-                                    <p:animEffect transition="in" filter="fade">
-                                      <p:cBhvr>
-                                        <p:cTn id="7" dur="500"/>
-                                        <p:tgtEl>
-                                          <p:spTgt spid="3"/>
-                                        </p:tgtEl>
-                                      </p:cBhvr>
-                                    </p:animEffect>
-                                  </p:childTnLst>
-                                </p:cTn>
-                              </p:par>
-                            </p:childTnLst>
-                          </p:cTn>
-                        </p:par>
-                      </p:childTnLst>
-                    </p:cTn>
-                  </p:par>
-                </p:childTnLst>
-              </p:cTn>
-              <p:prevCondLst>
-                <p:cond evt="onPrev" delay="0">
-                  <p:tgtEl>
-                    <p:sldTgt/>
-                  </p:tgtEl>
-                </p:cond>
-              </p:prevCondLst>
-              <p:nextCondLst>
-                <p:cond evt="onNext" delay="0">
-                  <p:tgtEl>
-                    <p:sldTgt/>
-                  </p:tgtEl>
-                </p:cond>
-              </p:nextCondLst>
-            </p:seq>
-          </p:childTnLst>
-        </p:cTn>
-      </p:par>
-    </p:tnLst>
-  </p:timing>
 </p:sld>
 </file>
 

--- a/Aula 07/2023.03.24 Aula 07 – Introdução a Redes Neurais - Redes Multicamadas.pptx
+++ b/Aula 07/2023.03.24 Aula 07 – Introdução a Redes Neurais - Redes Multicamadas.pptx
@@ -6,7 +6,7 @@
     <p:sldMasterId id="2147483699" r:id="rId2"/>
   </p:sldMasterIdLst>
   <p:notesMasterIdLst>
-    <p:notesMasterId r:id="rId36"/>
+    <p:notesMasterId r:id="rId35"/>
   </p:notesMasterIdLst>
   <p:sldIdLst>
     <p:sldId id="398" r:id="rId3"/>
@@ -17,31 +17,30 @@
     <p:sldId id="828" r:id="rId8"/>
     <p:sldId id="859" r:id="rId9"/>
     <p:sldId id="860" r:id="rId10"/>
-    <p:sldId id="861" r:id="rId11"/>
-    <p:sldId id="862" r:id="rId12"/>
-    <p:sldId id="863" r:id="rId13"/>
-    <p:sldId id="864" r:id="rId14"/>
-    <p:sldId id="865" r:id="rId15"/>
-    <p:sldId id="866" r:id="rId16"/>
-    <p:sldId id="868" r:id="rId17"/>
-    <p:sldId id="869" r:id="rId18"/>
-    <p:sldId id="883" r:id="rId19"/>
-    <p:sldId id="870" r:id="rId20"/>
-    <p:sldId id="885" r:id="rId21"/>
-    <p:sldId id="871" r:id="rId22"/>
-    <p:sldId id="872" r:id="rId23"/>
-    <p:sldId id="873" r:id="rId24"/>
-    <p:sldId id="874" r:id="rId25"/>
-    <p:sldId id="875" r:id="rId26"/>
-    <p:sldId id="876" r:id="rId27"/>
-    <p:sldId id="877" r:id="rId28"/>
-    <p:sldId id="878" r:id="rId29"/>
-    <p:sldId id="879" r:id="rId30"/>
-    <p:sldId id="880" r:id="rId31"/>
-    <p:sldId id="881" r:id="rId32"/>
-    <p:sldId id="884" r:id="rId33"/>
-    <p:sldId id="882" r:id="rId34"/>
-    <p:sldId id="822" r:id="rId35"/>
+    <p:sldId id="862" r:id="rId11"/>
+    <p:sldId id="863" r:id="rId12"/>
+    <p:sldId id="864" r:id="rId13"/>
+    <p:sldId id="865" r:id="rId14"/>
+    <p:sldId id="866" r:id="rId15"/>
+    <p:sldId id="868" r:id="rId16"/>
+    <p:sldId id="869" r:id="rId17"/>
+    <p:sldId id="883" r:id="rId18"/>
+    <p:sldId id="870" r:id="rId19"/>
+    <p:sldId id="885" r:id="rId20"/>
+    <p:sldId id="871" r:id="rId21"/>
+    <p:sldId id="872" r:id="rId22"/>
+    <p:sldId id="873" r:id="rId23"/>
+    <p:sldId id="874" r:id="rId24"/>
+    <p:sldId id="875" r:id="rId25"/>
+    <p:sldId id="876" r:id="rId26"/>
+    <p:sldId id="877" r:id="rId27"/>
+    <p:sldId id="878" r:id="rId28"/>
+    <p:sldId id="879" r:id="rId29"/>
+    <p:sldId id="880" r:id="rId30"/>
+    <p:sldId id="881" r:id="rId31"/>
+    <p:sldId id="884" r:id="rId32"/>
+    <p:sldId id="882" r:id="rId33"/>
+    <p:sldId id="822" r:id="rId34"/>
   </p:sldIdLst>
   <p:sldSz cx="9144000" cy="6858000" type="screen4x3"/>
   <p:notesSz cx="6858000" cy="9144000"/>
@@ -686,7 +685,14 @@
           <a:bodyPr/>
           <a:lstStyle/>
           <a:p>
-            <a:endParaRPr lang="pt-BR" dirty="0"/>
+            <a:r>
+              <a:rPr lang="pt-BR" dirty="0" err="1"/>
+              <a:t>Robotica</a:t>
+            </a:r>
+            <a:r>
+              <a:rPr lang="pt-BR" dirty="0"/>
+              <a:t>, </a:t>
+            </a:r>
           </a:p>
         </p:txBody>
       </p:sp>
@@ -717,7 +723,7 @@
     </p:spTree>
     <p:extLst>
       <p:ext uri="{BB962C8B-B14F-4D97-AF65-F5344CB8AC3E}">
-        <p14:creationId xmlns:p14="http://schemas.microsoft.com/office/powerpoint/2010/main" val="3753573801"/>
+        <p14:creationId xmlns:p14="http://schemas.microsoft.com/office/powerpoint/2010/main" val="2619793606"/>
       </p:ext>
     </p:extLst>
   </p:cSld>
@@ -771,14 +777,7 @@
           <a:bodyPr/>
           <a:lstStyle/>
           <a:p>
-            <a:r>
-              <a:rPr lang="pt-BR" dirty="0" err="1"/>
-              <a:t>Robotica</a:t>
-            </a:r>
-            <a:r>
-              <a:rPr lang="pt-BR" dirty="0"/>
-              <a:t>, </a:t>
-            </a:r>
+            <a:endParaRPr lang="pt-BR" dirty="0"/>
           </a:p>
         </p:txBody>
       </p:sp>
@@ -809,7 +808,7 @@
     </p:spTree>
     <p:extLst>
       <p:ext uri="{BB962C8B-B14F-4D97-AF65-F5344CB8AC3E}">
-        <p14:creationId xmlns:p14="http://schemas.microsoft.com/office/powerpoint/2010/main" val="2619793606"/>
+        <p14:creationId xmlns:p14="http://schemas.microsoft.com/office/powerpoint/2010/main" val="2073049438"/>
       </p:ext>
     </p:extLst>
   </p:cSld>
@@ -863,7 +862,14 @@
           <a:bodyPr/>
           <a:lstStyle/>
           <a:p>
-            <a:endParaRPr lang="pt-BR" dirty="0"/>
+            <a:r>
+              <a:rPr lang="pt-BR" dirty="0" err="1"/>
+              <a:t>Robotica</a:t>
+            </a:r>
+            <a:r>
+              <a:rPr lang="pt-BR" dirty="0"/>
+              <a:t>, </a:t>
+            </a:r>
           </a:p>
         </p:txBody>
       </p:sp>
@@ -894,7 +900,7 @@
     </p:spTree>
     <p:extLst>
       <p:ext uri="{BB962C8B-B14F-4D97-AF65-F5344CB8AC3E}">
-        <p14:creationId xmlns:p14="http://schemas.microsoft.com/office/powerpoint/2010/main" val="2073049438"/>
+        <p14:creationId xmlns:p14="http://schemas.microsoft.com/office/powerpoint/2010/main" val="900187212"/>
       </p:ext>
     </p:extLst>
   </p:cSld>
@@ -948,14 +954,7 @@
           <a:bodyPr/>
           <a:lstStyle/>
           <a:p>
-            <a:r>
-              <a:rPr lang="pt-BR" dirty="0" err="1"/>
-              <a:t>Robotica</a:t>
-            </a:r>
-            <a:r>
-              <a:rPr lang="pt-BR" dirty="0"/>
-              <a:t>, </a:t>
-            </a:r>
+            <a:endParaRPr lang="pt-BR" dirty="0"/>
           </a:p>
         </p:txBody>
       </p:sp>
@@ -986,7 +985,7 @@
     </p:spTree>
     <p:extLst>
       <p:ext uri="{BB962C8B-B14F-4D97-AF65-F5344CB8AC3E}">
-        <p14:creationId xmlns:p14="http://schemas.microsoft.com/office/powerpoint/2010/main" val="900187212"/>
+        <p14:creationId xmlns:p14="http://schemas.microsoft.com/office/powerpoint/2010/main" val="1028098969"/>
       </p:ext>
     </p:extLst>
   </p:cSld>
@@ -1071,7 +1070,7 @@
     </p:spTree>
     <p:extLst>
       <p:ext uri="{BB962C8B-B14F-4D97-AF65-F5344CB8AC3E}">
-        <p14:creationId xmlns:p14="http://schemas.microsoft.com/office/powerpoint/2010/main" val="1028098969"/>
+        <p14:creationId xmlns:p14="http://schemas.microsoft.com/office/powerpoint/2010/main" val="2004100628"/>
       </p:ext>
     </p:extLst>
   </p:cSld>
@@ -1156,7 +1155,7 @@
     </p:spTree>
     <p:extLst>
       <p:ext uri="{BB962C8B-B14F-4D97-AF65-F5344CB8AC3E}">
-        <p14:creationId xmlns:p14="http://schemas.microsoft.com/office/powerpoint/2010/main" val="2004100628"/>
+        <p14:creationId xmlns:p14="http://schemas.microsoft.com/office/powerpoint/2010/main" val="929472190"/>
       </p:ext>
     </p:extLst>
   </p:cSld>
@@ -1241,7 +1240,7 @@
     </p:spTree>
     <p:extLst>
       <p:ext uri="{BB962C8B-B14F-4D97-AF65-F5344CB8AC3E}">
-        <p14:creationId xmlns:p14="http://schemas.microsoft.com/office/powerpoint/2010/main" val="929472190"/>
+        <p14:creationId xmlns:p14="http://schemas.microsoft.com/office/powerpoint/2010/main" val="75770220"/>
       </p:ext>
     </p:extLst>
   </p:cSld>
@@ -1326,7 +1325,7 @@
     </p:spTree>
     <p:extLst>
       <p:ext uri="{BB962C8B-B14F-4D97-AF65-F5344CB8AC3E}">
-        <p14:creationId xmlns:p14="http://schemas.microsoft.com/office/powerpoint/2010/main" val="75770220"/>
+        <p14:creationId xmlns:p14="http://schemas.microsoft.com/office/powerpoint/2010/main" val="2614650826"/>
       </p:ext>
     </p:extLst>
   </p:cSld>
@@ -1411,7 +1410,7 @@
     </p:spTree>
     <p:extLst>
       <p:ext uri="{BB962C8B-B14F-4D97-AF65-F5344CB8AC3E}">
-        <p14:creationId xmlns:p14="http://schemas.microsoft.com/office/powerpoint/2010/main" val="2614650826"/>
+        <p14:creationId xmlns:p14="http://schemas.microsoft.com/office/powerpoint/2010/main" val="3003809981"/>
       </p:ext>
     </p:extLst>
   </p:cSld>
@@ -1496,7 +1495,7 @@
     </p:spTree>
     <p:extLst>
       <p:ext uri="{BB962C8B-B14F-4D97-AF65-F5344CB8AC3E}">
-        <p14:creationId xmlns:p14="http://schemas.microsoft.com/office/powerpoint/2010/main" val="3003809981"/>
+        <p14:creationId xmlns:p14="http://schemas.microsoft.com/office/powerpoint/2010/main" val="104874195"/>
       </p:ext>
     </p:extLst>
   </p:cSld>
@@ -1677,7 +1676,7 @@
     </p:spTree>
     <p:extLst>
       <p:ext uri="{BB962C8B-B14F-4D97-AF65-F5344CB8AC3E}">
-        <p14:creationId xmlns:p14="http://schemas.microsoft.com/office/powerpoint/2010/main" val="104874195"/>
+        <p14:creationId xmlns:p14="http://schemas.microsoft.com/office/powerpoint/2010/main" val="2997623308"/>
       </p:ext>
     </p:extLst>
   </p:cSld>
@@ -1762,7 +1761,7 @@
     </p:spTree>
     <p:extLst>
       <p:ext uri="{BB962C8B-B14F-4D97-AF65-F5344CB8AC3E}">
-        <p14:creationId xmlns:p14="http://schemas.microsoft.com/office/powerpoint/2010/main" val="2997623308"/>
+        <p14:creationId xmlns:p14="http://schemas.microsoft.com/office/powerpoint/2010/main" val="3969717329"/>
       </p:ext>
     </p:extLst>
   </p:cSld>
@@ -1847,7 +1846,7 @@
     </p:spTree>
     <p:extLst>
       <p:ext uri="{BB962C8B-B14F-4D97-AF65-F5344CB8AC3E}">
-        <p14:creationId xmlns:p14="http://schemas.microsoft.com/office/powerpoint/2010/main" val="3969717329"/>
+        <p14:creationId xmlns:p14="http://schemas.microsoft.com/office/powerpoint/2010/main" val="1543592682"/>
       </p:ext>
     </p:extLst>
   </p:cSld>
@@ -1932,7 +1931,7 @@
     </p:spTree>
     <p:extLst>
       <p:ext uri="{BB962C8B-B14F-4D97-AF65-F5344CB8AC3E}">
-        <p14:creationId xmlns:p14="http://schemas.microsoft.com/office/powerpoint/2010/main" val="1543592682"/>
+        <p14:creationId xmlns:p14="http://schemas.microsoft.com/office/powerpoint/2010/main" val="3260744151"/>
       </p:ext>
     </p:extLst>
   </p:cSld>
@@ -2017,7 +2016,7 @@
     </p:spTree>
     <p:extLst>
       <p:ext uri="{BB962C8B-B14F-4D97-AF65-F5344CB8AC3E}">
-        <p14:creationId xmlns:p14="http://schemas.microsoft.com/office/powerpoint/2010/main" val="3260744151"/>
+        <p14:creationId xmlns:p14="http://schemas.microsoft.com/office/powerpoint/2010/main" val="1632275789"/>
       </p:ext>
     </p:extLst>
   </p:cSld>
@@ -2102,7 +2101,7 @@
     </p:spTree>
     <p:extLst>
       <p:ext uri="{BB962C8B-B14F-4D97-AF65-F5344CB8AC3E}">
-        <p14:creationId xmlns:p14="http://schemas.microsoft.com/office/powerpoint/2010/main" val="1632275789"/>
+        <p14:creationId xmlns:p14="http://schemas.microsoft.com/office/powerpoint/2010/main" val="4242165950"/>
       </p:ext>
     </p:extLst>
   </p:cSld>
@@ -2187,7 +2186,7 @@
     </p:spTree>
     <p:extLst>
       <p:ext uri="{BB962C8B-B14F-4D97-AF65-F5344CB8AC3E}">
-        <p14:creationId xmlns:p14="http://schemas.microsoft.com/office/powerpoint/2010/main" val="4242165950"/>
+        <p14:creationId xmlns:p14="http://schemas.microsoft.com/office/powerpoint/2010/main" val="1826856249"/>
       </p:ext>
     </p:extLst>
   </p:cSld>
@@ -2272,7 +2271,7 @@
     </p:spTree>
     <p:extLst>
       <p:ext uri="{BB962C8B-B14F-4D97-AF65-F5344CB8AC3E}">
-        <p14:creationId xmlns:p14="http://schemas.microsoft.com/office/powerpoint/2010/main" val="1826856249"/>
+        <p14:creationId xmlns:p14="http://schemas.microsoft.com/office/powerpoint/2010/main" val="4266135929"/>
       </p:ext>
     </p:extLst>
   </p:cSld>
@@ -2357,7 +2356,7 @@
     </p:spTree>
     <p:extLst>
       <p:ext uri="{BB962C8B-B14F-4D97-AF65-F5344CB8AC3E}">
-        <p14:creationId xmlns:p14="http://schemas.microsoft.com/office/powerpoint/2010/main" val="4266135929"/>
+        <p14:creationId xmlns:p14="http://schemas.microsoft.com/office/powerpoint/2010/main" val="82116474"/>
       </p:ext>
     </p:extLst>
   </p:cSld>
@@ -2442,7 +2441,7 @@
     </p:spTree>
     <p:extLst>
       <p:ext uri="{BB962C8B-B14F-4D97-AF65-F5344CB8AC3E}">
-        <p14:creationId xmlns:p14="http://schemas.microsoft.com/office/powerpoint/2010/main" val="82116474"/>
+        <p14:creationId xmlns:p14="http://schemas.microsoft.com/office/powerpoint/2010/main" val="1951550892"/>
       </p:ext>
     </p:extLst>
   </p:cSld>
@@ -2631,91 +2630,6 @@
     </p:spTree>
     <p:extLst>
       <p:ext uri="{BB962C8B-B14F-4D97-AF65-F5344CB8AC3E}">
-        <p14:creationId xmlns:p14="http://schemas.microsoft.com/office/powerpoint/2010/main" val="1951550892"/>
-      </p:ext>
-    </p:extLst>
-  </p:cSld>
-  <p:clrMapOvr>
-    <a:masterClrMapping/>
-  </p:clrMapOvr>
-</p:notes>
-</file>
-
-<file path=ppt/notesSlides/notesSlide31.xml><?xml version="1.0" encoding="utf-8"?>
-<p:notes xmlns:a="http://schemas.openxmlformats.org/drawingml/2006/main" xmlns:r="http://schemas.openxmlformats.org/officeDocument/2006/relationships" xmlns:p="http://schemas.openxmlformats.org/presentationml/2006/main">
-  <p:cSld>
-    <p:spTree>
-      <p:nvGrpSpPr>
-        <p:cNvPr id="1" name=""/>
-        <p:cNvGrpSpPr/>
-        <p:nvPr/>
-      </p:nvGrpSpPr>
-      <p:grpSpPr>
-        <a:xfrm>
-          <a:off x="0" y="0"/>
-          <a:ext cx="0" cy="0"/>
-          <a:chOff x="0" y="0"/>
-          <a:chExt cx="0" cy="0"/>
-        </a:xfrm>
-      </p:grpSpPr>
-      <p:sp>
-        <p:nvSpPr>
-          <p:cNvPr id="2" name="Espaço Reservado para Imagem de Slide 1"/>
-          <p:cNvSpPr>
-            <a:spLocks noGrp="1" noRot="1" noChangeAspect="1"/>
-          </p:cNvSpPr>
-          <p:nvPr>
-            <p:ph type="sldImg"/>
-          </p:nvPr>
-        </p:nvSpPr>
-        <p:spPr/>
-      </p:sp>
-      <p:sp>
-        <p:nvSpPr>
-          <p:cNvPr id="3" name="Espaço Reservado para Anotações 2"/>
-          <p:cNvSpPr>
-            <a:spLocks noGrp="1"/>
-          </p:cNvSpPr>
-          <p:nvPr>
-            <p:ph type="body" idx="1"/>
-          </p:nvPr>
-        </p:nvSpPr>
-        <p:spPr/>
-        <p:txBody>
-          <a:bodyPr/>
-          <a:lstStyle/>
-          <a:p>
-            <a:endParaRPr lang="pt-BR" dirty="0"/>
-          </a:p>
-        </p:txBody>
-      </p:sp>
-      <p:sp>
-        <p:nvSpPr>
-          <p:cNvPr id="4" name="Espaço Reservado para Número de Slide 3"/>
-          <p:cNvSpPr>
-            <a:spLocks noGrp="1"/>
-          </p:cNvSpPr>
-          <p:nvPr>
-            <p:ph type="sldNum" sz="quarter" idx="5"/>
-          </p:nvPr>
-        </p:nvSpPr>
-        <p:spPr/>
-        <p:txBody>
-          <a:bodyPr/>
-          <a:lstStyle/>
-          <a:p>
-            <a:fld id="{FD0942CD-4DA8-49D4-9C3A-BA5FFA832728}" type="slidenum">
-              <a:rPr lang="pt-BR" smtClean="0"/>
-              <a:pPr/>
-              <a:t>32</a:t>
-            </a:fld>
-            <a:endParaRPr lang="pt-BR"/>
-          </a:p>
-        </p:txBody>
-      </p:sp>
-    </p:spTree>
-    <p:extLst>
-      <p:ext uri="{BB962C8B-B14F-4D97-AF65-F5344CB8AC3E}">
         <p14:creationId xmlns:p14="http://schemas.microsoft.com/office/powerpoint/2010/main" val="769460611"/>
       </p:ext>
     </p:extLst>
@@ -3156,7 +3070,7 @@
     </p:spTree>
     <p:extLst>
       <p:ext uri="{BB962C8B-B14F-4D97-AF65-F5344CB8AC3E}">
-        <p14:creationId xmlns:p14="http://schemas.microsoft.com/office/powerpoint/2010/main" val="2703938772"/>
+        <p14:creationId xmlns:p14="http://schemas.microsoft.com/office/powerpoint/2010/main" val="1063127099"/>
       </p:ext>
     </p:extLst>
   </p:cSld>
@@ -3241,7 +3155,7 @@
     </p:spTree>
     <p:extLst>
       <p:ext uri="{BB962C8B-B14F-4D97-AF65-F5344CB8AC3E}">
-        <p14:creationId xmlns:p14="http://schemas.microsoft.com/office/powerpoint/2010/main" val="1063127099"/>
+        <p14:creationId xmlns:p14="http://schemas.microsoft.com/office/powerpoint/2010/main" val="3753573801"/>
       </p:ext>
     </p:extLst>
   </p:cSld>
@@ -8400,626 +8314,6 @@
                 <a:latin typeface="Gotham HTF" pitchFamily="50" charset="0"/>
                 <a:cs typeface="Gotham HTF Light"/>
               </a:rPr>
-              <a:t>AND</a:t>
-            </a:r>
-            <a:endParaRPr lang="pt-BR" sz="2400" dirty="0">
-              <a:solidFill>
-                <a:srgbClr val="ED145B"/>
-              </a:solidFill>
-              <a:latin typeface="Gotham HTF" pitchFamily="50" charset="0"/>
-              <a:cs typeface="Gotham HTF Light"/>
-            </a:endParaRPr>
-          </a:p>
-        </p:txBody>
-      </p:sp>
-      <p:pic>
-        <p:nvPicPr>
-          <p:cNvPr id="4" name="Imagem 3">
-            <a:extLst>
-              <a:ext uri="{FF2B5EF4-FFF2-40B4-BE49-F238E27FC236}">
-                <a16:creationId xmlns:a16="http://schemas.microsoft.com/office/drawing/2014/main" id="{F3761347-7EB5-3EE3-E9D5-D92AF5CD1919}"/>
-              </a:ext>
-            </a:extLst>
-          </p:cNvPr>
-          <p:cNvPicPr>
-            <a:picLocks noChangeAspect="1"/>
-          </p:cNvPicPr>
-          <p:nvPr/>
-        </p:nvPicPr>
-        <p:blipFill>
-          <a:blip r:embed="rId3"/>
-          <a:stretch>
-            <a:fillRect/>
-          </a:stretch>
-        </p:blipFill>
-        <p:spPr>
-          <a:xfrm>
-            <a:off x="4295775" y="2368277"/>
-            <a:ext cx="4848225" cy="2428875"/>
-          </a:xfrm>
-          <a:prstGeom prst="rect">
-            <a:avLst/>
-          </a:prstGeom>
-        </p:spPr>
-      </p:pic>
-      <p:graphicFrame>
-        <p:nvGraphicFramePr>
-          <p:cNvPr id="2" name="Tabela 1">
-            <a:extLst>
-              <a:ext uri="{FF2B5EF4-FFF2-40B4-BE49-F238E27FC236}">
-                <a16:creationId xmlns:a16="http://schemas.microsoft.com/office/drawing/2014/main" id="{3A64C10F-9DD6-592E-1756-92762BD8941F}"/>
-              </a:ext>
-            </a:extLst>
-          </p:cNvPr>
-          <p:cNvGraphicFramePr>
-            <a:graphicFrameLocks noGrp="1"/>
-          </p:cNvGraphicFramePr>
-          <p:nvPr>
-            <p:extLst>
-              <p:ext uri="{D42A27DB-BD31-4B8C-83A1-F6EECF244321}">
-                <p14:modId xmlns:p14="http://schemas.microsoft.com/office/powerpoint/2010/main" val="3101103086"/>
-              </p:ext>
-            </p:extLst>
-          </p:nvPr>
-        </p:nvGraphicFramePr>
-        <p:xfrm>
-          <a:off x="228600" y="2132856"/>
-          <a:ext cx="3672408" cy="2286000"/>
-        </p:xfrm>
-        <a:graphic>
-          <a:graphicData uri="http://schemas.openxmlformats.org/drawingml/2006/table">
-            <a:tbl>
-              <a:tblPr firstRow="1" bandRow="1">
-                <a:tableStyleId>{073A0DAA-6AF3-43AB-8588-CEC1D06C72B9}</a:tableStyleId>
-              </a:tblPr>
-              <a:tblGrid>
-                <a:gridCol w="1224136">
-                  <a:extLst>
-                    <a:ext uri="{9D8B030D-6E8A-4147-A177-3AD203B41FA5}">
-                      <a16:colId xmlns:a16="http://schemas.microsoft.com/office/drawing/2014/main" val="2569077604"/>
-                    </a:ext>
-                  </a:extLst>
-                </a:gridCol>
-                <a:gridCol w="1224136">
-                  <a:extLst>
-                    <a:ext uri="{9D8B030D-6E8A-4147-A177-3AD203B41FA5}">
-                      <a16:colId xmlns:a16="http://schemas.microsoft.com/office/drawing/2014/main" val="4064374661"/>
-                    </a:ext>
-                  </a:extLst>
-                </a:gridCol>
-                <a:gridCol w="1224136">
-                  <a:extLst>
-                    <a:ext uri="{9D8B030D-6E8A-4147-A177-3AD203B41FA5}">
-                      <a16:colId xmlns:a16="http://schemas.microsoft.com/office/drawing/2014/main" val="573865432"/>
-                    </a:ext>
-                  </a:extLst>
-                </a:gridCol>
-              </a:tblGrid>
-              <a:tr h="458217">
-                <a:tc>
-                  <a:txBody>
-                    <a:bodyPr/>
-                    <a:lstStyle/>
-                    <a:p>
-                      <a:pPr algn="ctr"/>
-                      <a:r>
-                        <a:rPr lang="pt-BR" sz="2400" dirty="0"/>
-                        <a:t>Entrada 1</a:t>
-                      </a:r>
-                    </a:p>
-                  </a:txBody>
-                  <a:tcPr>
-                    <a:solidFill>
-                      <a:srgbClr val="ED265B"/>
-                    </a:solidFill>
-                  </a:tcPr>
-                </a:tc>
-                <a:tc>
-                  <a:txBody>
-                    <a:bodyPr/>
-                    <a:lstStyle/>
-                    <a:p>
-                      <a:pPr algn="ctr"/>
-                      <a:r>
-                        <a:rPr lang="pt-BR" sz="2400" dirty="0"/>
-                        <a:t>Entrada 2</a:t>
-                      </a:r>
-                    </a:p>
-                  </a:txBody>
-                  <a:tcPr>
-                    <a:solidFill>
-                      <a:srgbClr val="ED265B"/>
-                    </a:solidFill>
-                  </a:tcPr>
-                </a:tc>
-                <a:tc>
-                  <a:txBody>
-                    <a:bodyPr/>
-                    <a:lstStyle/>
-                    <a:p>
-                      <a:pPr algn="ctr"/>
-                      <a:r>
-                        <a:rPr lang="pt-BR" sz="2400" dirty="0"/>
-                        <a:t>Saída (Classe)</a:t>
-                      </a:r>
-                    </a:p>
-                  </a:txBody>
-                  <a:tcPr>
-                    <a:solidFill>
-                      <a:srgbClr val="ED265B"/>
-                    </a:solidFill>
-                  </a:tcPr>
-                </a:tc>
-                <a:extLst>
-                  <a:ext uri="{0D108BD9-81ED-4DB2-BD59-A6C34878D82A}">
-                    <a16:rowId xmlns:a16="http://schemas.microsoft.com/office/drawing/2014/main" val="1315523004"/>
-                  </a:ext>
-                </a:extLst>
-              </a:tr>
-              <a:tr h="277671">
-                <a:tc>
-                  <a:txBody>
-                    <a:bodyPr/>
-                    <a:lstStyle/>
-                    <a:p>
-                      <a:pPr algn="ctr"/>
-                      <a:r>
-                        <a:rPr lang="pt-BR" sz="1800" b="1" dirty="0"/>
-                        <a:t>0</a:t>
-                      </a:r>
-                    </a:p>
-                  </a:txBody>
-                  <a:tcPr anchor="ctr"/>
-                </a:tc>
-                <a:tc>
-                  <a:txBody>
-                    <a:bodyPr/>
-                    <a:lstStyle/>
-                    <a:p>
-                      <a:pPr marL="0" marR="0" lvl="0" indent="0" algn="ctr" defTabSz="914400" rtl="0" eaLnBrk="1" fontAlgn="auto" latinLnBrk="0" hangingPunct="1">
-                        <a:lnSpc>
-                          <a:spcPct val="100000"/>
-                        </a:lnSpc>
-                        <a:spcBef>
-                          <a:spcPts val="0"/>
-                        </a:spcBef>
-                        <a:spcAft>
-                          <a:spcPts val="0"/>
-                        </a:spcAft>
-                        <a:buClrTx/>
-                        <a:buSzTx/>
-                        <a:buFontTx/>
-                        <a:buNone/>
-                        <a:tabLst/>
-                        <a:defRPr/>
-                      </a:pPr>
-                      <a:r>
-                        <a:rPr lang="pt-BR" sz="1800" b="1" dirty="0"/>
-                        <a:t>0</a:t>
-                      </a:r>
-                    </a:p>
-                  </a:txBody>
-                  <a:tcPr anchor="ctr"/>
-                </a:tc>
-                <a:tc>
-                  <a:txBody>
-                    <a:bodyPr/>
-                    <a:lstStyle/>
-                    <a:p>
-                      <a:pPr marL="0" marR="0" lvl="0" indent="0" algn="ctr" defTabSz="914400" rtl="0" eaLnBrk="1" fontAlgn="auto" latinLnBrk="0" hangingPunct="1">
-                        <a:lnSpc>
-                          <a:spcPct val="100000"/>
-                        </a:lnSpc>
-                        <a:spcBef>
-                          <a:spcPts val="0"/>
-                        </a:spcBef>
-                        <a:spcAft>
-                          <a:spcPts val="0"/>
-                        </a:spcAft>
-                        <a:buClrTx/>
-                        <a:buSzTx/>
-                        <a:buFontTx/>
-                        <a:buNone/>
-                        <a:tabLst/>
-                        <a:defRPr/>
-                      </a:pPr>
-                      <a:r>
-                        <a:rPr lang="pt-BR" sz="1800" b="1" dirty="0"/>
-                        <a:t>0</a:t>
-                      </a:r>
-                    </a:p>
-                  </a:txBody>
-                  <a:tcPr anchor="ctr"/>
-                </a:tc>
-                <a:extLst>
-                  <a:ext uri="{0D108BD9-81ED-4DB2-BD59-A6C34878D82A}">
-                    <a16:rowId xmlns:a16="http://schemas.microsoft.com/office/drawing/2014/main" val="637353873"/>
-                  </a:ext>
-                </a:extLst>
-              </a:tr>
-              <a:tr h="277671">
-                <a:tc>
-                  <a:txBody>
-                    <a:bodyPr/>
-                    <a:lstStyle/>
-                    <a:p>
-                      <a:pPr algn="ctr"/>
-                      <a:r>
-                        <a:rPr lang="pt-BR" sz="1800" b="1" dirty="0"/>
-                        <a:t>0</a:t>
-                      </a:r>
-                    </a:p>
-                  </a:txBody>
-                  <a:tcPr anchor="ctr"/>
-                </a:tc>
-                <a:tc>
-                  <a:txBody>
-                    <a:bodyPr/>
-                    <a:lstStyle/>
-                    <a:p>
-                      <a:pPr marL="0" marR="0" lvl="0" indent="0" algn="ctr" defTabSz="914400" rtl="0" eaLnBrk="1" fontAlgn="auto" latinLnBrk="0" hangingPunct="1">
-                        <a:lnSpc>
-                          <a:spcPct val="100000"/>
-                        </a:lnSpc>
-                        <a:spcBef>
-                          <a:spcPts val="0"/>
-                        </a:spcBef>
-                        <a:spcAft>
-                          <a:spcPts val="0"/>
-                        </a:spcAft>
-                        <a:buClrTx/>
-                        <a:buSzTx/>
-                        <a:buFontTx/>
-                        <a:buNone/>
-                        <a:tabLst/>
-                        <a:defRPr/>
-                      </a:pPr>
-                      <a:r>
-                        <a:rPr lang="pt-BR" sz="1800" b="1" dirty="0"/>
-                        <a:t>1</a:t>
-                      </a:r>
-                    </a:p>
-                  </a:txBody>
-                  <a:tcPr anchor="ctr"/>
-                </a:tc>
-                <a:tc>
-                  <a:txBody>
-                    <a:bodyPr/>
-                    <a:lstStyle/>
-                    <a:p>
-                      <a:pPr marL="0" marR="0" lvl="0" indent="0" algn="ctr" defTabSz="914400" rtl="0" eaLnBrk="1" fontAlgn="auto" latinLnBrk="0" hangingPunct="1">
-                        <a:lnSpc>
-                          <a:spcPct val="100000"/>
-                        </a:lnSpc>
-                        <a:spcBef>
-                          <a:spcPts val="0"/>
-                        </a:spcBef>
-                        <a:spcAft>
-                          <a:spcPts val="0"/>
-                        </a:spcAft>
-                        <a:buClrTx/>
-                        <a:buSzTx/>
-                        <a:buFontTx/>
-                        <a:buNone/>
-                        <a:tabLst/>
-                        <a:defRPr/>
-                      </a:pPr>
-                      <a:r>
-                        <a:rPr lang="pt-BR" sz="1800" b="1" dirty="0"/>
-                        <a:t>0</a:t>
-                      </a:r>
-                    </a:p>
-                  </a:txBody>
-                  <a:tcPr anchor="ctr"/>
-                </a:tc>
-                <a:extLst>
-                  <a:ext uri="{0D108BD9-81ED-4DB2-BD59-A6C34878D82A}">
-                    <a16:rowId xmlns:a16="http://schemas.microsoft.com/office/drawing/2014/main" val="3892344562"/>
-                  </a:ext>
-                </a:extLst>
-              </a:tr>
-              <a:tr h="277671">
-                <a:tc>
-                  <a:txBody>
-                    <a:bodyPr/>
-                    <a:lstStyle/>
-                    <a:p>
-                      <a:pPr algn="ctr"/>
-                      <a:r>
-                        <a:rPr lang="pt-BR" sz="1800" b="1" dirty="0"/>
-                        <a:t>1</a:t>
-                      </a:r>
-                    </a:p>
-                  </a:txBody>
-                  <a:tcPr anchor="ctr"/>
-                </a:tc>
-                <a:tc>
-                  <a:txBody>
-                    <a:bodyPr/>
-                    <a:lstStyle/>
-                    <a:p>
-                      <a:pPr marL="0" marR="0" lvl="0" indent="0" algn="ctr" defTabSz="914400" rtl="0" eaLnBrk="1" fontAlgn="auto" latinLnBrk="0" hangingPunct="1">
-                        <a:lnSpc>
-                          <a:spcPct val="100000"/>
-                        </a:lnSpc>
-                        <a:spcBef>
-                          <a:spcPts val="0"/>
-                        </a:spcBef>
-                        <a:spcAft>
-                          <a:spcPts val="0"/>
-                        </a:spcAft>
-                        <a:buClrTx/>
-                        <a:buSzTx/>
-                        <a:buFontTx/>
-                        <a:buNone/>
-                        <a:tabLst/>
-                        <a:defRPr/>
-                      </a:pPr>
-                      <a:r>
-                        <a:rPr lang="pt-BR" sz="1800" b="1" dirty="0"/>
-                        <a:t>0</a:t>
-                      </a:r>
-                    </a:p>
-                  </a:txBody>
-                  <a:tcPr anchor="ctr"/>
-                </a:tc>
-                <a:tc>
-                  <a:txBody>
-                    <a:bodyPr/>
-                    <a:lstStyle/>
-                    <a:p>
-                      <a:pPr marL="0" marR="0" lvl="0" indent="0" algn="ctr" defTabSz="914400" rtl="0" eaLnBrk="1" fontAlgn="auto" latinLnBrk="0" hangingPunct="1">
-                        <a:lnSpc>
-                          <a:spcPct val="100000"/>
-                        </a:lnSpc>
-                        <a:spcBef>
-                          <a:spcPts val="0"/>
-                        </a:spcBef>
-                        <a:spcAft>
-                          <a:spcPts val="0"/>
-                        </a:spcAft>
-                        <a:buClrTx/>
-                        <a:buSzTx/>
-                        <a:buFontTx/>
-                        <a:buNone/>
-                        <a:tabLst/>
-                        <a:defRPr/>
-                      </a:pPr>
-                      <a:r>
-                        <a:rPr lang="pt-BR" sz="1800" b="1" dirty="0"/>
-                        <a:t>0</a:t>
-                      </a:r>
-                    </a:p>
-                  </a:txBody>
-                  <a:tcPr anchor="ctr"/>
-                </a:tc>
-                <a:extLst>
-                  <a:ext uri="{0D108BD9-81ED-4DB2-BD59-A6C34878D82A}">
-                    <a16:rowId xmlns:a16="http://schemas.microsoft.com/office/drawing/2014/main" val="1911681049"/>
-                  </a:ext>
-                </a:extLst>
-              </a:tr>
-              <a:tr h="277671">
-                <a:tc>
-                  <a:txBody>
-                    <a:bodyPr/>
-                    <a:lstStyle/>
-                    <a:p>
-                      <a:pPr algn="ctr"/>
-                      <a:r>
-                        <a:rPr lang="pt-BR" sz="1800" b="1" dirty="0"/>
-                        <a:t>1</a:t>
-                      </a:r>
-                    </a:p>
-                  </a:txBody>
-                  <a:tcPr anchor="ctr"/>
-                </a:tc>
-                <a:tc>
-                  <a:txBody>
-                    <a:bodyPr/>
-                    <a:lstStyle/>
-                    <a:p>
-                      <a:pPr marL="0" marR="0" lvl="0" indent="0" algn="ctr" defTabSz="914400" rtl="0" eaLnBrk="1" fontAlgn="auto" latinLnBrk="0" hangingPunct="1">
-                        <a:lnSpc>
-                          <a:spcPct val="100000"/>
-                        </a:lnSpc>
-                        <a:spcBef>
-                          <a:spcPts val="0"/>
-                        </a:spcBef>
-                        <a:spcAft>
-                          <a:spcPts val="0"/>
-                        </a:spcAft>
-                        <a:buClrTx/>
-                        <a:buSzTx/>
-                        <a:buFontTx/>
-                        <a:buNone/>
-                        <a:tabLst/>
-                        <a:defRPr/>
-                      </a:pPr>
-                      <a:r>
-                        <a:rPr lang="pt-BR" sz="1800" b="1" dirty="0"/>
-                        <a:t>1</a:t>
-                      </a:r>
-                    </a:p>
-                  </a:txBody>
-                  <a:tcPr anchor="ctr"/>
-                </a:tc>
-                <a:tc>
-                  <a:txBody>
-                    <a:bodyPr/>
-                    <a:lstStyle/>
-                    <a:p>
-                      <a:pPr marL="0" marR="0" lvl="0" indent="0" algn="ctr" defTabSz="914400" rtl="0" eaLnBrk="1" fontAlgn="auto" latinLnBrk="0" hangingPunct="1">
-                        <a:lnSpc>
-                          <a:spcPct val="100000"/>
-                        </a:lnSpc>
-                        <a:spcBef>
-                          <a:spcPts val="0"/>
-                        </a:spcBef>
-                        <a:spcAft>
-                          <a:spcPts val="0"/>
-                        </a:spcAft>
-                        <a:buClrTx/>
-                        <a:buSzTx/>
-                        <a:buFontTx/>
-                        <a:buNone/>
-                        <a:tabLst/>
-                        <a:defRPr/>
-                      </a:pPr>
-                      <a:r>
-                        <a:rPr lang="pt-BR" sz="1800" b="1" dirty="0"/>
-                        <a:t>1</a:t>
-                      </a:r>
-                    </a:p>
-                  </a:txBody>
-                  <a:tcPr anchor="ctr"/>
-                </a:tc>
-                <a:extLst>
-                  <a:ext uri="{0D108BD9-81ED-4DB2-BD59-A6C34878D82A}">
-                    <a16:rowId xmlns:a16="http://schemas.microsoft.com/office/drawing/2014/main" val="780321646"/>
-                  </a:ext>
-                </a:extLst>
-              </a:tr>
-            </a:tbl>
-          </a:graphicData>
-        </a:graphic>
-      </p:graphicFrame>
-    </p:spTree>
-    <p:extLst>
-      <p:ext uri="{BB962C8B-B14F-4D97-AF65-F5344CB8AC3E}">
-        <p14:creationId xmlns:p14="http://schemas.microsoft.com/office/powerpoint/2010/main" val="1096649349"/>
-      </p:ext>
-    </p:extLst>
-  </p:cSld>
-  <p:clrMapOvr>
-    <a:masterClrMapping/>
-  </p:clrMapOvr>
-  <mc:AlternateContent xmlns:mc="http://schemas.openxmlformats.org/markup-compatibility/2006" xmlns:p14="http://schemas.microsoft.com/office/powerpoint/2010/main">
-    <mc:Choice Requires="p14">
-      <p:transition spd="med" p14:dur="700">
-        <p:fade/>
-      </p:transition>
-    </mc:Choice>
-    <mc:Fallback xmlns="">
-      <p:transition spd="med">
-        <p:fade/>
-      </p:transition>
-    </mc:Fallback>
-  </mc:AlternateContent>
-</p:sld>
-</file>
-
-<file path=ppt/slides/slide11.xml><?xml version="1.0" encoding="utf-8"?>
-<p:sld xmlns:a="http://schemas.openxmlformats.org/drawingml/2006/main" xmlns:r="http://schemas.openxmlformats.org/officeDocument/2006/relationships" xmlns:p="http://schemas.openxmlformats.org/presentationml/2006/main">
-  <p:cSld>
-    <p:spTree>
-      <p:nvGrpSpPr>
-        <p:cNvPr id="1" name=""/>
-        <p:cNvGrpSpPr/>
-        <p:nvPr/>
-      </p:nvGrpSpPr>
-      <p:grpSpPr>
-        <a:xfrm>
-          <a:off x="0" y="0"/>
-          <a:ext cx="0" cy="0"/>
-          <a:chOff x="0" y="0"/>
-          <a:chExt cx="0" cy="0"/>
-        </a:xfrm>
-      </p:grpSpPr>
-      <p:sp>
-        <p:nvSpPr>
-          <p:cNvPr id="9" name="TextBox 6">
-            <a:extLst>
-              <a:ext uri="{FF2B5EF4-FFF2-40B4-BE49-F238E27FC236}">
-                <a16:creationId xmlns:a16="http://schemas.microsoft.com/office/drawing/2014/main" id="{225765AD-71F7-DC36-6CE8-E9873BEE1F3F}"/>
-              </a:ext>
-            </a:extLst>
-          </p:cNvPr>
-          <p:cNvSpPr txBox="1"/>
-          <p:nvPr/>
-        </p:nvSpPr>
-        <p:spPr>
-          <a:xfrm>
-            <a:off x="228600" y="133350"/>
-            <a:ext cx="6935688" cy="707886"/>
-          </a:xfrm>
-          <a:prstGeom prst="rect">
-            <a:avLst/>
-          </a:prstGeom>
-          <a:noFill/>
-        </p:spPr>
-        <p:txBody>
-          <a:bodyPr wrap="square" rtlCol="0">
-            <a:spAutoFit/>
-          </a:bodyPr>
-          <a:lstStyle/>
-          <a:p>
-            <a:r>
-              <a:rPr lang="pt-BR" sz="4000" dirty="0">
-                <a:solidFill>
-                  <a:srgbClr val="ED145B"/>
-                </a:solidFill>
-                <a:latin typeface="Gotham HTF" pitchFamily="50" charset="0"/>
-                <a:cs typeface="Gotham HTF Light"/>
-              </a:rPr>
-              <a:t>Rede Neural de uma Camada</a:t>
-            </a:r>
-          </a:p>
-        </p:txBody>
-      </p:sp>
-      <p:sp>
-        <p:nvSpPr>
-          <p:cNvPr id="6" name="TextBox 6">
-            <a:extLst>
-              <a:ext uri="{FF2B5EF4-FFF2-40B4-BE49-F238E27FC236}">
-                <a16:creationId xmlns:a16="http://schemas.microsoft.com/office/drawing/2014/main" id="{27F296AF-377F-7FA0-F4C7-9D96EEFF005D}"/>
-              </a:ext>
-            </a:extLst>
-          </p:cNvPr>
-          <p:cNvSpPr txBox="1"/>
-          <p:nvPr/>
-        </p:nvSpPr>
-        <p:spPr>
-          <a:xfrm>
-            <a:off x="228600" y="1124744"/>
-            <a:ext cx="7583760" cy="589072"/>
-          </a:xfrm>
-          <a:prstGeom prst="rect">
-            <a:avLst/>
-          </a:prstGeom>
-          <a:noFill/>
-        </p:spPr>
-        <p:txBody>
-          <a:bodyPr wrap="square" rtlCol="0">
-            <a:spAutoFit/>
-          </a:bodyPr>
-          <a:lstStyle/>
-          <a:p>
-            <a:pPr marL="342900" indent="-342900">
-              <a:lnSpc>
-                <a:spcPct val="150000"/>
-              </a:lnSpc>
-              <a:buClr>
-                <a:srgbClr val="ED145B"/>
-              </a:buClr>
-              <a:buFont typeface="Wingdings" panose="05000000000000000000" pitchFamily="2" charset="2"/>
-              <a:buChar char="v"/>
-            </a:pPr>
-            <a:r>
-              <a:rPr lang="pt-BR" sz="2400" dirty="0">
-                <a:latin typeface="Gotham HTF" pitchFamily="50" charset="0"/>
-                <a:cs typeface="Gotham HTF Light"/>
-              </a:rPr>
-              <a:t>Exemplo: Operador </a:t>
-            </a:r>
-            <a:r>
-              <a:rPr lang="pt-BR" sz="2400" b="1" dirty="0">
-                <a:solidFill>
-                  <a:srgbClr val="ED145B"/>
-                </a:solidFill>
-                <a:latin typeface="Gotham HTF" pitchFamily="50" charset="0"/>
-                <a:cs typeface="Gotham HTF Light"/>
-              </a:rPr>
               <a:t>OR</a:t>
             </a:r>
             <a:endParaRPr lang="pt-BR" sz="2400" dirty="0">
@@ -9529,7 +8823,7 @@
 </p:sld>
 </file>
 
-<file path=ppt/slides/slide12.xml><?xml version="1.0" encoding="utf-8"?>
+<file path=ppt/slides/slide11.xml><?xml version="1.0" encoding="utf-8"?>
 <p:sld xmlns:a="http://schemas.openxmlformats.org/drawingml/2006/main" xmlns:r="http://schemas.openxmlformats.org/officeDocument/2006/relationships" xmlns:p="http://schemas.openxmlformats.org/presentationml/2006/main">
   <p:cSld>
     <p:spTree>
@@ -9698,7 +8992,7 @@
 </p:sld>
 </file>
 
-<file path=ppt/slides/slide13.xml><?xml version="1.0" encoding="utf-8"?>
+<file path=ppt/slides/slide12.xml><?xml version="1.0" encoding="utf-8"?>
 <p:sld xmlns:a="http://schemas.openxmlformats.org/drawingml/2006/main" xmlns:r="http://schemas.openxmlformats.org/officeDocument/2006/relationships" xmlns:p="http://schemas.openxmlformats.org/presentationml/2006/main">
   <p:cSld>
     <p:spTree>
@@ -10338,7 +9632,7 @@
 </p:sld>
 </file>
 
-<file path=ppt/slides/slide14.xml><?xml version="1.0" encoding="utf-8"?>
+<file path=ppt/slides/slide13.xml><?xml version="1.0" encoding="utf-8"?>
 <p:sld xmlns:a="http://schemas.openxmlformats.org/drawingml/2006/main" xmlns:r="http://schemas.openxmlformats.org/officeDocument/2006/relationships" xmlns:p="http://schemas.openxmlformats.org/presentationml/2006/main">
   <p:cSld>
     <p:spTree>
@@ -10457,7 +9751,7 @@
 </p:sld>
 </file>
 
-<file path=ppt/slides/slide15.xml><?xml version="1.0" encoding="utf-8"?>
+<file path=ppt/slides/slide14.xml><?xml version="1.0" encoding="utf-8"?>
 <p:sld xmlns:a="http://schemas.openxmlformats.org/drawingml/2006/main" xmlns:r="http://schemas.openxmlformats.org/officeDocument/2006/relationships" xmlns:p="http://schemas.openxmlformats.org/presentationml/2006/main">
   <p:cSld>
     <p:spTree>
@@ -10753,7 +10047,7 @@
 </p:sld>
 </file>
 
-<file path=ppt/slides/slide16.xml><?xml version="1.0" encoding="utf-8"?>
+<file path=ppt/slides/slide15.xml><?xml version="1.0" encoding="utf-8"?>
 <p:sld xmlns:a="http://schemas.openxmlformats.org/drawingml/2006/main" xmlns:r="http://schemas.openxmlformats.org/officeDocument/2006/relationships" xmlns:p="http://schemas.openxmlformats.org/presentationml/2006/main">
   <p:cSld>
     <p:spTree>
@@ -10989,7 +10283,7 @@
 </p:sld>
 </file>
 
-<file path=ppt/slides/slide17.xml><?xml version="1.0" encoding="utf-8"?>
+<file path=ppt/slides/slide16.xml><?xml version="1.0" encoding="utf-8"?>
 <p:sld xmlns:a="http://schemas.openxmlformats.org/drawingml/2006/main" xmlns:r="http://schemas.openxmlformats.org/officeDocument/2006/relationships" xmlns:p="http://schemas.openxmlformats.org/presentationml/2006/main">
   <p:cSld>
     <p:spTree>
@@ -11516,13 +10810,13 @@
   <p:clrMapOvr>
     <a:masterClrMapping/>
   </p:clrMapOvr>
-  <mc:AlternateContent xmlns:mc="http://schemas.openxmlformats.org/markup-compatibility/2006">
-    <mc:Choice xmlns:p14="http://schemas.microsoft.com/office/powerpoint/2010/main" Requires="p14">
+  <mc:AlternateContent xmlns:mc="http://schemas.openxmlformats.org/markup-compatibility/2006" xmlns:p14="http://schemas.microsoft.com/office/powerpoint/2010/main">
+    <mc:Choice Requires="p14">
       <p:transition spd="med" p14:dur="700">
         <p:fade/>
       </p:transition>
     </mc:Choice>
-    <mc:Fallback>
+    <mc:Fallback xmlns="">
       <p:transition spd="med">
         <p:fade/>
       </p:transition>
@@ -11531,7 +10825,7 @@
 </p:sld>
 </file>
 
-<file path=ppt/slides/slide18.xml><?xml version="1.0" encoding="utf-8"?>
+<file path=ppt/slides/slide17.xml><?xml version="1.0" encoding="utf-8"?>
 <p:sld xmlns:a="http://schemas.openxmlformats.org/drawingml/2006/main" xmlns:r="http://schemas.openxmlformats.org/officeDocument/2006/relationships" xmlns:p="http://schemas.openxmlformats.org/presentationml/2006/main">
   <p:cSld>
     <p:spTree>
@@ -11644,7 +10938,7 @@
 </p:sld>
 </file>
 
-<file path=ppt/slides/slide19.xml><?xml version="1.0" encoding="utf-8"?>
+<file path=ppt/slides/slide18.xml><?xml version="1.0" encoding="utf-8"?>
 <p:sld xmlns:a="http://schemas.openxmlformats.org/drawingml/2006/main" xmlns:r="http://schemas.openxmlformats.org/officeDocument/2006/relationships" xmlns:p="http://schemas.openxmlformats.org/presentationml/2006/main">
   <p:cSld>
     <p:spTree>
@@ -11795,6 +11089,220 @@
     <p:extLst>
       <p:ext uri="{BB962C8B-B14F-4D97-AF65-F5344CB8AC3E}">
         <p14:creationId xmlns:p14="http://schemas.microsoft.com/office/powerpoint/2010/main" val="2786090937"/>
+      </p:ext>
+    </p:extLst>
+  </p:cSld>
+  <p:clrMapOvr>
+    <a:masterClrMapping/>
+  </p:clrMapOvr>
+  <mc:AlternateContent xmlns:mc="http://schemas.openxmlformats.org/markup-compatibility/2006" xmlns:p14="http://schemas.microsoft.com/office/powerpoint/2010/main">
+    <mc:Choice Requires="p14">
+      <p:transition spd="med" p14:dur="700">
+        <p:fade/>
+      </p:transition>
+    </mc:Choice>
+    <mc:Fallback xmlns="">
+      <p:transition spd="med">
+        <p:fade/>
+      </p:transition>
+    </mc:Fallback>
+  </mc:AlternateContent>
+</p:sld>
+</file>
+
+<file path=ppt/slides/slide19.xml><?xml version="1.0" encoding="utf-8"?>
+<p:sld xmlns:a="http://schemas.openxmlformats.org/drawingml/2006/main" xmlns:r="http://schemas.openxmlformats.org/officeDocument/2006/relationships" xmlns:p="http://schemas.openxmlformats.org/presentationml/2006/main">
+  <p:cSld>
+    <p:spTree>
+      <p:nvGrpSpPr>
+        <p:cNvPr id="1" name=""/>
+        <p:cNvGrpSpPr/>
+        <p:nvPr/>
+      </p:nvGrpSpPr>
+      <p:grpSpPr>
+        <a:xfrm>
+          <a:off x="0" y="0"/>
+          <a:ext cx="0" cy="0"/>
+          <a:chOff x="0" y="0"/>
+          <a:chExt cx="0" cy="0"/>
+        </a:xfrm>
+      </p:grpSpPr>
+      <p:sp>
+        <p:nvSpPr>
+          <p:cNvPr id="9" name="TextBox 6">
+            <a:extLst>
+              <a:ext uri="{FF2B5EF4-FFF2-40B4-BE49-F238E27FC236}">
+                <a16:creationId xmlns:a16="http://schemas.microsoft.com/office/drawing/2014/main" id="{225765AD-71F7-DC36-6CE8-E9873BEE1F3F}"/>
+              </a:ext>
+            </a:extLst>
+          </p:cNvPr>
+          <p:cNvSpPr txBox="1"/>
+          <p:nvPr/>
+        </p:nvSpPr>
+        <p:spPr>
+          <a:xfrm>
+            <a:off x="228600" y="133350"/>
+            <a:ext cx="6935688" cy="1323439"/>
+          </a:xfrm>
+          <a:prstGeom prst="rect">
+            <a:avLst/>
+          </a:prstGeom>
+          <a:noFill/>
+        </p:spPr>
+        <p:txBody>
+          <a:bodyPr wrap="square" rtlCol="0">
+            <a:spAutoFit/>
+          </a:bodyPr>
+          <a:lstStyle/>
+          <a:p>
+            <a:r>
+              <a:rPr lang="pt-BR" sz="4000" dirty="0">
+                <a:solidFill>
+                  <a:srgbClr val="ED145B"/>
+                </a:solidFill>
+                <a:latin typeface="Gotham HTF" pitchFamily="50" charset="0"/>
+                <a:cs typeface="Gotham HTF Light"/>
+              </a:rPr>
+              <a:t>Qual a quantidade ideal de camadas ocultas?</a:t>
+            </a:r>
+          </a:p>
+        </p:txBody>
+      </p:sp>
+      <p:sp>
+        <p:nvSpPr>
+          <p:cNvPr id="2" name="TextBox 6">
+            <a:extLst>
+              <a:ext uri="{FF2B5EF4-FFF2-40B4-BE49-F238E27FC236}">
+                <a16:creationId xmlns:a16="http://schemas.microsoft.com/office/drawing/2014/main" id="{30269BC3-B6AB-5581-1C65-4049F2EC75DF}"/>
+              </a:ext>
+            </a:extLst>
+          </p:cNvPr>
+          <p:cNvSpPr txBox="1"/>
+          <p:nvPr/>
+        </p:nvSpPr>
+        <p:spPr>
+          <a:xfrm>
+            <a:off x="228600" y="1443900"/>
+            <a:ext cx="4847456" cy="2639441"/>
+          </a:xfrm>
+          <a:prstGeom prst="rect">
+            <a:avLst/>
+          </a:prstGeom>
+          <a:noFill/>
+        </p:spPr>
+        <p:txBody>
+          <a:bodyPr wrap="square" rtlCol="0">
+            <a:spAutoFit/>
+          </a:bodyPr>
+          <a:lstStyle/>
+          <a:p>
+            <a:pPr marL="342900" indent="-342900">
+              <a:lnSpc>
+                <a:spcPct val="150000"/>
+              </a:lnSpc>
+              <a:buClr>
+                <a:srgbClr val="ED145B"/>
+              </a:buClr>
+              <a:buFont typeface="Wingdings" panose="05000000000000000000" pitchFamily="2" charset="2"/>
+              <a:buChar char="v"/>
+            </a:pPr>
+            <a:r>
+              <a:rPr lang="pt-BR" sz="1600" b="1" dirty="0">
+                <a:latin typeface="Gotham HTF" pitchFamily="50" charset="0"/>
+                <a:cs typeface="Gotham HTF Light"/>
+              </a:rPr>
+              <a:t>1 Camada Oculta: </a:t>
+            </a:r>
+            <a:r>
+              <a:rPr lang="pt-BR" sz="1600" dirty="0">
+                <a:latin typeface="Gotham HTF" pitchFamily="50" charset="0"/>
+                <a:cs typeface="Gotham HTF Light"/>
+              </a:rPr>
+              <a:t>Resolve a maior parte de problemas não-lineares (Equações exponenciais, equações do segundo grau, etc.)</a:t>
+            </a:r>
+          </a:p>
+          <a:p>
+            <a:pPr marL="342900" indent="-342900">
+              <a:lnSpc>
+                <a:spcPct val="150000"/>
+              </a:lnSpc>
+              <a:buClr>
+                <a:srgbClr val="ED145B"/>
+              </a:buClr>
+              <a:buFont typeface="Wingdings" panose="05000000000000000000" pitchFamily="2" charset="2"/>
+              <a:buChar char="v"/>
+            </a:pPr>
+            <a:endParaRPr lang="pt-BR" sz="1600" b="1" dirty="0">
+              <a:latin typeface="Gotham HTF" pitchFamily="50" charset="0"/>
+              <a:cs typeface="Gotham HTF Light"/>
+            </a:endParaRPr>
+          </a:p>
+          <a:p>
+            <a:pPr marL="342900" indent="-342900">
+              <a:lnSpc>
+                <a:spcPct val="150000"/>
+              </a:lnSpc>
+              <a:buClr>
+                <a:srgbClr val="ED145B"/>
+              </a:buClr>
+              <a:buFont typeface="Wingdings" panose="05000000000000000000" pitchFamily="2" charset="2"/>
+              <a:buChar char="v"/>
+            </a:pPr>
+            <a:r>
+              <a:rPr lang="pt-BR" sz="1600" b="1" dirty="0">
+                <a:latin typeface="Gotham HTF" pitchFamily="50" charset="0"/>
+                <a:cs typeface="Gotham HTF Light"/>
+              </a:rPr>
+              <a:t>2 Camadas Ocultas: </a:t>
+            </a:r>
+            <a:r>
+              <a:rPr lang="pt-BR" sz="1600" dirty="0">
+                <a:latin typeface="Gotham HTF" pitchFamily="50" charset="0"/>
+                <a:cs typeface="Gotham HTF Light"/>
+              </a:rPr>
+              <a:t>Conseguem expressar qualquer relação entre os dados, mesmo que não haja uma equação que modele o sistema</a:t>
+            </a:r>
+            <a:endParaRPr lang="pt-BR" sz="1600" b="1" dirty="0">
+              <a:latin typeface="Gotham HTF" pitchFamily="50" charset="0"/>
+              <a:cs typeface="Gotham HTF Light"/>
+            </a:endParaRPr>
+          </a:p>
+        </p:txBody>
+      </p:sp>
+      <p:pic>
+        <p:nvPicPr>
+          <p:cNvPr id="4" name="Imagem 3">
+            <a:extLst>
+              <a:ext uri="{FF2B5EF4-FFF2-40B4-BE49-F238E27FC236}">
+                <a16:creationId xmlns:a16="http://schemas.microsoft.com/office/drawing/2014/main" id="{28F6D7F5-BB32-0B16-68F1-FD8EA5EDAB6D}"/>
+              </a:ext>
+            </a:extLst>
+          </p:cNvPr>
+          <p:cNvPicPr>
+            <a:picLocks noChangeAspect="1"/>
+          </p:cNvPicPr>
+          <p:nvPr/>
+        </p:nvPicPr>
+        <p:blipFill>
+          <a:blip r:embed="rId3"/>
+          <a:stretch>
+            <a:fillRect/>
+          </a:stretch>
+        </p:blipFill>
+        <p:spPr>
+          <a:xfrm>
+            <a:off x="5581650" y="2780928"/>
+            <a:ext cx="3333750" cy="1600200"/>
+          </a:xfrm>
+          <a:prstGeom prst="rect">
+            <a:avLst/>
+          </a:prstGeom>
+        </p:spPr>
+      </p:pic>
+    </p:spTree>
+    <p:extLst>
+      <p:ext uri="{BB962C8B-B14F-4D97-AF65-F5344CB8AC3E}">
+        <p14:creationId xmlns:p14="http://schemas.microsoft.com/office/powerpoint/2010/main" val="3526112333"/>
       </p:ext>
     </p:extLst>
   </p:cSld>
@@ -13153,220 +12661,6 @@
         <p:spPr>
           <a:xfrm>
             <a:off x="228600" y="1443900"/>
-            <a:ext cx="4847456" cy="2639441"/>
-          </a:xfrm>
-          <a:prstGeom prst="rect">
-            <a:avLst/>
-          </a:prstGeom>
-          <a:noFill/>
-        </p:spPr>
-        <p:txBody>
-          <a:bodyPr wrap="square" rtlCol="0">
-            <a:spAutoFit/>
-          </a:bodyPr>
-          <a:lstStyle/>
-          <a:p>
-            <a:pPr marL="342900" indent="-342900">
-              <a:lnSpc>
-                <a:spcPct val="150000"/>
-              </a:lnSpc>
-              <a:buClr>
-                <a:srgbClr val="ED145B"/>
-              </a:buClr>
-              <a:buFont typeface="Wingdings" panose="05000000000000000000" pitchFamily="2" charset="2"/>
-              <a:buChar char="v"/>
-            </a:pPr>
-            <a:r>
-              <a:rPr lang="pt-BR" sz="1600" b="1" dirty="0">
-                <a:latin typeface="Gotham HTF" pitchFamily="50" charset="0"/>
-                <a:cs typeface="Gotham HTF Light"/>
-              </a:rPr>
-              <a:t>1 Camada Oculta: </a:t>
-            </a:r>
-            <a:r>
-              <a:rPr lang="pt-BR" sz="1600" dirty="0">
-                <a:latin typeface="Gotham HTF" pitchFamily="50" charset="0"/>
-                <a:cs typeface="Gotham HTF Light"/>
-              </a:rPr>
-              <a:t>Resolve a maior parte de problemas não-lineares (Equações exponenciais, equações do segundo grau, etc.)</a:t>
-            </a:r>
-          </a:p>
-          <a:p>
-            <a:pPr marL="342900" indent="-342900">
-              <a:lnSpc>
-                <a:spcPct val="150000"/>
-              </a:lnSpc>
-              <a:buClr>
-                <a:srgbClr val="ED145B"/>
-              </a:buClr>
-              <a:buFont typeface="Wingdings" panose="05000000000000000000" pitchFamily="2" charset="2"/>
-              <a:buChar char="v"/>
-            </a:pPr>
-            <a:endParaRPr lang="pt-BR" sz="1600" b="1" dirty="0">
-              <a:latin typeface="Gotham HTF" pitchFamily="50" charset="0"/>
-              <a:cs typeface="Gotham HTF Light"/>
-            </a:endParaRPr>
-          </a:p>
-          <a:p>
-            <a:pPr marL="342900" indent="-342900">
-              <a:lnSpc>
-                <a:spcPct val="150000"/>
-              </a:lnSpc>
-              <a:buClr>
-                <a:srgbClr val="ED145B"/>
-              </a:buClr>
-              <a:buFont typeface="Wingdings" panose="05000000000000000000" pitchFamily="2" charset="2"/>
-              <a:buChar char="v"/>
-            </a:pPr>
-            <a:r>
-              <a:rPr lang="pt-BR" sz="1600" b="1" dirty="0">
-                <a:latin typeface="Gotham HTF" pitchFamily="50" charset="0"/>
-                <a:cs typeface="Gotham HTF Light"/>
-              </a:rPr>
-              <a:t>2 Camadas Ocultas: </a:t>
-            </a:r>
-            <a:r>
-              <a:rPr lang="pt-BR" sz="1600" dirty="0">
-                <a:latin typeface="Gotham HTF" pitchFamily="50" charset="0"/>
-                <a:cs typeface="Gotham HTF Light"/>
-              </a:rPr>
-              <a:t>Conseguem expressar qualquer relação entre os dados, mesmo que não haja uma equação que modele o sistema</a:t>
-            </a:r>
-            <a:endParaRPr lang="pt-BR" sz="1600" b="1" dirty="0">
-              <a:latin typeface="Gotham HTF" pitchFamily="50" charset="0"/>
-              <a:cs typeface="Gotham HTF Light"/>
-            </a:endParaRPr>
-          </a:p>
-        </p:txBody>
-      </p:sp>
-      <p:pic>
-        <p:nvPicPr>
-          <p:cNvPr id="4" name="Imagem 3">
-            <a:extLst>
-              <a:ext uri="{FF2B5EF4-FFF2-40B4-BE49-F238E27FC236}">
-                <a16:creationId xmlns:a16="http://schemas.microsoft.com/office/drawing/2014/main" id="{28F6D7F5-BB32-0B16-68F1-FD8EA5EDAB6D}"/>
-              </a:ext>
-            </a:extLst>
-          </p:cNvPr>
-          <p:cNvPicPr>
-            <a:picLocks noChangeAspect="1"/>
-          </p:cNvPicPr>
-          <p:nvPr/>
-        </p:nvPicPr>
-        <p:blipFill>
-          <a:blip r:embed="rId3"/>
-          <a:stretch>
-            <a:fillRect/>
-          </a:stretch>
-        </p:blipFill>
-        <p:spPr>
-          <a:xfrm>
-            <a:off x="5581650" y="2780928"/>
-            <a:ext cx="3333750" cy="1600200"/>
-          </a:xfrm>
-          <a:prstGeom prst="rect">
-            <a:avLst/>
-          </a:prstGeom>
-        </p:spPr>
-      </p:pic>
-    </p:spTree>
-    <p:extLst>
-      <p:ext uri="{BB962C8B-B14F-4D97-AF65-F5344CB8AC3E}">
-        <p14:creationId xmlns:p14="http://schemas.microsoft.com/office/powerpoint/2010/main" val="3526112333"/>
-      </p:ext>
-    </p:extLst>
-  </p:cSld>
-  <p:clrMapOvr>
-    <a:masterClrMapping/>
-  </p:clrMapOvr>
-  <mc:AlternateContent xmlns:mc="http://schemas.openxmlformats.org/markup-compatibility/2006" xmlns:p14="http://schemas.microsoft.com/office/powerpoint/2010/main">
-    <mc:Choice Requires="p14">
-      <p:transition spd="med" p14:dur="700">
-        <p:fade/>
-      </p:transition>
-    </mc:Choice>
-    <mc:Fallback xmlns="">
-      <p:transition spd="med">
-        <p:fade/>
-      </p:transition>
-    </mc:Fallback>
-  </mc:AlternateContent>
-</p:sld>
-</file>
-
-<file path=ppt/slides/slide21.xml><?xml version="1.0" encoding="utf-8"?>
-<p:sld xmlns:a="http://schemas.openxmlformats.org/drawingml/2006/main" xmlns:r="http://schemas.openxmlformats.org/officeDocument/2006/relationships" xmlns:p="http://schemas.openxmlformats.org/presentationml/2006/main">
-  <p:cSld>
-    <p:spTree>
-      <p:nvGrpSpPr>
-        <p:cNvPr id="1" name=""/>
-        <p:cNvGrpSpPr/>
-        <p:nvPr/>
-      </p:nvGrpSpPr>
-      <p:grpSpPr>
-        <a:xfrm>
-          <a:off x="0" y="0"/>
-          <a:ext cx="0" cy="0"/>
-          <a:chOff x="0" y="0"/>
-          <a:chExt cx="0" cy="0"/>
-        </a:xfrm>
-      </p:grpSpPr>
-      <p:sp>
-        <p:nvSpPr>
-          <p:cNvPr id="9" name="TextBox 6">
-            <a:extLst>
-              <a:ext uri="{FF2B5EF4-FFF2-40B4-BE49-F238E27FC236}">
-                <a16:creationId xmlns:a16="http://schemas.microsoft.com/office/drawing/2014/main" id="{225765AD-71F7-DC36-6CE8-E9873BEE1F3F}"/>
-              </a:ext>
-            </a:extLst>
-          </p:cNvPr>
-          <p:cNvSpPr txBox="1"/>
-          <p:nvPr/>
-        </p:nvSpPr>
-        <p:spPr>
-          <a:xfrm>
-            <a:off x="228600" y="133350"/>
-            <a:ext cx="6935688" cy="1323439"/>
-          </a:xfrm>
-          <a:prstGeom prst="rect">
-            <a:avLst/>
-          </a:prstGeom>
-          <a:noFill/>
-        </p:spPr>
-        <p:txBody>
-          <a:bodyPr wrap="square" rtlCol="0">
-            <a:spAutoFit/>
-          </a:bodyPr>
-          <a:lstStyle/>
-          <a:p>
-            <a:r>
-              <a:rPr lang="pt-BR" sz="4000" dirty="0">
-                <a:solidFill>
-                  <a:srgbClr val="ED145B"/>
-                </a:solidFill>
-                <a:latin typeface="Gotham HTF" pitchFamily="50" charset="0"/>
-                <a:cs typeface="Gotham HTF Light"/>
-              </a:rPr>
-              <a:t>Qual a quantidade ideal de camadas ocultas?</a:t>
-            </a:r>
-          </a:p>
-        </p:txBody>
-      </p:sp>
-      <p:sp>
-        <p:nvSpPr>
-          <p:cNvPr id="2" name="TextBox 6">
-            <a:extLst>
-              <a:ext uri="{FF2B5EF4-FFF2-40B4-BE49-F238E27FC236}">
-                <a16:creationId xmlns:a16="http://schemas.microsoft.com/office/drawing/2014/main" id="{30269BC3-B6AB-5581-1C65-4049F2EC75DF}"/>
-              </a:ext>
-            </a:extLst>
-          </p:cNvPr>
-          <p:cNvSpPr txBox="1"/>
-          <p:nvPr/>
-        </p:nvSpPr>
-        <p:spPr>
-          <a:xfrm>
-            <a:off x="228600" y="1443900"/>
             <a:ext cx="4847456" cy="4116768"/>
           </a:xfrm>
           <a:prstGeom prst="rect">
@@ -13604,7 +12898,7 @@
 </p:sld>
 </file>
 
-<file path=ppt/slides/slide22.xml><?xml version="1.0" encoding="utf-8"?>
+<file path=ppt/slides/slide21.xml><?xml version="1.0" encoding="utf-8"?>
 <p:sld xmlns:a="http://schemas.openxmlformats.org/drawingml/2006/main" xmlns:r="http://schemas.openxmlformats.org/officeDocument/2006/relationships" xmlns:p="http://schemas.openxmlformats.org/presentationml/2006/main">
   <p:cSld>
     <p:spTree>
@@ -14111,7 +13405,7 @@
 </p:sld>
 </file>
 
-<file path=ppt/slides/slide23.xml><?xml version="1.0" encoding="utf-8"?>
+<file path=ppt/slides/slide22.xml><?xml version="1.0" encoding="utf-8"?>
 <p:sld xmlns:a="http://schemas.openxmlformats.org/drawingml/2006/main" xmlns:r="http://schemas.openxmlformats.org/officeDocument/2006/relationships" xmlns:p="http://schemas.openxmlformats.org/presentationml/2006/main">
   <p:cSld>
     <p:spTree>
@@ -14430,7 +13724,7 @@
 </p:sld>
 </file>
 
-<file path=ppt/slides/slide24.xml><?xml version="1.0" encoding="utf-8"?>
+<file path=ppt/slides/slide23.xml><?xml version="1.0" encoding="utf-8"?>
 <p:sld xmlns:a="http://schemas.openxmlformats.org/drawingml/2006/main" xmlns:r="http://schemas.openxmlformats.org/officeDocument/2006/relationships" xmlns:p="http://schemas.openxmlformats.org/presentationml/2006/main">
   <p:cSld>
     <p:spTree>
@@ -14749,7 +14043,7 @@
 </p:sld>
 </file>
 
-<file path=ppt/slides/slide25.xml><?xml version="1.0" encoding="utf-8"?>
+<file path=ppt/slides/slide24.xml><?xml version="1.0" encoding="utf-8"?>
 <p:sld xmlns:a="http://schemas.openxmlformats.org/drawingml/2006/main" xmlns:r="http://schemas.openxmlformats.org/officeDocument/2006/relationships" xmlns:p="http://schemas.openxmlformats.org/presentationml/2006/main">
   <p:cSld>
     <p:spTree>
@@ -15068,7 +14362,7 @@
 </p:sld>
 </file>
 
-<file path=ppt/slides/slide26.xml><?xml version="1.0" encoding="utf-8"?>
+<file path=ppt/slides/slide25.xml><?xml version="1.0" encoding="utf-8"?>
 <p:sld xmlns:a="http://schemas.openxmlformats.org/drawingml/2006/main" xmlns:r="http://schemas.openxmlformats.org/officeDocument/2006/relationships" xmlns:p="http://schemas.openxmlformats.org/presentationml/2006/main">
   <p:cSld>
     <p:spTree>
@@ -15415,7 +14709,7 @@
 </p:sld>
 </file>
 
-<file path=ppt/slides/slide27.xml><?xml version="1.0" encoding="utf-8"?>
+<file path=ppt/slides/slide26.xml><?xml version="1.0" encoding="utf-8"?>
 <p:sld xmlns:a="http://schemas.openxmlformats.org/drawingml/2006/main" xmlns:r="http://schemas.openxmlformats.org/officeDocument/2006/relationships" xmlns:p="http://schemas.openxmlformats.org/presentationml/2006/main">
   <p:cSld>
     <p:spTree>
@@ -15816,7 +15110,7 @@
 </p:sld>
 </file>
 
-<file path=ppt/slides/slide28.xml><?xml version="1.0" encoding="utf-8"?>
+<file path=ppt/slides/slide27.xml><?xml version="1.0" encoding="utf-8"?>
 <p:sld xmlns:a="http://schemas.openxmlformats.org/drawingml/2006/main" xmlns:r="http://schemas.openxmlformats.org/officeDocument/2006/relationships" xmlns:p="http://schemas.openxmlformats.org/presentationml/2006/main">
   <p:cSld>
     <p:spTree>
@@ -16085,7 +15379,7 @@
 </p:sld>
 </file>
 
-<file path=ppt/slides/slide29.xml><?xml version="1.0" encoding="utf-8"?>
+<file path=ppt/slides/slide28.xml><?xml version="1.0" encoding="utf-8"?>
 <p:sld xmlns:a="http://schemas.openxmlformats.org/drawingml/2006/main" xmlns:r="http://schemas.openxmlformats.org/officeDocument/2006/relationships" xmlns:p="http://schemas.openxmlformats.org/presentationml/2006/main">
   <p:cSld>
     <p:spTree>
@@ -16408,720 +15702,7 @@
 </p:sld>
 </file>
 
-<file path=ppt/slides/slide3.xml><?xml version="1.0" encoding="utf-8"?>
-<p:sld xmlns:a="http://schemas.openxmlformats.org/drawingml/2006/main" xmlns:r="http://schemas.openxmlformats.org/officeDocument/2006/relationships" xmlns:p="http://schemas.openxmlformats.org/presentationml/2006/main">
-  <p:cSld>
-    <p:spTree>
-      <p:nvGrpSpPr>
-        <p:cNvPr id="1" name=""/>
-        <p:cNvGrpSpPr/>
-        <p:nvPr/>
-      </p:nvGrpSpPr>
-      <p:grpSpPr>
-        <a:xfrm>
-          <a:off x="0" y="0"/>
-          <a:ext cx="0" cy="0"/>
-          <a:chOff x="0" y="0"/>
-          <a:chExt cx="0" cy="0"/>
-        </a:xfrm>
-      </p:grpSpPr>
-      <p:sp>
-        <p:nvSpPr>
-          <p:cNvPr id="9" name="TextBox 6">
-            <a:extLst>
-              <a:ext uri="{FF2B5EF4-FFF2-40B4-BE49-F238E27FC236}">
-                <a16:creationId xmlns:a16="http://schemas.microsoft.com/office/drawing/2014/main" id="{225765AD-71F7-DC36-6CE8-E9873BEE1F3F}"/>
-              </a:ext>
-            </a:extLst>
-          </p:cNvPr>
-          <p:cNvSpPr txBox="1"/>
-          <p:nvPr/>
-        </p:nvSpPr>
-        <p:spPr>
-          <a:xfrm>
-            <a:off x="228600" y="133350"/>
-            <a:ext cx="8015808" cy="1323439"/>
-          </a:xfrm>
-          <a:prstGeom prst="rect">
-            <a:avLst/>
-          </a:prstGeom>
-          <a:noFill/>
-        </p:spPr>
-        <p:txBody>
-          <a:bodyPr wrap="square" rtlCol="0">
-            <a:spAutoFit/>
-          </a:bodyPr>
-          <a:lstStyle/>
-          <a:p>
-            <a:r>
-              <a:rPr lang="en-US" sz="4000" dirty="0">
-                <a:solidFill>
-                  <a:srgbClr val="ED145B"/>
-                </a:solidFill>
-                <a:latin typeface="Gotham HTF Light"/>
-                <a:cs typeface="Gotham HTF Light"/>
-              </a:rPr>
-              <a:t>O que </a:t>
-            </a:r>
-            <a:r>
-              <a:rPr lang="en-US" sz="4000" dirty="0" err="1">
-                <a:solidFill>
-                  <a:srgbClr val="ED145B"/>
-                </a:solidFill>
-                <a:latin typeface="Gotham HTF Light"/>
-                <a:cs typeface="Gotham HTF Light"/>
-              </a:rPr>
-              <a:t>pensam</a:t>
-            </a:r>
-            <a:r>
-              <a:rPr lang="en-US" sz="4000" dirty="0">
-                <a:solidFill>
-                  <a:srgbClr val="ED145B"/>
-                </a:solidFill>
-                <a:latin typeface="Gotham HTF Light"/>
-                <a:cs typeface="Gotham HTF Light"/>
-              </a:rPr>
-              <a:t> </a:t>
-            </a:r>
-            <a:r>
-              <a:rPr lang="en-US" sz="4000" dirty="0" err="1">
-                <a:solidFill>
-                  <a:srgbClr val="ED145B"/>
-                </a:solidFill>
-                <a:latin typeface="Gotham HTF Light"/>
-                <a:cs typeface="Gotham HTF Light"/>
-              </a:rPr>
-              <a:t>sobre</a:t>
-            </a:r>
-            <a:r>
-              <a:rPr lang="en-US" sz="4000" dirty="0">
-                <a:solidFill>
-                  <a:srgbClr val="ED145B"/>
-                </a:solidFill>
-                <a:latin typeface="Gotham HTF Light"/>
-                <a:cs typeface="Gotham HTF Light"/>
-              </a:rPr>
-              <a:t> IA?</a:t>
-            </a:r>
-          </a:p>
-          <a:p>
-            <a:endParaRPr lang="pt-BR" sz="4000" dirty="0">
-              <a:solidFill>
-                <a:srgbClr val="ED145B"/>
-              </a:solidFill>
-              <a:latin typeface="Gotham HTF" pitchFamily="50" charset="0"/>
-              <a:cs typeface="Gotham HTF Light"/>
-            </a:endParaRPr>
-          </a:p>
-        </p:txBody>
-      </p:sp>
-      <p:sp>
-        <p:nvSpPr>
-          <p:cNvPr id="13" name="CaixaDeTexto 12">
-            <a:extLst>
-              <a:ext uri="{FF2B5EF4-FFF2-40B4-BE49-F238E27FC236}">
-                <a16:creationId xmlns:a16="http://schemas.microsoft.com/office/drawing/2014/main" id="{E3A0F170-9DCA-26C5-D3F1-83A0C41B6658}"/>
-              </a:ext>
-            </a:extLst>
-          </p:cNvPr>
-          <p:cNvSpPr txBox="1"/>
-          <p:nvPr/>
-        </p:nvSpPr>
-        <p:spPr>
-          <a:xfrm>
-            <a:off x="323528" y="1412776"/>
-            <a:ext cx="5544616" cy="2957861"/>
-          </a:xfrm>
-          <a:prstGeom prst="rect">
-            <a:avLst/>
-          </a:prstGeom>
-          <a:noFill/>
-        </p:spPr>
-        <p:txBody>
-          <a:bodyPr wrap="square">
-            <a:spAutoFit/>
-          </a:bodyPr>
-          <a:lstStyle/>
-          <a:p>
-            <a:pPr lvl="1">
-              <a:lnSpc>
-                <a:spcPct val="150000"/>
-              </a:lnSpc>
-              <a:buClr>
-                <a:srgbClr val="ED265B"/>
-              </a:buClr>
-            </a:pPr>
-            <a:r>
-              <a:rPr lang="en-US" dirty="0">
-                <a:latin typeface="Gotham HTF Light"/>
-                <a:cs typeface="Gotham HTF Light"/>
-              </a:rPr>
-              <a:t>“O </a:t>
-            </a:r>
-            <a:r>
-              <a:rPr lang="en-US" dirty="0" err="1">
-                <a:latin typeface="Gotham HTF Light"/>
-                <a:cs typeface="Gotham HTF Light"/>
-              </a:rPr>
-              <a:t>desenvolvimento</a:t>
-            </a:r>
-            <a:r>
-              <a:rPr lang="en-US" dirty="0">
-                <a:latin typeface="Gotham HTF Light"/>
-                <a:cs typeface="Gotham HTF Light"/>
-              </a:rPr>
-              <a:t> da </a:t>
-            </a:r>
-            <a:r>
-              <a:rPr lang="en-US" dirty="0" err="1">
-                <a:latin typeface="Gotham HTF Light"/>
-                <a:cs typeface="Gotham HTF Light"/>
-              </a:rPr>
-              <a:t>inteligência</a:t>
-            </a:r>
-            <a:r>
-              <a:rPr lang="en-US" dirty="0">
-                <a:latin typeface="Gotham HTF Light"/>
-                <a:cs typeface="Gotham HTF Light"/>
-              </a:rPr>
-              <a:t> artificial total </a:t>
-            </a:r>
-            <a:r>
-              <a:rPr lang="en-US" dirty="0" err="1">
-                <a:latin typeface="Gotham HTF Light"/>
-                <a:cs typeface="Gotham HTF Light"/>
-              </a:rPr>
-              <a:t>poderia</a:t>
-            </a:r>
-            <a:r>
-              <a:rPr lang="en-US" dirty="0">
-                <a:latin typeface="Gotham HTF Light"/>
-                <a:cs typeface="Gotham HTF Light"/>
-              </a:rPr>
-              <a:t> </a:t>
-            </a:r>
-            <a:r>
-              <a:rPr lang="en-US" dirty="0" err="1">
-                <a:latin typeface="Gotham HTF Light"/>
-                <a:cs typeface="Gotham HTF Light"/>
-              </a:rPr>
-              <a:t>significar</a:t>
-            </a:r>
-            <a:r>
-              <a:rPr lang="en-US" dirty="0">
-                <a:latin typeface="Gotham HTF Light"/>
-                <a:cs typeface="Gotham HTF Light"/>
-              </a:rPr>
-              <a:t> o </a:t>
-            </a:r>
-            <a:r>
-              <a:rPr lang="en-US" dirty="0" err="1">
-                <a:latin typeface="Gotham HTF Light"/>
-                <a:cs typeface="Gotham HTF Light"/>
-              </a:rPr>
-              <a:t>fim</a:t>
-            </a:r>
-            <a:r>
-              <a:rPr lang="en-US" dirty="0">
-                <a:latin typeface="Gotham HTF Light"/>
-                <a:cs typeface="Gotham HTF Light"/>
-              </a:rPr>
-              <a:t> da </a:t>
-            </a:r>
-            <a:r>
-              <a:rPr lang="en-US" dirty="0" err="1">
-                <a:latin typeface="Gotham HTF Light"/>
-                <a:cs typeface="Gotham HTF Light"/>
-              </a:rPr>
-              <a:t>raça</a:t>
-            </a:r>
-            <a:r>
-              <a:rPr lang="en-US" dirty="0">
-                <a:latin typeface="Gotham HTF Light"/>
-                <a:cs typeface="Gotham HTF Light"/>
-              </a:rPr>
-              <a:t> </a:t>
-            </a:r>
-            <a:r>
-              <a:rPr lang="en-US" dirty="0" err="1">
-                <a:latin typeface="Gotham HTF Light"/>
-                <a:cs typeface="Gotham HTF Light"/>
-              </a:rPr>
-              <a:t>humana</a:t>
-            </a:r>
-            <a:r>
-              <a:rPr lang="en-US" dirty="0">
-                <a:latin typeface="Gotham HTF Light"/>
-                <a:cs typeface="Gotham HTF Light"/>
-              </a:rPr>
-              <a:t>”</a:t>
-            </a:r>
-          </a:p>
-          <a:p>
-            <a:pPr lvl="1">
-              <a:lnSpc>
-                <a:spcPct val="150000"/>
-              </a:lnSpc>
-              <a:buClr>
-                <a:srgbClr val="ED265B"/>
-              </a:buClr>
-            </a:pPr>
-            <a:endParaRPr lang="en-US" dirty="0">
-              <a:latin typeface="Gotham HTF Light"/>
-              <a:cs typeface="Gotham HTF Light"/>
-            </a:endParaRPr>
-          </a:p>
-          <a:p>
-            <a:pPr lvl="1">
-              <a:lnSpc>
-                <a:spcPct val="150000"/>
-              </a:lnSpc>
-              <a:buClr>
-                <a:srgbClr val="ED265B"/>
-              </a:buClr>
-            </a:pPr>
-            <a:r>
-              <a:rPr lang="en-US" dirty="0">
-                <a:latin typeface="Gotham HTF Light"/>
-                <a:cs typeface="Gotham HTF Light"/>
-              </a:rPr>
-              <a:t>“…A </a:t>
-            </a:r>
-            <a:r>
-              <a:rPr lang="en-US" dirty="0" err="1">
-                <a:latin typeface="Gotham HTF Light"/>
-                <a:cs typeface="Gotham HTF Light"/>
-              </a:rPr>
-              <a:t>criação</a:t>
-            </a:r>
-            <a:r>
-              <a:rPr lang="en-US" dirty="0">
-                <a:latin typeface="Gotham HTF Light"/>
-                <a:cs typeface="Gotham HTF Light"/>
-              </a:rPr>
-              <a:t> </a:t>
-            </a:r>
-            <a:r>
-              <a:rPr lang="en-US" dirty="0" err="1">
-                <a:latin typeface="Gotham HTF Light"/>
-                <a:cs typeface="Gotham HTF Light"/>
-              </a:rPr>
-              <a:t>bem-sucedida</a:t>
-            </a:r>
-            <a:r>
-              <a:rPr lang="en-US" dirty="0">
-                <a:latin typeface="Gotham HTF Light"/>
-                <a:cs typeface="Gotham HTF Light"/>
-              </a:rPr>
-              <a:t> de </a:t>
-            </a:r>
-            <a:r>
-              <a:rPr lang="en-US" dirty="0" err="1">
-                <a:latin typeface="Gotham HTF Light"/>
-                <a:cs typeface="Gotham HTF Light"/>
-              </a:rPr>
-              <a:t>inteligência</a:t>
-            </a:r>
-            <a:r>
-              <a:rPr lang="en-US" dirty="0">
-                <a:latin typeface="Gotham HTF Light"/>
-                <a:cs typeface="Gotham HTF Light"/>
-              </a:rPr>
-              <a:t> artificial </a:t>
-            </a:r>
-            <a:r>
-              <a:rPr lang="en-US" dirty="0" err="1">
-                <a:latin typeface="Gotham HTF Light"/>
-                <a:cs typeface="Gotham HTF Light"/>
-              </a:rPr>
-              <a:t>seria</a:t>
-            </a:r>
-            <a:r>
-              <a:rPr lang="en-US" dirty="0">
-                <a:latin typeface="Gotham HTF Light"/>
-                <a:cs typeface="Gotham HTF Light"/>
-              </a:rPr>
-              <a:t> o </a:t>
-            </a:r>
-            <a:r>
-              <a:rPr lang="en-US" dirty="0" err="1">
-                <a:latin typeface="Gotham HTF Light"/>
-                <a:cs typeface="Gotham HTF Light"/>
-              </a:rPr>
-              <a:t>maior</a:t>
-            </a:r>
-            <a:r>
-              <a:rPr lang="en-US" dirty="0">
-                <a:latin typeface="Gotham HTF Light"/>
-                <a:cs typeface="Gotham HTF Light"/>
-              </a:rPr>
-              <a:t> </a:t>
-            </a:r>
-            <a:r>
-              <a:rPr lang="en-US" dirty="0" err="1">
-                <a:latin typeface="Gotham HTF Light"/>
-                <a:cs typeface="Gotham HTF Light"/>
-              </a:rPr>
-              <a:t>evento</a:t>
-            </a:r>
-            <a:r>
-              <a:rPr lang="en-US" dirty="0">
-                <a:latin typeface="Gotham HTF Light"/>
-                <a:cs typeface="Gotham HTF Light"/>
-              </a:rPr>
-              <a:t> </a:t>
-            </a:r>
-            <a:r>
-              <a:rPr lang="en-US" dirty="0" err="1">
-                <a:latin typeface="Gotham HTF Light"/>
-                <a:cs typeface="Gotham HTF Light"/>
-              </a:rPr>
-              <a:t>na</a:t>
-            </a:r>
-            <a:r>
-              <a:rPr lang="en-US" dirty="0">
-                <a:latin typeface="Gotham HTF Light"/>
-                <a:cs typeface="Gotham HTF Light"/>
-              </a:rPr>
-              <a:t> </a:t>
-            </a:r>
-            <a:r>
-              <a:rPr lang="en-US" dirty="0" err="1">
-                <a:latin typeface="Gotham HTF Light"/>
-                <a:cs typeface="Gotham HTF Light"/>
-              </a:rPr>
-              <a:t>história</a:t>
-            </a:r>
-            <a:r>
-              <a:rPr lang="en-US" dirty="0">
-                <a:latin typeface="Gotham HTF Light"/>
-                <a:cs typeface="Gotham HTF Light"/>
-              </a:rPr>
-              <a:t> da </a:t>
-            </a:r>
-            <a:r>
-              <a:rPr lang="en-US" dirty="0" err="1">
-                <a:latin typeface="Gotham HTF Light"/>
-                <a:cs typeface="Gotham HTF Light"/>
-              </a:rPr>
-              <a:t>humanidade</a:t>
-            </a:r>
-            <a:r>
-              <a:rPr lang="en-US" dirty="0">
-                <a:latin typeface="Gotham HTF Light"/>
-                <a:cs typeface="Gotham HTF Light"/>
-              </a:rPr>
-              <a:t>. </a:t>
-            </a:r>
-            <a:r>
-              <a:rPr lang="en-US" dirty="0" err="1">
-                <a:latin typeface="Gotham HTF Light"/>
-                <a:cs typeface="Gotham HTF Light"/>
-              </a:rPr>
-              <a:t>Infelizmente</a:t>
-            </a:r>
-            <a:r>
-              <a:rPr lang="en-US" dirty="0">
-                <a:latin typeface="Gotham HTF Light"/>
-                <a:cs typeface="Gotham HTF Light"/>
-              </a:rPr>
-              <a:t>, </a:t>
-            </a:r>
-            <a:r>
-              <a:rPr lang="en-US" dirty="0" err="1">
-                <a:latin typeface="Gotham HTF Light"/>
-                <a:cs typeface="Gotham HTF Light"/>
-              </a:rPr>
-              <a:t>pode</a:t>
-            </a:r>
-            <a:r>
-              <a:rPr lang="en-US" dirty="0">
-                <a:latin typeface="Gotham HTF Light"/>
-                <a:cs typeface="Gotham HTF Light"/>
-              </a:rPr>
-              <a:t> </a:t>
-            </a:r>
-            <a:r>
-              <a:rPr lang="en-US" dirty="0" err="1">
-                <a:latin typeface="Gotham HTF Light"/>
-                <a:cs typeface="Gotham HTF Light"/>
-              </a:rPr>
-              <a:t>também</a:t>
-            </a:r>
-            <a:r>
-              <a:rPr lang="en-US" dirty="0">
-                <a:latin typeface="Gotham HTF Light"/>
-                <a:cs typeface="Gotham HTF Light"/>
-              </a:rPr>
-              <a:t> ser o ultimo, a </a:t>
-            </a:r>
-            <a:r>
-              <a:rPr lang="en-US" dirty="0" err="1">
-                <a:latin typeface="Gotham HTF Light"/>
-                <a:cs typeface="Gotham HTF Light"/>
-              </a:rPr>
-              <a:t>menos</a:t>
-            </a:r>
-            <a:r>
-              <a:rPr lang="en-US" dirty="0">
-                <a:latin typeface="Gotham HTF Light"/>
-                <a:cs typeface="Gotham HTF Light"/>
-              </a:rPr>
-              <a:t> que </a:t>
-            </a:r>
-            <a:r>
-              <a:rPr lang="en-US" dirty="0" err="1">
-                <a:latin typeface="Gotham HTF Light"/>
-                <a:cs typeface="Gotham HTF Light"/>
-              </a:rPr>
-              <a:t>aprendemos</a:t>
-            </a:r>
-            <a:r>
-              <a:rPr lang="en-US" dirty="0">
-                <a:latin typeface="Gotham HTF Light"/>
-                <a:cs typeface="Gotham HTF Light"/>
-              </a:rPr>
-              <a:t> a </a:t>
-            </a:r>
-            <a:r>
-              <a:rPr lang="en-US" dirty="0" err="1">
-                <a:latin typeface="Gotham HTF Light"/>
-                <a:cs typeface="Gotham HTF Light"/>
-              </a:rPr>
-              <a:t>evitar</a:t>
-            </a:r>
-            <a:r>
-              <a:rPr lang="en-US" dirty="0">
-                <a:latin typeface="Gotham HTF Light"/>
-                <a:cs typeface="Gotham HTF Light"/>
-              </a:rPr>
-              <a:t> o </a:t>
-            </a:r>
-            <a:r>
-              <a:rPr lang="en-US" dirty="0" err="1">
-                <a:latin typeface="Gotham HTF Light"/>
-                <a:cs typeface="Gotham HTF Light"/>
-              </a:rPr>
-              <a:t>risco</a:t>
-            </a:r>
-            <a:r>
-              <a:rPr lang="en-US" dirty="0">
-                <a:latin typeface="Gotham HTF Light"/>
-                <a:cs typeface="Gotham HTF Light"/>
-              </a:rPr>
-              <a:t>…”</a:t>
-            </a:r>
-          </a:p>
-        </p:txBody>
-      </p:sp>
-      <p:sp>
-        <p:nvSpPr>
-          <p:cNvPr id="4" name="CaixaDeTexto 3">
-            <a:extLst>
-              <a:ext uri="{FF2B5EF4-FFF2-40B4-BE49-F238E27FC236}">
-                <a16:creationId xmlns:a16="http://schemas.microsoft.com/office/drawing/2014/main" id="{CA6A062C-AD41-AF89-3E5F-654FAE9438C0}"/>
-              </a:ext>
-            </a:extLst>
-          </p:cNvPr>
-          <p:cNvSpPr txBox="1"/>
-          <p:nvPr/>
-        </p:nvSpPr>
-        <p:spPr>
-          <a:xfrm>
-            <a:off x="809836" y="4931876"/>
-            <a:ext cx="4572000" cy="369332"/>
-          </a:xfrm>
-          <a:prstGeom prst="rect">
-            <a:avLst/>
-          </a:prstGeom>
-          <a:noFill/>
-        </p:spPr>
-        <p:txBody>
-          <a:bodyPr wrap="square">
-            <a:spAutoFit/>
-          </a:bodyPr>
-          <a:lstStyle/>
-          <a:p>
-            <a:r>
-              <a:rPr lang="en-US" dirty="0">
-                <a:latin typeface="Gotham HTF Light"/>
-                <a:cs typeface="Gotham HTF Light"/>
-              </a:rPr>
-              <a:t>Stephen Hawking, </a:t>
-            </a:r>
-            <a:r>
-              <a:rPr lang="en-US" dirty="0" err="1">
-                <a:latin typeface="Gotham HTF Light"/>
-                <a:cs typeface="Gotham HTF Light"/>
-              </a:rPr>
-              <a:t>físico</a:t>
-            </a:r>
-            <a:r>
-              <a:rPr lang="en-US" dirty="0">
-                <a:latin typeface="Gotham HTF Light"/>
-                <a:cs typeface="Gotham HTF Light"/>
-              </a:rPr>
-              <a:t> </a:t>
-            </a:r>
-            <a:r>
-              <a:rPr lang="en-US" dirty="0" err="1">
-                <a:latin typeface="Gotham HTF Light"/>
-                <a:cs typeface="Gotham HTF Light"/>
-              </a:rPr>
-              <a:t>teórico</a:t>
-            </a:r>
-            <a:endParaRPr lang="pt-BR" dirty="0"/>
-          </a:p>
-        </p:txBody>
-      </p:sp>
-      <p:pic>
-        <p:nvPicPr>
-          <p:cNvPr id="6" name="Imagem 5">
-            <a:extLst>
-              <a:ext uri="{FF2B5EF4-FFF2-40B4-BE49-F238E27FC236}">
-                <a16:creationId xmlns:a16="http://schemas.microsoft.com/office/drawing/2014/main" id="{56A3BFC7-C192-1923-524D-8741B27B2108}"/>
-              </a:ext>
-            </a:extLst>
-          </p:cNvPr>
-          <p:cNvPicPr>
-            <a:picLocks noChangeAspect="1"/>
-          </p:cNvPicPr>
-          <p:nvPr/>
-        </p:nvPicPr>
-        <p:blipFill>
-          <a:blip r:embed="rId3">
-            <a:extLst>
-              <a:ext uri="{28A0092B-C50C-407E-A947-70E740481C1C}">
-                <a14:useLocalDpi xmlns:a14="http://schemas.microsoft.com/office/drawing/2010/main" val="0"/>
-              </a:ext>
-            </a:extLst>
-          </a:blip>
-          <a:stretch>
-            <a:fillRect/>
-          </a:stretch>
-        </p:blipFill>
-        <p:spPr>
-          <a:xfrm>
-            <a:off x="5796136" y="1778930"/>
-            <a:ext cx="3202888" cy="3202888"/>
-          </a:xfrm>
-          <a:prstGeom prst="rect">
-            <a:avLst/>
-          </a:prstGeom>
-        </p:spPr>
-      </p:pic>
-    </p:spTree>
-    <p:extLst>
-      <p:ext uri="{BB962C8B-B14F-4D97-AF65-F5344CB8AC3E}">
-        <p14:creationId xmlns:p14="http://schemas.microsoft.com/office/powerpoint/2010/main" val="1105555693"/>
-      </p:ext>
-    </p:extLst>
-  </p:cSld>
-  <p:clrMapOvr>
-    <a:masterClrMapping/>
-  </p:clrMapOvr>
-  <mc:AlternateContent xmlns:mc="http://schemas.openxmlformats.org/markup-compatibility/2006" xmlns:p14="http://schemas.microsoft.com/office/powerpoint/2010/main">
-    <mc:Choice Requires="p14">
-      <p:transition spd="med" p14:dur="700">
-        <p:fade/>
-      </p:transition>
-    </mc:Choice>
-    <mc:Fallback xmlns="">
-      <p:transition spd="med">
-        <p:fade/>
-      </p:transition>
-    </mc:Fallback>
-  </mc:AlternateContent>
-  <p:timing>
-    <p:tnLst>
-      <p:par>
-        <p:cTn id="1" dur="indefinite" restart="never" nodeType="tmRoot">
-          <p:childTnLst>
-            <p:seq concurrent="1" nextAc="seek">
-              <p:cTn id="2" dur="indefinite" nodeType="mainSeq">
-                <p:childTnLst>
-                  <p:par>
-                    <p:cTn id="3" fill="hold">
-                      <p:stCondLst>
-                        <p:cond delay="indefinite"/>
-                      </p:stCondLst>
-                      <p:childTnLst>
-                        <p:par>
-                          <p:cTn id="4" fill="hold">
-                            <p:stCondLst>
-                              <p:cond delay="0"/>
-                            </p:stCondLst>
-                            <p:childTnLst>
-                              <p:par>
-                                <p:cTn id="5" presetID="10" presetClass="entr" presetSubtype="0" fill="hold" grpId="0" nodeType="clickEffect">
-                                  <p:stCondLst>
-                                    <p:cond delay="0"/>
-                                  </p:stCondLst>
-                                  <p:childTnLst>
-                                    <p:set>
-                                      <p:cBhvr>
-                                        <p:cTn id="6" dur="1" fill="hold">
-                                          <p:stCondLst>
-                                            <p:cond delay="0"/>
-                                          </p:stCondLst>
-                                        </p:cTn>
-                                        <p:tgtEl>
-                                          <p:spTgt spid="4"/>
-                                        </p:tgtEl>
-                                        <p:attrNameLst>
-                                          <p:attrName>style.visibility</p:attrName>
-                                        </p:attrNameLst>
-                                      </p:cBhvr>
-                                      <p:to>
-                                        <p:strVal val="visible"/>
-                                      </p:to>
-                                    </p:set>
-                                    <p:animEffect transition="in" filter="fade">
-                                      <p:cBhvr>
-                                        <p:cTn id="7" dur="500"/>
-                                        <p:tgtEl>
-                                          <p:spTgt spid="4"/>
-                                        </p:tgtEl>
-                                      </p:cBhvr>
-                                    </p:animEffect>
-                                  </p:childTnLst>
-                                </p:cTn>
-                              </p:par>
-                            </p:childTnLst>
-                          </p:cTn>
-                        </p:par>
-                      </p:childTnLst>
-                    </p:cTn>
-                  </p:par>
-                </p:childTnLst>
-              </p:cTn>
-              <p:prevCondLst>
-                <p:cond evt="onPrev" delay="0">
-                  <p:tgtEl>
-                    <p:sldTgt/>
-                  </p:tgtEl>
-                </p:cond>
-              </p:prevCondLst>
-              <p:nextCondLst>
-                <p:cond evt="onNext" delay="0">
-                  <p:tgtEl>
-                    <p:sldTgt/>
-                  </p:tgtEl>
-                </p:cond>
-              </p:nextCondLst>
-            </p:seq>
-          </p:childTnLst>
-        </p:cTn>
-      </p:par>
-    </p:tnLst>
-    <p:bldLst>
-      <p:bldP spid="4" grpId="0"/>
-    </p:bldLst>
-  </p:timing>
-</p:sld>
-</file>
-
-<file path=ppt/slides/slide30.xml><?xml version="1.0" encoding="utf-8"?>
+<file path=ppt/slides/slide29.xml><?xml version="1.0" encoding="utf-8"?>
 <p:sld xmlns:a="http://schemas.openxmlformats.org/drawingml/2006/main" xmlns:r="http://schemas.openxmlformats.org/officeDocument/2006/relationships" xmlns:p="http://schemas.openxmlformats.org/presentationml/2006/main">
   <p:cSld>
     <p:spTree>
@@ -17661,7 +16242,7 @@
 </p:sld>
 </file>
 
-<file path=ppt/slides/slide31.xml><?xml version="1.0" encoding="utf-8"?>
+<file path=ppt/slides/slide3.xml><?xml version="1.0" encoding="utf-8"?>
 <p:sld xmlns:a="http://schemas.openxmlformats.org/drawingml/2006/main" xmlns:r="http://schemas.openxmlformats.org/officeDocument/2006/relationships" xmlns:p="http://schemas.openxmlformats.org/presentationml/2006/main">
   <p:cSld>
     <p:spTree>
@@ -17693,6 +16274,719 @@
         <p:spPr>
           <a:xfrm>
             <a:off x="228600" y="133350"/>
+            <a:ext cx="8015808" cy="1323439"/>
+          </a:xfrm>
+          <a:prstGeom prst="rect">
+            <a:avLst/>
+          </a:prstGeom>
+          <a:noFill/>
+        </p:spPr>
+        <p:txBody>
+          <a:bodyPr wrap="square" rtlCol="0">
+            <a:spAutoFit/>
+          </a:bodyPr>
+          <a:lstStyle/>
+          <a:p>
+            <a:r>
+              <a:rPr lang="en-US" sz="4000" dirty="0">
+                <a:solidFill>
+                  <a:srgbClr val="ED145B"/>
+                </a:solidFill>
+                <a:latin typeface="Gotham HTF Light"/>
+                <a:cs typeface="Gotham HTF Light"/>
+              </a:rPr>
+              <a:t>O que </a:t>
+            </a:r>
+            <a:r>
+              <a:rPr lang="en-US" sz="4000" dirty="0" err="1">
+                <a:solidFill>
+                  <a:srgbClr val="ED145B"/>
+                </a:solidFill>
+                <a:latin typeface="Gotham HTF Light"/>
+                <a:cs typeface="Gotham HTF Light"/>
+              </a:rPr>
+              <a:t>pensam</a:t>
+            </a:r>
+            <a:r>
+              <a:rPr lang="en-US" sz="4000" dirty="0">
+                <a:solidFill>
+                  <a:srgbClr val="ED145B"/>
+                </a:solidFill>
+                <a:latin typeface="Gotham HTF Light"/>
+                <a:cs typeface="Gotham HTF Light"/>
+              </a:rPr>
+              <a:t> </a:t>
+            </a:r>
+            <a:r>
+              <a:rPr lang="en-US" sz="4000" dirty="0" err="1">
+                <a:solidFill>
+                  <a:srgbClr val="ED145B"/>
+                </a:solidFill>
+                <a:latin typeface="Gotham HTF Light"/>
+                <a:cs typeface="Gotham HTF Light"/>
+              </a:rPr>
+              <a:t>sobre</a:t>
+            </a:r>
+            <a:r>
+              <a:rPr lang="en-US" sz="4000" dirty="0">
+                <a:solidFill>
+                  <a:srgbClr val="ED145B"/>
+                </a:solidFill>
+                <a:latin typeface="Gotham HTF Light"/>
+                <a:cs typeface="Gotham HTF Light"/>
+              </a:rPr>
+              <a:t> IA?</a:t>
+            </a:r>
+          </a:p>
+          <a:p>
+            <a:endParaRPr lang="pt-BR" sz="4000" dirty="0">
+              <a:solidFill>
+                <a:srgbClr val="ED145B"/>
+              </a:solidFill>
+              <a:latin typeface="Gotham HTF" pitchFamily="50" charset="0"/>
+              <a:cs typeface="Gotham HTF Light"/>
+            </a:endParaRPr>
+          </a:p>
+        </p:txBody>
+      </p:sp>
+      <p:sp>
+        <p:nvSpPr>
+          <p:cNvPr id="13" name="CaixaDeTexto 12">
+            <a:extLst>
+              <a:ext uri="{FF2B5EF4-FFF2-40B4-BE49-F238E27FC236}">
+                <a16:creationId xmlns:a16="http://schemas.microsoft.com/office/drawing/2014/main" id="{E3A0F170-9DCA-26C5-D3F1-83A0C41B6658}"/>
+              </a:ext>
+            </a:extLst>
+          </p:cNvPr>
+          <p:cNvSpPr txBox="1"/>
+          <p:nvPr/>
+        </p:nvSpPr>
+        <p:spPr>
+          <a:xfrm>
+            <a:off x="323528" y="1412776"/>
+            <a:ext cx="5544616" cy="2957861"/>
+          </a:xfrm>
+          <a:prstGeom prst="rect">
+            <a:avLst/>
+          </a:prstGeom>
+          <a:noFill/>
+        </p:spPr>
+        <p:txBody>
+          <a:bodyPr wrap="square">
+            <a:spAutoFit/>
+          </a:bodyPr>
+          <a:lstStyle/>
+          <a:p>
+            <a:pPr lvl="1">
+              <a:lnSpc>
+                <a:spcPct val="150000"/>
+              </a:lnSpc>
+              <a:buClr>
+                <a:srgbClr val="ED265B"/>
+              </a:buClr>
+            </a:pPr>
+            <a:r>
+              <a:rPr lang="en-US" dirty="0">
+                <a:latin typeface="Gotham HTF Light"/>
+                <a:cs typeface="Gotham HTF Light"/>
+              </a:rPr>
+              <a:t>“O </a:t>
+            </a:r>
+            <a:r>
+              <a:rPr lang="en-US" dirty="0" err="1">
+                <a:latin typeface="Gotham HTF Light"/>
+                <a:cs typeface="Gotham HTF Light"/>
+              </a:rPr>
+              <a:t>desenvolvimento</a:t>
+            </a:r>
+            <a:r>
+              <a:rPr lang="en-US" dirty="0">
+                <a:latin typeface="Gotham HTF Light"/>
+                <a:cs typeface="Gotham HTF Light"/>
+              </a:rPr>
+              <a:t> da </a:t>
+            </a:r>
+            <a:r>
+              <a:rPr lang="en-US" dirty="0" err="1">
+                <a:latin typeface="Gotham HTF Light"/>
+                <a:cs typeface="Gotham HTF Light"/>
+              </a:rPr>
+              <a:t>inteligência</a:t>
+            </a:r>
+            <a:r>
+              <a:rPr lang="en-US" dirty="0">
+                <a:latin typeface="Gotham HTF Light"/>
+                <a:cs typeface="Gotham HTF Light"/>
+              </a:rPr>
+              <a:t> artificial total </a:t>
+            </a:r>
+            <a:r>
+              <a:rPr lang="en-US" dirty="0" err="1">
+                <a:latin typeface="Gotham HTF Light"/>
+                <a:cs typeface="Gotham HTF Light"/>
+              </a:rPr>
+              <a:t>poderia</a:t>
+            </a:r>
+            <a:r>
+              <a:rPr lang="en-US" dirty="0">
+                <a:latin typeface="Gotham HTF Light"/>
+                <a:cs typeface="Gotham HTF Light"/>
+              </a:rPr>
+              <a:t> </a:t>
+            </a:r>
+            <a:r>
+              <a:rPr lang="en-US" dirty="0" err="1">
+                <a:latin typeface="Gotham HTF Light"/>
+                <a:cs typeface="Gotham HTF Light"/>
+              </a:rPr>
+              <a:t>significar</a:t>
+            </a:r>
+            <a:r>
+              <a:rPr lang="en-US" dirty="0">
+                <a:latin typeface="Gotham HTF Light"/>
+                <a:cs typeface="Gotham HTF Light"/>
+              </a:rPr>
+              <a:t> o </a:t>
+            </a:r>
+            <a:r>
+              <a:rPr lang="en-US" dirty="0" err="1">
+                <a:latin typeface="Gotham HTF Light"/>
+                <a:cs typeface="Gotham HTF Light"/>
+              </a:rPr>
+              <a:t>fim</a:t>
+            </a:r>
+            <a:r>
+              <a:rPr lang="en-US" dirty="0">
+                <a:latin typeface="Gotham HTF Light"/>
+                <a:cs typeface="Gotham HTF Light"/>
+              </a:rPr>
+              <a:t> da </a:t>
+            </a:r>
+            <a:r>
+              <a:rPr lang="en-US" dirty="0" err="1">
+                <a:latin typeface="Gotham HTF Light"/>
+                <a:cs typeface="Gotham HTF Light"/>
+              </a:rPr>
+              <a:t>raça</a:t>
+            </a:r>
+            <a:r>
+              <a:rPr lang="en-US" dirty="0">
+                <a:latin typeface="Gotham HTF Light"/>
+                <a:cs typeface="Gotham HTF Light"/>
+              </a:rPr>
+              <a:t> </a:t>
+            </a:r>
+            <a:r>
+              <a:rPr lang="en-US" dirty="0" err="1">
+                <a:latin typeface="Gotham HTF Light"/>
+                <a:cs typeface="Gotham HTF Light"/>
+              </a:rPr>
+              <a:t>humana</a:t>
+            </a:r>
+            <a:r>
+              <a:rPr lang="en-US" dirty="0">
+                <a:latin typeface="Gotham HTF Light"/>
+                <a:cs typeface="Gotham HTF Light"/>
+              </a:rPr>
+              <a:t>”</a:t>
+            </a:r>
+          </a:p>
+          <a:p>
+            <a:pPr lvl="1">
+              <a:lnSpc>
+                <a:spcPct val="150000"/>
+              </a:lnSpc>
+              <a:buClr>
+                <a:srgbClr val="ED265B"/>
+              </a:buClr>
+            </a:pPr>
+            <a:endParaRPr lang="en-US" dirty="0">
+              <a:latin typeface="Gotham HTF Light"/>
+              <a:cs typeface="Gotham HTF Light"/>
+            </a:endParaRPr>
+          </a:p>
+          <a:p>
+            <a:pPr lvl="1">
+              <a:lnSpc>
+                <a:spcPct val="150000"/>
+              </a:lnSpc>
+              <a:buClr>
+                <a:srgbClr val="ED265B"/>
+              </a:buClr>
+            </a:pPr>
+            <a:r>
+              <a:rPr lang="en-US" dirty="0">
+                <a:latin typeface="Gotham HTF Light"/>
+                <a:cs typeface="Gotham HTF Light"/>
+              </a:rPr>
+              <a:t>“…A </a:t>
+            </a:r>
+            <a:r>
+              <a:rPr lang="en-US" dirty="0" err="1">
+                <a:latin typeface="Gotham HTF Light"/>
+                <a:cs typeface="Gotham HTF Light"/>
+              </a:rPr>
+              <a:t>criação</a:t>
+            </a:r>
+            <a:r>
+              <a:rPr lang="en-US" dirty="0">
+                <a:latin typeface="Gotham HTF Light"/>
+                <a:cs typeface="Gotham HTF Light"/>
+              </a:rPr>
+              <a:t> </a:t>
+            </a:r>
+            <a:r>
+              <a:rPr lang="en-US" dirty="0" err="1">
+                <a:latin typeface="Gotham HTF Light"/>
+                <a:cs typeface="Gotham HTF Light"/>
+              </a:rPr>
+              <a:t>bem-sucedida</a:t>
+            </a:r>
+            <a:r>
+              <a:rPr lang="en-US" dirty="0">
+                <a:latin typeface="Gotham HTF Light"/>
+                <a:cs typeface="Gotham HTF Light"/>
+              </a:rPr>
+              <a:t> de </a:t>
+            </a:r>
+            <a:r>
+              <a:rPr lang="en-US" dirty="0" err="1">
+                <a:latin typeface="Gotham HTF Light"/>
+                <a:cs typeface="Gotham HTF Light"/>
+              </a:rPr>
+              <a:t>inteligência</a:t>
+            </a:r>
+            <a:r>
+              <a:rPr lang="en-US" dirty="0">
+                <a:latin typeface="Gotham HTF Light"/>
+                <a:cs typeface="Gotham HTF Light"/>
+              </a:rPr>
+              <a:t> artificial </a:t>
+            </a:r>
+            <a:r>
+              <a:rPr lang="en-US" dirty="0" err="1">
+                <a:latin typeface="Gotham HTF Light"/>
+                <a:cs typeface="Gotham HTF Light"/>
+              </a:rPr>
+              <a:t>seria</a:t>
+            </a:r>
+            <a:r>
+              <a:rPr lang="en-US" dirty="0">
+                <a:latin typeface="Gotham HTF Light"/>
+                <a:cs typeface="Gotham HTF Light"/>
+              </a:rPr>
+              <a:t> o </a:t>
+            </a:r>
+            <a:r>
+              <a:rPr lang="en-US" dirty="0" err="1">
+                <a:latin typeface="Gotham HTF Light"/>
+                <a:cs typeface="Gotham HTF Light"/>
+              </a:rPr>
+              <a:t>maior</a:t>
+            </a:r>
+            <a:r>
+              <a:rPr lang="en-US" dirty="0">
+                <a:latin typeface="Gotham HTF Light"/>
+                <a:cs typeface="Gotham HTF Light"/>
+              </a:rPr>
+              <a:t> </a:t>
+            </a:r>
+            <a:r>
+              <a:rPr lang="en-US" dirty="0" err="1">
+                <a:latin typeface="Gotham HTF Light"/>
+                <a:cs typeface="Gotham HTF Light"/>
+              </a:rPr>
+              <a:t>evento</a:t>
+            </a:r>
+            <a:r>
+              <a:rPr lang="en-US" dirty="0">
+                <a:latin typeface="Gotham HTF Light"/>
+                <a:cs typeface="Gotham HTF Light"/>
+              </a:rPr>
+              <a:t> </a:t>
+            </a:r>
+            <a:r>
+              <a:rPr lang="en-US" dirty="0" err="1">
+                <a:latin typeface="Gotham HTF Light"/>
+                <a:cs typeface="Gotham HTF Light"/>
+              </a:rPr>
+              <a:t>na</a:t>
+            </a:r>
+            <a:r>
+              <a:rPr lang="en-US" dirty="0">
+                <a:latin typeface="Gotham HTF Light"/>
+                <a:cs typeface="Gotham HTF Light"/>
+              </a:rPr>
+              <a:t> </a:t>
+            </a:r>
+            <a:r>
+              <a:rPr lang="en-US" dirty="0" err="1">
+                <a:latin typeface="Gotham HTF Light"/>
+                <a:cs typeface="Gotham HTF Light"/>
+              </a:rPr>
+              <a:t>história</a:t>
+            </a:r>
+            <a:r>
+              <a:rPr lang="en-US" dirty="0">
+                <a:latin typeface="Gotham HTF Light"/>
+                <a:cs typeface="Gotham HTF Light"/>
+              </a:rPr>
+              <a:t> da </a:t>
+            </a:r>
+            <a:r>
+              <a:rPr lang="en-US" dirty="0" err="1">
+                <a:latin typeface="Gotham HTF Light"/>
+                <a:cs typeface="Gotham HTF Light"/>
+              </a:rPr>
+              <a:t>humanidade</a:t>
+            </a:r>
+            <a:r>
+              <a:rPr lang="en-US" dirty="0">
+                <a:latin typeface="Gotham HTF Light"/>
+                <a:cs typeface="Gotham HTF Light"/>
+              </a:rPr>
+              <a:t>. </a:t>
+            </a:r>
+            <a:r>
+              <a:rPr lang="en-US" dirty="0" err="1">
+                <a:latin typeface="Gotham HTF Light"/>
+                <a:cs typeface="Gotham HTF Light"/>
+              </a:rPr>
+              <a:t>Infelizmente</a:t>
+            </a:r>
+            <a:r>
+              <a:rPr lang="en-US" dirty="0">
+                <a:latin typeface="Gotham HTF Light"/>
+                <a:cs typeface="Gotham HTF Light"/>
+              </a:rPr>
+              <a:t>, </a:t>
+            </a:r>
+            <a:r>
+              <a:rPr lang="en-US" dirty="0" err="1">
+                <a:latin typeface="Gotham HTF Light"/>
+                <a:cs typeface="Gotham HTF Light"/>
+              </a:rPr>
+              <a:t>pode</a:t>
+            </a:r>
+            <a:r>
+              <a:rPr lang="en-US" dirty="0">
+                <a:latin typeface="Gotham HTF Light"/>
+                <a:cs typeface="Gotham HTF Light"/>
+              </a:rPr>
+              <a:t> </a:t>
+            </a:r>
+            <a:r>
+              <a:rPr lang="en-US" dirty="0" err="1">
+                <a:latin typeface="Gotham HTF Light"/>
+                <a:cs typeface="Gotham HTF Light"/>
+              </a:rPr>
+              <a:t>também</a:t>
+            </a:r>
+            <a:r>
+              <a:rPr lang="en-US" dirty="0">
+                <a:latin typeface="Gotham HTF Light"/>
+                <a:cs typeface="Gotham HTF Light"/>
+              </a:rPr>
+              <a:t> ser o ultimo, a </a:t>
+            </a:r>
+            <a:r>
+              <a:rPr lang="en-US" dirty="0" err="1">
+                <a:latin typeface="Gotham HTF Light"/>
+                <a:cs typeface="Gotham HTF Light"/>
+              </a:rPr>
+              <a:t>menos</a:t>
+            </a:r>
+            <a:r>
+              <a:rPr lang="en-US" dirty="0">
+                <a:latin typeface="Gotham HTF Light"/>
+                <a:cs typeface="Gotham HTF Light"/>
+              </a:rPr>
+              <a:t> que </a:t>
+            </a:r>
+            <a:r>
+              <a:rPr lang="en-US" dirty="0" err="1">
+                <a:latin typeface="Gotham HTF Light"/>
+                <a:cs typeface="Gotham HTF Light"/>
+              </a:rPr>
+              <a:t>aprendemos</a:t>
+            </a:r>
+            <a:r>
+              <a:rPr lang="en-US" dirty="0">
+                <a:latin typeface="Gotham HTF Light"/>
+                <a:cs typeface="Gotham HTF Light"/>
+              </a:rPr>
+              <a:t> a </a:t>
+            </a:r>
+            <a:r>
+              <a:rPr lang="en-US" dirty="0" err="1">
+                <a:latin typeface="Gotham HTF Light"/>
+                <a:cs typeface="Gotham HTF Light"/>
+              </a:rPr>
+              <a:t>evitar</a:t>
+            </a:r>
+            <a:r>
+              <a:rPr lang="en-US" dirty="0">
+                <a:latin typeface="Gotham HTF Light"/>
+                <a:cs typeface="Gotham HTF Light"/>
+              </a:rPr>
+              <a:t> o </a:t>
+            </a:r>
+            <a:r>
+              <a:rPr lang="en-US" dirty="0" err="1">
+                <a:latin typeface="Gotham HTF Light"/>
+                <a:cs typeface="Gotham HTF Light"/>
+              </a:rPr>
+              <a:t>risco</a:t>
+            </a:r>
+            <a:r>
+              <a:rPr lang="en-US" dirty="0">
+                <a:latin typeface="Gotham HTF Light"/>
+                <a:cs typeface="Gotham HTF Light"/>
+              </a:rPr>
+              <a:t>…”</a:t>
+            </a:r>
+          </a:p>
+        </p:txBody>
+      </p:sp>
+      <p:sp>
+        <p:nvSpPr>
+          <p:cNvPr id="4" name="CaixaDeTexto 3">
+            <a:extLst>
+              <a:ext uri="{FF2B5EF4-FFF2-40B4-BE49-F238E27FC236}">
+                <a16:creationId xmlns:a16="http://schemas.microsoft.com/office/drawing/2014/main" id="{CA6A062C-AD41-AF89-3E5F-654FAE9438C0}"/>
+              </a:ext>
+            </a:extLst>
+          </p:cNvPr>
+          <p:cNvSpPr txBox="1"/>
+          <p:nvPr/>
+        </p:nvSpPr>
+        <p:spPr>
+          <a:xfrm>
+            <a:off x="809836" y="4931876"/>
+            <a:ext cx="4572000" cy="369332"/>
+          </a:xfrm>
+          <a:prstGeom prst="rect">
+            <a:avLst/>
+          </a:prstGeom>
+          <a:noFill/>
+        </p:spPr>
+        <p:txBody>
+          <a:bodyPr wrap="square">
+            <a:spAutoFit/>
+          </a:bodyPr>
+          <a:lstStyle/>
+          <a:p>
+            <a:r>
+              <a:rPr lang="en-US" dirty="0">
+                <a:latin typeface="Gotham HTF Light"/>
+                <a:cs typeface="Gotham HTF Light"/>
+              </a:rPr>
+              <a:t>Stephen Hawking, </a:t>
+            </a:r>
+            <a:r>
+              <a:rPr lang="en-US" dirty="0" err="1">
+                <a:latin typeface="Gotham HTF Light"/>
+                <a:cs typeface="Gotham HTF Light"/>
+              </a:rPr>
+              <a:t>físico</a:t>
+            </a:r>
+            <a:r>
+              <a:rPr lang="en-US" dirty="0">
+                <a:latin typeface="Gotham HTF Light"/>
+                <a:cs typeface="Gotham HTF Light"/>
+              </a:rPr>
+              <a:t> </a:t>
+            </a:r>
+            <a:r>
+              <a:rPr lang="en-US" dirty="0" err="1">
+                <a:latin typeface="Gotham HTF Light"/>
+                <a:cs typeface="Gotham HTF Light"/>
+              </a:rPr>
+              <a:t>teórico</a:t>
+            </a:r>
+            <a:endParaRPr lang="pt-BR" dirty="0"/>
+          </a:p>
+        </p:txBody>
+      </p:sp>
+      <p:pic>
+        <p:nvPicPr>
+          <p:cNvPr id="6" name="Imagem 5">
+            <a:extLst>
+              <a:ext uri="{FF2B5EF4-FFF2-40B4-BE49-F238E27FC236}">
+                <a16:creationId xmlns:a16="http://schemas.microsoft.com/office/drawing/2014/main" id="{56A3BFC7-C192-1923-524D-8741B27B2108}"/>
+              </a:ext>
+            </a:extLst>
+          </p:cNvPr>
+          <p:cNvPicPr>
+            <a:picLocks noChangeAspect="1"/>
+          </p:cNvPicPr>
+          <p:nvPr/>
+        </p:nvPicPr>
+        <p:blipFill>
+          <a:blip r:embed="rId3">
+            <a:extLst>
+              <a:ext uri="{28A0092B-C50C-407E-A947-70E740481C1C}">
+                <a14:useLocalDpi xmlns:a14="http://schemas.microsoft.com/office/drawing/2010/main" val="0"/>
+              </a:ext>
+            </a:extLst>
+          </a:blip>
+          <a:stretch>
+            <a:fillRect/>
+          </a:stretch>
+        </p:blipFill>
+        <p:spPr>
+          <a:xfrm>
+            <a:off x="5796136" y="1778930"/>
+            <a:ext cx="3202888" cy="3202888"/>
+          </a:xfrm>
+          <a:prstGeom prst="rect">
+            <a:avLst/>
+          </a:prstGeom>
+        </p:spPr>
+      </p:pic>
+    </p:spTree>
+    <p:extLst>
+      <p:ext uri="{BB962C8B-B14F-4D97-AF65-F5344CB8AC3E}">
+        <p14:creationId xmlns:p14="http://schemas.microsoft.com/office/powerpoint/2010/main" val="1105555693"/>
+      </p:ext>
+    </p:extLst>
+  </p:cSld>
+  <p:clrMapOvr>
+    <a:masterClrMapping/>
+  </p:clrMapOvr>
+  <mc:AlternateContent xmlns:mc="http://schemas.openxmlformats.org/markup-compatibility/2006" xmlns:p14="http://schemas.microsoft.com/office/powerpoint/2010/main">
+    <mc:Choice Requires="p14">
+      <p:transition spd="med" p14:dur="700">
+        <p:fade/>
+      </p:transition>
+    </mc:Choice>
+    <mc:Fallback xmlns="">
+      <p:transition spd="med">
+        <p:fade/>
+      </p:transition>
+    </mc:Fallback>
+  </mc:AlternateContent>
+  <p:timing>
+    <p:tnLst>
+      <p:par>
+        <p:cTn id="1" dur="indefinite" restart="never" nodeType="tmRoot">
+          <p:childTnLst>
+            <p:seq concurrent="1" nextAc="seek">
+              <p:cTn id="2" dur="indefinite" nodeType="mainSeq">
+                <p:childTnLst>
+                  <p:par>
+                    <p:cTn id="3" fill="hold">
+                      <p:stCondLst>
+                        <p:cond delay="indefinite"/>
+                      </p:stCondLst>
+                      <p:childTnLst>
+                        <p:par>
+                          <p:cTn id="4" fill="hold">
+                            <p:stCondLst>
+                              <p:cond delay="0"/>
+                            </p:stCondLst>
+                            <p:childTnLst>
+                              <p:par>
+                                <p:cTn id="5" presetID="10" presetClass="entr" presetSubtype="0" fill="hold" grpId="0" nodeType="clickEffect">
+                                  <p:stCondLst>
+                                    <p:cond delay="0"/>
+                                  </p:stCondLst>
+                                  <p:childTnLst>
+                                    <p:set>
+                                      <p:cBhvr>
+                                        <p:cTn id="6" dur="1" fill="hold">
+                                          <p:stCondLst>
+                                            <p:cond delay="0"/>
+                                          </p:stCondLst>
+                                        </p:cTn>
+                                        <p:tgtEl>
+                                          <p:spTgt spid="4"/>
+                                        </p:tgtEl>
+                                        <p:attrNameLst>
+                                          <p:attrName>style.visibility</p:attrName>
+                                        </p:attrNameLst>
+                                      </p:cBhvr>
+                                      <p:to>
+                                        <p:strVal val="visible"/>
+                                      </p:to>
+                                    </p:set>
+                                    <p:animEffect transition="in" filter="fade">
+                                      <p:cBhvr>
+                                        <p:cTn id="7" dur="500"/>
+                                        <p:tgtEl>
+                                          <p:spTgt spid="4"/>
+                                        </p:tgtEl>
+                                      </p:cBhvr>
+                                    </p:animEffect>
+                                  </p:childTnLst>
+                                </p:cTn>
+                              </p:par>
+                            </p:childTnLst>
+                          </p:cTn>
+                        </p:par>
+                      </p:childTnLst>
+                    </p:cTn>
+                  </p:par>
+                </p:childTnLst>
+              </p:cTn>
+              <p:prevCondLst>
+                <p:cond evt="onPrev" delay="0">
+                  <p:tgtEl>
+                    <p:sldTgt/>
+                  </p:tgtEl>
+                </p:cond>
+              </p:prevCondLst>
+              <p:nextCondLst>
+                <p:cond evt="onNext" delay="0">
+                  <p:tgtEl>
+                    <p:sldTgt/>
+                  </p:tgtEl>
+                </p:cond>
+              </p:nextCondLst>
+            </p:seq>
+          </p:childTnLst>
+        </p:cTn>
+      </p:par>
+    </p:tnLst>
+    <p:bldLst>
+      <p:bldP spid="4" grpId="0"/>
+    </p:bldLst>
+  </p:timing>
+</p:sld>
+</file>
+
+<file path=ppt/slides/slide30.xml><?xml version="1.0" encoding="utf-8"?>
+<p:sld xmlns:a="http://schemas.openxmlformats.org/drawingml/2006/main" xmlns:r="http://schemas.openxmlformats.org/officeDocument/2006/relationships" xmlns:p="http://schemas.openxmlformats.org/presentationml/2006/main">
+  <p:cSld>
+    <p:spTree>
+      <p:nvGrpSpPr>
+        <p:cNvPr id="1" name=""/>
+        <p:cNvGrpSpPr/>
+        <p:nvPr/>
+      </p:nvGrpSpPr>
+      <p:grpSpPr>
+        <a:xfrm>
+          <a:off x="0" y="0"/>
+          <a:ext cx="0" cy="0"/>
+          <a:chOff x="0" y="0"/>
+          <a:chExt cx="0" cy="0"/>
+        </a:xfrm>
+      </p:grpSpPr>
+      <p:sp>
+        <p:nvSpPr>
+          <p:cNvPr id="9" name="TextBox 6">
+            <a:extLst>
+              <a:ext uri="{FF2B5EF4-FFF2-40B4-BE49-F238E27FC236}">
+                <a16:creationId xmlns:a16="http://schemas.microsoft.com/office/drawing/2014/main" id="{225765AD-71F7-DC36-6CE8-E9873BEE1F3F}"/>
+              </a:ext>
+            </a:extLst>
+          </p:cNvPr>
+          <p:cNvSpPr txBox="1"/>
+          <p:nvPr/>
+        </p:nvSpPr>
+        <p:spPr>
+          <a:xfrm>
+            <a:off x="228600" y="133350"/>
             <a:ext cx="6935688" cy="707886"/>
           </a:xfrm>
           <a:prstGeom prst="rect">
@@ -17986,13 +17280,13 @@
   <p:clrMapOvr>
     <a:masterClrMapping/>
   </p:clrMapOvr>
-  <mc:AlternateContent xmlns:mc="http://schemas.openxmlformats.org/markup-compatibility/2006">
-    <mc:Choice xmlns:p14="http://schemas.microsoft.com/office/powerpoint/2010/main" Requires="p14">
+  <mc:AlternateContent xmlns:mc="http://schemas.openxmlformats.org/markup-compatibility/2006" xmlns:p14="http://schemas.microsoft.com/office/powerpoint/2010/main">
+    <mc:Choice Requires="p14">
       <p:transition spd="med" p14:dur="700">
         <p:fade/>
       </p:transition>
     </mc:Choice>
-    <mc:Fallback>
+    <mc:Fallback xmlns="">
       <p:transition spd="med">
         <p:fade/>
       </p:transition>
@@ -18001,7 +17295,7 @@
 </p:sld>
 </file>
 
-<file path=ppt/slides/slide32.xml><?xml version="1.0" encoding="utf-8"?>
+<file path=ppt/slides/slide31.xml><?xml version="1.0" encoding="utf-8"?>
 <p:sld xmlns:a="http://schemas.openxmlformats.org/drawingml/2006/main" xmlns:r="http://schemas.openxmlformats.org/officeDocument/2006/relationships" xmlns:p="http://schemas.openxmlformats.org/presentationml/2006/main">
   <p:cSld>
     <p:spTree>
@@ -18340,13 +17634,13 @@
   <p:clrMapOvr>
     <a:masterClrMapping/>
   </p:clrMapOvr>
-  <mc:AlternateContent xmlns:mc="http://schemas.openxmlformats.org/markup-compatibility/2006">
-    <mc:Choice xmlns:p14="http://schemas.microsoft.com/office/powerpoint/2010/main" Requires="p14">
+  <mc:AlternateContent xmlns:mc="http://schemas.openxmlformats.org/markup-compatibility/2006" xmlns:p14="http://schemas.microsoft.com/office/powerpoint/2010/main">
+    <mc:Choice Requires="p14">
       <p:transition spd="med" p14:dur="700">
         <p:fade/>
       </p:transition>
     </mc:Choice>
-    <mc:Fallback>
+    <mc:Fallback xmlns="">
       <p:transition spd="med">
         <p:fade/>
       </p:transition>
@@ -18355,7 +17649,7 @@
 </p:sld>
 </file>
 
-<file path=ppt/slides/slide33.xml><?xml version="1.0" encoding="utf-8"?>
+<file path=ppt/slides/slide32.xml><?xml version="1.0" encoding="utf-8"?>
 <p:sld xmlns:a="http://schemas.openxmlformats.org/drawingml/2006/main" xmlns:r="http://schemas.openxmlformats.org/officeDocument/2006/relationships" xmlns:p="http://schemas.openxmlformats.org/presentationml/2006/main">
   <p:cSld>
     <p:spTree>
@@ -18540,7 +17834,7 @@
             <a:fld id="{3F951EF7-2A75-44A0-8045-6A6595E5FF16}" type="slidenum">
               <a:rPr lang="pt-BR" smtClean="0"/>
               <a:pPr/>
-              <a:t>33</a:t>
+              <a:t>32</a:t>
             </a:fld>
             <a:endParaRPr lang="pt-BR" dirty="0"/>
           </a:p>
@@ -22104,12 +21398,42 @@
           </a:p>
         </p:txBody>
       </p:sp>
+      <p:pic>
+        <p:nvPicPr>
+          <p:cNvPr id="4" name="Imagem 3">
+            <a:extLst>
+              <a:ext uri="{FF2B5EF4-FFF2-40B4-BE49-F238E27FC236}">
+                <a16:creationId xmlns:a16="http://schemas.microsoft.com/office/drawing/2014/main" id="{F3761347-7EB5-3EE3-E9D5-D92AF5CD1919}"/>
+              </a:ext>
+            </a:extLst>
+          </p:cNvPr>
+          <p:cNvPicPr>
+            <a:picLocks noChangeAspect="1"/>
+          </p:cNvPicPr>
+          <p:nvPr/>
+        </p:nvPicPr>
+        <p:blipFill>
+          <a:blip r:embed="rId3"/>
+          <a:stretch>
+            <a:fillRect/>
+          </a:stretch>
+        </p:blipFill>
+        <p:spPr>
+          <a:xfrm>
+            <a:off x="4295775" y="2368277"/>
+            <a:ext cx="4848225" cy="2428875"/>
+          </a:xfrm>
+          <a:prstGeom prst="rect">
+            <a:avLst/>
+          </a:prstGeom>
+        </p:spPr>
+      </p:pic>
       <p:graphicFrame>
         <p:nvGraphicFramePr>
-          <p:cNvPr id="3" name="Tabela 2">
+          <p:cNvPr id="2" name="Tabela 1">
             <a:extLst>
               <a:ext uri="{FF2B5EF4-FFF2-40B4-BE49-F238E27FC236}">
-                <a16:creationId xmlns:a16="http://schemas.microsoft.com/office/drawing/2014/main" id="{9F2ACD2F-DED7-4AE5-841F-7C8232D61A12}"/>
+                <a16:creationId xmlns:a16="http://schemas.microsoft.com/office/drawing/2014/main" id="{3A64C10F-9DD6-592E-1756-92762BD8941F}"/>
               </a:ext>
             </a:extLst>
           </p:cNvPr>
@@ -22119,7 +21443,7 @@
           <p:nvPr>
             <p:extLst>
               <p:ext uri="{D42A27DB-BD31-4B8C-83A1-F6EECF244321}">
-                <p14:modId xmlns:p14="http://schemas.microsoft.com/office/powerpoint/2010/main" val="908256855"/>
+                <p14:modId xmlns:p14="http://schemas.microsoft.com/office/powerpoint/2010/main" val="3101103086"/>
               </p:ext>
             </p:extLst>
           </p:nvPr>
@@ -22546,40 +21870,10 @@
           </a:graphicData>
         </a:graphic>
       </p:graphicFrame>
-      <p:pic>
-        <p:nvPicPr>
-          <p:cNvPr id="7" name="Imagem 6">
-            <a:extLst>
-              <a:ext uri="{FF2B5EF4-FFF2-40B4-BE49-F238E27FC236}">
-                <a16:creationId xmlns:a16="http://schemas.microsoft.com/office/drawing/2014/main" id="{B560FF3A-A741-8A9A-C5F0-1B7D8602A0B0}"/>
-              </a:ext>
-            </a:extLst>
-          </p:cNvPr>
-          <p:cNvPicPr>
-            <a:picLocks noChangeAspect="1"/>
-          </p:cNvPicPr>
-          <p:nvPr/>
-        </p:nvPicPr>
-        <p:blipFill>
-          <a:blip r:embed="rId3"/>
-          <a:stretch>
-            <a:fillRect/>
-          </a:stretch>
-        </p:blipFill>
-        <p:spPr>
-          <a:xfrm>
-            <a:off x="4286250" y="2132856"/>
-            <a:ext cx="4857750" cy="2400300"/>
-          </a:xfrm>
-          <a:prstGeom prst="rect">
-            <a:avLst/>
-          </a:prstGeom>
-        </p:spPr>
-      </p:pic>
     </p:spTree>
     <p:extLst>
       <p:ext uri="{BB962C8B-B14F-4D97-AF65-F5344CB8AC3E}">
-        <p14:creationId xmlns:p14="http://schemas.microsoft.com/office/powerpoint/2010/main" val="1931531733"/>
+        <p14:creationId xmlns:p14="http://schemas.microsoft.com/office/powerpoint/2010/main" val="1096649349"/>
       </p:ext>
     </p:extLst>
   </p:cSld>
